--- a/docs/diagrams/DeleteCardCommand.pptx
+++ b/docs/diagrams/DeleteCardCommand.pptx
@@ -104,6 +104,11 @@
       </a:defRPr>
     </a:lvl9pPr>
   </p:defaultTextStyle>
+  <p:extLst>
+    <p:ext uri="{EFAFB233-063F-42B5-8137-9DF3F51BA10A}">
+      <p15:sldGuideLst xmlns:p15="http://schemas.microsoft.com/office/powerpoint/2012/main"/>
+    </p:ext>
+  </p:extLst>
 </p:presentation>
 </file>
 
@@ -256,7 +261,7 @@
           <a:p>
             <a:fld id="{6C902F1A-A9B2-9648-B37E-544B927EBC1F}" type="datetimeFigureOut">
               <a:rPr lang="en-US" smtClean="0"/>
-              <a:t>10/22/19</a:t>
+              <a:t>10/31/19</a:t>
             </a:fld>
             <a:endParaRPr lang="en-US"/>
           </a:p>
@@ -456,7 +461,7 @@
           <a:p>
             <a:fld id="{6C902F1A-A9B2-9648-B37E-544B927EBC1F}" type="datetimeFigureOut">
               <a:rPr lang="en-US" smtClean="0"/>
-              <a:t>10/22/19</a:t>
+              <a:t>10/31/19</a:t>
             </a:fld>
             <a:endParaRPr lang="en-US"/>
           </a:p>
@@ -666,7 +671,7 @@
           <a:p>
             <a:fld id="{6C902F1A-A9B2-9648-B37E-544B927EBC1F}" type="datetimeFigureOut">
               <a:rPr lang="en-US" smtClean="0"/>
-              <a:t>10/22/19</a:t>
+              <a:t>10/31/19</a:t>
             </a:fld>
             <a:endParaRPr lang="en-US"/>
           </a:p>
@@ -866,7 +871,7 @@
           <a:p>
             <a:fld id="{6C902F1A-A9B2-9648-B37E-544B927EBC1F}" type="datetimeFigureOut">
               <a:rPr lang="en-US" smtClean="0"/>
-              <a:t>10/22/19</a:t>
+              <a:t>10/31/19</a:t>
             </a:fld>
             <a:endParaRPr lang="en-US"/>
           </a:p>
@@ -1142,7 +1147,7 @@
           <a:p>
             <a:fld id="{6C902F1A-A9B2-9648-B37E-544B927EBC1F}" type="datetimeFigureOut">
               <a:rPr lang="en-US" smtClean="0"/>
-              <a:t>10/22/19</a:t>
+              <a:t>10/31/19</a:t>
             </a:fld>
             <a:endParaRPr lang="en-US"/>
           </a:p>
@@ -1410,7 +1415,7 @@
           <a:p>
             <a:fld id="{6C902F1A-A9B2-9648-B37E-544B927EBC1F}" type="datetimeFigureOut">
               <a:rPr lang="en-US" smtClean="0"/>
-              <a:t>10/22/19</a:t>
+              <a:t>10/31/19</a:t>
             </a:fld>
             <a:endParaRPr lang="en-US"/>
           </a:p>
@@ -1825,7 +1830,7 @@
           <a:p>
             <a:fld id="{6C902F1A-A9B2-9648-B37E-544B927EBC1F}" type="datetimeFigureOut">
               <a:rPr lang="en-US" smtClean="0"/>
-              <a:t>10/22/19</a:t>
+              <a:t>10/31/19</a:t>
             </a:fld>
             <a:endParaRPr lang="en-US"/>
           </a:p>
@@ -1967,7 +1972,7 @@
           <a:p>
             <a:fld id="{6C902F1A-A9B2-9648-B37E-544B927EBC1F}" type="datetimeFigureOut">
               <a:rPr lang="en-US" smtClean="0"/>
-              <a:t>10/22/19</a:t>
+              <a:t>10/31/19</a:t>
             </a:fld>
             <a:endParaRPr lang="en-US"/>
           </a:p>
@@ -2080,7 +2085,7 @@
           <a:p>
             <a:fld id="{6C902F1A-A9B2-9648-B37E-544B927EBC1F}" type="datetimeFigureOut">
               <a:rPr lang="en-US" smtClean="0"/>
-              <a:t>10/22/19</a:t>
+              <a:t>10/31/19</a:t>
             </a:fld>
             <a:endParaRPr lang="en-US"/>
           </a:p>
@@ -2393,7 +2398,7 @@
           <a:p>
             <a:fld id="{6C902F1A-A9B2-9648-B37E-544B927EBC1F}" type="datetimeFigureOut">
               <a:rPr lang="en-US" smtClean="0"/>
-              <a:t>10/22/19</a:t>
+              <a:t>10/31/19</a:t>
             </a:fld>
             <a:endParaRPr lang="en-US"/>
           </a:p>
@@ -2682,7 +2687,7 @@
           <a:p>
             <a:fld id="{6C902F1A-A9B2-9648-B37E-544B927EBC1F}" type="datetimeFigureOut">
               <a:rPr lang="en-US" smtClean="0"/>
-              <a:t>10/22/19</a:t>
+              <a:t>10/31/19</a:t>
             </a:fld>
             <a:endParaRPr lang="en-US"/>
           </a:p>
@@ -2925,7 +2930,7 @@
           <a:p>
             <a:fld id="{6C902F1A-A9B2-9648-B37E-544B927EBC1F}" type="datetimeFigureOut">
               <a:rPr lang="en-US" smtClean="0"/>
-              <a:t>10/22/19</a:t>
+              <a:t>10/31/19</a:t>
             </a:fld>
             <a:endParaRPr lang="en-US"/>
           </a:p>
@@ -3344,10 +3349,10 @@
       </p:grpSpPr>
       <p:grpSp>
         <p:nvGrpSpPr>
-          <p:cNvPr id="4" name="Group 3">
+          <p:cNvPr id="3" name="Group 2">
             <a:extLst>
               <a:ext uri="{FF2B5EF4-FFF2-40B4-BE49-F238E27FC236}">
-                <a16:creationId xmlns:a16="http://schemas.microsoft.com/office/drawing/2014/main" id="{17A2EF02-551E-754D-938E-F9C8FAC162B9}"/>
+                <a16:creationId xmlns:a16="http://schemas.microsoft.com/office/drawing/2014/main" id="{3B452173-D81C-B246-8975-FA3537E87F13}"/>
               </a:ext>
             </a:extLst>
           </p:cNvPr>
@@ -3358,27 +3363,27 @@
           <a:xfrm>
             <a:off x="89466" y="208302"/>
             <a:ext cx="12013067" cy="6441395"/>
-            <a:chOff x="159478" y="314043"/>
+            <a:chOff x="89466" y="208302"/>
             <a:chExt cx="12013067" cy="6441395"/>
           </a:xfrm>
         </p:grpSpPr>
         <p:cxnSp>
           <p:nvCxnSpPr>
-            <p:cNvPr id="5" name="Straight Arrow Connector 4">
+            <p:cNvPr id="79" name="Straight Arrow Connector 78">
               <a:extLst>
                 <a:ext uri="{FF2B5EF4-FFF2-40B4-BE49-F238E27FC236}">
-                  <a16:creationId xmlns:a16="http://schemas.microsoft.com/office/drawing/2014/main" id="{16A88C0C-27D5-594E-86C2-885BA31A8E40}"/>
+                  <a16:creationId xmlns:a16="http://schemas.microsoft.com/office/drawing/2014/main" id="{039310C1-E4F5-A441-B5F5-F5591EB5E525}"/>
                 </a:ext>
               </a:extLst>
             </p:cNvPr>
             <p:cNvCxnSpPr>
-              <a:stCxn id="30" idx="2"/>
+              <a:stCxn id="104" idx="2"/>
             </p:cNvCxnSpPr>
             <p:nvPr/>
           </p:nvCxnSpPr>
           <p:spPr>
             <a:xfrm flipH="1">
-              <a:off x="4091421" y="5781136"/>
+              <a:off x="4021409" y="5675395"/>
               <a:ext cx="2066571" cy="0"/>
             </a:xfrm>
             <a:prstGeom prst="straightConnector1">
@@ -3386,9 +3391,100 @@
             </a:prstGeom>
             <a:ln>
               <a:solidFill>
-                <a:schemeClr val="accent2">
-                  <a:lumMod val="40000"/>
-                  <a:lumOff val="60000"/>
+                <a:srgbClr val="C00000"/>
+              </a:solidFill>
+              <a:prstDash val="sysDash"/>
+              <a:tailEnd type="triangle"/>
+            </a:ln>
+          </p:spPr>
+          <p:style>
+            <a:lnRef idx="1">
+              <a:schemeClr val="accent1"/>
+            </a:lnRef>
+            <a:fillRef idx="0">
+              <a:schemeClr val="accent1"/>
+            </a:fillRef>
+            <a:effectRef idx="0">
+              <a:schemeClr val="accent1"/>
+            </a:effectRef>
+            <a:fontRef idx="minor">
+              <a:schemeClr val="tx1"/>
+            </a:fontRef>
+          </p:style>
+        </p:cxnSp>
+        <p:cxnSp>
+          <p:nvCxnSpPr>
+            <p:cNvPr id="80" name="Straight Arrow Connector 79">
+              <a:extLst>
+                <a:ext uri="{FF2B5EF4-FFF2-40B4-BE49-F238E27FC236}">
+                  <a16:creationId xmlns:a16="http://schemas.microsoft.com/office/drawing/2014/main" id="{93FDDE73-3D06-1046-95CD-C8CB97E1A911}"/>
+                </a:ext>
+              </a:extLst>
+            </p:cNvPr>
+            <p:cNvCxnSpPr>
+              <a:stCxn id="98" idx="2"/>
+            </p:cNvCxnSpPr>
+            <p:nvPr/>
+          </p:nvCxnSpPr>
+          <p:spPr>
+            <a:xfrm flipH="1">
+              <a:off x="1978414" y="5897815"/>
+              <a:ext cx="1981114" cy="0"/>
+            </a:xfrm>
+            <a:prstGeom prst="straightConnector1">
+              <a:avLst/>
+            </a:prstGeom>
+            <a:ln>
+              <a:solidFill>
+                <a:srgbClr val="7030A0">
+                  <a:alpha val="70000"/>
+                </a:srgbClr>
+              </a:solidFill>
+              <a:prstDash val="sysDash"/>
+              <a:tailEnd type="triangle"/>
+            </a:ln>
+          </p:spPr>
+          <p:style>
+            <a:lnRef idx="1">
+              <a:schemeClr val="accent1"/>
+            </a:lnRef>
+            <a:fillRef idx="0">
+              <a:schemeClr val="accent1"/>
+            </a:fillRef>
+            <a:effectRef idx="0">
+              <a:schemeClr val="accent1"/>
+            </a:effectRef>
+            <a:fontRef idx="minor">
+              <a:schemeClr val="tx1"/>
+            </a:fontRef>
+          </p:style>
+        </p:cxnSp>
+        <p:cxnSp>
+          <p:nvCxnSpPr>
+            <p:cNvPr id="81" name="Straight Arrow Connector 80">
+              <a:extLst>
+                <a:ext uri="{FF2B5EF4-FFF2-40B4-BE49-F238E27FC236}">
+                  <a16:creationId xmlns:a16="http://schemas.microsoft.com/office/drawing/2014/main" id="{6783490C-F94C-F94D-9A06-D290D04F8CD3}"/>
+                </a:ext>
+              </a:extLst>
+            </p:cNvPr>
+            <p:cNvCxnSpPr>
+              <a:stCxn id="92" idx="2"/>
+            </p:cNvCxnSpPr>
+            <p:nvPr/>
+          </p:nvCxnSpPr>
+          <p:spPr>
+            <a:xfrm flipH="1" flipV="1">
+              <a:off x="567251" y="6063355"/>
+              <a:ext cx="1346820" cy="3159"/>
+            </a:xfrm>
+            <a:prstGeom prst="straightConnector1">
+              <a:avLst/>
+            </a:prstGeom>
+            <a:ln>
+              <a:solidFill>
+                <a:schemeClr val="bg1">
+                  <a:lumMod val="50000"/>
                 </a:schemeClr>
               </a:solidFill>
               <a:prstDash val="sysDash"/>
@@ -3412,22 +3508,23 @@
         </p:cxnSp>
         <p:cxnSp>
           <p:nvCxnSpPr>
-            <p:cNvPr id="6" name="Straight Arrow Connector 5">
+            <p:cNvPr id="82" name="Straight Arrow Connector 81">
               <a:extLst>
                 <a:ext uri="{FF2B5EF4-FFF2-40B4-BE49-F238E27FC236}">
-                  <a16:creationId xmlns:a16="http://schemas.microsoft.com/office/drawing/2014/main" id="{B6A80219-F490-C542-9DE5-D4D0BC25792C}"/>
+                  <a16:creationId xmlns:a16="http://schemas.microsoft.com/office/drawing/2014/main" id="{A905797F-99DA-F643-9195-F16A22A27459}"/>
                 </a:ext>
               </a:extLst>
             </p:cNvPr>
             <p:cNvCxnSpPr>
-              <a:stCxn id="24" idx="2"/>
+              <a:cxnSpLocks/>
+              <a:stCxn id="115" idx="2"/>
             </p:cNvCxnSpPr>
             <p:nvPr/>
           </p:nvCxnSpPr>
           <p:spPr>
             <a:xfrm flipH="1">
-              <a:off x="2048426" y="6003556"/>
-              <a:ext cx="1981114" cy="0"/>
+              <a:off x="6259946" y="5000193"/>
+              <a:ext cx="3248317" cy="0"/>
             </a:xfrm>
             <a:prstGeom prst="straightConnector1">
               <a:avLst/>
@@ -3435,8 +3532,7 @@
             <a:ln>
               <a:solidFill>
                 <a:schemeClr val="accent2">
-                  <a:lumMod val="20000"/>
-                  <a:lumOff val="80000"/>
+                  <a:lumMod val="75000"/>
                 </a:schemeClr>
               </a:solidFill>
               <a:prstDash val="sysDash"/>
@@ -3460,106 +3556,10 @@
         </p:cxnSp>
         <p:cxnSp>
           <p:nvCxnSpPr>
-            <p:cNvPr id="7" name="Straight Arrow Connector 6">
+            <p:cNvPr id="83" name="Curved Connector 82">
               <a:extLst>
                 <a:ext uri="{FF2B5EF4-FFF2-40B4-BE49-F238E27FC236}">
-                  <a16:creationId xmlns:a16="http://schemas.microsoft.com/office/drawing/2014/main" id="{64108FED-0FF7-8842-B827-036933802BC3}"/>
-                </a:ext>
-              </a:extLst>
-            </p:cNvPr>
-            <p:cNvCxnSpPr>
-              <a:stCxn id="18" idx="2"/>
-            </p:cNvCxnSpPr>
-            <p:nvPr/>
-          </p:nvCxnSpPr>
-          <p:spPr>
-            <a:xfrm flipH="1" flipV="1">
-              <a:off x="637263" y="6169096"/>
-              <a:ext cx="1346820" cy="3159"/>
-            </a:xfrm>
-            <a:prstGeom prst="straightConnector1">
-              <a:avLst/>
-            </a:prstGeom>
-            <a:ln>
-              <a:solidFill>
-                <a:schemeClr val="bg2">
-                  <a:lumMod val="90000"/>
-                </a:schemeClr>
-              </a:solidFill>
-              <a:prstDash val="sysDash"/>
-              <a:tailEnd type="triangle"/>
-            </a:ln>
-          </p:spPr>
-          <p:style>
-            <a:lnRef idx="1">
-              <a:schemeClr val="accent1"/>
-            </a:lnRef>
-            <a:fillRef idx="0">
-              <a:schemeClr val="accent1"/>
-            </a:fillRef>
-            <a:effectRef idx="0">
-              <a:schemeClr val="accent1"/>
-            </a:effectRef>
-            <a:fontRef idx="minor">
-              <a:schemeClr val="tx1"/>
-            </a:fontRef>
-          </p:style>
-        </p:cxnSp>
-        <p:cxnSp>
-          <p:nvCxnSpPr>
-            <p:cNvPr id="8" name="Straight Arrow Connector 7">
-              <a:extLst>
-                <a:ext uri="{FF2B5EF4-FFF2-40B4-BE49-F238E27FC236}">
-                  <a16:creationId xmlns:a16="http://schemas.microsoft.com/office/drawing/2014/main" id="{4DF0EA78-5637-0549-B397-979A84C1C6ED}"/>
-                </a:ext>
-              </a:extLst>
-            </p:cNvPr>
-            <p:cNvCxnSpPr>
-              <a:cxnSpLocks/>
-              <a:stCxn id="41" idx="2"/>
-            </p:cNvCxnSpPr>
-            <p:nvPr/>
-          </p:nvCxnSpPr>
-          <p:spPr>
-            <a:xfrm flipH="1">
-              <a:off x="6329958" y="5105934"/>
-              <a:ext cx="3248317" cy="0"/>
-            </a:xfrm>
-            <a:prstGeom prst="straightConnector1">
-              <a:avLst/>
-            </a:prstGeom>
-            <a:ln>
-              <a:solidFill>
-                <a:schemeClr val="accent2">
-                  <a:lumMod val="60000"/>
-                  <a:lumOff val="40000"/>
-                </a:schemeClr>
-              </a:solidFill>
-              <a:prstDash val="sysDash"/>
-              <a:tailEnd type="triangle"/>
-            </a:ln>
-          </p:spPr>
-          <p:style>
-            <a:lnRef idx="1">
-              <a:schemeClr val="accent1"/>
-            </a:lnRef>
-            <a:fillRef idx="0">
-              <a:schemeClr val="accent1"/>
-            </a:fillRef>
-            <a:effectRef idx="0">
-              <a:schemeClr val="accent1"/>
-            </a:effectRef>
-            <a:fontRef idx="minor">
-              <a:schemeClr val="tx1"/>
-            </a:fontRef>
-          </p:style>
-        </p:cxnSp>
-        <p:cxnSp>
-          <p:nvCxnSpPr>
-            <p:cNvPr id="9" name="Curved Connector 8">
-              <a:extLst>
-                <a:ext uri="{FF2B5EF4-FFF2-40B4-BE49-F238E27FC236}">
-                  <a16:creationId xmlns:a16="http://schemas.microsoft.com/office/drawing/2014/main" id="{97055162-61BC-E34A-BF98-7601F7CCA0E2}"/>
+                  <a16:creationId xmlns:a16="http://schemas.microsoft.com/office/drawing/2014/main" id="{BB9ACB15-D369-824D-AA2C-FC8E24687939}"/>
                 </a:ext>
               </a:extLst>
             </p:cNvPr>
@@ -3570,7 +3570,7 @@
           </p:nvCxnSpPr>
           <p:spPr>
             <a:xfrm rot="16200000" flipH="1">
-              <a:off x="6139877" y="4122781"/>
+              <a:off x="6069865" y="4017040"/>
               <a:ext cx="144865" cy="193058"/>
             </a:xfrm>
             <a:prstGeom prst="curvedConnector4">
@@ -3582,8 +3582,7 @@
             <a:ln>
               <a:solidFill>
                 <a:schemeClr val="accent2">
-                  <a:lumMod val="60000"/>
-                  <a:lumOff val="40000"/>
+                  <a:lumMod val="75000"/>
                 </a:schemeClr>
               </a:solidFill>
               <a:tailEnd type="triangle"/>
@@ -3606,22 +3605,22 @@
         </p:cxnSp>
         <p:cxnSp>
           <p:nvCxnSpPr>
-            <p:cNvPr id="10" name="Straight Arrow Connector 9">
+            <p:cNvPr id="84" name="Straight Arrow Connector 83">
               <a:extLst>
                 <a:ext uri="{FF2B5EF4-FFF2-40B4-BE49-F238E27FC236}">
-                  <a16:creationId xmlns:a16="http://schemas.microsoft.com/office/drawing/2014/main" id="{91C8FB66-86D1-4343-9F3B-1E2798328BD9}"/>
+                  <a16:creationId xmlns:a16="http://schemas.microsoft.com/office/drawing/2014/main" id="{067B53B9-3CD5-4845-8DA9-F850C7BD3DC6}"/>
                 </a:ext>
               </a:extLst>
             </p:cNvPr>
             <p:cNvCxnSpPr>
               <a:cxnSpLocks/>
-              <a:stCxn id="40" idx="2"/>
+              <a:stCxn id="114" idx="2"/>
             </p:cNvCxnSpPr>
             <p:nvPr/>
           </p:nvCxnSpPr>
           <p:spPr>
             <a:xfrm flipH="1">
-              <a:off x="6222359" y="4018841"/>
+              <a:off x="6152347" y="3913100"/>
               <a:ext cx="3362948" cy="0"/>
             </a:xfrm>
             <a:prstGeom prst="straightConnector1">
@@ -3630,8 +3629,7 @@
             <a:ln>
               <a:solidFill>
                 <a:schemeClr val="accent2">
-                  <a:lumMod val="60000"/>
-                  <a:lumOff val="40000"/>
+                  <a:lumMod val="75000"/>
                 </a:schemeClr>
               </a:solidFill>
               <a:prstDash val="sysDash"/>
@@ -3655,10 +3653,10 @@
         </p:cxnSp>
         <p:cxnSp>
           <p:nvCxnSpPr>
-            <p:cNvPr id="11" name="Curved Connector 10">
+            <p:cNvPr id="85" name="Curved Connector 84">
               <a:extLst>
                 <a:ext uri="{FF2B5EF4-FFF2-40B4-BE49-F238E27FC236}">
-                  <a16:creationId xmlns:a16="http://schemas.microsoft.com/office/drawing/2014/main" id="{6EADF83D-95B3-FF41-B9B9-5F94713414D2}"/>
+                  <a16:creationId xmlns:a16="http://schemas.microsoft.com/office/drawing/2014/main" id="{2D6A3A59-BA6C-2A41-8172-925C81A77031}"/>
                 </a:ext>
               </a:extLst>
             </p:cNvPr>
@@ -3669,7 +3667,7 @@
           </p:nvCxnSpPr>
           <p:spPr>
             <a:xfrm rot="16200000" flipH="1">
-              <a:off x="6117721" y="2911702"/>
+              <a:off x="6047709" y="2805961"/>
               <a:ext cx="144865" cy="193058"/>
             </a:xfrm>
             <a:prstGeom prst="curvedConnector4">
@@ -3681,8 +3679,7 @@
             <a:ln>
               <a:solidFill>
                 <a:schemeClr val="accent2">
-                  <a:lumMod val="60000"/>
-                  <a:lumOff val="40000"/>
+                  <a:lumMod val="75000"/>
                 </a:schemeClr>
               </a:solidFill>
               <a:tailEnd type="triangle"/>
@@ -3705,10 +3702,10 @@
         </p:cxnSp>
         <p:cxnSp>
           <p:nvCxnSpPr>
-            <p:cNvPr id="12" name="Curved Connector 11">
+            <p:cNvPr id="86" name="Curved Connector 85">
               <a:extLst>
                 <a:ext uri="{FF2B5EF4-FFF2-40B4-BE49-F238E27FC236}">
-                  <a16:creationId xmlns:a16="http://schemas.microsoft.com/office/drawing/2014/main" id="{3C3EA76C-7D14-B640-8010-C883EC415F6E}"/>
+                  <a16:creationId xmlns:a16="http://schemas.microsoft.com/office/drawing/2014/main" id="{105C68A5-8F8A-4D45-8C6A-9BE8FA4BD733}"/>
                 </a:ext>
               </a:extLst>
             </p:cNvPr>
@@ -3719,7 +3716,7 @@
           </p:nvCxnSpPr>
           <p:spPr>
             <a:xfrm rot="16200000" flipH="1">
-              <a:off x="6141545" y="2215947"/>
+              <a:off x="6071533" y="2110206"/>
               <a:ext cx="144865" cy="193058"/>
             </a:xfrm>
             <a:prstGeom prst="curvedConnector4">
@@ -3731,8 +3728,7 @@
             <a:ln>
               <a:solidFill>
                 <a:schemeClr val="accent2">
-                  <a:lumMod val="60000"/>
-                  <a:lumOff val="40000"/>
+                  <a:lumMod val="75000"/>
                 </a:schemeClr>
               </a:solidFill>
               <a:tailEnd type="triangle"/>
@@ -3755,10 +3751,10 @@
         </p:cxnSp>
         <p:cxnSp>
           <p:nvCxnSpPr>
-            <p:cNvPr id="13" name="Curved Connector 12">
+            <p:cNvPr id="87" name="Curved Connector 86">
               <a:extLst>
                 <a:ext uri="{FF2B5EF4-FFF2-40B4-BE49-F238E27FC236}">
-                  <a16:creationId xmlns:a16="http://schemas.microsoft.com/office/drawing/2014/main" id="{ED2FB3F8-9AC6-524F-B882-AB78B1582B3A}"/>
+                  <a16:creationId xmlns:a16="http://schemas.microsoft.com/office/drawing/2014/main" id="{246A8092-F827-5F4A-9BE1-DCA59435D7DE}"/>
                 </a:ext>
               </a:extLst>
             </p:cNvPr>
@@ -3769,7 +3765,7 @@
           </p:nvCxnSpPr>
           <p:spPr>
             <a:xfrm rot="16200000" flipH="1">
-              <a:off x="6117721" y="1202669"/>
+              <a:off x="6047709" y="1096928"/>
               <a:ext cx="144865" cy="193058"/>
             </a:xfrm>
             <a:prstGeom prst="curvedConnector4">
@@ -3781,8 +3777,7 @@
             <a:ln>
               <a:solidFill>
                 <a:schemeClr val="accent2">
-                  <a:lumMod val="60000"/>
-                  <a:lumOff val="40000"/>
+                  <a:lumMod val="75000"/>
                 </a:schemeClr>
               </a:solidFill>
               <a:tailEnd type="triangle"/>
@@ -3805,10 +3800,10 @@
         </p:cxnSp>
         <p:sp>
           <p:nvSpPr>
-            <p:cNvPr id="14" name="Rectangle 13">
+            <p:cNvPr id="88" name="Rectangle 87">
               <a:extLst>
                 <a:ext uri="{FF2B5EF4-FFF2-40B4-BE49-F238E27FC236}">
-                  <a16:creationId xmlns:a16="http://schemas.microsoft.com/office/drawing/2014/main" id="{BB960E83-674C-5C49-9FE3-8752CE94C8FA}"/>
+                  <a16:creationId xmlns:a16="http://schemas.microsoft.com/office/drawing/2014/main" id="{0AB2143C-9608-C942-AC1C-B9EABE8F90E8}"/>
                 </a:ext>
               </a:extLst>
             </p:cNvPr>
@@ -3817,8 +3812,8 @@
           </p:nvSpPr>
           <p:spPr>
             <a:xfrm>
-              <a:off x="517611" y="546611"/>
-              <a:ext cx="128734" cy="6208827"/>
+              <a:off x="447599" y="754898"/>
+              <a:ext cx="114964" cy="5894799"/>
             </a:xfrm>
             <a:prstGeom prst="rect">
               <a:avLst/>
@@ -3826,8 +3821,8 @@
             <a:noFill/>
             <a:ln>
               <a:solidFill>
-                <a:schemeClr val="bg2">
-                  <a:lumMod val="90000"/>
+                <a:schemeClr val="bg1">
+                  <a:lumMod val="50000"/>
                 </a:schemeClr>
               </a:solidFill>
             </a:ln>
@@ -3862,10 +3857,10 @@
         </p:sp>
         <p:sp>
           <p:nvSpPr>
-            <p:cNvPr id="15" name="TextBox 14">
+            <p:cNvPr id="89" name="TextBox 88">
               <a:extLst>
                 <a:ext uri="{FF2B5EF4-FFF2-40B4-BE49-F238E27FC236}">
-                  <a16:creationId xmlns:a16="http://schemas.microsoft.com/office/drawing/2014/main" id="{ED1F2680-1704-B041-A6AB-6CBFE8764078}"/>
+                  <a16:creationId xmlns:a16="http://schemas.microsoft.com/office/drawing/2014/main" id="{AEA40378-758B-E746-92AE-B5A5F87D4FA8}"/>
                 </a:ext>
               </a:extLst>
             </p:cNvPr>
@@ -3874,7 +3869,7 @@
           </p:nvSpPr>
           <p:spPr>
             <a:xfrm>
-              <a:off x="241792" y="314043"/>
+              <a:off x="143317" y="224956"/>
               <a:ext cx="723528" cy="261610"/>
             </a:xfrm>
             <a:prstGeom prst="rect">
@@ -3885,6 +3880,13 @@
                 <a:lumMod val="90000"/>
               </a:schemeClr>
             </a:solidFill>
+            <a:ln>
+              <a:solidFill>
+                <a:schemeClr val="bg1">
+                  <a:lumMod val="50000"/>
+                </a:schemeClr>
+              </a:solidFill>
+            </a:ln>
           </p:spPr>
           <p:txBody>
             <a:bodyPr wrap="square" rtlCol="0" anchor="ctr">
@@ -3905,10 +3907,10 @@
         </p:sp>
         <p:sp>
           <p:nvSpPr>
-            <p:cNvPr id="16" name="TextBox 15">
+            <p:cNvPr id="90" name="TextBox 89">
               <a:extLst>
                 <a:ext uri="{FF2B5EF4-FFF2-40B4-BE49-F238E27FC236}">
-                  <a16:creationId xmlns:a16="http://schemas.microsoft.com/office/drawing/2014/main" id="{7ABDB2EA-12F3-B647-A6F2-7501637D73B3}"/>
+                  <a16:creationId xmlns:a16="http://schemas.microsoft.com/office/drawing/2014/main" id="{DA8B67E8-DF2D-CB4D-8630-DE7046719140}"/>
                 </a:ext>
               </a:extLst>
             </p:cNvPr>
@@ -3917,7 +3919,7 @@
           </p:nvSpPr>
           <p:spPr>
             <a:xfrm>
-              <a:off x="1164520" y="318475"/>
+              <a:off x="1094508" y="212734"/>
               <a:ext cx="1647316" cy="261610"/>
             </a:xfrm>
             <a:prstGeom prst="rect">
@@ -3926,6 +3928,13 @@
             <a:solidFill>
               <a:srgbClr val="CBA8FD"/>
             </a:solidFill>
+            <a:ln>
+              <a:solidFill>
+                <a:srgbClr val="7030A0">
+                  <a:alpha val="70000"/>
+                </a:srgbClr>
+              </a:solidFill>
+            </a:ln>
           </p:spPr>
           <p:txBody>
             <a:bodyPr wrap="square" rtlCol="0" anchor="ctr">
@@ -3946,23 +3955,23 @@
         </p:sp>
         <p:cxnSp>
           <p:nvCxnSpPr>
-            <p:cNvPr id="17" name="Straight Connector 16">
+            <p:cNvPr id="91" name="Straight Connector 90">
               <a:extLst>
                 <a:ext uri="{FF2B5EF4-FFF2-40B4-BE49-F238E27FC236}">
-                  <a16:creationId xmlns:a16="http://schemas.microsoft.com/office/drawing/2014/main" id="{1846B78D-76D1-1E4E-B48B-810FC4A91994}"/>
+                  <a16:creationId xmlns:a16="http://schemas.microsoft.com/office/drawing/2014/main" id="{26D71420-0187-6644-AACE-D3C113FEBEB3}"/>
                 </a:ext>
               </a:extLst>
             </p:cNvPr>
             <p:cNvCxnSpPr>
               <a:cxnSpLocks/>
-              <a:stCxn id="16" idx="2"/>
-              <a:endCxn id="18" idx="0"/>
+              <a:stCxn id="90" idx="2"/>
+              <a:endCxn id="92" idx="0"/>
             </p:cNvCxnSpPr>
             <p:nvPr/>
           </p:nvCxnSpPr>
           <p:spPr>
             <a:xfrm flipH="1">
-              <a:off x="1984083" y="580085"/>
+              <a:off x="1914071" y="474344"/>
               <a:ext cx="4095" cy="372170"/>
             </a:xfrm>
             <a:prstGeom prst="line">
@@ -3970,7 +3979,9 @@
             </a:prstGeom>
             <a:ln>
               <a:solidFill>
-                <a:srgbClr val="CBA8FD"/>
+                <a:srgbClr val="7030A0">
+                  <a:alpha val="70000"/>
+                </a:srgbClr>
               </a:solidFill>
               <a:prstDash val="sysDash"/>
             </a:ln>
@@ -3992,10 +4003,10 @@
         </p:cxnSp>
         <p:sp>
           <p:nvSpPr>
-            <p:cNvPr id="18" name="Rectangle 17">
+            <p:cNvPr id="92" name="Rectangle 91">
               <a:extLst>
                 <a:ext uri="{FF2B5EF4-FFF2-40B4-BE49-F238E27FC236}">
-                  <a16:creationId xmlns:a16="http://schemas.microsoft.com/office/drawing/2014/main" id="{E4212989-4B1E-6A4A-9306-F34A7CBA95D5}"/>
+                  <a16:creationId xmlns:a16="http://schemas.microsoft.com/office/drawing/2014/main" id="{D6EEB6C0-F6F0-C749-9698-D92CB9CDDA6B}"/>
                 </a:ext>
               </a:extLst>
             </p:cNvPr>
@@ -4004,7 +4015,7 @@
           </p:nvSpPr>
           <p:spPr>
             <a:xfrm>
-              <a:off x="1919739" y="952255"/>
+              <a:off x="1849727" y="846514"/>
               <a:ext cx="128687" cy="5220000"/>
             </a:xfrm>
             <a:prstGeom prst="rect">
@@ -4015,7 +4026,9 @@
             </a:solidFill>
             <a:ln>
               <a:solidFill>
-                <a:srgbClr val="CBA8FD"/>
+                <a:srgbClr val="7030A0">
+                  <a:alpha val="70000"/>
+                </a:srgbClr>
               </a:solidFill>
             </a:ln>
           </p:spPr>
@@ -4049,10 +4062,10 @@
         </p:sp>
         <p:cxnSp>
           <p:nvCxnSpPr>
-            <p:cNvPr id="19" name="Straight Arrow Connector 18">
+            <p:cNvPr id="93" name="Straight Arrow Connector 92">
               <a:extLst>
                 <a:ext uri="{FF2B5EF4-FFF2-40B4-BE49-F238E27FC236}">
-                  <a16:creationId xmlns:a16="http://schemas.microsoft.com/office/drawing/2014/main" id="{5DC19D84-EA80-3640-AF37-48A4B2AFBFA2}"/>
+                  <a16:creationId xmlns:a16="http://schemas.microsoft.com/office/drawing/2014/main" id="{6D1C6AD2-625A-C543-9343-98E29F63AC97}"/>
                 </a:ext>
               </a:extLst>
             </p:cNvPr>
@@ -4063,7 +4076,7 @@
           </p:nvCxnSpPr>
           <p:spPr>
             <a:xfrm>
-              <a:off x="637263" y="952255"/>
+              <a:off x="567251" y="846514"/>
               <a:ext cx="1286972" cy="0"/>
             </a:xfrm>
             <a:prstGeom prst="straightConnector1">
@@ -4071,8 +4084,8 @@
             </a:prstGeom>
             <a:ln>
               <a:solidFill>
-                <a:schemeClr val="bg2">
-                  <a:lumMod val="90000"/>
+                <a:schemeClr val="bg1">
+                  <a:lumMod val="50000"/>
                 </a:schemeClr>
               </a:solidFill>
               <a:tailEnd type="triangle"/>
@@ -4095,10 +4108,10 @@
         </p:cxnSp>
         <p:sp>
           <p:nvSpPr>
-            <p:cNvPr id="20" name="TextBox 19">
+            <p:cNvPr id="94" name="TextBox 93">
               <a:extLst>
                 <a:ext uri="{FF2B5EF4-FFF2-40B4-BE49-F238E27FC236}">
-                  <a16:creationId xmlns:a16="http://schemas.microsoft.com/office/drawing/2014/main" id="{B256527A-26AF-E747-B4DB-844323840A39}"/>
+                  <a16:creationId xmlns:a16="http://schemas.microsoft.com/office/drawing/2014/main" id="{CBBC74A2-0069-BE48-9940-545A00A17EE8}"/>
                 </a:ext>
               </a:extLst>
             </p:cNvPr>
@@ -4107,7 +4120,7 @@
           </p:nvSpPr>
           <p:spPr>
             <a:xfrm>
-              <a:off x="641874" y="729834"/>
+              <a:off x="542834" y="624093"/>
               <a:ext cx="1343638" cy="261610"/>
             </a:xfrm>
             <a:prstGeom prst="rect">
@@ -4122,33 +4135,47 @@
             <a:lstStyle/>
             <a:p>
               <a:r>
-                <a:rPr lang="en-US" sz="1100">
+                <a:rPr lang="en-US" sz="1100" dirty="0">
                   <a:latin typeface="Arial" panose="020B0604020202020204" pitchFamily="34" charset="0"/>
                   <a:cs typeface="Arial" panose="020B0604020202020204" pitchFamily="34" charset="0"/>
                 </a:rPr>
-                <a:t>execute(profile, ui)</a:t>
+                <a:t>execute(profile, </a:t>
+              </a:r>
+              <a:r>
+                <a:rPr lang="en-US" sz="1100" dirty="0" err="1">
+                  <a:latin typeface="Arial" panose="020B0604020202020204" pitchFamily="34" charset="0"/>
+                  <a:cs typeface="Arial" panose="020B0604020202020204" pitchFamily="34" charset="0"/>
+                </a:rPr>
+                <a:t>ui</a:t>
+              </a:r>
+              <a:r>
+                <a:rPr lang="en-US" sz="1100" dirty="0">
+                  <a:latin typeface="Arial" panose="020B0604020202020204" pitchFamily="34" charset="0"/>
+                  <a:cs typeface="Arial" panose="020B0604020202020204" pitchFamily="34" charset="0"/>
+                </a:rPr>
+                <a:t>)</a:t>
               </a:r>
             </a:p>
           </p:txBody>
         </p:sp>
         <p:cxnSp>
           <p:nvCxnSpPr>
-            <p:cNvPr id="21" name="Straight Connector 20">
+            <p:cNvPr id="95" name="Straight Connector 94">
               <a:extLst>
                 <a:ext uri="{FF2B5EF4-FFF2-40B4-BE49-F238E27FC236}">
-                  <a16:creationId xmlns:a16="http://schemas.microsoft.com/office/drawing/2014/main" id="{94B18A70-86BD-694C-9E3E-52B469EC2A54}"/>
+                  <a16:creationId xmlns:a16="http://schemas.microsoft.com/office/drawing/2014/main" id="{34B35DDC-CAE3-2649-B661-67F3BCFF4675}"/>
                 </a:ext>
               </a:extLst>
             </p:cNvPr>
             <p:cNvCxnSpPr>
               <a:cxnSpLocks/>
-              <a:stCxn id="18" idx="2"/>
+              <a:stCxn id="92" idx="2"/>
             </p:cNvCxnSpPr>
             <p:nvPr/>
           </p:nvCxnSpPr>
           <p:spPr>
             <a:xfrm flipH="1">
-              <a:off x="1983340" y="6172254"/>
+              <a:off x="1913328" y="6066513"/>
               <a:ext cx="743" cy="223200"/>
             </a:xfrm>
             <a:prstGeom prst="line">
@@ -4156,7 +4183,9 @@
             </a:prstGeom>
             <a:ln>
               <a:solidFill>
-                <a:srgbClr val="CBA8FD"/>
+                <a:srgbClr val="7030A0">
+                  <a:alpha val="70000"/>
+                </a:srgbClr>
               </a:solidFill>
               <a:prstDash val="sysDash"/>
             </a:ln>
@@ -4178,10 +4207,10 @@
         </p:cxnSp>
         <p:sp>
           <p:nvSpPr>
-            <p:cNvPr id="22" name="TextBox 21">
+            <p:cNvPr id="96" name="TextBox 95">
               <a:extLst>
                 <a:ext uri="{FF2B5EF4-FFF2-40B4-BE49-F238E27FC236}">
-                  <a16:creationId xmlns:a16="http://schemas.microsoft.com/office/drawing/2014/main" id="{91DA2FEB-6344-704A-AE40-0D4850769BE2}"/>
+                  <a16:creationId xmlns:a16="http://schemas.microsoft.com/office/drawing/2014/main" id="{6194DB2A-A1BE-2842-93A2-0DD85C419ED7}"/>
                 </a:ext>
               </a:extLst>
             </p:cNvPr>
@@ -4190,7 +4219,7 @@
           </p:nvSpPr>
           <p:spPr>
             <a:xfrm>
-              <a:off x="3436222" y="314043"/>
+              <a:off x="3366210" y="208302"/>
               <a:ext cx="1189902" cy="261610"/>
             </a:xfrm>
             <a:prstGeom prst="rect">
@@ -4204,10 +4233,7 @@
             </a:solidFill>
             <a:ln>
               <a:solidFill>
-                <a:schemeClr val="accent2">
-                  <a:lumMod val="40000"/>
-                  <a:lumOff val="60000"/>
-                </a:schemeClr>
+                <a:srgbClr val="C00000"/>
               </a:solidFill>
             </a:ln>
           </p:spPr>
@@ -4230,23 +4256,23 @@
         </p:sp>
         <p:cxnSp>
           <p:nvCxnSpPr>
-            <p:cNvPr id="23" name="Straight Connector 22">
+            <p:cNvPr id="97" name="Straight Connector 96">
               <a:extLst>
                 <a:ext uri="{FF2B5EF4-FFF2-40B4-BE49-F238E27FC236}">
-                  <a16:creationId xmlns:a16="http://schemas.microsoft.com/office/drawing/2014/main" id="{5A0F08FD-C585-EC46-9921-54F0EF15ABAC}"/>
+                  <a16:creationId xmlns:a16="http://schemas.microsoft.com/office/drawing/2014/main" id="{09DA6CC2-13E3-DB48-91B9-5B18C607B0A6}"/>
                 </a:ext>
               </a:extLst>
             </p:cNvPr>
             <p:cNvCxnSpPr>
               <a:cxnSpLocks/>
-              <a:stCxn id="22" idx="2"/>
-              <a:endCxn id="24" idx="0"/>
+              <a:stCxn id="96" idx="2"/>
+              <a:endCxn id="98" idx="0"/>
             </p:cNvCxnSpPr>
             <p:nvPr/>
           </p:nvCxnSpPr>
           <p:spPr>
             <a:xfrm flipH="1">
-              <a:off x="4029540" y="575653"/>
+              <a:off x="3959528" y="469912"/>
               <a:ext cx="1633" cy="480876"/>
             </a:xfrm>
             <a:prstGeom prst="line">
@@ -4254,10 +4280,7 @@
             </a:prstGeom>
             <a:ln>
               <a:solidFill>
-                <a:schemeClr val="accent2">
-                  <a:lumMod val="40000"/>
-                  <a:lumOff val="60000"/>
-                </a:schemeClr>
+                <a:srgbClr val="C00000"/>
               </a:solidFill>
               <a:prstDash val="sysDash"/>
             </a:ln>
@@ -4279,10 +4302,10 @@
         </p:cxnSp>
         <p:sp>
           <p:nvSpPr>
-            <p:cNvPr id="24" name="Rectangle 23">
+            <p:cNvPr id="98" name="Rectangle 97">
               <a:extLst>
                 <a:ext uri="{FF2B5EF4-FFF2-40B4-BE49-F238E27FC236}">
-                  <a16:creationId xmlns:a16="http://schemas.microsoft.com/office/drawing/2014/main" id="{6D32A1D8-8B73-C445-9EB6-AEFBEB2BC5FD}"/>
+                  <a16:creationId xmlns:a16="http://schemas.microsoft.com/office/drawing/2014/main" id="{85FC69AA-3DA8-A943-8AD4-2BD6786B2769}"/>
                 </a:ext>
               </a:extLst>
             </p:cNvPr>
@@ -4291,7 +4314,7 @@
           </p:nvSpPr>
           <p:spPr>
             <a:xfrm>
-              <a:off x="3965939" y="1056529"/>
+              <a:off x="3895927" y="950788"/>
               <a:ext cx="127202" cy="4947027"/>
             </a:xfrm>
             <a:prstGeom prst="rect">
@@ -4300,10 +4323,7 @@
             <a:noFill/>
             <a:ln>
               <a:solidFill>
-                <a:schemeClr val="accent2">
-                  <a:lumMod val="40000"/>
-                  <a:lumOff val="60000"/>
-                </a:schemeClr>
+                <a:srgbClr val="C00000"/>
               </a:solidFill>
             </a:ln>
           </p:spPr>
@@ -4337,22 +4357,22 @@
         </p:sp>
         <p:cxnSp>
           <p:nvCxnSpPr>
-            <p:cNvPr id="25" name="Straight Connector 24">
+            <p:cNvPr id="99" name="Straight Connector 98">
               <a:extLst>
                 <a:ext uri="{FF2B5EF4-FFF2-40B4-BE49-F238E27FC236}">
-                  <a16:creationId xmlns:a16="http://schemas.microsoft.com/office/drawing/2014/main" id="{49E0F485-B091-CA4A-B7BB-4C9F2271FC36}"/>
+                  <a16:creationId xmlns:a16="http://schemas.microsoft.com/office/drawing/2014/main" id="{51F13CF0-AAD6-2149-84F2-4A9CEF5851A4}"/>
                 </a:ext>
               </a:extLst>
             </p:cNvPr>
             <p:cNvCxnSpPr>
               <a:cxnSpLocks/>
-              <a:stCxn id="24" idx="2"/>
+              <a:stCxn id="98" idx="2"/>
             </p:cNvCxnSpPr>
             <p:nvPr/>
           </p:nvCxnSpPr>
           <p:spPr>
             <a:xfrm>
-              <a:off x="4029540" y="6003556"/>
+              <a:off x="3959528" y="5897815"/>
               <a:ext cx="766" cy="657166"/>
             </a:xfrm>
             <a:prstGeom prst="line">
@@ -4360,10 +4380,7 @@
             </a:prstGeom>
             <a:ln>
               <a:solidFill>
-                <a:schemeClr val="accent2">
-                  <a:lumMod val="40000"/>
-                  <a:lumOff val="60000"/>
-                </a:schemeClr>
+                <a:srgbClr val="C00000"/>
               </a:solidFill>
               <a:prstDash val="sysDash"/>
             </a:ln>
@@ -4385,10 +4402,10 @@
         </p:cxnSp>
         <p:sp>
           <p:nvSpPr>
-            <p:cNvPr id="26" name="TextBox 25">
+            <p:cNvPr id="100" name="TextBox 99">
               <a:extLst>
                 <a:ext uri="{FF2B5EF4-FFF2-40B4-BE49-F238E27FC236}">
-                  <a16:creationId xmlns:a16="http://schemas.microsoft.com/office/drawing/2014/main" id="{924A4FFB-AC11-3240-8248-1E1C273F5AA1}"/>
+                  <a16:creationId xmlns:a16="http://schemas.microsoft.com/office/drawing/2014/main" id="{1F9EFA19-3387-A849-8AE0-19F3F87BC85D}"/>
                 </a:ext>
               </a:extLst>
             </p:cNvPr>
@@ -4397,7 +4414,7 @@
           </p:nvSpPr>
           <p:spPr>
             <a:xfrm>
-              <a:off x="2073631" y="860639"/>
+              <a:off x="2003619" y="754898"/>
               <a:ext cx="1917513" cy="261610"/>
             </a:xfrm>
             <a:prstGeom prst="rect">
@@ -4423,10 +4440,10 @@
         </p:sp>
         <p:cxnSp>
           <p:nvCxnSpPr>
-            <p:cNvPr id="27" name="Straight Arrow Connector 26">
+            <p:cNvPr id="101" name="Straight Arrow Connector 100">
               <a:extLst>
                 <a:ext uri="{FF2B5EF4-FFF2-40B4-BE49-F238E27FC236}">
-                  <a16:creationId xmlns:a16="http://schemas.microsoft.com/office/drawing/2014/main" id="{12478325-FA5F-1E4A-B6D5-A2D3F466B969}"/>
+                  <a16:creationId xmlns:a16="http://schemas.microsoft.com/office/drawing/2014/main" id="{2B2BB100-DC7C-8F49-97D3-6F5FA129A810}"/>
                 </a:ext>
               </a:extLst>
             </p:cNvPr>
@@ -4435,7 +4452,7 @@
           </p:nvCxnSpPr>
           <p:spPr>
             <a:xfrm>
-              <a:off x="2048426" y="1083060"/>
+              <a:off x="1978414" y="977319"/>
               <a:ext cx="1917513" cy="0"/>
             </a:xfrm>
             <a:prstGeom prst="straightConnector1">
@@ -4443,10 +4460,9 @@
             </a:prstGeom>
             <a:ln>
               <a:solidFill>
-                <a:schemeClr val="accent2">
-                  <a:lumMod val="20000"/>
-                  <a:lumOff val="80000"/>
-                </a:schemeClr>
+                <a:srgbClr val="7030A0">
+                  <a:alpha val="70000"/>
+                </a:srgbClr>
               </a:solidFill>
               <a:tailEnd type="triangle"/>
             </a:ln>
@@ -4468,10 +4484,10 @@
         </p:cxnSp>
         <p:sp>
           <p:nvSpPr>
-            <p:cNvPr id="28" name="TextBox 27">
+            <p:cNvPr id="102" name="TextBox 101">
               <a:extLst>
                 <a:ext uri="{FF2B5EF4-FFF2-40B4-BE49-F238E27FC236}">
-                  <a16:creationId xmlns:a16="http://schemas.microsoft.com/office/drawing/2014/main" id="{03AD4796-CEEC-1D4E-ADE9-0846F327C7B4}"/>
+                  <a16:creationId xmlns:a16="http://schemas.microsoft.com/office/drawing/2014/main" id="{D432E999-69A3-3C45-90FA-8F4739A10019}"/>
                 </a:ext>
               </a:extLst>
             </p:cNvPr>
@@ -4480,7 +4496,7 @@
           </p:nvSpPr>
           <p:spPr>
             <a:xfrm>
-              <a:off x="5563908" y="314043"/>
+              <a:off x="5493896" y="208302"/>
               <a:ext cx="1189902" cy="261610"/>
             </a:xfrm>
             <a:prstGeom prst="rect">
@@ -4495,8 +4511,7 @@
             <a:ln>
               <a:solidFill>
                 <a:schemeClr val="accent2">
-                  <a:lumMod val="60000"/>
-                  <a:lumOff val="40000"/>
+                  <a:lumMod val="75000"/>
                 </a:schemeClr>
               </a:solidFill>
             </a:ln>
@@ -4520,23 +4535,23 @@
         </p:sp>
         <p:cxnSp>
           <p:nvCxnSpPr>
-            <p:cNvPr id="29" name="Straight Connector 28">
+            <p:cNvPr id="103" name="Straight Connector 102">
               <a:extLst>
                 <a:ext uri="{FF2B5EF4-FFF2-40B4-BE49-F238E27FC236}">
-                  <a16:creationId xmlns:a16="http://schemas.microsoft.com/office/drawing/2014/main" id="{CA309502-D6DB-9048-B12D-8F7EAA21B1F1}"/>
+                  <a16:creationId xmlns:a16="http://schemas.microsoft.com/office/drawing/2014/main" id="{8194A460-DFD4-EC40-98DC-AD1C53E1658C}"/>
                 </a:ext>
               </a:extLst>
             </p:cNvPr>
             <p:cNvCxnSpPr>
               <a:cxnSpLocks/>
-              <a:stCxn id="28" idx="2"/>
-              <a:endCxn id="30" idx="0"/>
+              <a:stCxn id="102" idx="2"/>
+              <a:endCxn id="104" idx="0"/>
             </p:cNvCxnSpPr>
             <p:nvPr/>
           </p:nvCxnSpPr>
           <p:spPr>
             <a:xfrm flipH="1">
-              <a:off x="6157992" y="575653"/>
+              <a:off x="6087980" y="469912"/>
               <a:ext cx="867" cy="668416"/>
             </a:xfrm>
             <a:prstGeom prst="line">
@@ -4545,8 +4560,7 @@
             <a:ln>
               <a:solidFill>
                 <a:schemeClr val="accent2">
-                  <a:lumMod val="60000"/>
-                  <a:lumOff val="40000"/>
+                  <a:lumMod val="75000"/>
                 </a:schemeClr>
               </a:solidFill>
               <a:prstDash val="sysDash"/>
@@ -4569,10 +4583,10 @@
         </p:cxnSp>
         <p:sp>
           <p:nvSpPr>
-            <p:cNvPr id="30" name="Rectangle 29">
+            <p:cNvPr id="104" name="Rectangle 103">
               <a:extLst>
                 <a:ext uri="{FF2B5EF4-FFF2-40B4-BE49-F238E27FC236}">
-                  <a16:creationId xmlns:a16="http://schemas.microsoft.com/office/drawing/2014/main" id="{8B61BF86-C0DB-6C42-820B-151B1F1F8AFC}"/>
+                  <a16:creationId xmlns:a16="http://schemas.microsoft.com/office/drawing/2014/main" id="{60CF6C85-60D2-9643-A939-DF17E2EF9F98}"/>
                 </a:ext>
               </a:extLst>
             </p:cNvPr>
@@ -4581,7 +4595,7 @@
           </p:nvSpPr>
           <p:spPr>
             <a:xfrm>
-              <a:off x="6093625" y="1244069"/>
+              <a:off x="6023613" y="1138328"/>
               <a:ext cx="128734" cy="4537067"/>
             </a:xfrm>
             <a:prstGeom prst="rect">
@@ -4593,8 +4607,7 @@
             <a:ln>
               <a:solidFill>
                 <a:schemeClr val="accent2">
-                  <a:lumMod val="60000"/>
-                  <a:lumOff val="40000"/>
+                  <a:lumMod val="75000"/>
                 </a:schemeClr>
               </a:solidFill>
             </a:ln>
@@ -4629,22 +4642,22 @@
         </p:sp>
         <p:cxnSp>
           <p:nvCxnSpPr>
-            <p:cNvPr id="31" name="Straight Connector 30">
+            <p:cNvPr id="105" name="Straight Connector 104">
               <a:extLst>
                 <a:ext uri="{FF2B5EF4-FFF2-40B4-BE49-F238E27FC236}">
-                  <a16:creationId xmlns:a16="http://schemas.microsoft.com/office/drawing/2014/main" id="{DDE317F0-C463-634E-993A-03B7A26E7821}"/>
+                  <a16:creationId xmlns:a16="http://schemas.microsoft.com/office/drawing/2014/main" id="{20739856-014A-F540-A04B-61F0E148C697}"/>
                 </a:ext>
               </a:extLst>
             </p:cNvPr>
             <p:cNvCxnSpPr>
               <a:cxnSpLocks/>
-              <a:stCxn id="30" idx="2"/>
+              <a:stCxn id="104" idx="2"/>
             </p:cNvCxnSpPr>
             <p:nvPr/>
           </p:nvCxnSpPr>
           <p:spPr>
             <a:xfrm>
-              <a:off x="6157992" y="5781136"/>
+              <a:off x="6087980" y="5675395"/>
               <a:ext cx="0" cy="879586"/>
             </a:xfrm>
             <a:prstGeom prst="line">
@@ -4653,8 +4666,7 @@
             <a:ln>
               <a:solidFill>
                 <a:schemeClr val="accent2">
-                  <a:lumMod val="60000"/>
-                  <a:lumOff val="40000"/>
+                  <a:lumMod val="75000"/>
                 </a:schemeClr>
               </a:solidFill>
               <a:prstDash val="sysDash"/>
@@ -4677,10 +4689,10 @@
         </p:cxnSp>
         <p:cxnSp>
           <p:nvCxnSpPr>
-            <p:cNvPr id="32" name="Straight Arrow Connector 31">
+            <p:cNvPr id="106" name="Straight Arrow Connector 105">
               <a:extLst>
                 <a:ext uri="{FF2B5EF4-FFF2-40B4-BE49-F238E27FC236}">
-                  <a16:creationId xmlns:a16="http://schemas.microsoft.com/office/drawing/2014/main" id="{CB37F836-431D-FB4E-959E-A7DF24CFEB3B}"/>
+                  <a16:creationId xmlns:a16="http://schemas.microsoft.com/office/drawing/2014/main" id="{028D8D9A-7A2D-2340-9A43-F336C254206A}"/>
                 </a:ext>
               </a:extLst>
             </p:cNvPr>
@@ -4691,7 +4703,7 @@
           </p:nvCxnSpPr>
           <p:spPr>
             <a:xfrm>
-              <a:off x="4091421" y="1244069"/>
+              <a:off x="4021409" y="1138328"/>
               <a:ext cx="2002204" cy="0"/>
             </a:xfrm>
             <a:prstGeom prst="straightConnector1">
@@ -4699,10 +4711,7 @@
             </a:prstGeom>
             <a:ln>
               <a:solidFill>
-                <a:schemeClr val="accent2">
-                  <a:lumMod val="40000"/>
-                  <a:lumOff val="60000"/>
-                </a:schemeClr>
+                <a:srgbClr val="C00000"/>
               </a:solidFill>
               <a:tailEnd type="triangle"/>
             </a:ln>
@@ -4724,10 +4733,10 @@
         </p:cxnSp>
         <p:sp>
           <p:nvSpPr>
-            <p:cNvPr id="33" name="TextBox 32">
+            <p:cNvPr id="107" name="TextBox 106">
               <a:extLst>
                 <a:ext uri="{FF2B5EF4-FFF2-40B4-BE49-F238E27FC236}">
-                  <a16:creationId xmlns:a16="http://schemas.microsoft.com/office/drawing/2014/main" id="{07FBEBD2-D9D2-0247-9034-53999EFF6D30}"/>
+                  <a16:creationId xmlns:a16="http://schemas.microsoft.com/office/drawing/2014/main" id="{37B895CF-DCCE-154D-A80D-B21A63E3A9A0}"/>
                 </a:ext>
               </a:extLst>
             </p:cNvPr>
@@ -4736,7 +4745,7 @@
           </p:nvSpPr>
           <p:spPr>
             <a:xfrm>
-              <a:off x="4133835" y="1012909"/>
+              <a:off x="4063823" y="907168"/>
               <a:ext cx="2026517" cy="261610"/>
             </a:xfrm>
             <a:prstGeom prst="rect">
@@ -4762,22 +4771,22 @@
         </p:sp>
         <p:cxnSp>
           <p:nvCxnSpPr>
-            <p:cNvPr id="34" name="Straight Connector 33">
+            <p:cNvPr id="108" name="Straight Connector 107">
               <a:extLst>
                 <a:ext uri="{FF2B5EF4-FFF2-40B4-BE49-F238E27FC236}">
-                  <a16:creationId xmlns:a16="http://schemas.microsoft.com/office/drawing/2014/main" id="{C9F5713F-7973-C147-ACF6-EB9B69EB5F7C}"/>
+                  <a16:creationId xmlns:a16="http://schemas.microsoft.com/office/drawing/2014/main" id="{A929B8BD-AEB9-DB42-A806-9FC34D1A8179}"/>
                 </a:ext>
               </a:extLst>
             </p:cNvPr>
             <p:cNvCxnSpPr>
               <a:cxnSpLocks/>
-              <a:stCxn id="35" idx="2"/>
+              <a:stCxn id="109" idx="2"/>
             </p:cNvCxnSpPr>
             <p:nvPr/>
           </p:nvCxnSpPr>
           <p:spPr>
             <a:xfrm>
-              <a:off x="6226938" y="1737347"/>
+              <a:off x="6156926" y="1631606"/>
               <a:ext cx="158393" cy="0"/>
             </a:xfrm>
             <a:prstGeom prst="line">
@@ -4785,7 +4794,9 @@
             </a:prstGeom>
             <a:ln>
               <a:solidFill>
-                <a:schemeClr val="accent4"/>
+                <a:schemeClr val="accent2">
+                  <a:lumMod val="75000"/>
+                </a:schemeClr>
               </a:solidFill>
               <a:prstDash val="sysDash"/>
             </a:ln>
@@ -4807,10 +4818,10 @@
         </p:cxnSp>
         <p:sp>
           <p:nvSpPr>
-            <p:cNvPr id="35" name="Rectangle 34">
+            <p:cNvPr id="109" name="Rectangle 108">
               <a:extLst>
                 <a:ext uri="{FF2B5EF4-FFF2-40B4-BE49-F238E27FC236}">
-                  <a16:creationId xmlns:a16="http://schemas.microsoft.com/office/drawing/2014/main" id="{34E23F6C-BB72-B94C-AADC-38A3E14E0B91}"/>
+                  <a16:creationId xmlns:a16="http://schemas.microsoft.com/office/drawing/2014/main" id="{7ADEFB02-8A1D-DC4D-B269-3E89186E3AAD}"/>
                 </a:ext>
               </a:extLst>
             </p:cNvPr>
@@ -4819,7 +4830,7 @@
           </p:nvSpPr>
           <p:spPr>
             <a:xfrm>
-              <a:off x="6165525" y="1331601"/>
+              <a:off x="6095513" y="1225860"/>
               <a:ext cx="122826" cy="405746"/>
             </a:xfrm>
             <a:prstGeom prst="rect">
@@ -4834,8 +4845,7 @@
             <a:ln>
               <a:solidFill>
                 <a:schemeClr val="accent2">
-                  <a:lumMod val="60000"/>
-                  <a:lumOff val="40000"/>
+                  <a:lumMod val="75000"/>
                 </a:schemeClr>
               </a:solidFill>
             </a:ln>
@@ -4870,10 +4880,10 @@
         </p:sp>
         <p:cxnSp>
           <p:nvCxnSpPr>
-            <p:cNvPr id="36" name="Curved Connector 35">
+            <p:cNvPr id="110" name="Curved Connector 109">
               <a:extLst>
                 <a:ext uri="{FF2B5EF4-FFF2-40B4-BE49-F238E27FC236}">
-                  <a16:creationId xmlns:a16="http://schemas.microsoft.com/office/drawing/2014/main" id="{13190438-D61E-DC4D-99AB-62D95D479C8F}"/>
+                  <a16:creationId xmlns:a16="http://schemas.microsoft.com/office/drawing/2014/main" id="{09C1E0C0-59FE-DF49-883E-ED958BFAE112}"/>
                 </a:ext>
               </a:extLst>
             </p:cNvPr>
@@ -4884,7 +4894,7 @@
           </p:nvCxnSpPr>
           <p:spPr>
             <a:xfrm rot="10800000" flipV="1">
-              <a:off x="6199875" y="1742214"/>
+              <a:off x="6129863" y="1636473"/>
               <a:ext cx="185456" cy="80131"/>
             </a:xfrm>
             <a:prstGeom prst="curvedConnector3">
@@ -4895,8 +4905,7 @@
             <a:ln>
               <a:solidFill>
                 <a:schemeClr val="accent2">
-                  <a:lumMod val="60000"/>
-                  <a:lumOff val="40000"/>
+                  <a:lumMod val="75000"/>
                 </a:schemeClr>
               </a:solidFill>
               <a:prstDash val="sysDash"/>
@@ -4920,10 +4929,10 @@
         </p:cxnSp>
         <p:sp>
           <p:nvSpPr>
-            <p:cNvPr id="37" name="TextBox 36">
+            <p:cNvPr id="111" name="TextBox 110">
               <a:extLst>
                 <a:ext uri="{FF2B5EF4-FFF2-40B4-BE49-F238E27FC236}">
-                  <a16:creationId xmlns:a16="http://schemas.microsoft.com/office/drawing/2014/main" id="{E0C49F4C-25BA-8046-85C9-3CA6EED94EDA}"/>
+                  <a16:creationId xmlns:a16="http://schemas.microsoft.com/office/drawing/2014/main" id="{EA5CE2B3-FD9B-9E4D-9F83-7BC05C40EE84}"/>
                 </a:ext>
               </a:extLst>
             </p:cNvPr>
@@ -4932,7 +4941,7 @@
           </p:nvSpPr>
           <p:spPr>
             <a:xfrm>
-              <a:off x="6240001" y="1064968"/>
+              <a:off x="6169989" y="959227"/>
               <a:ext cx="1790875" cy="261610"/>
             </a:xfrm>
             <a:prstGeom prst="rect">
@@ -4958,10 +4967,10 @@
         </p:sp>
         <p:sp>
           <p:nvSpPr>
-            <p:cNvPr id="38" name="TextBox 37">
+            <p:cNvPr id="112" name="TextBox 111">
               <a:extLst>
                 <a:ext uri="{FF2B5EF4-FFF2-40B4-BE49-F238E27FC236}">
-                  <a16:creationId xmlns:a16="http://schemas.microsoft.com/office/drawing/2014/main" id="{6EFA1AFA-5105-CD4A-A2C0-925315B7B3B9}"/>
+                  <a16:creationId xmlns:a16="http://schemas.microsoft.com/office/drawing/2014/main" id="{CC79C2E0-4915-8F44-9223-D72ED8377897}"/>
                 </a:ext>
               </a:extLst>
             </p:cNvPr>
@@ -4970,7 +4979,7 @@
           </p:nvSpPr>
           <p:spPr>
             <a:xfrm>
-              <a:off x="8833688" y="314043"/>
+              <a:off x="8763676" y="208302"/>
               <a:ext cx="1507926" cy="261610"/>
             </a:xfrm>
             <a:prstGeom prst="rect">
@@ -4982,6 +4991,13 @@
                 <a:lumOff val="40000"/>
               </a:schemeClr>
             </a:solidFill>
+            <a:ln>
+              <a:solidFill>
+                <a:schemeClr val="accent6">
+                  <a:lumMod val="75000"/>
+                </a:schemeClr>
+              </a:solidFill>
+            </a:ln>
           </p:spPr>
           <p:txBody>
             <a:bodyPr wrap="square" rtlCol="0" anchor="ctr">
@@ -5002,23 +5018,23 @@
         </p:sp>
         <p:cxnSp>
           <p:nvCxnSpPr>
-            <p:cNvPr id="39" name="Straight Connector 38">
+            <p:cNvPr id="113" name="Straight Connector 112">
               <a:extLst>
                 <a:ext uri="{FF2B5EF4-FFF2-40B4-BE49-F238E27FC236}">
-                  <a16:creationId xmlns:a16="http://schemas.microsoft.com/office/drawing/2014/main" id="{18F53952-6AE5-AB46-A54A-3BD232B79CBF}"/>
+                  <a16:creationId xmlns:a16="http://schemas.microsoft.com/office/drawing/2014/main" id="{D9B64EC3-FB85-2E4E-9D09-BFBB0CB90D8B}"/>
                 </a:ext>
               </a:extLst>
             </p:cNvPr>
             <p:cNvCxnSpPr>
               <a:cxnSpLocks/>
-              <a:stCxn id="38" idx="2"/>
-              <a:endCxn id="40" idx="0"/>
+              <a:stCxn id="112" idx="2"/>
+              <a:endCxn id="114" idx="0"/>
             </p:cNvCxnSpPr>
             <p:nvPr/>
           </p:nvCxnSpPr>
           <p:spPr>
             <a:xfrm flipH="1">
-              <a:off x="9585307" y="575653"/>
+              <a:off x="9515295" y="469912"/>
               <a:ext cx="2344" cy="3155188"/>
             </a:xfrm>
             <a:prstGeom prst="line">
@@ -5027,8 +5043,7 @@
             <a:ln>
               <a:solidFill>
                 <a:schemeClr val="accent6">
-                  <a:lumMod val="60000"/>
-                  <a:lumOff val="40000"/>
+                  <a:lumMod val="75000"/>
                 </a:schemeClr>
               </a:solidFill>
               <a:prstDash val="sysDash"/>
@@ -5051,10 +5066,10 @@
         </p:cxnSp>
         <p:sp>
           <p:nvSpPr>
-            <p:cNvPr id="40" name="Rectangle 39">
+            <p:cNvPr id="114" name="Rectangle 113">
               <a:extLst>
                 <a:ext uri="{FF2B5EF4-FFF2-40B4-BE49-F238E27FC236}">
-                  <a16:creationId xmlns:a16="http://schemas.microsoft.com/office/drawing/2014/main" id="{30B6E3C7-340B-8647-B668-AD6D16FEC701}"/>
+                  <a16:creationId xmlns:a16="http://schemas.microsoft.com/office/drawing/2014/main" id="{2AC38DBA-7BA4-3447-A780-5621AE077302}"/>
                 </a:ext>
               </a:extLst>
             </p:cNvPr>
@@ -5063,7 +5078,7 @@
           </p:nvSpPr>
           <p:spPr>
             <a:xfrm>
-              <a:off x="9522417" y="3730841"/>
+              <a:off x="9452405" y="3625100"/>
               <a:ext cx="125780" cy="288000"/>
             </a:xfrm>
             <a:prstGeom prst="rect">
@@ -5073,8 +5088,7 @@
             <a:ln>
               <a:solidFill>
                 <a:schemeClr val="accent6">
-                  <a:lumMod val="60000"/>
-                  <a:lumOff val="40000"/>
+                  <a:lumMod val="75000"/>
                 </a:schemeClr>
               </a:solidFill>
             </a:ln>
@@ -5109,10 +5123,10 @@
         </p:sp>
         <p:sp>
           <p:nvSpPr>
-            <p:cNvPr id="41" name="Rectangle 40">
+            <p:cNvPr id="115" name="Rectangle 114">
               <a:extLst>
                 <a:ext uri="{FF2B5EF4-FFF2-40B4-BE49-F238E27FC236}">
-                  <a16:creationId xmlns:a16="http://schemas.microsoft.com/office/drawing/2014/main" id="{56504785-F17E-A34F-9FBB-874FA2CA30EB}"/>
+                  <a16:creationId xmlns:a16="http://schemas.microsoft.com/office/drawing/2014/main" id="{20F2EE83-3CDC-2840-B399-18EAE4050E36}"/>
                 </a:ext>
               </a:extLst>
             </p:cNvPr>
@@ -5121,7 +5135,7 @@
           </p:nvSpPr>
           <p:spPr>
             <a:xfrm>
-              <a:off x="9527105" y="4914194"/>
+              <a:off x="9457093" y="4808453"/>
               <a:ext cx="102339" cy="191740"/>
             </a:xfrm>
             <a:prstGeom prst="rect">
@@ -5131,8 +5145,7 @@
             <a:ln>
               <a:solidFill>
                 <a:schemeClr val="accent6">
-                  <a:lumMod val="60000"/>
-                  <a:lumOff val="40000"/>
+                  <a:lumMod val="75000"/>
                 </a:schemeClr>
               </a:solidFill>
             </a:ln>
@@ -5167,23 +5180,23 @@
         </p:sp>
         <p:cxnSp>
           <p:nvCxnSpPr>
-            <p:cNvPr id="42" name="Straight Connector 41">
+            <p:cNvPr id="116" name="Straight Connector 115">
               <a:extLst>
                 <a:ext uri="{FF2B5EF4-FFF2-40B4-BE49-F238E27FC236}">
-                  <a16:creationId xmlns:a16="http://schemas.microsoft.com/office/drawing/2014/main" id="{77D40469-239B-D840-AD5A-224C245C9465}"/>
+                  <a16:creationId xmlns:a16="http://schemas.microsoft.com/office/drawing/2014/main" id="{4323D408-F1FD-684C-A8AC-1CE03A5DEE9D}"/>
                 </a:ext>
               </a:extLst>
             </p:cNvPr>
             <p:cNvCxnSpPr>
               <a:cxnSpLocks/>
-              <a:stCxn id="40" idx="2"/>
-              <a:endCxn id="41" idx="0"/>
+              <a:stCxn id="114" idx="2"/>
+              <a:endCxn id="115" idx="0"/>
             </p:cNvCxnSpPr>
             <p:nvPr/>
           </p:nvCxnSpPr>
           <p:spPr>
             <a:xfrm flipH="1">
-              <a:off x="9578275" y="4018841"/>
+              <a:off x="9508263" y="3913100"/>
               <a:ext cx="7032" cy="895353"/>
             </a:xfrm>
             <a:prstGeom prst="line">
@@ -5192,8 +5205,7 @@
             <a:ln>
               <a:solidFill>
                 <a:schemeClr val="accent6">
-                  <a:lumMod val="60000"/>
-                  <a:lumOff val="40000"/>
+                  <a:lumMod val="75000"/>
                 </a:schemeClr>
               </a:solidFill>
               <a:prstDash val="sysDash"/>
@@ -5216,22 +5228,22 @@
         </p:cxnSp>
         <p:cxnSp>
           <p:nvCxnSpPr>
-            <p:cNvPr id="43" name="Straight Connector 42">
+            <p:cNvPr id="117" name="Straight Connector 116">
               <a:extLst>
                 <a:ext uri="{FF2B5EF4-FFF2-40B4-BE49-F238E27FC236}">
-                  <a16:creationId xmlns:a16="http://schemas.microsoft.com/office/drawing/2014/main" id="{3BF540E9-5783-6D48-897E-FF0774BC5B97}"/>
+                  <a16:creationId xmlns:a16="http://schemas.microsoft.com/office/drawing/2014/main" id="{D820F3C8-7FCA-B843-B907-9F383000C99B}"/>
                 </a:ext>
               </a:extLst>
             </p:cNvPr>
             <p:cNvCxnSpPr>
               <a:cxnSpLocks/>
-              <a:stCxn id="41" idx="2"/>
+              <a:stCxn id="115" idx="2"/>
             </p:cNvCxnSpPr>
             <p:nvPr/>
           </p:nvCxnSpPr>
           <p:spPr>
             <a:xfrm>
-              <a:off x="9578275" y="5105934"/>
+              <a:off x="9508263" y="5000193"/>
               <a:ext cx="0" cy="1627854"/>
             </a:xfrm>
             <a:prstGeom prst="line">
@@ -5240,8 +5252,7 @@
             <a:ln>
               <a:solidFill>
                 <a:schemeClr val="accent6">
-                  <a:lumMod val="60000"/>
-                  <a:lumOff val="40000"/>
+                  <a:lumMod val="75000"/>
                 </a:schemeClr>
               </a:solidFill>
               <a:prstDash val="sysDash"/>
@@ -5264,10 +5275,10 @@
         </p:cxnSp>
         <p:sp>
           <p:nvSpPr>
-            <p:cNvPr id="44" name="TextBox 43">
+            <p:cNvPr id="118" name="TextBox 117">
               <a:extLst>
                 <a:ext uri="{FF2B5EF4-FFF2-40B4-BE49-F238E27FC236}">
-                  <a16:creationId xmlns:a16="http://schemas.microsoft.com/office/drawing/2014/main" id="{BCF38D40-57F5-9641-97C0-ADE8B733742C}"/>
+                  <a16:creationId xmlns:a16="http://schemas.microsoft.com/office/drawing/2014/main" id="{5B297883-D772-804E-9EAF-C797669ED558}"/>
                 </a:ext>
               </a:extLst>
             </p:cNvPr>
@@ -5276,7 +5287,7 @@
           </p:nvSpPr>
           <p:spPr>
             <a:xfrm>
-              <a:off x="10607416" y="314043"/>
+              <a:off x="10537404" y="208302"/>
               <a:ext cx="1507926" cy="261610"/>
             </a:xfrm>
             <a:prstGeom prst="rect">
@@ -5305,10 +5316,10 @@
         </p:sp>
         <p:sp>
           <p:nvSpPr>
-            <p:cNvPr id="45" name="Rectangle 44">
+            <p:cNvPr id="119" name="Rectangle 118">
               <a:extLst>
                 <a:ext uri="{FF2B5EF4-FFF2-40B4-BE49-F238E27FC236}">
-                  <a16:creationId xmlns:a16="http://schemas.microsoft.com/office/drawing/2014/main" id="{CBCB9068-9EC8-5444-ADE3-36EA177DC2C0}"/>
+                  <a16:creationId xmlns:a16="http://schemas.microsoft.com/office/drawing/2014/main" id="{610DAF81-077F-AB4E-963A-25ECD5347424}"/>
                 </a:ext>
               </a:extLst>
             </p:cNvPr>
@@ -5317,8 +5328,8 @@
           </p:nvSpPr>
           <p:spPr>
             <a:xfrm>
-              <a:off x="11300833" y="4452727"/>
-              <a:ext cx="121092" cy="324000"/>
+              <a:off x="11230821" y="4346986"/>
+              <a:ext cx="122400" cy="251999"/>
             </a:xfrm>
             <a:prstGeom prst="rect">
               <a:avLst/>
@@ -5360,24 +5371,24 @@
         </p:sp>
         <p:cxnSp>
           <p:nvCxnSpPr>
-            <p:cNvPr id="46" name="Straight Connector 45">
+            <p:cNvPr id="120" name="Straight Connector 119">
               <a:extLst>
                 <a:ext uri="{FF2B5EF4-FFF2-40B4-BE49-F238E27FC236}">
-                  <a16:creationId xmlns:a16="http://schemas.microsoft.com/office/drawing/2014/main" id="{F3311059-0A6D-6B48-ADF7-A7962CC8B595}"/>
+                  <a16:creationId xmlns:a16="http://schemas.microsoft.com/office/drawing/2014/main" id="{A0D8537F-DDD5-9D4D-B6ED-18172C628DDA}"/>
                 </a:ext>
               </a:extLst>
             </p:cNvPr>
             <p:cNvCxnSpPr>
               <a:cxnSpLocks/>
-              <a:stCxn id="44" idx="2"/>
-              <a:endCxn id="45" idx="0"/>
+              <a:stCxn id="118" idx="2"/>
+              <a:endCxn id="119" idx="0"/>
             </p:cNvCxnSpPr>
             <p:nvPr/>
           </p:nvCxnSpPr>
           <p:spPr>
             <a:xfrm>
-              <a:off x="11361379" y="575653"/>
-              <a:ext cx="0" cy="3877074"/>
+              <a:off x="11291367" y="469912"/>
+              <a:ext cx="654" cy="3877074"/>
             </a:xfrm>
             <a:prstGeom prst="line">
               <a:avLst/>
@@ -5406,23 +5417,23 @@
         </p:cxnSp>
         <p:cxnSp>
           <p:nvCxnSpPr>
-            <p:cNvPr id="47" name="Straight Connector 46">
+            <p:cNvPr id="121" name="Straight Connector 120">
               <a:extLst>
                 <a:ext uri="{FF2B5EF4-FFF2-40B4-BE49-F238E27FC236}">
-                  <a16:creationId xmlns:a16="http://schemas.microsoft.com/office/drawing/2014/main" id="{486344DC-38ED-3245-83C5-49EB7C6E0CEA}"/>
+                  <a16:creationId xmlns:a16="http://schemas.microsoft.com/office/drawing/2014/main" id="{1CFB0940-1B95-B34C-A5B1-15AE185A98AC}"/>
                 </a:ext>
               </a:extLst>
             </p:cNvPr>
             <p:cNvCxnSpPr>
               <a:cxnSpLocks/>
-              <a:stCxn id="45" idx="2"/>
+              <a:stCxn id="119" idx="2"/>
             </p:cNvCxnSpPr>
             <p:nvPr/>
           </p:nvCxnSpPr>
           <p:spPr>
-            <a:xfrm>
-              <a:off x="11361379" y="4776727"/>
-              <a:ext cx="0" cy="1004409"/>
+            <a:xfrm flipH="1">
+              <a:off x="11291367" y="4598985"/>
+              <a:ext cx="654" cy="1076410"/>
             </a:xfrm>
             <a:prstGeom prst="line">
               <a:avLst/>
@@ -5451,10 +5462,10 @@
         </p:cxnSp>
         <p:grpSp>
           <p:nvGrpSpPr>
-            <p:cNvPr id="48" name="Group 47">
+            <p:cNvPr id="122" name="Group 121">
               <a:extLst>
                 <a:ext uri="{FF2B5EF4-FFF2-40B4-BE49-F238E27FC236}">
-                  <a16:creationId xmlns:a16="http://schemas.microsoft.com/office/drawing/2014/main" id="{F719228C-AF3B-C145-81E3-CB485CCA97CB}"/>
+                  <a16:creationId xmlns:a16="http://schemas.microsoft.com/office/drawing/2014/main" id="{89972F3F-3795-0F4C-B685-D726B6CB71AF}"/>
                 </a:ext>
               </a:extLst>
             </p:cNvPr>
@@ -5463,18 +5474,18 @@
           </p:nvGrpSpPr>
           <p:grpSpPr>
             <a:xfrm>
-              <a:off x="5372215" y="1929087"/>
-              <a:ext cx="6723210" cy="3603508"/>
-              <a:chOff x="5310223" y="1925989"/>
-              <a:chExt cx="6723210" cy="3603508"/>
+              <a:off x="5306389" y="1823346"/>
+              <a:ext cx="6719024" cy="3603508"/>
+              <a:chOff x="5314409" y="1925989"/>
+              <a:chExt cx="6719024" cy="3603508"/>
             </a:xfrm>
           </p:grpSpPr>
           <p:sp>
             <p:nvSpPr>
-              <p:cNvPr id="76" name="Rectangle 75">
+              <p:cNvPr id="151" name="Rectangle 150">
                 <a:extLst>
                   <a:ext uri="{FF2B5EF4-FFF2-40B4-BE49-F238E27FC236}">
-                    <a16:creationId xmlns:a16="http://schemas.microsoft.com/office/drawing/2014/main" id="{93A8F47D-0375-2D4C-AF05-5E9519382197}"/>
+                    <a16:creationId xmlns:a16="http://schemas.microsoft.com/office/drawing/2014/main" id="{9E77CF52-2B99-4F4B-862C-6C23024F46A7}"/>
                   </a:ext>
                 </a:extLst>
               </p:cNvPr>
@@ -5521,10 +5532,10 @@
           </p:sp>
           <p:sp>
             <p:nvSpPr>
-              <p:cNvPr id="77" name="Snip and Round Single Corner of Rectangle 76">
+              <p:cNvPr id="152" name="Snip and Round Single Corner of Rectangle 151">
                 <a:extLst>
                   <a:ext uri="{FF2B5EF4-FFF2-40B4-BE49-F238E27FC236}">
-                    <a16:creationId xmlns:a16="http://schemas.microsoft.com/office/drawing/2014/main" id="{EAF7A0A8-897E-6348-83AD-BED722749F1E}"/>
+                    <a16:creationId xmlns:a16="http://schemas.microsoft.com/office/drawing/2014/main" id="{B45D038C-259D-0449-A1C7-F50EF2C970B2}"/>
                   </a:ext>
                 </a:extLst>
               </p:cNvPr>
@@ -5533,7 +5544,7 @@
             </p:nvSpPr>
             <p:spPr>
               <a:xfrm rot="10800000" flipH="1">
-                <a:off x="5310223" y="1925992"/>
+                <a:off x="5321374" y="1925992"/>
                 <a:ext cx="407572" cy="261607"/>
               </a:xfrm>
               <a:prstGeom prst="snipRoundRect">
@@ -5574,10 +5585,10 @@
         </p:grpSp>
         <p:sp>
           <p:nvSpPr>
-            <p:cNvPr id="49" name="TextBox 48">
+            <p:cNvPr id="123" name="TextBox 122">
               <a:extLst>
                 <a:ext uri="{FF2B5EF4-FFF2-40B4-BE49-F238E27FC236}">
-                  <a16:creationId xmlns:a16="http://schemas.microsoft.com/office/drawing/2014/main" id="{C1A0D0F0-6457-894D-8376-E807DE5013E5}"/>
+                  <a16:creationId xmlns:a16="http://schemas.microsoft.com/office/drawing/2014/main" id="{DD227E4F-F673-744A-BA3D-2C91CC07164C}"/>
                 </a:ext>
               </a:extLst>
             </p:cNvPr>
@@ -5586,7 +5597,7 @@
           </p:nvSpPr>
           <p:spPr>
             <a:xfrm>
-              <a:off x="6196588" y="1929088"/>
+              <a:off x="6126576" y="1823347"/>
               <a:ext cx="1366080" cy="261610"/>
             </a:xfrm>
             <a:prstGeom prst="rect">
@@ -5612,22 +5623,22 @@
         </p:sp>
         <p:cxnSp>
           <p:nvCxnSpPr>
-            <p:cNvPr id="50" name="Straight Connector 49">
+            <p:cNvPr id="124" name="Straight Connector 123">
               <a:extLst>
                 <a:ext uri="{FF2B5EF4-FFF2-40B4-BE49-F238E27FC236}">
-                  <a16:creationId xmlns:a16="http://schemas.microsoft.com/office/drawing/2014/main" id="{757C230D-8011-A841-9F89-2E46547ED3EB}"/>
+                  <a16:creationId xmlns:a16="http://schemas.microsoft.com/office/drawing/2014/main" id="{F1AA63E2-0772-6748-BE80-C7CAED0DDAA9}"/>
                 </a:ext>
               </a:extLst>
             </p:cNvPr>
             <p:cNvCxnSpPr>
               <a:cxnSpLocks/>
-              <a:stCxn id="51" idx="2"/>
+              <a:stCxn id="125" idx="2"/>
             </p:cNvCxnSpPr>
             <p:nvPr/>
           </p:nvCxnSpPr>
           <p:spPr>
             <a:xfrm>
-              <a:off x="6250762" y="2750625"/>
+              <a:off x="6180750" y="2644884"/>
               <a:ext cx="158393" cy="0"/>
             </a:xfrm>
             <a:prstGeom prst="line">
@@ -5635,7 +5646,9 @@
             </a:prstGeom>
             <a:ln>
               <a:solidFill>
-                <a:schemeClr val="accent4"/>
+                <a:schemeClr val="accent2">
+                  <a:lumMod val="75000"/>
+                </a:schemeClr>
               </a:solidFill>
               <a:prstDash val="sysDash"/>
             </a:ln>
@@ -5657,10 +5670,10 @@
         </p:cxnSp>
         <p:sp>
           <p:nvSpPr>
-            <p:cNvPr id="51" name="Rectangle 50">
+            <p:cNvPr id="125" name="Rectangle 124">
               <a:extLst>
                 <a:ext uri="{FF2B5EF4-FFF2-40B4-BE49-F238E27FC236}">
-                  <a16:creationId xmlns:a16="http://schemas.microsoft.com/office/drawing/2014/main" id="{B49E209C-A1EB-BB48-AD32-456EC9C4A783}"/>
+                  <a16:creationId xmlns:a16="http://schemas.microsoft.com/office/drawing/2014/main" id="{A79EFDD3-DA64-8C42-B718-6FDD25C6EF77}"/>
                 </a:ext>
               </a:extLst>
             </p:cNvPr>
@@ -5669,7 +5682,7 @@
           </p:nvSpPr>
           <p:spPr>
             <a:xfrm>
-              <a:off x="6189349" y="2344879"/>
+              <a:off x="6119337" y="2239138"/>
               <a:ext cx="122826" cy="405746"/>
             </a:xfrm>
             <a:prstGeom prst="rect">
@@ -5720,10 +5733,10 @@
         </p:sp>
         <p:cxnSp>
           <p:nvCxnSpPr>
-            <p:cNvPr id="52" name="Curved Connector 51">
+            <p:cNvPr id="126" name="Curved Connector 125">
               <a:extLst>
                 <a:ext uri="{FF2B5EF4-FFF2-40B4-BE49-F238E27FC236}">
-                  <a16:creationId xmlns:a16="http://schemas.microsoft.com/office/drawing/2014/main" id="{E3EC4F9B-70C5-924D-AA12-7466AF739E35}"/>
+                  <a16:creationId xmlns:a16="http://schemas.microsoft.com/office/drawing/2014/main" id="{80187D65-D9EB-224E-B4CB-1023A22E23C9}"/>
                 </a:ext>
               </a:extLst>
             </p:cNvPr>
@@ -5734,7 +5747,7 @@
           </p:nvCxnSpPr>
           <p:spPr>
             <a:xfrm rot="10800000" flipV="1">
-              <a:off x="6223699" y="2755492"/>
+              <a:off x="6159438" y="2644000"/>
               <a:ext cx="185456" cy="80131"/>
             </a:xfrm>
             <a:prstGeom prst="curvedConnector3">
@@ -5745,8 +5758,7 @@
             <a:ln>
               <a:solidFill>
                 <a:schemeClr val="accent2">
-                  <a:lumMod val="60000"/>
-                  <a:lumOff val="40000"/>
+                  <a:lumMod val="75000"/>
                 </a:schemeClr>
               </a:solidFill>
               <a:prstDash val="sysDash"/>
@@ -5770,10 +5782,10 @@
         </p:cxnSp>
         <p:sp>
           <p:nvSpPr>
-            <p:cNvPr id="53" name="TextBox 52">
+            <p:cNvPr id="127" name="TextBox 126">
               <a:extLst>
                 <a:ext uri="{FF2B5EF4-FFF2-40B4-BE49-F238E27FC236}">
-                  <a16:creationId xmlns:a16="http://schemas.microsoft.com/office/drawing/2014/main" id="{7B752FD9-1708-FC42-8F7F-8BD53742A222}"/>
+                  <a16:creationId xmlns:a16="http://schemas.microsoft.com/office/drawing/2014/main" id="{5EEB95E2-1872-E54C-A2C0-A13E5B5AB7EB}"/>
                 </a:ext>
               </a:extLst>
             </p:cNvPr>
@@ -5782,7 +5794,7 @@
           </p:nvSpPr>
           <p:spPr>
             <a:xfrm>
-              <a:off x="6330369" y="2118191"/>
+              <a:off x="6260357" y="2012450"/>
               <a:ext cx="1091966" cy="261610"/>
             </a:xfrm>
             <a:prstGeom prst="rect">
@@ -5808,10 +5820,10 @@
         </p:sp>
         <p:sp>
           <p:nvSpPr>
-            <p:cNvPr id="54" name="TextBox 53">
+            <p:cNvPr id="128" name="TextBox 127">
               <a:extLst>
                 <a:ext uri="{FF2B5EF4-FFF2-40B4-BE49-F238E27FC236}">
-                  <a16:creationId xmlns:a16="http://schemas.microsoft.com/office/drawing/2014/main" id="{23765730-0814-F14C-B177-B8E4348BA07D}"/>
+                  <a16:creationId xmlns:a16="http://schemas.microsoft.com/office/drawing/2014/main" id="{8AECC4C4-D5CE-8049-AD1E-E71C5C3ADE25}"/>
                 </a:ext>
               </a:extLst>
             </p:cNvPr>
@@ -5820,7 +5832,7 @@
           </p:nvSpPr>
           <p:spPr>
             <a:xfrm>
-              <a:off x="6388037" y="2659777"/>
+              <a:off x="6318025" y="2554036"/>
               <a:ext cx="497252" cy="261610"/>
             </a:xfrm>
             <a:prstGeom prst="rect">
@@ -5846,22 +5858,22 @@
         </p:sp>
         <p:cxnSp>
           <p:nvCxnSpPr>
-            <p:cNvPr id="55" name="Straight Connector 54">
+            <p:cNvPr id="129" name="Straight Connector 128">
               <a:extLst>
                 <a:ext uri="{FF2B5EF4-FFF2-40B4-BE49-F238E27FC236}">
-                  <a16:creationId xmlns:a16="http://schemas.microsoft.com/office/drawing/2014/main" id="{F4E62E17-2D1C-484C-B436-C3406BE2A1A7}"/>
+                  <a16:creationId xmlns:a16="http://schemas.microsoft.com/office/drawing/2014/main" id="{8AF1EEED-FB68-E748-BEDD-73A3E940AF28}"/>
                 </a:ext>
               </a:extLst>
             </p:cNvPr>
             <p:cNvCxnSpPr>
               <a:cxnSpLocks/>
-              <a:stCxn id="56" idx="2"/>
+              <a:stCxn id="130" idx="2"/>
             </p:cNvCxnSpPr>
             <p:nvPr/>
           </p:nvCxnSpPr>
           <p:spPr>
             <a:xfrm>
-              <a:off x="6226938" y="3446380"/>
+              <a:off x="6156926" y="3340639"/>
               <a:ext cx="158393" cy="0"/>
             </a:xfrm>
             <a:prstGeom prst="line">
@@ -5869,7 +5881,9 @@
             </a:prstGeom>
             <a:ln>
               <a:solidFill>
-                <a:schemeClr val="accent4"/>
+                <a:schemeClr val="accent2">
+                  <a:lumMod val="75000"/>
+                </a:schemeClr>
               </a:solidFill>
               <a:prstDash val="sysDash"/>
             </a:ln>
@@ -5891,10 +5905,10 @@
         </p:cxnSp>
         <p:sp>
           <p:nvSpPr>
-            <p:cNvPr id="56" name="Rectangle 55">
+            <p:cNvPr id="130" name="Rectangle 129">
               <a:extLst>
                 <a:ext uri="{FF2B5EF4-FFF2-40B4-BE49-F238E27FC236}">
-                  <a16:creationId xmlns:a16="http://schemas.microsoft.com/office/drawing/2014/main" id="{1380803A-2AB2-9343-ABE1-63E10CF4F5E4}"/>
+                  <a16:creationId xmlns:a16="http://schemas.microsoft.com/office/drawing/2014/main" id="{5704FEB6-8A00-3F46-BD46-94343B1A76E4}"/>
                 </a:ext>
               </a:extLst>
             </p:cNvPr>
@@ -5903,7 +5917,7 @@
           </p:nvSpPr>
           <p:spPr>
             <a:xfrm>
-              <a:off x="6165525" y="3040634"/>
+              <a:off x="6095513" y="2934893"/>
               <a:ext cx="122826" cy="405746"/>
             </a:xfrm>
             <a:prstGeom prst="rect">
@@ -5954,10 +5968,10 @@
         </p:sp>
         <p:cxnSp>
           <p:nvCxnSpPr>
-            <p:cNvPr id="57" name="Curved Connector 56">
+            <p:cNvPr id="131" name="Curved Connector 130">
               <a:extLst>
                 <a:ext uri="{FF2B5EF4-FFF2-40B4-BE49-F238E27FC236}">
-                  <a16:creationId xmlns:a16="http://schemas.microsoft.com/office/drawing/2014/main" id="{D4BBDE26-FE13-A341-805D-C6AC8CDA9528}"/>
+                  <a16:creationId xmlns:a16="http://schemas.microsoft.com/office/drawing/2014/main" id="{F87A38B1-65F8-3C49-96F6-C8DB8B2ACE8B}"/>
                 </a:ext>
               </a:extLst>
             </p:cNvPr>
@@ -5968,7 +5982,7 @@
           </p:nvCxnSpPr>
           <p:spPr>
             <a:xfrm rot="10800000" flipV="1">
-              <a:off x="6199875" y="3451247"/>
+              <a:off x="6135614" y="3339755"/>
               <a:ext cx="185456" cy="80131"/>
             </a:xfrm>
             <a:prstGeom prst="curvedConnector3">
@@ -5979,8 +5993,7 @@
             <a:ln>
               <a:solidFill>
                 <a:schemeClr val="accent2">
-                  <a:lumMod val="60000"/>
-                  <a:lumOff val="40000"/>
+                  <a:lumMod val="75000"/>
                 </a:schemeClr>
               </a:solidFill>
               <a:prstDash val="sysDash"/>
@@ -6004,10 +6017,10 @@
         </p:cxnSp>
         <p:sp>
           <p:nvSpPr>
-            <p:cNvPr id="58" name="TextBox 57">
+            <p:cNvPr id="132" name="TextBox 131">
               <a:extLst>
                 <a:ext uri="{FF2B5EF4-FFF2-40B4-BE49-F238E27FC236}">
-                  <a16:creationId xmlns:a16="http://schemas.microsoft.com/office/drawing/2014/main" id="{9211DDC4-D29C-D442-86F9-2B49F9A4ADFB}"/>
+                  <a16:creationId xmlns:a16="http://schemas.microsoft.com/office/drawing/2014/main" id="{5BCF5D2A-37E9-B541-85FD-B6645952A061}"/>
                 </a:ext>
               </a:extLst>
             </p:cNvPr>
@@ -6016,7 +6029,7 @@
           </p:nvSpPr>
           <p:spPr>
             <a:xfrm>
-              <a:off x="6329958" y="2826506"/>
+              <a:off x="6259946" y="2720765"/>
               <a:ext cx="1366080" cy="261610"/>
             </a:xfrm>
             <a:prstGeom prst="rect">
@@ -6042,10 +6055,10 @@
         </p:sp>
         <p:cxnSp>
           <p:nvCxnSpPr>
-            <p:cNvPr id="59" name="Straight Arrow Connector 58">
+            <p:cNvPr id="133" name="Straight Arrow Connector 132">
               <a:extLst>
                 <a:ext uri="{FF2B5EF4-FFF2-40B4-BE49-F238E27FC236}">
-                  <a16:creationId xmlns:a16="http://schemas.microsoft.com/office/drawing/2014/main" id="{DB217ADF-1569-B146-B883-623DA2B58ED1}"/>
+                  <a16:creationId xmlns:a16="http://schemas.microsoft.com/office/drawing/2014/main" id="{038E900B-1F66-8F42-B460-8E02AD757D8D}"/>
                 </a:ext>
               </a:extLst>
             </p:cNvPr>
@@ -6055,9 +6068,9 @@
             <p:nvPr/>
           </p:nvCxnSpPr>
           <p:spPr>
-            <a:xfrm>
-              <a:off x="6222359" y="3739985"/>
-              <a:ext cx="2881605" cy="0"/>
+            <a:xfrm flipV="1">
+              <a:off x="6152347" y="3622321"/>
+              <a:ext cx="3311999" cy="0"/>
             </a:xfrm>
             <a:prstGeom prst="straightConnector1">
               <a:avLst/>
@@ -6065,8 +6078,7 @@
             <a:ln>
               <a:solidFill>
                 <a:schemeClr val="accent2">
-                  <a:lumMod val="60000"/>
-                  <a:lumOff val="40000"/>
+                  <a:lumMod val="75000"/>
                 </a:schemeClr>
               </a:solidFill>
               <a:tailEnd type="triangle"/>
@@ -6089,10 +6101,10 @@
         </p:cxnSp>
         <p:sp>
           <p:nvSpPr>
-            <p:cNvPr id="60" name="TextBox 59">
+            <p:cNvPr id="134" name="TextBox 133">
               <a:extLst>
                 <a:ext uri="{FF2B5EF4-FFF2-40B4-BE49-F238E27FC236}">
-                  <a16:creationId xmlns:a16="http://schemas.microsoft.com/office/drawing/2014/main" id="{46E84968-A3D4-0F45-8A77-393088F12682}"/>
+                  <a16:creationId xmlns:a16="http://schemas.microsoft.com/office/drawing/2014/main" id="{CD002677-1A14-414B-9D23-D7E183634A32}"/>
                 </a:ext>
               </a:extLst>
             </p:cNvPr>
@@ -6101,7 +6113,7 @@
           </p:nvSpPr>
           <p:spPr>
             <a:xfrm>
-              <a:off x="6846457" y="3512602"/>
+              <a:off x="6776445" y="3406861"/>
               <a:ext cx="1696298" cy="261610"/>
             </a:xfrm>
             <a:prstGeom prst="rect">
@@ -6127,22 +6139,22 @@
         </p:sp>
         <p:cxnSp>
           <p:nvCxnSpPr>
-            <p:cNvPr id="61" name="Straight Connector 60">
+            <p:cNvPr id="135" name="Straight Connector 134">
               <a:extLst>
                 <a:ext uri="{FF2B5EF4-FFF2-40B4-BE49-F238E27FC236}">
-                  <a16:creationId xmlns:a16="http://schemas.microsoft.com/office/drawing/2014/main" id="{2782A92B-1C01-0C49-ADB7-C229331D8B27}"/>
+                  <a16:creationId xmlns:a16="http://schemas.microsoft.com/office/drawing/2014/main" id="{BF9D8D87-8280-0546-8022-9AF6DFD397C5}"/>
                 </a:ext>
               </a:extLst>
             </p:cNvPr>
             <p:cNvCxnSpPr>
               <a:cxnSpLocks/>
-              <a:stCxn id="62" idx="2"/>
+              <a:stCxn id="136" idx="2"/>
             </p:cNvCxnSpPr>
             <p:nvPr/>
           </p:nvCxnSpPr>
           <p:spPr>
             <a:xfrm>
-              <a:off x="6247055" y="5202188"/>
+              <a:off x="6177043" y="5096447"/>
               <a:ext cx="128734" cy="0"/>
             </a:xfrm>
             <a:prstGeom prst="line">
@@ -6150,7 +6162,9 @@
             </a:prstGeom>
             <a:ln>
               <a:solidFill>
-                <a:schemeClr val="accent4"/>
+                <a:schemeClr val="accent2">
+                  <a:lumMod val="75000"/>
+                </a:schemeClr>
               </a:solidFill>
               <a:prstDash val="sysDash"/>
             </a:ln>
@@ -6172,10 +6186,10 @@
         </p:cxnSp>
         <p:sp>
           <p:nvSpPr>
-            <p:cNvPr id="62" name="Rectangle 61">
+            <p:cNvPr id="136" name="Rectangle 135">
               <a:extLst>
                 <a:ext uri="{FF2B5EF4-FFF2-40B4-BE49-F238E27FC236}">
-                  <a16:creationId xmlns:a16="http://schemas.microsoft.com/office/drawing/2014/main" id="{10245379-985E-6041-8897-C461A3254648}"/>
+                  <a16:creationId xmlns:a16="http://schemas.microsoft.com/office/drawing/2014/main" id="{766CE2FC-2F0D-434A-8E7D-37CE6D09459E}"/>
                 </a:ext>
               </a:extLst>
             </p:cNvPr>
@@ -6184,7 +6198,7 @@
           </p:nvSpPr>
           <p:spPr>
             <a:xfrm>
-              <a:off x="6187681" y="4251712"/>
+              <a:off x="6117669" y="4145971"/>
               <a:ext cx="118747" cy="950476"/>
             </a:xfrm>
             <a:prstGeom prst="rect">
@@ -6235,10 +6249,10 @@
         </p:sp>
         <p:sp>
           <p:nvSpPr>
-            <p:cNvPr id="63" name="TextBox 62">
+            <p:cNvPr id="137" name="TextBox 136">
               <a:extLst>
                 <a:ext uri="{FF2B5EF4-FFF2-40B4-BE49-F238E27FC236}">
-                  <a16:creationId xmlns:a16="http://schemas.microsoft.com/office/drawing/2014/main" id="{A416A34A-60F5-5D43-ACFD-0B05B584C3C8}"/>
+                  <a16:creationId xmlns:a16="http://schemas.microsoft.com/office/drawing/2014/main" id="{8E1CE88D-E162-E644-965E-C5DFE131FF2F}"/>
                 </a:ext>
               </a:extLst>
             </p:cNvPr>
@@ -6247,7 +6261,7 @@
           </p:nvSpPr>
           <p:spPr>
             <a:xfrm>
-              <a:off x="6352202" y="4035832"/>
+              <a:off x="6282190" y="3930091"/>
               <a:ext cx="3246402" cy="261610"/>
             </a:xfrm>
             <a:prstGeom prst="rect">
@@ -6273,10 +6287,10 @@
         </p:sp>
         <p:cxnSp>
           <p:nvCxnSpPr>
-            <p:cNvPr id="64" name="Straight Arrow Connector 63">
+            <p:cNvPr id="138" name="Straight Arrow Connector 137">
               <a:extLst>
                 <a:ext uri="{FF2B5EF4-FFF2-40B4-BE49-F238E27FC236}">
-                  <a16:creationId xmlns:a16="http://schemas.microsoft.com/office/drawing/2014/main" id="{24D02725-0969-8F49-99B8-779144709A48}"/>
+                  <a16:creationId xmlns:a16="http://schemas.microsoft.com/office/drawing/2014/main" id="{7A7DAEF5-F582-A74E-B461-63CE7C65CC52}"/>
                 </a:ext>
               </a:extLst>
             </p:cNvPr>
@@ -6287,7 +6301,7 @@
           </p:nvCxnSpPr>
           <p:spPr>
             <a:xfrm>
-              <a:off x="6329958" y="4452727"/>
+              <a:off x="6259946" y="4346986"/>
               <a:ext cx="4970875" cy="0"/>
             </a:xfrm>
             <a:prstGeom prst="straightConnector1">
@@ -6296,8 +6310,7 @@
             <a:ln>
               <a:solidFill>
                 <a:schemeClr val="accent2">
-                  <a:lumMod val="60000"/>
-                  <a:lumOff val="40000"/>
+                  <a:lumMod val="75000"/>
                 </a:schemeClr>
               </a:solidFill>
               <a:tailEnd type="triangle"/>
@@ -6320,10 +6333,10 @@
         </p:cxnSp>
         <p:sp>
           <p:nvSpPr>
-            <p:cNvPr id="65" name="TextBox 64">
+            <p:cNvPr id="139" name="TextBox 138">
               <a:extLst>
                 <a:ext uri="{FF2B5EF4-FFF2-40B4-BE49-F238E27FC236}">
-                  <a16:creationId xmlns:a16="http://schemas.microsoft.com/office/drawing/2014/main" id="{457C1076-0249-5A4D-BED9-BB8367391F84}"/>
+                  <a16:creationId xmlns:a16="http://schemas.microsoft.com/office/drawing/2014/main" id="{0EADB15C-3681-854E-9286-F35BAE4CF60E}"/>
                 </a:ext>
               </a:extLst>
             </p:cNvPr>
@@ -6332,7 +6345,7 @@
           </p:nvSpPr>
           <p:spPr>
             <a:xfrm>
-              <a:off x="9864313" y="4223090"/>
+              <a:off x="9794301" y="4117349"/>
               <a:ext cx="1119217" cy="261610"/>
             </a:xfrm>
             <a:prstGeom prst="rect">
@@ -6358,23 +6371,22 @@
         </p:sp>
         <p:cxnSp>
           <p:nvCxnSpPr>
-            <p:cNvPr id="66" name="Straight Arrow Connector 65">
+            <p:cNvPr id="140" name="Straight Arrow Connector 139">
               <a:extLst>
                 <a:ext uri="{FF2B5EF4-FFF2-40B4-BE49-F238E27FC236}">
-                  <a16:creationId xmlns:a16="http://schemas.microsoft.com/office/drawing/2014/main" id="{9570BA56-4CE6-6748-ACDF-12674B62EE27}"/>
+                  <a16:creationId xmlns:a16="http://schemas.microsoft.com/office/drawing/2014/main" id="{CA082168-1A2A-EB41-9196-C8F9332C847C}"/>
                 </a:ext>
               </a:extLst>
             </p:cNvPr>
             <p:cNvCxnSpPr>
               <a:cxnSpLocks/>
-              <a:stCxn id="45" idx="2"/>
             </p:cNvCxnSpPr>
             <p:nvPr/>
           </p:nvCxnSpPr>
           <p:spPr>
             <a:xfrm flipH="1" flipV="1">
-              <a:off x="6308772" y="4768308"/>
-              <a:ext cx="5052607" cy="8419"/>
+              <a:off x="6238760" y="4589466"/>
+              <a:ext cx="5052607" cy="0"/>
             </a:xfrm>
             <a:prstGeom prst="straightConnector1">
               <a:avLst/>
@@ -6382,8 +6394,7 @@
             <a:ln>
               <a:solidFill>
                 <a:schemeClr val="accent2">
-                  <a:lumMod val="60000"/>
-                  <a:lumOff val="40000"/>
+                  <a:lumMod val="75000"/>
                 </a:schemeClr>
               </a:solidFill>
               <a:prstDash val="sysDash"/>
@@ -6407,10 +6418,10 @@
         </p:cxnSp>
         <p:cxnSp>
           <p:nvCxnSpPr>
-            <p:cNvPr id="67" name="Curved Connector 66">
+            <p:cNvPr id="141" name="Curved Connector 140">
               <a:extLst>
                 <a:ext uri="{FF2B5EF4-FFF2-40B4-BE49-F238E27FC236}">
-                  <a16:creationId xmlns:a16="http://schemas.microsoft.com/office/drawing/2014/main" id="{E1279F96-0A88-A646-84CA-6B93CB94093C}"/>
+                  <a16:creationId xmlns:a16="http://schemas.microsoft.com/office/drawing/2014/main" id="{13FD3A00-B99B-0640-A045-8B46149150DF}"/>
                 </a:ext>
               </a:extLst>
             </p:cNvPr>
@@ -6421,7 +6432,7 @@
           </p:nvCxnSpPr>
           <p:spPr>
             <a:xfrm rot="10800000" flipV="1">
-              <a:off x="6213978" y="5202187"/>
+              <a:off x="6143966" y="5096446"/>
               <a:ext cx="150655" cy="72078"/>
             </a:xfrm>
             <a:prstGeom prst="curvedConnector3">
@@ -6432,8 +6443,7 @@
             <a:ln>
               <a:solidFill>
                 <a:schemeClr val="accent2">
-                  <a:lumMod val="60000"/>
-                  <a:lumOff val="40000"/>
+                  <a:lumMod val="75000"/>
                 </a:schemeClr>
               </a:solidFill>
               <a:prstDash val="sysDash"/>
@@ -6457,10 +6467,10 @@
         </p:cxnSp>
         <p:sp>
           <p:nvSpPr>
-            <p:cNvPr id="68" name="TextBox 67">
+            <p:cNvPr id="142" name="TextBox 141">
               <a:extLst>
                 <a:ext uri="{FF2B5EF4-FFF2-40B4-BE49-F238E27FC236}">
-                  <a16:creationId xmlns:a16="http://schemas.microsoft.com/office/drawing/2014/main" id="{FAA3C0AC-DA98-4342-A7FF-A5BA581528DD}"/>
+                  <a16:creationId xmlns:a16="http://schemas.microsoft.com/office/drawing/2014/main" id="{75608110-6FD7-AD4C-BDE0-DF233BDD50A9}"/>
                 </a:ext>
               </a:extLst>
             </p:cNvPr>
@@ -6469,7 +6479,7 @@
           </p:nvSpPr>
           <p:spPr>
             <a:xfrm>
-              <a:off x="6617423" y="4533687"/>
+              <a:off x="7867873" y="4374744"/>
               <a:ext cx="923651" cy="261610"/>
             </a:xfrm>
             <a:prstGeom prst="rect">
@@ -6484,21 +6494,25 @@
             <a:lstStyle/>
             <a:p>
               <a:r>
-                <a:rPr lang="en-US" sz="1100">
+                <a:rPr lang="en-US" sz="1100" dirty="0" err="1">
                   <a:latin typeface="Arial" panose="020B0604020202020204" pitchFamily="34" charset="0"/>
                   <a:cs typeface="Arial" panose="020B0604020202020204" pitchFamily="34" charset="0"/>
                 </a:rPr>
                 <a:t>CardDetails</a:t>
               </a:r>
+              <a:endParaRPr lang="en-US" sz="1100" dirty="0">
+                <a:latin typeface="Arial" panose="020B0604020202020204" pitchFamily="34" charset="0"/>
+                <a:cs typeface="Arial" panose="020B0604020202020204" pitchFamily="34" charset="0"/>
+              </a:endParaRPr>
             </a:p>
           </p:txBody>
         </p:sp>
         <p:cxnSp>
           <p:nvCxnSpPr>
-            <p:cNvPr id="69" name="Straight Arrow Connector 68">
+            <p:cNvPr id="143" name="Straight Arrow Connector 142">
               <a:extLst>
                 <a:ext uri="{FF2B5EF4-FFF2-40B4-BE49-F238E27FC236}">
-                  <a16:creationId xmlns:a16="http://schemas.microsoft.com/office/drawing/2014/main" id="{36A8F4D6-249E-1749-BC0D-58B4B3AF255D}"/>
+                  <a16:creationId xmlns:a16="http://schemas.microsoft.com/office/drawing/2014/main" id="{A8173AA4-07F6-9242-8712-E1AD87D07A8E}"/>
                 </a:ext>
               </a:extLst>
             </p:cNvPr>
@@ -6509,8 +6523,8 @@
           </p:nvCxnSpPr>
           <p:spPr>
             <a:xfrm>
-              <a:off x="6260930" y="4914194"/>
-              <a:ext cx="3261487" cy="0"/>
+              <a:off x="6236416" y="4808453"/>
+              <a:ext cx="3215989" cy="0"/>
             </a:xfrm>
             <a:prstGeom prst="straightConnector1">
               <a:avLst/>
@@ -6518,8 +6532,7 @@
             <a:ln>
               <a:solidFill>
                 <a:schemeClr val="accent2">
-                  <a:lumMod val="60000"/>
-                  <a:lumOff val="40000"/>
+                  <a:lumMod val="75000"/>
                 </a:schemeClr>
               </a:solidFill>
               <a:tailEnd type="triangle"/>
@@ -6542,59 +6555,10 @@
         </p:cxnSp>
         <p:sp>
           <p:nvSpPr>
-            <p:cNvPr id="70" name="TextBox 69">
+            <p:cNvPr id="145" name="Rectangle 144">
               <a:extLst>
                 <a:ext uri="{FF2B5EF4-FFF2-40B4-BE49-F238E27FC236}">
-                  <a16:creationId xmlns:a16="http://schemas.microsoft.com/office/drawing/2014/main" id="{2889C3FF-AAEB-6041-953A-17FDC756CC2A}"/>
-                </a:ext>
-              </a:extLst>
-            </p:cNvPr>
-            <p:cNvSpPr txBox="1"/>
-            <p:nvPr/>
-          </p:nvSpPr>
-          <p:spPr>
-            <a:xfrm>
-              <a:off x="6283865" y="4724093"/>
-              <a:ext cx="3336170" cy="261610"/>
-            </a:xfrm>
-            <a:prstGeom prst="rect">
-              <a:avLst/>
-            </a:prstGeom>
-            <a:noFill/>
-          </p:spPr>
-          <p:txBody>
-            <a:bodyPr wrap="none" rtlCol="0">
-              <a:spAutoFit/>
-            </a:bodyPr>
-            <a:lstStyle/>
-            <a:p>
-              <a:r>
-                <a:rPr lang="en-US" sz="1100">
-                  <a:latin typeface="Arial" panose="020B0604020202020204" pitchFamily="34" charset="0"/>
-                  <a:cs typeface="Arial" panose="020B0604020202020204" pitchFamily="34" charset="0"/>
-                </a:rPr>
-                <a:t>printCard(</a:t>
-              </a:r>
-              <a:r>
-                <a:rPr lang="en-SG" sz="1100">
-                  <a:latin typeface="Arial" panose="020B0604020202020204" pitchFamily="34" charset="0"/>
-                  <a:cs typeface="Arial" panose="020B0604020202020204" pitchFamily="34" charset="0"/>
-                </a:rPr>
-                <a:t>num, name, monLimit, remLimit, rebate)</a:t>
-              </a:r>
-              <a:endParaRPr lang="en-US" sz="1100">
-                <a:latin typeface="Arial" panose="020B0604020202020204" pitchFamily="34" charset="0"/>
-                <a:cs typeface="Arial" panose="020B0604020202020204" pitchFamily="34" charset="0"/>
-              </a:endParaRPr>
-            </a:p>
-          </p:txBody>
-        </p:sp>
-        <p:sp>
-          <p:nvSpPr>
-            <p:cNvPr id="71" name="Rectangle 70">
-              <a:extLst>
-                <a:ext uri="{FF2B5EF4-FFF2-40B4-BE49-F238E27FC236}">
-                  <a16:creationId xmlns:a16="http://schemas.microsoft.com/office/drawing/2014/main" id="{26E3402A-6174-5B49-BF3D-8E6F62258361}"/>
+                  <a16:creationId xmlns:a16="http://schemas.microsoft.com/office/drawing/2014/main" id="{86D1AFF1-3D32-4D48-BAF9-3DA88D2C744D}"/>
                 </a:ext>
               </a:extLst>
             </p:cNvPr>
@@ -6603,7 +6567,7 @@
           </p:nvSpPr>
           <p:spPr>
             <a:xfrm>
-              <a:off x="159478" y="713505"/>
+              <a:off x="89466" y="607764"/>
               <a:ext cx="12013067" cy="5826019"/>
             </a:xfrm>
             <a:prstGeom prst="rect">
@@ -6646,10 +6610,10 @@
         </p:sp>
         <p:sp>
           <p:nvSpPr>
-            <p:cNvPr id="72" name="TextBox 71">
+            <p:cNvPr id="146" name="TextBox 145">
               <a:extLst>
                 <a:ext uri="{FF2B5EF4-FFF2-40B4-BE49-F238E27FC236}">
-                  <a16:creationId xmlns:a16="http://schemas.microsoft.com/office/drawing/2014/main" id="{747BA3C0-611F-0F40-BB34-C38A3CE18FC0}"/>
+                  <a16:creationId xmlns:a16="http://schemas.microsoft.com/office/drawing/2014/main" id="{59CAFC8B-3974-2248-A72C-679603348AEC}"/>
                 </a:ext>
               </a:extLst>
             </p:cNvPr>
@@ -6658,8 +6622,8 @@
           </p:nvSpPr>
           <p:spPr>
             <a:xfrm>
-              <a:off x="11212368" y="5596470"/>
-              <a:ext cx="304892" cy="369332"/>
+              <a:off x="11131205" y="5490729"/>
+              <a:ext cx="311304" cy="369332"/>
             </a:xfrm>
             <a:prstGeom prst="rect">
               <a:avLst/>
@@ -6673,7 +6637,7 @@
             <a:lstStyle/>
             <a:p>
               <a:r>
-                <a:rPr lang="en-US">
+                <a:rPr lang="en-US" b="1" dirty="0">
                   <a:solidFill>
                     <a:schemeClr val="accent2"/>
                   </a:solidFill>
@@ -6685,10 +6649,10 @@
         </p:sp>
         <p:sp>
           <p:nvSpPr>
-            <p:cNvPr id="73" name="TextBox 72">
+            <p:cNvPr id="147" name="TextBox 146">
               <a:extLst>
                 <a:ext uri="{FF2B5EF4-FFF2-40B4-BE49-F238E27FC236}">
-                  <a16:creationId xmlns:a16="http://schemas.microsoft.com/office/drawing/2014/main" id="{C5B2C5C1-9E55-A94C-B86D-CB8DECFC89F4}"/>
+                  <a16:creationId xmlns:a16="http://schemas.microsoft.com/office/drawing/2014/main" id="{AEEAB7F9-529A-AC40-AA96-8D8A357F10BB}"/>
                 </a:ext>
               </a:extLst>
             </p:cNvPr>
@@ -6697,7 +6661,7 @@
           </p:nvSpPr>
           <p:spPr>
             <a:xfrm>
-              <a:off x="979247" y="5919861"/>
+              <a:off x="909235" y="5814120"/>
               <a:ext cx="522900" cy="261610"/>
             </a:xfrm>
             <a:prstGeom prst="rect">
@@ -6712,7 +6676,7 @@
             <a:lstStyle/>
             <a:p>
               <a:r>
-                <a:rPr lang="en-US" sz="1100">
+                <a:rPr lang="en-US" sz="1100" dirty="0">
                   <a:latin typeface="Arial" panose="020B0604020202020204" pitchFamily="34" charset="0"/>
                   <a:cs typeface="Arial" panose="020B0604020202020204" pitchFamily="34" charset="0"/>
                 </a:rPr>
@@ -6723,10 +6687,10 @@
         </p:sp>
         <p:sp>
           <p:nvSpPr>
-            <p:cNvPr id="74" name="TextBox 73">
+            <p:cNvPr id="149" name="TextBox 148">
               <a:extLst>
                 <a:ext uri="{FF2B5EF4-FFF2-40B4-BE49-F238E27FC236}">
-                  <a16:creationId xmlns:a16="http://schemas.microsoft.com/office/drawing/2014/main" id="{425791E2-B4CA-9B45-9D88-ABBCF338C4A2}"/>
+                  <a16:creationId xmlns:a16="http://schemas.microsoft.com/office/drawing/2014/main" id="{8B8AFA83-2B60-3343-AAE2-E6B1922A981D}"/>
                 </a:ext>
               </a:extLst>
             </p:cNvPr>
@@ -6735,7 +6699,95 @@
           </p:nvSpPr>
           <p:spPr>
             <a:xfrm>
-              <a:off x="5356725" y="1931409"/>
+              <a:off x="1764044" y="6078632"/>
+              <a:ext cx="311304" cy="369332"/>
+            </a:xfrm>
+            <a:prstGeom prst="rect">
+              <a:avLst/>
+            </a:prstGeom>
+            <a:noFill/>
+          </p:spPr>
+          <p:txBody>
+            <a:bodyPr wrap="none" rtlCol="0">
+              <a:spAutoFit/>
+            </a:bodyPr>
+            <a:lstStyle/>
+            <a:p>
+              <a:r>
+                <a:rPr lang="en-US" b="1" dirty="0">
+                  <a:solidFill>
+                    <a:srgbClr val="7030A0">
+                      <a:alpha val="70000"/>
+                    </a:srgbClr>
+                  </a:solidFill>
+                </a:rPr>
+                <a:t>X</a:t>
+              </a:r>
+            </a:p>
+          </p:txBody>
+        </p:sp>
+        <p:cxnSp>
+          <p:nvCxnSpPr>
+            <p:cNvPr id="150" name="Straight Connector 149">
+              <a:extLst>
+                <a:ext uri="{FF2B5EF4-FFF2-40B4-BE49-F238E27FC236}">
+                  <a16:creationId xmlns:a16="http://schemas.microsoft.com/office/drawing/2014/main" id="{F2FE8619-D48C-214E-95FA-78B45F41466E}"/>
+                </a:ext>
+              </a:extLst>
+            </p:cNvPr>
+            <p:cNvCxnSpPr>
+              <a:stCxn id="89" idx="2"/>
+              <a:endCxn id="88" idx="0"/>
+            </p:cNvCxnSpPr>
+            <p:nvPr/>
+          </p:nvCxnSpPr>
+          <p:spPr>
+            <a:xfrm>
+              <a:off x="505081" y="486566"/>
+              <a:ext cx="0" cy="268332"/>
+            </a:xfrm>
+            <a:prstGeom prst="line">
+              <a:avLst/>
+            </a:prstGeom>
+            <a:ln>
+              <a:solidFill>
+                <a:schemeClr val="bg1">
+                  <a:lumMod val="50000"/>
+                </a:schemeClr>
+              </a:solidFill>
+              <a:prstDash val="sysDash"/>
+            </a:ln>
+          </p:spPr>
+          <p:style>
+            <a:lnRef idx="1">
+              <a:schemeClr val="accent1"/>
+            </a:lnRef>
+            <a:fillRef idx="0">
+              <a:schemeClr val="accent1"/>
+            </a:fillRef>
+            <a:effectRef idx="0">
+              <a:schemeClr val="accent1"/>
+            </a:effectRef>
+            <a:fontRef idx="minor">
+              <a:schemeClr val="tx1"/>
+            </a:fontRef>
+          </p:style>
+        </p:cxnSp>
+        <p:sp>
+          <p:nvSpPr>
+            <p:cNvPr id="153" name="TextBox 152">
+              <a:extLst>
+                <a:ext uri="{FF2B5EF4-FFF2-40B4-BE49-F238E27FC236}">
+                  <a16:creationId xmlns:a16="http://schemas.microsoft.com/office/drawing/2014/main" id="{C99AC1F8-E08B-5E47-B1A0-13D0278CE776}"/>
+                </a:ext>
+              </a:extLst>
+            </p:cNvPr>
+            <p:cNvSpPr txBox="1"/>
+            <p:nvPr/>
+          </p:nvSpPr>
+          <p:spPr>
+            <a:xfrm>
+              <a:off x="5286713" y="1825668"/>
               <a:ext cx="452368" cy="261610"/>
             </a:xfrm>
             <a:prstGeom prst="rect">
@@ -6759,46 +6811,98 @@
             </a:p>
           </p:txBody>
         </p:sp>
-        <p:sp>
-          <p:nvSpPr>
-            <p:cNvPr id="75" name="TextBox 74">
-              <a:extLst>
-                <a:ext uri="{FF2B5EF4-FFF2-40B4-BE49-F238E27FC236}">
-                  <a16:creationId xmlns:a16="http://schemas.microsoft.com/office/drawing/2014/main" id="{07EE28CD-EC4D-3D4A-AAF6-55A1D03FBEB5}"/>
-                </a:ext>
-              </a:extLst>
-            </p:cNvPr>
-            <p:cNvSpPr txBox="1"/>
-            <p:nvPr/>
-          </p:nvSpPr>
-          <p:spPr>
-            <a:xfrm>
-              <a:off x="1834056" y="6184373"/>
-              <a:ext cx="311304" cy="369332"/>
-            </a:xfrm>
-            <a:prstGeom prst="rect">
-              <a:avLst/>
-            </a:prstGeom>
-            <a:noFill/>
-          </p:spPr>
-          <p:txBody>
-            <a:bodyPr wrap="none" rtlCol="0">
-              <a:spAutoFit/>
-            </a:bodyPr>
-            <a:lstStyle/>
-            <a:p>
-              <a:r>
-                <a:rPr lang="en-US" b="1">
-                  <a:solidFill>
-                    <a:srgbClr val="CBA8FD"/>
-                  </a:solidFill>
-                </a:rPr>
-                <a:t>X</a:t>
-              </a:r>
-            </a:p>
-          </p:txBody>
-        </p:sp>
       </p:grpSp>
+      <p:sp>
+        <p:nvSpPr>
+          <p:cNvPr id="154" name="TextBox 153">
+            <a:extLst>
+              <a:ext uri="{FF2B5EF4-FFF2-40B4-BE49-F238E27FC236}">
+                <a16:creationId xmlns:a16="http://schemas.microsoft.com/office/drawing/2014/main" id="{EB12385F-021C-E849-A274-0F6EB05D7D5A}"/>
+              </a:ext>
+            </a:extLst>
+          </p:cNvPr>
+          <p:cNvSpPr txBox="1"/>
+          <p:nvPr/>
+        </p:nvSpPr>
+        <p:spPr>
+          <a:xfrm>
+            <a:off x="6213853" y="4601419"/>
+            <a:ext cx="3336170" cy="261610"/>
+          </a:xfrm>
+          <a:prstGeom prst="rect">
+            <a:avLst/>
+          </a:prstGeom>
+          <a:noFill/>
+        </p:spPr>
+        <p:txBody>
+          <a:bodyPr wrap="none" rtlCol="0">
+            <a:spAutoFit/>
+          </a:bodyPr>
+          <a:lstStyle/>
+          <a:p>
+            <a:r>
+              <a:rPr lang="en-US" sz="1100" dirty="0" err="1">
+                <a:latin typeface="Arial" panose="020B0604020202020204" pitchFamily="34" charset="0"/>
+                <a:cs typeface="Arial" panose="020B0604020202020204" pitchFamily="34" charset="0"/>
+              </a:rPr>
+              <a:t>printCard</a:t>
+            </a:r>
+            <a:r>
+              <a:rPr lang="en-US" sz="1100" dirty="0">
+                <a:latin typeface="Arial" panose="020B0604020202020204" pitchFamily="34" charset="0"/>
+                <a:cs typeface="Arial" panose="020B0604020202020204" pitchFamily="34" charset="0"/>
+              </a:rPr>
+              <a:t>(</a:t>
+            </a:r>
+            <a:r>
+              <a:rPr lang="en-SG" sz="1100" dirty="0" err="1">
+                <a:latin typeface="Arial" panose="020B0604020202020204" pitchFamily="34" charset="0"/>
+                <a:cs typeface="Arial" panose="020B0604020202020204" pitchFamily="34" charset="0"/>
+              </a:rPr>
+              <a:t>num</a:t>
+            </a:r>
+            <a:r>
+              <a:rPr lang="en-SG" sz="1100" dirty="0">
+                <a:latin typeface="Arial" panose="020B0604020202020204" pitchFamily="34" charset="0"/>
+                <a:cs typeface="Arial" panose="020B0604020202020204" pitchFamily="34" charset="0"/>
+              </a:rPr>
+              <a:t>, name, </a:t>
+            </a:r>
+            <a:r>
+              <a:rPr lang="en-SG" sz="1100" dirty="0" err="1">
+                <a:latin typeface="Arial" panose="020B0604020202020204" pitchFamily="34" charset="0"/>
+                <a:cs typeface="Arial" panose="020B0604020202020204" pitchFamily="34" charset="0"/>
+              </a:rPr>
+              <a:t>monLimit</a:t>
+            </a:r>
+            <a:r>
+              <a:rPr lang="en-SG" sz="1100" dirty="0">
+                <a:latin typeface="Arial" panose="020B0604020202020204" pitchFamily="34" charset="0"/>
+                <a:cs typeface="Arial" panose="020B0604020202020204" pitchFamily="34" charset="0"/>
+              </a:rPr>
+              <a:t>, </a:t>
+            </a:r>
+            <a:r>
+              <a:rPr lang="en-SG" sz="1100" dirty="0" err="1">
+                <a:latin typeface="Arial" panose="020B0604020202020204" pitchFamily="34" charset="0"/>
+                <a:cs typeface="Arial" panose="020B0604020202020204" pitchFamily="34" charset="0"/>
+              </a:rPr>
+              <a:t>remLimit</a:t>
+            </a:r>
+            <a:r>
+              <a:rPr lang="en-SG" sz="1100" dirty="0">
+                <a:latin typeface="Arial" panose="020B0604020202020204" pitchFamily="34" charset="0"/>
+                <a:cs typeface="Arial" panose="020B0604020202020204" pitchFamily="34" charset="0"/>
+              </a:rPr>
+              <a:t>, rebate)</a:t>
+            </a:r>
+            <a:endParaRPr lang="en-US" sz="1100" dirty="0">
+              <a:latin typeface="Arial" panose="020B0604020202020204" pitchFamily="34" charset="0"/>
+              <a:cs typeface="Arial" panose="020B0604020202020204" pitchFamily="34" charset="0"/>
+            </a:endParaRPr>
+          </a:p>
+        </p:txBody>
+      </p:sp>
     </p:spTree>
     <p:extLst>
       <p:ext uri="{BB962C8B-B14F-4D97-AF65-F5344CB8AC3E}">

--- a/docs/diagrams/DeleteCardCommand.pptx
+++ b/docs/diagrams/DeleteCardCommand.pptx
@@ -3349,10 +3349,10 @@
       </p:grpSpPr>
       <p:grpSp>
         <p:nvGrpSpPr>
-          <p:cNvPr id="3" name="Group 2">
+          <p:cNvPr id="5" name="Group 4">
             <a:extLst>
               <a:ext uri="{FF2B5EF4-FFF2-40B4-BE49-F238E27FC236}">
-                <a16:creationId xmlns:a16="http://schemas.microsoft.com/office/drawing/2014/main" id="{3B452173-D81C-B246-8975-FA3537E87F13}"/>
+                <a16:creationId xmlns:a16="http://schemas.microsoft.com/office/drawing/2014/main" id="{F073DBA0-9CA9-8B4C-9A83-90EBE1088C91}"/>
               </a:ext>
             </a:extLst>
           </p:cNvPr>
@@ -3367,2105 +3367,12 @@
             <a:chExt cx="12013067" cy="6441395"/>
           </a:xfrm>
         </p:grpSpPr>
-        <p:cxnSp>
-          <p:nvCxnSpPr>
-            <p:cNvPr id="79" name="Straight Arrow Connector 78">
+        <p:grpSp>
+          <p:nvGrpSpPr>
+            <p:cNvPr id="3" name="Group 2">
               <a:extLst>
                 <a:ext uri="{FF2B5EF4-FFF2-40B4-BE49-F238E27FC236}">
-                  <a16:creationId xmlns:a16="http://schemas.microsoft.com/office/drawing/2014/main" id="{039310C1-E4F5-A441-B5F5-F5591EB5E525}"/>
-                </a:ext>
-              </a:extLst>
-            </p:cNvPr>
-            <p:cNvCxnSpPr>
-              <a:stCxn id="104" idx="2"/>
-            </p:cNvCxnSpPr>
-            <p:nvPr/>
-          </p:nvCxnSpPr>
-          <p:spPr>
-            <a:xfrm flipH="1">
-              <a:off x="4021409" y="5675395"/>
-              <a:ext cx="2066571" cy="0"/>
-            </a:xfrm>
-            <a:prstGeom prst="straightConnector1">
-              <a:avLst/>
-            </a:prstGeom>
-            <a:ln>
-              <a:solidFill>
-                <a:srgbClr val="C00000"/>
-              </a:solidFill>
-              <a:prstDash val="sysDash"/>
-              <a:tailEnd type="triangle"/>
-            </a:ln>
-          </p:spPr>
-          <p:style>
-            <a:lnRef idx="1">
-              <a:schemeClr val="accent1"/>
-            </a:lnRef>
-            <a:fillRef idx="0">
-              <a:schemeClr val="accent1"/>
-            </a:fillRef>
-            <a:effectRef idx="0">
-              <a:schemeClr val="accent1"/>
-            </a:effectRef>
-            <a:fontRef idx="minor">
-              <a:schemeClr val="tx1"/>
-            </a:fontRef>
-          </p:style>
-        </p:cxnSp>
-        <p:cxnSp>
-          <p:nvCxnSpPr>
-            <p:cNvPr id="80" name="Straight Arrow Connector 79">
-              <a:extLst>
-                <a:ext uri="{FF2B5EF4-FFF2-40B4-BE49-F238E27FC236}">
-                  <a16:creationId xmlns:a16="http://schemas.microsoft.com/office/drawing/2014/main" id="{93FDDE73-3D06-1046-95CD-C8CB97E1A911}"/>
-                </a:ext>
-              </a:extLst>
-            </p:cNvPr>
-            <p:cNvCxnSpPr>
-              <a:stCxn id="98" idx="2"/>
-            </p:cNvCxnSpPr>
-            <p:nvPr/>
-          </p:nvCxnSpPr>
-          <p:spPr>
-            <a:xfrm flipH="1">
-              <a:off x="1978414" y="5897815"/>
-              <a:ext cx="1981114" cy="0"/>
-            </a:xfrm>
-            <a:prstGeom prst="straightConnector1">
-              <a:avLst/>
-            </a:prstGeom>
-            <a:ln>
-              <a:solidFill>
-                <a:srgbClr val="7030A0">
-                  <a:alpha val="70000"/>
-                </a:srgbClr>
-              </a:solidFill>
-              <a:prstDash val="sysDash"/>
-              <a:tailEnd type="triangle"/>
-            </a:ln>
-          </p:spPr>
-          <p:style>
-            <a:lnRef idx="1">
-              <a:schemeClr val="accent1"/>
-            </a:lnRef>
-            <a:fillRef idx="0">
-              <a:schemeClr val="accent1"/>
-            </a:fillRef>
-            <a:effectRef idx="0">
-              <a:schemeClr val="accent1"/>
-            </a:effectRef>
-            <a:fontRef idx="minor">
-              <a:schemeClr val="tx1"/>
-            </a:fontRef>
-          </p:style>
-        </p:cxnSp>
-        <p:cxnSp>
-          <p:nvCxnSpPr>
-            <p:cNvPr id="81" name="Straight Arrow Connector 80">
-              <a:extLst>
-                <a:ext uri="{FF2B5EF4-FFF2-40B4-BE49-F238E27FC236}">
-                  <a16:creationId xmlns:a16="http://schemas.microsoft.com/office/drawing/2014/main" id="{6783490C-F94C-F94D-9A06-D290D04F8CD3}"/>
-                </a:ext>
-              </a:extLst>
-            </p:cNvPr>
-            <p:cNvCxnSpPr>
-              <a:stCxn id="92" idx="2"/>
-            </p:cNvCxnSpPr>
-            <p:nvPr/>
-          </p:nvCxnSpPr>
-          <p:spPr>
-            <a:xfrm flipH="1" flipV="1">
-              <a:off x="567251" y="6063355"/>
-              <a:ext cx="1346820" cy="3159"/>
-            </a:xfrm>
-            <a:prstGeom prst="straightConnector1">
-              <a:avLst/>
-            </a:prstGeom>
-            <a:ln>
-              <a:solidFill>
-                <a:schemeClr val="bg1">
-                  <a:lumMod val="50000"/>
-                </a:schemeClr>
-              </a:solidFill>
-              <a:prstDash val="sysDash"/>
-              <a:tailEnd type="triangle"/>
-            </a:ln>
-          </p:spPr>
-          <p:style>
-            <a:lnRef idx="1">
-              <a:schemeClr val="accent1"/>
-            </a:lnRef>
-            <a:fillRef idx="0">
-              <a:schemeClr val="accent1"/>
-            </a:fillRef>
-            <a:effectRef idx="0">
-              <a:schemeClr val="accent1"/>
-            </a:effectRef>
-            <a:fontRef idx="minor">
-              <a:schemeClr val="tx1"/>
-            </a:fontRef>
-          </p:style>
-        </p:cxnSp>
-        <p:cxnSp>
-          <p:nvCxnSpPr>
-            <p:cNvPr id="82" name="Straight Arrow Connector 81">
-              <a:extLst>
-                <a:ext uri="{FF2B5EF4-FFF2-40B4-BE49-F238E27FC236}">
-                  <a16:creationId xmlns:a16="http://schemas.microsoft.com/office/drawing/2014/main" id="{A905797F-99DA-F643-9195-F16A22A27459}"/>
-                </a:ext>
-              </a:extLst>
-            </p:cNvPr>
-            <p:cNvCxnSpPr>
-              <a:cxnSpLocks/>
-              <a:stCxn id="115" idx="2"/>
-            </p:cNvCxnSpPr>
-            <p:nvPr/>
-          </p:nvCxnSpPr>
-          <p:spPr>
-            <a:xfrm flipH="1">
-              <a:off x="6259946" y="5000193"/>
-              <a:ext cx="3248317" cy="0"/>
-            </a:xfrm>
-            <a:prstGeom prst="straightConnector1">
-              <a:avLst/>
-            </a:prstGeom>
-            <a:ln>
-              <a:solidFill>
-                <a:schemeClr val="accent2">
-                  <a:lumMod val="75000"/>
-                </a:schemeClr>
-              </a:solidFill>
-              <a:prstDash val="sysDash"/>
-              <a:tailEnd type="triangle"/>
-            </a:ln>
-          </p:spPr>
-          <p:style>
-            <a:lnRef idx="1">
-              <a:schemeClr val="accent1"/>
-            </a:lnRef>
-            <a:fillRef idx="0">
-              <a:schemeClr val="accent1"/>
-            </a:fillRef>
-            <a:effectRef idx="0">
-              <a:schemeClr val="accent1"/>
-            </a:effectRef>
-            <a:fontRef idx="minor">
-              <a:schemeClr val="tx1"/>
-            </a:fontRef>
-          </p:style>
-        </p:cxnSp>
-        <p:cxnSp>
-          <p:nvCxnSpPr>
-            <p:cNvPr id="83" name="Curved Connector 82">
-              <a:extLst>
-                <a:ext uri="{FF2B5EF4-FFF2-40B4-BE49-F238E27FC236}">
-                  <a16:creationId xmlns:a16="http://schemas.microsoft.com/office/drawing/2014/main" id="{BB9ACB15-D369-824D-AA2C-FC8E24687939}"/>
-                </a:ext>
-              </a:extLst>
-            </p:cNvPr>
-            <p:cNvCxnSpPr>
-              <a:cxnSpLocks/>
-            </p:cNvCxnSpPr>
-            <p:nvPr/>
-          </p:nvCxnSpPr>
-          <p:spPr>
-            <a:xfrm rot="16200000" flipH="1">
-              <a:off x="6069865" y="4017040"/>
-              <a:ext cx="144865" cy="193058"/>
-            </a:xfrm>
-            <a:prstGeom prst="curvedConnector4">
-              <a:avLst>
-                <a:gd name="adj1" fmla="val 12023"/>
-                <a:gd name="adj2" fmla="val 152845"/>
-              </a:avLst>
-            </a:prstGeom>
-            <a:ln>
-              <a:solidFill>
-                <a:schemeClr val="accent2">
-                  <a:lumMod val="75000"/>
-                </a:schemeClr>
-              </a:solidFill>
-              <a:tailEnd type="triangle"/>
-            </a:ln>
-          </p:spPr>
-          <p:style>
-            <a:lnRef idx="1">
-              <a:schemeClr val="accent1"/>
-            </a:lnRef>
-            <a:fillRef idx="0">
-              <a:schemeClr val="accent1"/>
-            </a:fillRef>
-            <a:effectRef idx="0">
-              <a:schemeClr val="accent1"/>
-            </a:effectRef>
-            <a:fontRef idx="minor">
-              <a:schemeClr val="tx1"/>
-            </a:fontRef>
-          </p:style>
-        </p:cxnSp>
-        <p:cxnSp>
-          <p:nvCxnSpPr>
-            <p:cNvPr id="84" name="Straight Arrow Connector 83">
-              <a:extLst>
-                <a:ext uri="{FF2B5EF4-FFF2-40B4-BE49-F238E27FC236}">
-                  <a16:creationId xmlns:a16="http://schemas.microsoft.com/office/drawing/2014/main" id="{067B53B9-3CD5-4845-8DA9-F850C7BD3DC6}"/>
-                </a:ext>
-              </a:extLst>
-            </p:cNvPr>
-            <p:cNvCxnSpPr>
-              <a:cxnSpLocks/>
-              <a:stCxn id="114" idx="2"/>
-            </p:cNvCxnSpPr>
-            <p:nvPr/>
-          </p:nvCxnSpPr>
-          <p:spPr>
-            <a:xfrm flipH="1">
-              <a:off x="6152347" y="3913100"/>
-              <a:ext cx="3362948" cy="0"/>
-            </a:xfrm>
-            <a:prstGeom prst="straightConnector1">
-              <a:avLst/>
-            </a:prstGeom>
-            <a:ln>
-              <a:solidFill>
-                <a:schemeClr val="accent2">
-                  <a:lumMod val="75000"/>
-                </a:schemeClr>
-              </a:solidFill>
-              <a:prstDash val="sysDash"/>
-              <a:tailEnd type="triangle"/>
-            </a:ln>
-          </p:spPr>
-          <p:style>
-            <a:lnRef idx="1">
-              <a:schemeClr val="accent1"/>
-            </a:lnRef>
-            <a:fillRef idx="0">
-              <a:schemeClr val="accent1"/>
-            </a:fillRef>
-            <a:effectRef idx="0">
-              <a:schemeClr val="accent1"/>
-            </a:effectRef>
-            <a:fontRef idx="minor">
-              <a:schemeClr val="tx1"/>
-            </a:fontRef>
-          </p:style>
-        </p:cxnSp>
-        <p:cxnSp>
-          <p:nvCxnSpPr>
-            <p:cNvPr id="85" name="Curved Connector 84">
-              <a:extLst>
-                <a:ext uri="{FF2B5EF4-FFF2-40B4-BE49-F238E27FC236}">
-                  <a16:creationId xmlns:a16="http://schemas.microsoft.com/office/drawing/2014/main" id="{2D6A3A59-BA6C-2A41-8172-925C81A77031}"/>
-                </a:ext>
-              </a:extLst>
-            </p:cNvPr>
-            <p:cNvCxnSpPr>
-              <a:cxnSpLocks/>
-            </p:cNvCxnSpPr>
-            <p:nvPr/>
-          </p:nvCxnSpPr>
-          <p:spPr>
-            <a:xfrm rot="16200000" flipH="1">
-              <a:off x="6047709" y="2805961"/>
-              <a:ext cx="144865" cy="193058"/>
-            </a:xfrm>
-            <a:prstGeom prst="curvedConnector4">
-              <a:avLst>
-                <a:gd name="adj1" fmla="val 12023"/>
-                <a:gd name="adj2" fmla="val 152845"/>
-              </a:avLst>
-            </a:prstGeom>
-            <a:ln>
-              <a:solidFill>
-                <a:schemeClr val="accent2">
-                  <a:lumMod val="75000"/>
-                </a:schemeClr>
-              </a:solidFill>
-              <a:tailEnd type="triangle"/>
-            </a:ln>
-          </p:spPr>
-          <p:style>
-            <a:lnRef idx="1">
-              <a:schemeClr val="accent1"/>
-            </a:lnRef>
-            <a:fillRef idx="0">
-              <a:schemeClr val="accent1"/>
-            </a:fillRef>
-            <a:effectRef idx="0">
-              <a:schemeClr val="accent1"/>
-            </a:effectRef>
-            <a:fontRef idx="minor">
-              <a:schemeClr val="tx1"/>
-            </a:fontRef>
-          </p:style>
-        </p:cxnSp>
-        <p:cxnSp>
-          <p:nvCxnSpPr>
-            <p:cNvPr id="86" name="Curved Connector 85">
-              <a:extLst>
-                <a:ext uri="{FF2B5EF4-FFF2-40B4-BE49-F238E27FC236}">
-                  <a16:creationId xmlns:a16="http://schemas.microsoft.com/office/drawing/2014/main" id="{105C68A5-8F8A-4D45-8C6A-9BE8FA4BD733}"/>
-                </a:ext>
-              </a:extLst>
-            </p:cNvPr>
-            <p:cNvCxnSpPr>
-              <a:cxnSpLocks/>
-            </p:cNvCxnSpPr>
-            <p:nvPr/>
-          </p:nvCxnSpPr>
-          <p:spPr>
-            <a:xfrm rot="16200000" flipH="1">
-              <a:off x="6071533" y="2110206"/>
-              <a:ext cx="144865" cy="193058"/>
-            </a:xfrm>
-            <a:prstGeom prst="curvedConnector4">
-              <a:avLst>
-                <a:gd name="adj1" fmla="val 12023"/>
-                <a:gd name="adj2" fmla="val 152845"/>
-              </a:avLst>
-            </a:prstGeom>
-            <a:ln>
-              <a:solidFill>
-                <a:schemeClr val="accent2">
-                  <a:lumMod val="75000"/>
-                </a:schemeClr>
-              </a:solidFill>
-              <a:tailEnd type="triangle"/>
-            </a:ln>
-          </p:spPr>
-          <p:style>
-            <a:lnRef idx="1">
-              <a:schemeClr val="accent1"/>
-            </a:lnRef>
-            <a:fillRef idx="0">
-              <a:schemeClr val="accent1"/>
-            </a:fillRef>
-            <a:effectRef idx="0">
-              <a:schemeClr val="accent1"/>
-            </a:effectRef>
-            <a:fontRef idx="minor">
-              <a:schemeClr val="tx1"/>
-            </a:fontRef>
-          </p:style>
-        </p:cxnSp>
-        <p:cxnSp>
-          <p:nvCxnSpPr>
-            <p:cNvPr id="87" name="Curved Connector 86">
-              <a:extLst>
-                <a:ext uri="{FF2B5EF4-FFF2-40B4-BE49-F238E27FC236}">
-                  <a16:creationId xmlns:a16="http://schemas.microsoft.com/office/drawing/2014/main" id="{246A8092-F827-5F4A-9BE1-DCA59435D7DE}"/>
-                </a:ext>
-              </a:extLst>
-            </p:cNvPr>
-            <p:cNvCxnSpPr>
-              <a:cxnSpLocks/>
-            </p:cNvCxnSpPr>
-            <p:nvPr/>
-          </p:nvCxnSpPr>
-          <p:spPr>
-            <a:xfrm rot="16200000" flipH="1">
-              <a:off x="6047709" y="1096928"/>
-              <a:ext cx="144865" cy="193058"/>
-            </a:xfrm>
-            <a:prstGeom prst="curvedConnector4">
-              <a:avLst>
-                <a:gd name="adj1" fmla="val 12023"/>
-                <a:gd name="adj2" fmla="val 152845"/>
-              </a:avLst>
-            </a:prstGeom>
-            <a:ln>
-              <a:solidFill>
-                <a:schemeClr val="accent2">
-                  <a:lumMod val="75000"/>
-                </a:schemeClr>
-              </a:solidFill>
-              <a:tailEnd type="triangle"/>
-            </a:ln>
-          </p:spPr>
-          <p:style>
-            <a:lnRef idx="1">
-              <a:schemeClr val="accent1"/>
-            </a:lnRef>
-            <a:fillRef idx="0">
-              <a:schemeClr val="accent1"/>
-            </a:fillRef>
-            <a:effectRef idx="0">
-              <a:schemeClr val="accent1"/>
-            </a:effectRef>
-            <a:fontRef idx="minor">
-              <a:schemeClr val="tx1"/>
-            </a:fontRef>
-          </p:style>
-        </p:cxnSp>
-        <p:sp>
-          <p:nvSpPr>
-            <p:cNvPr id="88" name="Rectangle 87">
-              <a:extLst>
-                <a:ext uri="{FF2B5EF4-FFF2-40B4-BE49-F238E27FC236}">
-                  <a16:creationId xmlns:a16="http://schemas.microsoft.com/office/drawing/2014/main" id="{0AB2143C-9608-C942-AC1C-B9EABE8F90E8}"/>
-                </a:ext>
-              </a:extLst>
-            </p:cNvPr>
-            <p:cNvSpPr/>
-            <p:nvPr/>
-          </p:nvSpPr>
-          <p:spPr>
-            <a:xfrm>
-              <a:off x="447599" y="754898"/>
-              <a:ext cx="114964" cy="5894799"/>
-            </a:xfrm>
-            <a:prstGeom prst="rect">
-              <a:avLst/>
-            </a:prstGeom>
-            <a:noFill/>
-            <a:ln>
-              <a:solidFill>
-                <a:schemeClr val="bg1">
-                  <a:lumMod val="50000"/>
-                </a:schemeClr>
-              </a:solidFill>
-            </a:ln>
-          </p:spPr>
-          <p:style>
-            <a:lnRef idx="2">
-              <a:schemeClr val="accent1">
-                <a:shade val="50000"/>
-              </a:schemeClr>
-            </a:lnRef>
-            <a:fillRef idx="1">
-              <a:schemeClr val="accent1"/>
-            </a:fillRef>
-            <a:effectRef idx="0">
-              <a:schemeClr val="accent1"/>
-            </a:effectRef>
-            <a:fontRef idx="minor">
-              <a:schemeClr val="lt1"/>
-            </a:fontRef>
-          </p:style>
-          <p:txBody>
-            <a:bodyPr rtlCol="0" anchor="ctr"/>
-            <a:lstStyle/>
-            <a:p>
-              <a:pPr algn="ctr"/>
-              <a:endParaRPr lang="en-US" sz="1100">
-                <a:latin typeface="Arial" panose="020B0604020202020204" pitchFamily="34" charset="0"/>
-                <a:cs typeface="Arial" panose="020B0604020202020204" pitchFamily="34" charset="0"/>
-              </a:endParaRPr>
-            </a:p>
-          </p:txBody>
-        </p:sp>
-        <p:sp>
-          <p:nvSpPr>
-            <p:cNvPr id="89" name="TextBox 88">
-              <a:extLst>
-                <a:ext uri="{FF2B5EF4-FFF2-40B4-BE49-F238E27FC236}">
-                  <a16:creationId xmlns:a16="http://schemas.microsoft.com/office/drawing/2014/main" id="{AEA40378-758B-E746-92AE-B5A5F87D4FA8}"/>
-                </a:ext>
-              </a:extLst>
-            </p:cNvPr>
-            <p:cNvSpPr txBox="1"/>
-            <p:nvPr/>
-          </p:nvSpPr>
-          <p:spPr>
-            <a:xfrm>
-              <a:off x="143317" y="224956"/>
-              <a:ext cx="723528" cy="261610"/>
-            </a:xfrm>
-            <a:prstGeom prst="rect">
-              <a:avLst/>
-            </a:prstGeom>
-            <a:solidFill>
-              <a:schemeClr val="bg2">
-                <a:lumMod val="90000"/>
-              </a:schemeClr>
-            </a:solidFill>
-            <a:ln>
-              <a:solidFill>
-                <a:schemeClr val="bg1">
-                  <a:lumMod val="50000"/>
-                </a:schemeClr>
-              </a:solidFill>
-            </a:ln>
-          </p:spPr>
-          <p:txBody>
-            <a:bodyPr wrap="square" rtlCol="0" anchor="ctr">
-              <a:spAutoFit/>
-            </a:bodyPr>
-            <a:lstStyle/>
-            <a:p>
-              <a:pPr algn="ctr"/>
-              <a:r>
-                <a:rPr lang="en-US" sz="1100">
-                  <a:latin typeface="Arial" panose="020B0604020202020204" pitchFamily="34" charset="0"/>
-                  <a:cs typeface="Arial" panose="020B0604020202020204" pitchFamily="34" charset="0"/>
-                </a:rPr>
-                <a:t>:Main</a:t>
-              </a:r>
-            </a:p>
-          </p:txBody>
-        </p:sp>
-        <p:sp>
-          <p:nvSpPr>
-            <p:cNvPr id="90" name="TextBox 89">
-              <a:extLst>
-                <a:ext uri="{FF2B5EF4-FFF2-40B4-BE49-F238E27FC236}">
-                  <a16:creationId xmlns:a16="http://schemas.microsoft.com/office/drawing/2014/main" id="{DA8B67E8-DF2D-CB4D-8630-DE7046719140}"/>
-                </a:ext>
-              </a:extLst>
-            </p:cNvPr>
-            <p:cNvSpPr txBox="1"/>
-            <p:nvPr/>
-          </p:nvSpPr>
-          <p:spPr>
-            <a:xfrm>
-              <a:off x="1094508" y="212734"/>
-              <a:ext cx="1647316" cy="261610"/>
-            </a:xfrm>
-            <a:prstGeom prst="rect">
-              <a:avLst/>
-            </a:prstGeom>
-            <a:solidFill>
-              <a:srgbClr val="CBA8FD"/>
-            </a:solidFill>
-            <a:ln>
-              <a:solidFill>
-                <a:srgbClr val="7030A0">
-                  <a:alpha val="70000"/>
-                </a:srgbClr>
-              </a:solidFill>
-            </a:ln>
-          </p:spPr>
-          <p:txBody>
-            <a:bodyPr wrap="square" rtlCol="0" anchor="ctr">
-              <a:spAutoFit/>
-            </a:bodyPr>
-            <a:lstStyle/>
-            <a:p>
-              <a:pPr algn="ctr"/>
-              <a:r>
-                <a:rPr lang="en-US" sz="1100" dirty="0">
-                  <a:latin typeface="Arial" panose="020B0604020202020204" pitchFamily="34" charset="0"/>
-                  <a:cs typeface="Arial" panose="020B0604020202020204" pitchFamily="34" charset="0"/>
-                </a:rPr>
-                <a:t>:DeleteCardCommand</a:t>
-              </a:r>
-            </a:p>
-          </p:txBody>
-        </p:sp>
-        <p:cxnSp>
-          <p:nvCxnSpPr>
-            <p:cNvPr id="91" name="Straight Connector 90">
-              <a:extLst>
-                <a:ext uri="{FF2B5EF4-FFF2-40B4-BE49-F238E27FC236}">
-                  <a16:creationId xmlns:a16="http://schemas.microsoft.com/office/drawing/2014/main" id="{26D71420-0187-6644-AACE-D3C113FEBEB3}"/>
-                </a:ext>
-              </a:extLst>
-            </p:cNvPr>
-            <p:cNvCxnSpPr>
-              <a:cxnSpLocks/>
-              <a:stCxn id="90" idx="2"/>
-              <a:endCxn id="92" idx="0"/>
-            </p:cNvCxnSpPr>
-            <p:nvPr/>
-          </p:nvCxnSpPr>
-          <p:spPr>
-            <a:xfrm flipH="1">
-              <a:off x="1914071" y="474344"/>
-              <a:ext cx="4095" cy="372170"/>
-            </a:xfrm>
-            <a:prstGeom prst="line">
-              <a:avLst/>
-            </a:prstGeom>
-            <a:ln>
-              <a:solidFill>
-                <a:srgbClr val="7030A0">
-                  <a:alpha val="70000"/>
-                </a:srgbClr>
-              </a:solidFill>
-              <a:prstDash val="sysDash"/>
-            </a:ln>
-          </p:spPr>
-          <p:style>
-            <a:lnRef idx="1">
-              <a:schemeClr val="accent1"/>
-            </a:lnRef>
-            <a:fillRef idx="0">
-              <a:schemeClr val="accent1"/>
-            </a:fillRef>
-            <a:effectRef idx="0">
-              <a:schemeClr val="accent1"/>
-            </a:effectRef>
-            <a:fontRef idx="minor">
-              <a:schemeClr val="tx1"/>
-            </a:fontRef>
-          </p:style>
-        </p:cxnSp>
-        <p:sp>
-          <p:nvSpPr>
-            <p:cNvPr id="92" name="Rectangle 91">
-              <a:extLst>
-                <a:ext uri="{FF2B5EF4-FFF2-40B4-BE49-F238E27FC236}">
-                  <a16:creationId xmlns:a16="http://schemas.microsoft.com/office/drawing/2014/main" id="{D6EEB6C0-F6F0-C749-9698-D92CB9CDDA6B}"/>
-                </a:ext>
-              </a:extLst>
-            </p:cNvPr>
-            <p:cNvSpPr/>
-            <p:nvPr/>
-          </p:nvSpPr>
-          <p:spPr>
-            <a:xfrm>
-              <a:off x="1849727" y="846514"/>
-              <a:ext cx="128687" cy="5220000"/>
-            </a:xfrm>
-            <a:prstGeom prst="rect">
-              <a:avLst/>
-            </a:prstGeom>
-            <a:solidFill>
-              <a:schemeClr val="bg1"/>
-            </a:solidFill>
-            <a:ln>
-              <a:solidFill>
-                <a:srgbClr val="7030A0">
-                  <a:alpha val="70000"/>
-                </a:srgbClr>
-              </a:solidFill>
-            </a:ln>
-          </p:spPr>
-          <p:style>
-            <a:lnRef idx="2">
-              <a:schemeClr val="accent1">
-                <a:shade val="50000"/>
-              </a:schemeClr>
-            </a:lnRef>
-            <a:fillRef idx="1">
-              <a:schemeClr val="accent1"/>
-            </a:fillRef>
-            <a:effectRef idx="0">
-              <a:schemeClr val="accent1"/>
-            </a:effectRef>
-            <a:fontRef idx="minor">
-              <a:schemeClr val="lt1"/>
-            </a:fontRef>
-          </p:style>
-          <p:txBody>
-            <a:bodyPr rtlCol="0" anchor="ctr"/>
-            <a:lstStyle/>
-            <a:p>
-              <a:pPr algn="ctr"/>
-              <a:endParaRPr lang="en-US" sz="1100">
-                <a:latin typeface="Arial" panose="020B0604020202020204" pitchFamily="34" charset="0"/>
-                <a:cs typeface="Arial" panose="020B0604020202020204" pitchFamily="34" charset="0"/>
-              </a:endParaRPr>
-            </a:p>
-          </p:txBody>
-        </p:sp>
-        <p:cxnSp>
-          <p:nvCxnSpPr>
-            <p:cNvPr id="93" name="Straight Arrow Connector 92">
-              <a:extLst>
-                <a:ext uri="{FF2B5EF4-FFF2-40B4-BE49-F238E27FC236}">
-                  <a16:creationId xmlns:a16="http://schemas.microsoft.com/office/drawing/2014/main" id="{6D1C6AD2-625A-C543-9343-98E29F63AC97}"/>
-                </a:ext>
-              </a:extLst>
-            </p:cNvPr>
-            <p:cNvCxnSpPr>
-              <a:cxnSpLocks/>
-            </p:cNvCxnSpPr>
-            <p:nvPr/>
-          </p:nvCxnSpPr>
-          <p:spPr>
-            <a:xfrm>
-              <a:off x="567251" y="846514"/>
-              <a:ext cx="1286972" cy="0"/>
-            </a:xfrm>
-            <a:prstGeom prst="straightConnector1">
-              <a:avLst/>
-            </a:prstGeom>
-            <a:ln>
-              <a:solidFill>
-                <a:schemeClr val="bg1">
-                  <a:lumMod val="50000"/>
-                </a:schemeClr>
-              </a:solidFill>
-              <a:tailEnd type="triangle"/>
-            </a:ln>
-          </p:spPr>
-          <p:style>
-            <a:lnRef idx="1">
-              <a:schemeClr val="accent1"/>
-            </a:lnRef>
-            <a:fillRef idx="0">
-              <a:schemeClr val="accent1"/>
-            </a:fillRef>
-            <a:effectRef idx="0">
-              <a:schemeClr val="accent1"/>
-            </a:effectRef>
-            <a:fontRef idx="minor">
-              <a:schemeClr val="tx1"/>
-            </a:fontRef>
-          </p:style>
-        </p:cxnSp>
-        <p:sp>
-          <p:nvSpPr>
-            <p:cNvPr id="94" name="TextBox 93">
-              <a:extLst>
-                <a:ext uri="{FF2B5EF4-FFF2-40B4-BE49-F238E27FC236}">
-                  <a16:creationId xmlns:a16="http://schemas.microsoft.com/office/drawing/2014/main" id="{CBBC74A2-0069-BE48-9940-545A00A17EE8}"/>
-                </a:ext>
-              </a:extLst>
-            </p:cNvPr>
-            <p:cNvSpPr txBox="1"/>
-            <p:nvPr/>
-          </p:nvSpPr>
-          <p:spPr>
-            <a:xfrm>
-              <a:off x="542834" y="624093"/>
-              <a:ext cx="1343638" cy="261610"/>
-            </a:xfrm>
-            <a:prstGeom prst="rect">
-              <a:avLst/>
-            </a:prstGeom>
-            <a:noFill/>
-          </p:spPr>
-          <p:txBody>
-            <a:bodyPr wrap="none" rtlCol="0">
-              <a:spAutoFit/>
-            </a:bodyPr>
-            <a:lstStyle/>
-            <a:p>
-              <a:r>
-                <a:rPr lang="en-US" sz="1100" dirty="0">
-                  <a:latin typeface="Arial" panose="020B0604020202020204" pitchFamily="34" charset="0"/>
-                  <a:cs typeface="Arial" panose="020B0604020202020204" pitchFamily="34" charset="0"/>
-                </a:rPr>
-                <a:t>execute(profile, </a:t>
-              </a:r>
-              <a:r>
-                <a:rPr lang="en-US" sz="1100" dirty="0" err="1">
-                  <a:latin typeface="Arial" panose="020B0604020202020204" pitchFamily="34" charset="0"/>
-                  <a:cs typeface="Arial" panose="020B0604020202020204" pitchFamily="34" charset="0"/>
-                </a:rPr>
-                <a:t>ui</a:t>
-              </a:r>
-              <a:r>
-                <a:rPr lang="en-US" sz="1100" dirty="0">
-                  <a:latin typeface="Arial" panose="020B0604020202020204" pitchFamily="34" charset="0"/>
-                  <a:cs typeface="Arial" panose="020B0604020202020204" pitchFamily="34" charset="0"/>
-                </a:rPr>
-                <a:t>)</a:t>
-              </a:r>
-            </a:p>
-          </p:txBody>
-        </p:sp>
-        <p:cxnSp>
-          <p:nvCxnSpPr>
-            <p:cNvPr id="95" name="Straight Connector 94">
-              <a:extLst>
-                <a:ext uri="{FF2B5EF4-FFF2-40B4-BE49-F238E27FC236}">
-                  <a16:creationId xmlns:a16="http://schemas.microsoft.com/office/drawing/2014/main" id="{34B35DDC-CAE3-2649-B661-67F3BCFF4675}"/>
-                </a:ext>
-              </a:extLst>
-            </p:cNvPr>
-            <p:cNvCxnSpPr>
-              <a:cxnSpLocks/>
-              <a:stCxn id="92" idx="2"/>
-            </p:cNvCxnSpPr>
-            <p:nvPr/>
-          </p:nvCxnSpPr>
-          <p:spPr>
-            <a:xfrm flipH="1">
-              <a:off x="1913328" y="6066513"/>
-              <a:ext cx="743" cy="223200"/>
-            </a:xfrm>
-            <a:prstGeom prst="line">
-              <a:avLst/>
-            </a:prstGeom>
-            <a:ln>
-              <a:solidFill>
-                <a:srgbClr val="7030A0">
-                  <a:alpha val="70000"/>
-                </a:srgbClr>
-              </a:solidFill>
-              <a:prstDash val="sysDash"/>
-            </a:ln>
-          </p:spPr>
-          <p:style>
-            <a:lnRef idx="1">
-              <a:schemeClr val="accent1"/>
-            </a:lnRef>
-            <a:fillRef idx="0">
-              <a:schemeClr val="accent1"/>
-            </a:fillRef>
-            <a:effectRef idx="0">
-              <a:schemeClr val="accent1"/>
-            </a:effectRef>
-            <a:fontRef idx="minor">
-              <a:schemeClr val="tx1"/>
-            </a:fontRef>
-          </p:style>
-        </p:cxnSp>
-        <p:sp>
-          <p:nvSpPr>
-            <p:cNvPr id="96" name="TextBox 95">
-              <a:extLst>
-                <a:ext uri="{FF2B5EF4-FFF2-40B4-BE49-F238E27FC236}">
-                  <a16:creationId xmlns:a16="http://schemas.microsoft.com/office/drawing/2014/main" id="{6194DB2A-A1BE-2842-93A2-0DD85C419ED7}"/>
-                </a:ext>
-              </a:extLst>
-            </p:cNvPr>
-            <p:cNvSpPr txBox="1"/>
-            <p:nvPr/>
-          </p:nvSpPr>
-          <p:spPr>
-            <a:xfrm>
-              <a:off x="3366210" y="208302"/>
-              <a:ext cx="1189902" cy="261610"/>
-            </a:xfrm>
-            <a:prstGeom prst="rect">
-              <a:avLst/>
-            </a:prstGeom>
-            <a:solidFill>
-              <a:schemeClr val="accent2">
-                <a:lumMod val="40000"/>
-                <a:lumOff val="60000"/>
-              </a:schemeClr>
-            </a:solidFill>
-            <a:ln>
-              <a:solidFill>
-                <a:srgbClr val="C00000"/>
-              </a:solidFill>
-            </a:ln>
-          </p:spPr>
-          <p:txBody>
-            <a:bodyPr wrap="square" rtlCol="0" anchor="ctr">
-              <a:spAutoFit/>
-            </a:bodyPr>
-            <a:lstStyle/>
-            <a:p>
-              <a:pPr algn="ctr"/>
-              <a:r>
-                <a:rPr lang="en-US" sz="1100">
-                  <a:latin typeface="Arial" panose="020B0604020202020204" pitchFamily="34" charset="0"/>
-                  <a:cs typeface="Arial" panose="020B0604020202020204" pitchFamily="34" charset="0"/>
-                </a:rPr>
-                <a:t>:Profile</a:t>
-              </a:r>
-            </a:p>
-          </p:txBody>
-        </p:sp>
-        <p:cxnSp>
-          <p:nvCxnSpPr>
-            <p:cNvPr id="97" name="Straight Connector 96">
-              <a:extLst>
-                <a:ext uri="{FF2B5EF4-FFF2-40B4-BE49-F238E27FC236}">
-                  <a16:creationId xmlns:a16="http://schemas.microsoft.com/office/drawing/2014/main" id="{09DA6CC2-13E3-DB48-91B9-5B18C607B0A6}"/>
-                </a:ext>
-              </a:extLst>
-            </p:cNvPr>
-            <p:cNvCxnSpPr>
-              <a:cxnSpLocks/>
-              <a:stCxn id="96" idx="2"/>
-              <a:endCxn id="98" idx="0"/>
-            </p:cNvCxnSpPr>
-            <p:nvPr/>
-          </p:nvCxnSpPr>
-          <p:spPr>
-            <a:xfrm flipH="1">
-              <a:off x="3959528" y="469912"/>
-              <a:ext cx="1633" cy="480876"/>
-            </a:xfrm>
-            <a:prstGeom prst="line">
-              <a:avLst/>
-            </a:prstGeom>
-            <a:ln>
-              <a:solidFill>
-                <a:srgbClr val="C00000"/>
-              </a:solidFill>
-              <a:prstDash val="sysDash"/>
-            </a:ln>
-          </p:spPr>
-          <p:style>
-            <a:lnRef idx="1">
-              <a:schemeClr val="accent1"/>
-            </a:lnRef>
-            <a:fillRef idx="0">
-              <a:schemeClr val="accent1"/>
-            </a:fillRef>
-            <a:effectRef idx="0">
-              <a:schemeClr val="accent1"/>
-            </a:effectRef>
-            <a:fontRef idx="minor">
-              <a:schemeClr val="tx1"/>
-            </a:fontRef>
-          </p:style>
-        </p:cxnSp>
-        <p:sp>
-          <p:nvSpPr>
-            <p:cNvPr id="98" name="Rectangle 97">
-              <a:extLst>
-                <a:ext uri="{FF2B5EF4-FFF2-40B4-BE49-F238E27FC236}">
-                  <a16:creationId xmlns:a16="http://schemas.microsoft.com/office/drawing/2014/main" id="{85FC69AA-3DA8-A943-8AD4-2BD6786B2769}"/>
-                </a:ext>
-              </a:extLst>
-            </p:cNvPr>
-            <p:cNvSpPr/>
-            <p:nvPr/>
-          </p:nvSpPr>
-          <p:spPr>
-            <a:xfrm>
-              <a:off x="3895927" y="950788"/>
-              <a:ext cx="127202" cy="4947027"/>
-            </a:xfrm>
-            <a:prstGeom prst="rect">
-              <a:avLst/>
-            </a:prstGeom>
-            <a:noFill/>
-            <a:ln>
-              <a:solidFill>
-                <a:srgbClr val="C00000"/>
-              </a:solidFill>
-            </a:ln>
-          </p:spPr>
-          <p:style>
-            <a:lnRef idx="2">
-              <a:schemeClr val="accent1">
-                <a:shade val="50000"/>
-              </a:schemeClr>
-            </a:lnRef>
-            <a:fillRef idx="1">
-              <a:schemeClr val="accent1"/>
-            </a:fillRef>
-            <a:effectRef idx="0">
-              <a:schemeClr val="accent1"/>
-            </a:effectRef>
-            <a:fontRef idx="minor">
-              <a:schemeClr val="lt1"/>
-            </a:fontRef>
-          </p:style>
-          <p:txBody>
-            <a:bodyPr rtlCol="0" anchor="ctr"/>
-            <a:lstStyle/>
-            <a:p>
-              <a:pPr algn="ctr"/>
-              <a:endParaRPr lang="en-US" sz="1100">
-                <a:latin typeface="Arial" panose="020B0604020202020204" pitchFamily="34" charset="0"/>
-                <a:cs typeface="Arial" panose="020B0604020202020204" pitchFamily="34" charset="0"/>
-              </a:endParaRPr>
-            </a:p>
-          </p:txBody>
-        </p:sp>
-        <p:cxnSp>
-          <p:nvCxnSpPr>
-            <p:cNvPr id="99" name="Straight Connector 98">
-              <a:extLst>
-                <a:ext uri="{FF2B5EF4-FFF2-40B4-BE49-F238E27FC236}">
-                  <a16:creationId xmlns:a16="http://schemas.microsoft.com/office/drawing/2014/main" id="{51F13CF0-AAD6-2149-84F2-4A9CEF5851A4}"/>
-                </a:ext>
-              </a:extLst>
-            </p:cNvPr>
-            <p:cNvCxnSpPr>
-              <a:cxnSpLocks/>
-              <a:stCxn id="98" idx="2"/>
-            </p:cNvCxnSpPr>
-            <p:nvPr/>
-          </p:nvCxnSpPr>
-          <p:spPr>
-            <a:xfrm>
-              <a:off x="3959528" y="5897815"/>
-              <a:ext cx="766" cy="657166"/>
-            </a:xfrm>
-            <a:prstGeom prst="line">
-              <a:avLst/>
-            </a:prstGeom>
-            <a:ln>
-              <a:solidFill>
-                <a:srgbClr val="C00000"/>
-              </a:solidFill>
-              <a:prstDash val="sysDash"/>
-            </a:ln>
-          </p:spPr>
-          <p:style>
-            <a:lnRef idx="1">
-              <a:schemeClr val="accent1"/>
-            </a:lnRef>
-            <a:fillRef idx="0">
-              <a:schemeClr val="accent1"/>
-            </a:fillRef>
-            <a:effectRef idx="0">
-              <a:schemeClr val="accent1"/>
-            </a:effectRef>
-            <a:fontRef idx="minor">
-              <a:schemeClr val="tx1"/>
-            </a:fontRef>
-          </p:style>
-        </p:cxnSp>
-        <p:sp>
-          <p:nvSpPr>
-            <p:cNvPr id="100" name="TextBox 99">
-              <a:extLst>
-                <a:ext uri="{FF2B5EF4-FFF2-40B4-BE49-F238E27FC236}">
-                  <a16:creationId xmlns:a16="http://schemas.microsoft.com/office/drawing/2014/main" id="{1F9EFA19-3387-A849-8AE0-19F3F87BC85D}"/>
-                </a:ext>
-              </a:extLst>
-            </p:cNvPr>
-            <p:cNvSpPr txBox="1"/>
-            <p:nvPr/>
-          </p:nvSpPr>
-          <p:spPr>
-            <a:xfrm>
-              <a:off x="2003619" y="754898"/>
-              <a:ext cx="1917513" cy="261610"/>
-            </a:xfrm>
-            <a:prstGeom prst="rect">
-              <a:avLst/>
-            </a:prstGeom>
-            <a:noFill/>
-          </p:spPr>
-          <p:txBody>
-            <a:bodyPr wrap="none" rtlCol="0">
-              <a:spAutoFit/>
-            </a:bodyPr>
-            <a:lstStyle/>
-            <a:p>
-              <a:r>
-                <a:rPr lang="en-US" sz="1100">
-                  <a:latin typeface="Arial" panose="020B0604020202020204" pitchFamily="34" charset="0"/>
-                  <a:cs typeface="Arial" panose="020B0604020202020204" pitchFamily="34" charset="0"/>
-                </a:rPr>
-                <a:t>profileDeleteCard(name, ui)</a:t>
-              </a:r>
-            </a:p>
-          </p:txBody>
-        </p:sp>
-        <p:cxnSp>
-          <p:nvCxnSpPr>
-            <p:cNvPr id="101" name="Straight Arrow Connector 100">
-              <a:extLst>
-                <a:ext uri="{FF2B5EF4-FFF2-40B4-BE49-F238E27FC236}">
-                  <a16:creationId xmlns:a16="http://schemas.microsoft.com/office/drawing/2014/main" id="{2B2BB100-DC7C-8F49-97D3-6F5FA129A810}"/>
-                </a:ext>
-              </a:extLst>
-            </p:cNvPr>
-            <p:cNvCxnSpPr/>
-            <p:nvPr/>
-          </p:nvCxnSpPr>
-          <p:spPr>
-            <a:xfrm>
-              <a:off x="1978414" y="977319"/>
-              <a:ext cx="1917513" cy="0"/>
-            </a:xfrm>
-            <a:prstGeom prst="straightConnector1">
-              <a:avLst/>
-            </a:prstGeom>
-            <a:ln>
-              <a:solidFill>
-                <a:srgbClr val="7030A0">
-                  <a:alpha val="70000"/>
-                </a:srgbClr>
-              </a:solidFill>
-              <a:tailEnd type="triangle"/>
-            </a:ln>
-          </p:spPr>
-          <p:style>
-            <a:lnRef idx="1">
-              <a:schemeClr val="accent1"/>
-            </a:lnRef>
-            <a:fillRef idx="0">
-              <a:schemeClr val="accent1"/>
-            </a:fillRef>
-            <a:effectRef idx="0">
-              <a:schemeClr val="accent1"/>
-            </a:effectRef>
-            <a:fontRef idx="minor">
-              <a:schemeClr val="tx1"/>
-            </a:fontRef>
-          </p:style>
-        </p:cxnSp>
-        <p:sp>
-          <p:nvSpPr>
-            <p:cNvPr id="102" name="TextBox 101">
-              <a:extLst>
-                <a:ext uri="{FF2B5EF4-FFF2-40B4-BE49-F238E27FC236}">
-                  <a16:creationId xmlns:a16="http://schemas.microsoft.com/office/drawing/2014/main" id="{D432E999-69A3-3C45-90FA-8F4739A10019}"/>
-                </a:ext>
-              </a:extLst>
-            </p:cNvPr>
-            <p:cNvSpPr txBox="1"/>
-            <p:nvPr/>
-          </p:nvSpPr>
-          <p:spPr>
-            <a:xfrm>
-              <a:off x="5493896" y="208302"/>
-              <a:ext cx="1189902" cy="261610"/>
-            </a:xfrm>
-            <a:prstGeom prst="rect">
-              <a:avLst/>
-            </a:prstGeom>
-            <a:solidFill>
-              <a:schemeClr val="accent2">
-                <a:lumMod val="60000"/>
-                <a:lumOff val="40000"/>
-              </a:schemeClr>
-            </a:solidFill>
-            <a:ln>
-              <a:solidFill>
-                <a:schemeClr val="accent2">
-                  <a:lumMod val="75000"/>
-                </a:schemeClr>
-              </a:solidFill>
-            </a:ln>
-          </p:spPr>
-          <p:txBody>
-            <a:bodyPr wrap="square" rtlCol="0" anchor="ctr">
-              <a:spAutoFit/>
-            </a:bodyPr>
-            <a:lstStyle/>
-            <a:p>
-              <a:pPr algn="ctr"/>
-              <a:r>
-                <a:rPr lang="en-US" sz="1100">
-                  <a:latin typeface="Arial" panose="020B0604020202020204" pitchFamily="34" charset="0"/>
-                  <a:cs typeface="Arial" panose="020B0604020202020204" pitchFamily="34" charset="0"/>
-                </a:rPr>
-                <a:t>:CardList</a:t>
-              </a:r>
-            </a:p>
-          </p:txBody>
-        </p:sp>
-        <p:cxnSp>
-          <p:nvCxnSpPr>
-            <p:cNvPr id="103" name="Straight Connector 102">
-              <a:extLst>
-                <a:ext uri="{FF2B5EF4-FFF2-40B4-BE49-F238E27FC236}">
-                  <a16:creationId xmlns:a16="http://schemas.microsoft.com/office/drawing/2014/main" id="{8194A460-DFD4-EC40-98DC-AD1C53E1658C}"/>
-                </a:ext>
-              </a:extLst>
-            </p:cNvPr>
-            <p:cNvCxnSpPr>
-              <a:cxnSpLocks/>
-              <a:stCxn id="102" idx="2"/>
-              <a:endCxn id="104" idx="0"/>
-            </p:cNvCxnSpPr>
-            <p:nvPr/>
-          </p:nvCxnSpPr>
-          <p:spPr>
-            <a:xfrm flipH="1">
-              <a:off x="6087980" y="469912"/>
-              <a:ext cx="867" cy="668416"/>
-            </a:xfrm>
-            <a:prstGeom prst="line">
-              <a:avLst/>
-            </a:prstGeom>
-            <a:ln>
-              <a:solidFill>
-                <a:schemeClr val="accent2">
-                  <a:lumMod val="75000"/>
-                </a:schemeClr>
-              </a:solidFill>
-              <a:prstDash val="sysDash"/>
-            </a:ln>
-          </p:spPr>
-          <p:style>
-            <a:lnRef idx="1">
-              <a:schemeClr val="accent1"/>
-            </a:lnRef>
-            <a:fillRef idx="0">
-              <a:schemeClr val="accent1"/>
-            </a:fillRef>
-            <a:effectRef idx="0">
-              <a:schemeClr val="accent1"/>
-            </a:effectRef>
-            <a:fontRef idx="minor">
-              <a:schemeClr val="tx1"/>
-            </a:fontRef>
-          </p:style>
-        </p:cxnSp>
-        <p:sp>
-          <p:nvSpPr>
-            <p:cNvPr id="104" name="Rectangle 103">
-              <a:extLst>
-                <a:ext uri="{FF2B5EF4-FFF2-40B4-BE49-F238E27FC236}">
-                  <a16:creationId xmlns:a16="http://schemas.microsoft.com/office/drawing/2014/main" id="{60CF6C85-60D2-9643-A939-DF17E2EF9F98}"/>
-                </a:ext>
-              </a:extLst>
-            </p:cNvPr>
-            <p:cNvSpPr/>
-            <p:nvPr/>
-          </p:nvSpPr>
-          <p:spPr>
-            <a:xfrm>
-              <a:off x="6023613" y="1138328"/>
-              <a:ext cx="128734" cy="4537067"/>
-            </a:xfrm>
-            <a:prstGeom prst="rect">
-              <a:avLst/>
-            </a:prstGeom>
-            <a:solidFill>
-              <a:schemeClr val="bg1"/>
-            </a:solidFill>
-            <a:ln>
-              <a:solidFill>
-                <a:schemeClr val="accent2">
-                  <a:lumMod val="75000"/>
-                </a:schemeClr>
-              </a:solidFill>
-            </a:ln>
-          </p:spPr>
-          <p:style>
-            <a:lnRef idx="2">
-              <a:schemeClr val="accent1">
-                <a:shade val="50000"/>
-              </a:schemeClr>
-            </a:lnRef>
-            <a:fillRef idx="1">
-              <a:schemeClr val="accent1"/>
-            </a:fillRef>
-            <a:effectRef idx="0">
-              <a:schemeClr val="accent1"/>
-            </a:effectRef>
-            <a:fontRef idx="minor">
-              <a:schemeClr val="lt1"/>
-            </a:fontRef>
-          </p:style>
-          <p:txBody>
-            <a:bodyPr rtlCol="0" anchor="ctr"/>
-            <a:lstStyle/>
-            <a:p>
-              <a:pPr algn="ctr"/>
-              <a:endParaRPr lang="en-US" sz="1100">
-                <a:latin typeface="Arial" panose="020B0604020202020204" pitchFamily="34" charset="0"/>
-                <a:cs typeface="Arial" panose="020B0604020202020204" pitchFamily="34" charset="0"/>
-              </a:endParaRPr>
-            </a:p>
-          </p:txBody>
-        </p:sp>
-        <p:cxnSp>
-          <p:nvCxnSpPr>
-            <p:cNvPr id="105" name="Straight Connector 104">
-              <a:extLst>
-                <a:ext uri="{FF2B5EF4-FFF2-40B4-BE49-F238E27FC236}">
-                  <a16:creationId xmlns:a16="http://schemas.microsoft.com/office/drawing/2014/main" id="{20739856-014A-F540-A04B-61F0E148C697}"/>
-                </a:ext>
-              </a:extLst>
-            </p:cNvPr>
-            <p:cNvCxnSpPr>
-              <a:cxnSpLocks/>
-              <a:stCxn id="104" idx="2"/>
-            </p:cNvCxnSpPr>
-            <p:nvPr/>
-          </p:nvCxnSpPr>
-          <p:spPr>
-            <a:xfrm>
-              <a:off x="6087980" y="5675395"/>
-              <a:ext cx="0" cy="879586"/>
-            </a:xfrm>
-            <a:prstGeom prst="line">
-              <a:avLst/>
-            </a:prstGeom>
-            <a:ln>
-              <a:solidFill>
-                <a:schemeClr val="accent2">
-                  <a:lumMod val="75000"/>
-                </a:schemeClr>
-              </a:solidFill>
-              <a:prstDash val="sysDash"/>
-            </a:ln>
-          </p:spPr>
-          <p:style>
-            <a:lnRef idx="1">
-              <a:schemeClr val="accent1"/>
-            </a:lnRef>
-            <a:fillRef idx="0">
-              <a:schemeClr val="accent1"/>
-            </a:fillRef>
-            <a:effectRef idx="0">
-              <a:schemeClr val="accent1"/>
-            </a:effectRef>
-            <a:fontRef idx="minor">
-              <a:schemeClr val="tx1"/>
-            </a:fontRef>
-          </p:style>
-        </p:cxnSp>
-        <p:cxnSp>
-          <p:nvCxnSpPr>
-            <p:cNvPr id="106" name="Straight Arrow Connector 105">
-              <a:extLst>
-                <a:ext uri="{FF2B5EF4-FFF2-40B4-BE49-F238E27FC236}">
-                  <a16:creationId xmlns:a16="http://schemas.microsoft.com/office/drawing/2014/main" id="{028D8D9A-7A2D-2340-9A43-F336C254206A}"/>
-                </a:ext>
-              </a:extLst>
-            </p:cNvPr>
-            <p:cNvCxnSpPr>
-              <a:cxnSpLocks/>
-            </p:cNvCxnSpPr>
-            <p:nvPr/>
-          </p:nvCxnSpPr>
-          <p:spPr>
-            <a:xfrm>
-              <a:off x="4021409" y="1138328"/>
-              <a:ext cx="2002204" cy="0"/>
-            </a:xfrm>
-            <a:prstGeom prst="straightConnector1">
-              <a:avLst/>
-            </a:prstGeom>
-            <a:ln>
-              <a:solidFill>
-                <a:srgbClr val="C00000"/>
-              </a:solidFill>
-              <a:tailEnd type="triangle"/>
-            </a:ln>
-          </p:spPr>
-          <p:style>
-            <a:lnRef idx="1">
-              <a:schemeClr val="accent1"/>
-            </a:lnRef>
-            <a:fillRef idx="0">
-              <a:schemeClr val="accent1"/>
-            </a:fillRef>
-            <a:effectRef idx="0">
-              <a:schemeClr val="accent1"/>
-            </a:effectRef>
-            <a:fontRef idx="minor">
-              <a:schemeClr val="tx1"/>
-            </a:fontRef>
-          </p:style>
-        </p:cxnSp>
-        <p:sp>
-          <p:nvSpPr>
-            <p:cNvPr id="107" name="TextBox 106">
-              <a:extLst>
-                <a:ext uri="{FF2B5EF4-FFF2-40B4-BE49-F238E27FC236}">
-                  <a16:creationId xmlns:a16="http://schemas.microsoft.com/office/drawing/2014/main" id="{37B895CF-DCCE-154D-A80D-B21A63E3A9A0}"/>
-                </a:ext>
-              </a:extLst>
-            </p:cNvPr>
-            <p:cNvSpPr txBox="1"/>
-            <p:nvPr/>
-          </p:nvSpPr>
-          <p:spPr>
-            <a:xfrm>
-              <a:off x="4063823" y="907168"/>
-              <a:ext cx="2026517" cy="261610"/>
-            </a:xfrm>
-            <a:prstGeom prst="rect">
-              <a:avLst/>
-            </a:prstGeom>
-            <a:noFill/>
-          </p:spPr>
-          <p:txBody>
-            <a:bodyPr wrap="none" rtlCol="0">
-              <a:spAutoFit/>
-            </a:bodyPr>
-            <a:lstStyle/>
-            <a:p>
-              <a:r>
-                <a:rPr lang="en-US" sz="1100">
-                  <a:latin typeface="Arial" panose="020B0604020202020204" pitchFamily="34" charset="0"/>
-                  <a:cs typeface="Arial" panose="020B0604020202020204" pitchFamily="34" charset="0"/>
-                </a:rPr>
-                <a:t>cardListDeleteCard(name, ui)</a:t>
-              </a:r>
-            </a:p>
-          </p:txBody>
-        </p:sp>
-        <p:cxnSp>
-          <p:nvCxnSpPr>
-            <p:cNvPr id="108" name="Straight Connector 107">
-              <a:extLst>
-                <a:ext uri="{FF2B5EF4-FFF2-40B4-BE49-F238E27FC236}">
-                  <a16:creationId xmlns:a16="http://schemas.microsoft.com/office/drawing/2014/main" id="{A929B8BD-AEB9-DB42-A806-9FC34D1A8179}"/>
-                </a:ext>
-              </a:extLst>
-            </p:cNvPr>
-            <p:cNvCxnSpPr>
-              <a:cxnSpLocks/>
-              <a:stCxn id="109" idx="2"/>
-            </p:cNvCxnSpPr>
-            <p:nvPr/>
-          </p:nvCxnSpPr>
-          <p:spPr>
-            <a:xfrm>
-              <a:off x="6156926" y="1631606"/>
-              <a:ext cx="158393" cy="0"/>
-            </a:xfrm>
-            <a:prstGeom prst="line">
-              <a:avLst/>
-            </a:prstGeom>
-            <a:ln>
-              <a:solidFill>
-                <a:schemeClr val="accent2">
-                  <a:lumMod val="75000"/>
-                </a:schemeClr>
-              </a:solidFill>
-              <a:prstDash val="sysDash"/>
-            </a:ln>
-          </p:spPr>
-          <p:style>
-            <a:lnRef idx="1">
-              <a:schemeClr val="accent1"/>
-            </a:lnRef>
-            <a:fillRef idx="0">
-              <a:schemeClr val="accent1"/>
-            </a:fillRef>
-            <a:effectRef idx="0">
-              <a:schemeClr val="accent1"/>
-            </a:effectRef>
-            <a:fontRef idx="minor">
-              <a:schemeClr val="tx1"/>
-            </a:fontRef>
-          </p:style>
-        </p:cxnSp>
-        <p:sp>
-          <p:nvSpPr>
-            <p:cNvPr id="109" name="Rectangle 108">
-              <a:extLst>
-                <a:ext uri="{FF2B5EF4-FFF2-40B4-BE49-F238E27FC236}">
-                  <a16:creationId xmlns:a16="http://schemas.microsoft.com/office/drawing/2014/main" id="{7ADEFB02-8A1D-DC4D-B269-3E89186E3AAD}"/>
-                </a:ext>
-              </a:extLst>
-            </p:cNvPr>
-            <p:cNvSpPr/>
-            <p:nvPr/>
-          </p:nvSpPr>
-          <p:spPr>
-            <a:xfrm>
-              <a:off x="6095513" y="1225860"/>
-              <a:ext cx="122826" cy="405746"/>
-            </a:xfrm>
-            <a:prstGeom prst="rect">
-              <a:avLst/>
-            </a:prstGeom>
-            <a:solidFill>
-              <a:schemeClr val="accent2">
-                <a:lumMod val="60000"/>
-                <a:lumOff val="40000"/>
-              </a:schemeClr>
-            </a:solidFill>
-            <a:ln>
-              <a:solidFill>
-                <a:schemeClr val="accent2">
-                  <a:lumMod val="75000"/>
-                </a:schemeClr>
-              </a:solidFill>
-            </a:ln>
-          </p:spPr>
-          <p:style>
-            <a:lnRef idx="2">
-              <a:schemeClr val="accent1">
-                <a:shade val="50000"/>
-              </a:schemeClr>
-            </a:lnRef>
-            <a:fillRef idx="1">
-              <a:schemeClr val="accent1"/>
-            </a:fillRef>
-            <a:effectRef idx="0">
-              <a:schemeClr val="accent1"/>
-            </a:effectRef>
-            <a:fontRef idx="minor">
-              <a:schemeClr val="lt1"/>
-            </a:fontRef>
-          </p:style>
-          <p:txBody>
-            <a:bodyPr rtlCol="0" anchor="ctr"/>
-            <a:lstStyle/>
-            <a:p>
-              <a:pPr algn="ctr"/>
-              <a:endParaRPr lang="en-US" sz="1100">
-                <a:latin typeface="Arial" panose="020B0604020202020204" pitchFamily="34" charset="0"/>
-                <a:cs typeface="Arial" panose="020B0604020202020204" pitchFamily="34" charset="0"/>
-              </a:endParaRPr>
-            </a:p>
-          </p:txBody>
-        </p:sp>
-        <p:cxnSp>
-          <p:nvCxnSpPr>
-            <p:cNvPr id="110" name="Curved Connector 109">
-              <a:extLst>
-                <a:ext uri="{FF2B5EF4-FFF2-40B4-BE49-F238E27FC236}">
-                  <a16:creationId xmlns:a16="http://schemas.microsoft.com/office/drawing/2014/main" id="{09C1E0C0-59FE-DF49-883E-ED958BFAE112}"/>
-                </a:ext>
-              </a:extLst>
-            </p:cNvPr>
-            <p:cNvCxnSpPr>
-              <a:cxnSpLocks/>
-            </p:cNvCxnSpPr>
-            <p:nvPr/>
-          </p:nvCxnSpPr>
-          <p:spPr>
-            <a:xfrm rot="10800000" flipV="1">
-              <a:off x="6129863" y="1636473"/>
-              <a:ext cx="185456" cy="80131"/>
-            </a:xfrm>
-            <a:prstGeom prst="curvedConnector3">
-              <a:avLst>
-                <a:gd name="adj1" fmla="val -19336"/>
-              </a:avLst>
-            </a:prstGeom>
-            <a:ln>
-              <a:solidFill>
-                <a:schemeClr val="accent2">
-                  <a:lumMod val="75000"/>
-                </a:schemeClr>
-              </a:solidFill>
-              <a:prstDash val="sysDash"/>
-              <a:tailEnd type="triangle"/>
-            </a:ln>
-          </p:spPr>
-          <p:style>
-            <a:lnRef idx="1">
-              <a:schemeClr val="accent1"/>
-            </a:lnRef>
-            <a:fillRef idx="0">
-              <a:schemeClr val="accent1"/>
-            </a:fillRef>
-            <a:effectRef idx="0">
-              <a:schemeClr val="accent1"/>
-            </a:effectRef>
-            <a:fontRef idx="minor">
-              <a:schemeClr val="tx1"/>
-            </a:fontRef>
-          </p:style>
-        </p:cxnSp>
-        <p:sp>
-          <p:nvSpPr>
-            <p:cNvPr id="111" name="TextBox 110">
-              <a:extLst>
-                <a:ext uri="{FF2B5EF4-FFF2-40B4-BE49-F238E27FC236}">
-                  <a16:creationId xmlns:a16="http://schemas.microsoft.com/office/drawing/2014/main" id="{EA5CE2B3-FD9B-9E4D-9F83-7BC05C40EE84}"/>
-                </a:ext>
-              </a:extLst>
-            </p:cNvPr>
-            <p:cNvSpPr txBox="1"/>
-            <p:nvPr/>
-          </p:nvSpPr>
-          <p:spPr>
-            <a:xfrm>
-              <a:off x="6169989" y="959227"/>
-              <a:ext cx="1790875" cy="261610"/>
-            </a:xfrm>
-            <a:prstGeom prst="rect">
-              <a:avLst/>
-            </a:prstGeom>
-            <a:noFill/>
-          </p:spPr>
-          <p:txBody>
-            <a:bodyPr wrap="none" rtlCol="0">
-              <a:spAutoFit/>
-            </a:bodyPr>
-            <a:lstStyle/>
-            <a:p>
-              <a:r>
-                <a:rPr lang="en-US" sz="1100">
-                  <a:latin typeface="Arial" panose="020B0604020202020204" pitchFamily="34" charset="0"/>
-                  <a:cs typeface="Arial" panose="020B0604020202020204" pitchFamily="34" charset="0"/>
-                </a:rPr>
-                <a:t>cardListCheckListEmpty()</a:t>
-              </a:r>
-            </a:p>
-          </p:txBody>
-        </p:sp>
-        <p:sp>
-          <p:nvSpPr>
-            <p:cNvPr id="112" name="TextBox 111">
-              <a:extLst>
-                <a:ext uri="{FF2B5EF4-FFF2-40B4-BE49-F238E27FC236}">
-                  <a16:creationId xmlns:a16="http://schemas.microsoft.com/office/drawing/2014/main" id="{CC79C2E0-4915-8F44-9223-D72ED8377897}"/>
-                </a:ext>
-              </a:extLst>
-            </p:cNvPr>
-            <p:cNvSpPr txBox="1"/>
-            <p:nvPr/>
-          </p:nvSpPr>
-          <p:spPr>
-            <a:xfrm>
-              <a:off x="8763676" y="208302"/>
-              <a:ext cx="1507926" cy="261610"/>
-            </a:xfrm>
-            <a:prstGeom prst="rect">
-              <a:avLst/>
-            </a:prstGeom>
-            <a:solidFill>
-              <a:schemeClr val="accent6">
-                <a:lumMod val="60000"/>
-                <a:lumOff val="40000"/>
-              </a:schemeClr>
-            </a:solidFill>
-            <a:ln>
-              <a:solidFill>
-                <a:schemeClr val="accent6">
-                  <a:lumMod val="75000"/>
-                </a:schemeClr>
-              </a:solidFill>
-            </a:ln>
-          </p:spPr>
-          <p:txBody>
-            <a:bodyPr wrap="square" rtlCol="0" anchor="ctr">
-              <a:spAutoFit/>
-            </a:bodyPr>
-            <a:lstStyle/>
-            <a:p>
-              <a:pPr algn="ctr"/>
-              <a:r>
-                <a:rPr lang="en-US" sz="1100">
-                  <a:latin typeface="Arial" panose="020B0604020202020204" pitchFamily="34" charset="0"/>
-                  <a:cs typeface="Arial" panose="020B0604020202020204" pitchFamily="34" charset="0"/>
-                </a:rPr>
-                <a:t>:Ui</a:t>
-              </a:r>
-            </a:p>
-          </p:txBody>
-        </p:sp>
-        <p:cxnSp>
-          <p:nvCxnSpPr>
-            <p:cNvPr id="113" name="Straight Connector 112">
-              <a:extLst>
-                <a:ext uri="{FF2B5EF4-FFF2-40B4-BE49-F238E27FC236}">
-                  <a16:creationId xmlns:a16="http://schemas.microsoft.com/office/drawing/2014/main" id="{D9B64EC3-FB85-2E4E-9D09-BFBB0CB90D8B}"/>
-                </a:ext>
-              </a:extLst>
-            </p:cNvPr>
-            <p:cNvCxnSpPr>
-              <a:cxnSpLocks/>
-              <a:stCxn id="112" idx="2"/>
-              <a:endCxn id="114" idx="0"/>
-            </p:cNvCxnSpPr>
-            <p:nvPr/>
-          </p:nvCxnSpPr>
-          <p:spPr>
-            <a:xfrm flipH="1">
-              <a:off x="9515295" y="469912"/>
-              <a:ext cx="2344" cy="3155188"/>
-            </a:xfrm>
-            <a:prstGeom prst="line">
-              <a:avLst/>
-            </a:prstGeom>
-            <a:ln>
-              <a:solidFill>
-                <a:schemeClr val="accent6">
-                  <a:lumMod val="75000"/>
-                </a:schemeClr>
-              </a:solidFill>
-              <a:prstDash val="sysDash"/>
-            </a:ln>
-          </p:spPr>
-          <p:style>
-            <a:lnRef idx="1">
-              <a:schemeClr val="accent1"/>
-            </a:lnRef>
-            <a:fillRef idx="0">
-              <a:schemeClr val="accent1"/>
-            </a:fillRef>
-            <a:effectRef idx="0">
-              <a:schemeClr val="accent1"/>
-            </a:effectRef>
-            <a:fontRef idx="minor">
-              <a:schemeClr val="tx1"/>
-            </a:fontRef>
-          </p:style>
-        </p:cxnSp>
-        <p:sp>
-          <p:nvSpPr>
-            <p:cNvPr id="114" name="Rectangle 113">
-              <a:extLst>
-                <a:ext uri="{FF2B5EF4-FFF2-40B4-BE49-F238E27FC236}">
-                  <a16:creationId xmlns:a16="http://schemas.microsoft.com/office/drawing/2014/main" id="{2AC38DBA-7BA4-3447-A780-5621AE077302}"/>
-                </a:ext>
-              </a:extLst>
-            </p:cNvPr>
-            <p:cNvSpPr/>
-            <p:nvPr/>
-          </p:nvSpPr>
-          <p:spPr>
-            <a:xfrm>
-              <a:off x="9452405" y="3625100"/>
-              <a:ext cx="125780" cy="288000"/>
-            </a:xfrm>
-            <a:prstGeom prst="rect">
-              <a:avLst/>
-            </a:prstGeom>
-            <a:noFill/>
-            <a:ln>
-              <a:solidFill>
-                <a:schemeClr val="accent6">
-                  <a:lumMod val="75000"/>
-                </a:schemeClr>
-              </a:solidFill>
-            </a:ln>
-          </p:spPr>
-          <p:style>
-            <a:lnRef idx="2">
-              <a:schemeClr val="accent1">
-                <a:shade val="50000"/>
-              </a:schemeClr>
-            </a:lnRef>
-            <a:fillRef idx="1">
-              <a:schemeClr val="accent1"/>
-            </a:fillRef>
-            <a:effectRef idx="0">
-              <a:schemeClr val="accent1"/>
-            </a:effectRef>
-            <a:fontRef idx="minor">
-              <a:schemeClr val="lt1"/>
-            </a:fontRef>
-          </p:style>
-          <p:txBody>
-            <a:bodyPr rtlCol="0" anchor="ctr"/>
-            <a:lstStyle/>
-            <a:p>
-              <a:pPr algn="ctr"/>
-              <a:endParaRPr lang="en-US" sz="1100">
-                <a:latin typeface="Arial" panose="020B0604020202020204" pitchFamily="34" charset="0"/>
-                <a:cs typeface="Arial" panose="020B0604020202020204" pitchFamily="34" charset="0"/>
-              </a:endParaRPr>
-            </a:p>
-          </p:txBody>
-        </p:sp>
-        <p:sp>
-          <p:nvSpPr>
-            <p:cNvPr id="115" name="Rectangle 114">
-              <a:extLst>
-                <a:ext uri="{FF2B5EF4-FFF2-40B4-BE49-F238E27FC236}">
-                  <a16:creationId xmlns:a16="http://schemas.microsoft.com/office/drawing/2014/main" id="{20F2EE83-3CDC-2840-B399-18EAE4050E36}"/>
-                </a:ext>
-              </a:extLst>
-            </p:cNvPr>
-            <p:cNvSpPr/>
-            <p:nvPr/>
-          </p:nvSpPr>
-          <p:spPr>
-            <a:xfrm>
-              <a:off x="9457093" y="4808453"/>
-              <a:ext cx="102339" cy="191740"/>
-            </a:xfrm>
-            <a:prstGeom prst="rect">
-              <a:avLst/>
-            </a:prstGeom>
-            <a:noFill/>
-            <a:ln>
-              <a:solidFill>
-                <a:schemeClr val="accent6">
-                  <a:lumMod val="75000"/>
-                </a:schemeClr>
-              </a:solidFill>
-            </a:ln>
-          </p:spPr>
-          <p:style>
-            <a:lnRef idx="2">
-              <a:schemeClr val="accent1">
-                <a:shade val="50000"/>
-              </a:schemeClr>
-            </a:lnRef>
-            <a:fillRef idx="1">
-              <a:schemeClr val="accent1"/>
-            </a:fillRef>
-            <a:effectRef idx="0">
-              <a:schemeClr val="accent1"/>
-            </a:effectRef>
-            <a:fontRef idx="minor">
-              <a:schemeClr val="lt1"/>
-            </a:fontRef>
-          </p:style>
-          <p:txBody>
-            <a:bodyPr rtlCol="0" anchor="ctr"/>
-            <a:lstStyle/>
-            <a:p>
-              <a:pPr algn="ctr"/>
-              <a:endParaRPr lang="en-US" sz="1100">
-                <a:latin typeface="Arial" panose="020B0604020202020204" pitchFamily="34" charset="0"/>
-                <a:cs typeface="Arial" panose="020B0604020202020204" pitchFamily="34" charset="0"/>
-              </a:endParaRPr>
-            </a:p>
-          </p:txBody>
-        </p:sp>
-        <p:cxnSp>
-          <p:nvCxnSpPr>
-            <p:cNvPr id="116" name="Straight Connector 115">
-              <a:extLst>
-                <a:ext uri="{FF2B5EF4-FFF2-40B4-BE49-F238E27FC236}">
-                  <a16:creationId xmlns:a16="http://schemas.microsoft.com/office/drawing/2014/main" id="{4323D408-F1FD-684C-A8AC-1CE03A5DEE9D}"/>
-                </a:ext>
-              </a:extLst>
-            </p:cNvPr>
-            <p:cNvCxnSpPr>
-              <a:cxnSpLocks/>
-              <a:stCxn id="114" idx="2"/>
-              <a:endCxn id="115" idx="0"/>
-            </p:cNvCxnSpPr>
-            <p:nvPr/>
-          </p:nvCxnSpPr>
-          <p:spPr>
-            <a:xfrm flipH="1">
-              <a:off x="9508263" y="3913100"/>
-              <a:ext cx="7032" cy="895353"/>
-            </a:xfrm>
-            <a:prstGeom prst="line">
-              <a:avLst/>
-            </a:prstGeom>
-            <a:ln>
-              <a:solidFill>
-                <a:schemeClr val="accent6">
-                  <a:lumMod val="75000"/>
-                </a:schemeClr>
-              </a:solidFill>
-              <a:prstDash val="sysDash"/>
-            </a:ln>
-          </p:spPr>
-          <p:style>
-            <a:lnRef idx="1">
-              <a:schemeClr val="accent1"/>
-            </a:lnRef>
-            <a:fillRef idx="0">
-              <a:schemeClr val="accent1"/>
-            </a:fillRef>
-            <a:effectRef idx="0">
-              <a:schemeClr val="accent1"/>
-            </a:effectRef>
-            <a:fontRef idx="minor">
-              <a:schemeClr val="tx1"/>
-            </a:fontRef>
-          </p:style>
-        </p:cxnSp>
-        <p:cxnSp>
-          <p:nvCxnSpPr>
-            <p:cNvPr id="117" name="Straight Connector 116">
-              <a:extLst>
-                <a:ext uri="{FF2B5EF4-FFF2-40B4-BE49-F238E27FC236}">
-                  <a16:creationId xmlns:a16="http://schemas.microsoft.com/office/drawing/2014/main" id="{D820F3C8-7FCA-B843-B907-9F383000C99B}"/>
-                </a:ext>
-              </a:extLst>
-            </p:cNvPr>
-            <p:cNvCxnSpPr>
-              <a:cxnSpLocks/>
-              <a:stCxn id="115" idx="2"/>
-            </p:cNvCxnSpPr>
-            <p:nvPr/>
-          </p:nvCxnSpPr>
-          <p:spPr>
-            <a:xfrm>
-              <a:off x="9508263" y="5000193"/>
-              <a:ext cx="0" cy="1627854"/>
-            </a:xfrm>
-            <a:prstGeom prst="line">
-              <a:avLst/>
-            </a:prstGeom>
-            <a:ln>
-              <a:solidFill>
-                <a:schemeClr val="accent6">
-                  <a:lumMod val="75000"/>
-                </a:schemeClr>
-              </a:solidFill>
-              <a:prstDash val="sysDash"/>
-            </a:ln>
-          </p:spPr>
-          <p:style>
-            <a:lnRef idx="1">
-              <a:schemeClr val="accent1"/>
-            </a:lnRef>
-            <a:fillRef idx="0">
-              <a:schemeClr val="accent1"/>
-            </a:fillRef>
-            <a:effectRef idx="0">
-              <a:schemeClr val="accent1"/>
-            </a:effectRef>
-            <a:fontRef idx="minor">
-              <a:schemeClr val="tx1"/>
-            </a:fontRef>
-          </p:style>
-        </p:cxnSp>
-        <p:sp>
-          <p:nvSpPr>
-            <p:cNvPr id="118" name="TextBox 117">
-              <a:extLst>
-                <a:ext uri="{FF2B5EF4-FFF2-40B4-BE49-F238E27FC236}">
-                  <a16:creationId xmlns:a16="http://schemas.microsoft.com/office/drawing/2014/main" id="{5B297883-D772-804E-9EAF-C797669ED558}"/>
-                </a:ext>
-              </a:extLst>
-            </p:cNvPr>
-            <p:cNvSpPr txBox="1"/>
-            <p:nvPr/>
-          </p:nvSpPr>
-          <p:spPr>
-            <a:xfrm>
-              <a:off x="10537404" y="208302"/>
-              <a:ext cx="1507926" cy="261610"/>
-            </a:xfrm>
-            <a:prstGeom prst="rect">
-              <a:avLst/>
-            </a:prstGeom>
-            <a:solidFill>
-              <a:schemeClr val="accent2"/>
-            </a:solidFill>
-          </p:spPr>
-          <p:txBody>
-            <a:bodyPr wrap="square" rtlCol="0" anchor="ctr">
-              <a:spAutoFit/>
-            </a:bodyPr>
-            <a:lstStyle/>
-            <a:p>
-              <a:pPr algn="ctr"/>
-              <a:r>
-                <a:rPr lang="en-US" sz="1100">
-                  <a:latin typeface="Arial" panose="020B0604020202020204" pitchFamily="34" charset="0"/>
-                  <a:cs typeface="Arial" panose="020B0604020202020204" pitchFamily="34" charset="0"/>
-                </a:rPr>
-                <a:t>:Card</a:t>
-              </a:r>
-            </a:p>
-          </p:txBody>
-        </p:sp>
-        <p:sp>
-          <p:nvSpPr>
-            <p:cNvPr id="119" name="Rectangle 118">
-              <a:extLst>
-                <a:ext uri="{FF2B5EF4-FFF2-40B4-BE49-F238E27FC236}">
-                  <a16:creationId xmlns:a16="http://schemas.microsoft.com/office/drawing/2014/main" id="{610DAF81-077F-AB4E-963A-25ECD5347424}"/>
-                </a:ext>
-              </a:extLst>
-            </p:cNvPr>
-            <p:cNvSpPr/>
-            <p:nvPr/>
-          </p:nvSpPr>
-          <p:spPr>
-            <a:xfrm>
-              <a:off x="11230821" y="4346986"/>
-              <a:ext cx="122400" cy="251999"/>
-            </a:xfrm>
-            <a:prstGeom prst="rect">
-              <a:avLst/>
-            </a:prstGeom>
-            <a:noFill/>
-            <a:ln>
-              <a:solidFill>
-                <a:schemeClr val="accent2"/>
-              </a:solidFill>
-            </a:ln>
-          </p:spPr>
-          <p:style>
-            <a:lnRef idx="2">
-              <a:schemeClr val="accent1">
-                <a:shade val="50000"/>
-              </a:schemeClr>
-            </a:lnRef>
-            <a:fillRef idx="1">
-              <a:schemeClr val="accent1"/>
-            </a:fillRef>
-            <a:effectRef idx="0">
-              <a:schemeClr val="accent1"/>
-            </a:effectRef>
-            <a:fontRef idx="minor">
-              <a:schemeClr val="lt1"/>
-            </a:fontRef>
-          </p:style>
-          <p:txBody>
-            <a:bodyPr rtlCol="0" anchor="ctr"/>
-            <a:lstStyle/>
-            <a:p>
-              <a:pPr algn="ctr"/>
-              <a:endParaRPr lang="en-US" sz="1100">
-                <a:latin typeface="Arial" panose="020B0604020202020204" pitchFamily="34" charset="0"/>
-                <a:cs typeface="Arial" panose="020B0604020202020204" pitchFamily="34" charset="0"/>
-              </a:endParaRPr>
-            </a:p>
-          </p:txBody>
-        </p:sp>
-        <p:cxnSp>
-          <p:nvCxnSpPr>
-            <p:cNvPr id="120" name="Straight Connector 119">
-              <a:extLst>
-                <a:ext uri="{FF2B5EF4-FFF2-40B4-BE49-F238E27FC236}">
-                  <a16:creationId xmlns:a16="http://schemas.microsoft.com/office/drawing/2014/main" id="{A0D8537F-DDD5-9D4D-B6ED-18172C628DDA}"/>
-                </a:ext>
-              </a:extLst>
-            </p:cNvPr>
-            <p:cNvCxnSpPr>
-              <a:cxnSpLocks/>
-              <a:stCxn id="118" idx="2"/>
-              <a:endCxn id="119" idx="0"/>
-            </p:cNvCxnSpPr>
-            <p:nvPr/>
-          </p:nvCxnSpPr>
-          <p:spPr>
-            <a:xfrm>
-              <a:off x="11291367" y="469912"/>
-              <a:ext cx="654" cy="3877074"/>
-            </a:xfrm>
-            <a:prstGeom prst="line">
-              <a:avLst/>
-            </a:prstGeom>
-            <a:ln>
-              <a:solidFill>
-                <a:schemeClr val="accent2"/>
-              </a:solidFill>
-              <a:prstDash val="sysDash"/>
-            </a:ln>
-          </p:spPr>
-          <p:style>
-            <a:lnRef idx="1">
-              <a:schemeClr val="accent1"/>
-            </a:lnRef>
-            <a:fillRef idx="0">
-              <a:schemeClr val="accent1"/>
-            </a:fillRef>
-            <a:effectRef idx="0">
-              <a:schemeClr val="accent1"/>
-            </a:effectRef>
-            <a:fontRef idx="minor">
-              <a:schemeClr val="tx1"/>
-            </a:fontRef>
-          </p:style>
-        </p:cxnSp>
-        <p:cxnSp>
-          <p:nvCxnSpPr>
-            <p:cNvPr id="121" name="Straight Connector 120">
-              <a:extLst>
-                <a:ext uri="{FF2B5EF4-FFF2-40B4-BE49-F238E27FC236}">
-                  <a16:creationId xmlns:a16="http://schemas.microsoft.com/office/drawing/2014/main" id="{1CFB0940-1B95-B34C-A5B1-15AE185A98AC}"/>
-                </a:ext>
-              </a:extLst>
-            </p:cNvPr>
-            <p:cNvCxnSpPr>
-              <a:cxnSpLocks/>
-              <a:stCxn id="119" idx="2"/>
-            </p:cNvCxnSpPr>
-            <p:nvPr/>
-          </p:nvCxnSpPr>
-          <p:spPr>
-            <a:xfrm flipH="1">
-              <a:off x="11291367" y="4598985"/>
-              <a:ext cx="654" cy="1076410"/>
-            </a:xfrm>
-            <a:prstGeom prst="line">
-              <a:avLst/>
-            </a:prstGeom>
-            <a:ln>
-              <a:solidFill>
-                <a:schemeClr val="accent2"/>
-              </a:solidFill>
-              <a:prstDash val="sysDash"/>
-            </a:ln>
-          </p:spPr>
-          <p:style>
-            <a:lnRef idx="1">
-              <a:schemeClr val="accent1"/>
-            </a:lnRef>
-            <a:fillRef idx="0">
-              <a:schemeClr val="accent1"/>
-            </a:fillRef>
-            <a:effectRef idx="0">
-              <a:schemeClr val="accent1"/>
-            </a:effectRef>
-            <a:fontRef idx="minor">
-              <a:schemeClr val="tx1"/>
-            </a:fontRef>
-          </p:style>
-        </p:cxnSp>
-        <p:grpSp>
-          <p:nvGrpSpPr>
-            <p:cNvPr id="122" name="Group 121">
-              <a:extLst>
-                <a:ext uri="{FF2B5EF4-FFF2-40B4-BE49-F238E27FC236}">
-                  <a16:creationId xmlns:a16="http://schemas.microsoft.com/office/drawing/2014/main" id="{89972F3F-3795-0F4C-B685-D726B6CB71AF}"/>
+                  <a16:creationId xmlns:a16="http://schemas.microsoft.com/office/drawing/2014/main" id="{3B452173-D81C-B246-8975-FA3537E87F13}"/>
                 </a:ext>
               </a:extLst>
             </p:cNvPr>
@@ -5474,18 +3381,449 @@
           </p:nvGrpSpPr>
           <p:grpSpPr>
             <a:xfrm>
-              <a:off x="5306389" y="1823346"/>
-              <a:ext cx="6719024" cy="3603508"/>
-              <a:chOff x="5314409" y="1925989"/>
-              <a:chExt cx="6719024" cy="3603508"/>
+              <a:off x="89466" y="208302"/>
+              <a:ext cx="12013067" cy="6441395"/>
+              <a:chOff x="89466" y="208302"/>
+              <a:chExt cx="12013067" cy="6441395"/>
             </a:xfrm>
           </p:grpSpPr>
+          <p:cxnSp>
+            <p:nvCxnSpPr>
+              <p:cNvPr id="79" name="Straight Arrow Connector 78">
+                <a:extLst>
+                  <a:ext uri="{FF2B5EF4-FFF2-40B4-BE49-F238E27FC236}">
+                    <a16:creationId xmlns:a16="http://schemas.microsoft.com/office/drawing/2014/main" id="{039310C1-E4F5-A441-B5F5-F5591EB5E525}"/>
+                  </a:ext>
+                </a:extLst>
+              </p:cNvPr>
+              <p:cNvCxnSpPr>
+                <a:stCxn id="104" idx="2"/>
+              </p:cNvCxnSpPr>
+              <p:nvPr/>
+            </p:nvCxnSpPr>
+            <p:spPr>
+              <a:xfrm flipH="1">
+                <a:off x="4021409" y="5675395"/>
+                <a:ext cx="2066571" cy="0"/>
+              </a:xfrm>
+              <a:prstGeom prst="straightConnector1">
+                <a:avLst/>
+              </a:prstGeom>
+              <a:ln>
+                <a:solidFill>
+                  <a:srgbClr val="C00000"/>
+                </a:solidFill>
+                <a:prstDash val="sysDash"/>
+                <a:tailEnd type="triangle"/>
+              </a:ln>
+            </p:spPr>
+            <p:style>
+              <a:lnRef idx="1">
+                <a:schemeClr val="accent1"/>
+              </a:lnRef>
+              <a:fillRef idx="0">
+                <a:schemeClr val="accent1"/>
+              </a:fillRef>
+              <a:effectRef idx="0">
+                <a:schemeClr val="accent1"/>
+              </a:effectRef>
+              <a:fontRef idx="minor">
+                <a:schemeClr val="tx1"/>
+              </a:fontRef>
+            </p:style>
+          </p:cxnSp>
+          <p:cxnSp>
+            <p:nvCxnSpPr>
+              <p:cNvPr id="80" name="Straight Arrow Connector 79">
+                <a:extLst>
+                  <a:ext uri="{FF2B5EF4-FFF2-40B4-BE49-F238E27FC236}">
+                    <a16:creationId xmlns:a16="http://schemas.microsoft.com/office/drawing/2014/main" id="{93FDDE73-3D06-1046-95CD-C8CB97E1A911}"/>
+                  </a:ext>
+                </a:extLst>
+              </p:cNvPr>
+              <p:cNvCxnSpPr>
+                <a:stCxn id="98" idx="2"/>
+              </p:cNvCxnSpPr>
+              <p:nvPr/>
+            </p:nvCxnSpPr>
+            <p:spPr>
+              <a:xfrm flipH="1">
+                <a:off x="1978414" y="5897815"/>
+                <a:ext cx="1981114" cy="0"/>
+              </a:xfrm>
+              <a:prstGeom prst="straightConnector1">
+                <a:avLst/>
+              </a:prstGeom>
+              <a:ln>
+                <a:solidFill>
+                  <a:srgbClr val="7030A0">
+                    <a:alpha val="70000"/>
+                  </a:srgbClr>
+                </a:solidFill>
+                <a:prstDash val="sysDash"/>
+                <a:tailEnd type="triangle"/>
+              </a:ln>
+            </p:spPr>
+            <p:style>
+              <a:lnRef idx="1">
+                <a:schemeClr val="accent1"/>
+              </a:lnRef>
+              <a:fillRef idx="0">
+                <a:schemeClr val="accent1"/>
+              </a:fillRef>
+              <a:effectRef idx="0">
+                <a:schemeClr val="accent1"/>
+              </a:effectRef>
+              <a:fontRef idx="minor">
+                <a:schemeClr val="tx1"/>
+              </a:fontRef>
+            </p:style>
+          </p:cxnSp>
+          <p:cxnSp>
+            <p:nvCxnSpPr>
+              <p:cNvPr id="81" name="Straight Arrow Connector 80">
+                <a:extLst>
+                  <a:ext uri="{FF2B5EF4-FFF2-40B4-BE49-F238E27FC236}">
+                    <a16:creationId xmlns:a16="http://schemas.microsoft.com/office/drawing/2014/main" id="{6783490C-F94C-F94D-9A06-D290D04F8CD3}"/>
+                  </a:ext>
+                </a:extLst>
+              </p:cNvPr>
+              <p:cNvCxnSpPr>
+                <a:stCxn id="92" idx="2"/>
+              </p:cNvCxnSpPr>
+              <p:nvPr/>
+            </p:nvCxnSpPr>
+            <p:spPr>
+              <a:xfrm flipH="1" flipV="1">
+                <a:off x="567251" y="6063355"/>
+                <a:ext cx="1346820" cy="3159"/>
+              </a:xfrm>
+              <a:prstGeom prst="straightConnector1">
+                <a:avLst/>
+              </a:prstGeom>
+              <a:ln>
+                <a:solidFill>
+                  <a:schemeClr val="bg1">
+                    <a:lumMod val="50000"/>
+                  </a:schemeClr>
+                </a:solidFill>
+                <a:prstDash val="sysDash"/>
+                <a:tailEnd type="triangle"/>
+              </a:ln>
+            </p:spPr>
+            <p:style>
+              <a:lnRef idx="1">
+                <a:schemeClr val="accent1"/>
+              </a:lnRef>
+              <a:fillRef idx="0">
+                <a:schemeClr val="accent1"/>
+              </a:fillRef>
+              <a:effectRef idx="0">
+                <a:schemeClr val="accent1"/>
+              </a:effectRef>
+              <a:fontRef idx="minor">
+                <a:schemeClr val="tx1"/>
+              </a:fontRef>
+            </p:style>
+          </p:cxnSp>
+          <p:cxnSp>
+            <p:nvCxnSpPr>
+              <p:cNvPr id="82" name="Straight Arrow Connector 81">
+                <a:extLst>
+                  <a:ext uri="{FF2B5EF4-FFF2-40B4-BE49-F238E27FC236}">
+                    <a16:creationId xmlns:a16="http://schemas.microsoft.com/office/drawing/2014/main" id="{A905797F-99DA-F643-9195-F16A22A27459}"/>
+                  </a:ext>
+                </a:extLst>
+              </p:cNvPr>
+              <p:cNvCxnSpPr>
+                <a:cxnSpLocks/>
+                <a:stCxn id="115" idx="2"/>
+              </p:cNvCxnSpPr>
+              <p:nvPr/>
+            </p:nvCxnSpPr>
+            <p:spPr>
+              <a:xfrm flipH="1">
+                <a:off x="6259946" y="5000193"/>
+                <a:ext cx="3248317" cy="0"/>
+              </a:xfrm>
+              <a:prstGeom prst="straightConnector1">
+                <a:avLst/>
+              </a:prstGeom>
+              <a:ln>
+                <a:solidFill>
+                  <a:schemeClr val="accent2">
+                    <a:lumMod val="75000"/>
+                  </a:schemeClr>
+                </a:solidFill>
+                <a:prstDash val="sysDash"/>
+                <a:tailEnd type="triangle"/>
+              </a:ln>
+            </p:spPr>
+            <p:style>
+              <a:lnRef idx="1">
+                <a:schemeClr val="accent1"/>
+              </a:lnRef>
+              <a:fillRef idx="0">
+                <a:schemeClr val="accent1"/>
+              </a:fillRef>
+              <a:effectRef idx="0">
+                <a:schemeClr val="accent1"/>
+              </a:effectRef>
+              <a:fontRef idx="minor">
+                <a:schemeClr val="tx1"/>
+              </a:fontRef>
+            </p:style>
+          </p:cxnSp>
+          <p:cxnSp>
+            <p:nvCxnSpPr>
+              <p:cNvPr id="83" name="Curved Connector 82">
+                <a:extLst>
+                  <a:ext uri="{FF2B5EF4-FFF2-40B4-BE49-F238E27FC236}">
+                    <a16:creationId xmlns:a16="http://schemas.microsoft.com/office/drawing/2014/main" id="{BB9ACB15-D369-824D-AA2C-FC8E24687939}"/>
+                  </a:ext>
+                </a:extLst>
+              </p:cNvPr>
+              <p:cNvCxnSpPr>
+                <a:cxnSpLocks/>
+              </p:cNvCxnSpPr>
+              <p:nvPr/>
+            </p:nvCxnSpPr>
+            <p:spPr>
+              <a:xfrm rot="16200000" flipH="1">
+                <a:off x="6069865" y="4017040"/>
+                <a:ext cx="144865" cy="193058"/>
+              </a:xfrm>
+              <a:prstGeom prst="curvedConnector4">
+                <a:avLst>
+                  <a:gd name="adj1" fmla="val 12023"/>
+                  <a:gd name="adj2" fmla="val 152845"/>
+                </a:avLst>
+              </a:prstGeom>
+              <a:ln>
+                <a:solidFill>
+                  <a:schemeClr val="accent2">
+                    <a:lumMod val="75000"/>
+                  </a:schemeClr>
+                </a:solidFill>
+                <a:tailEnd type="triangle"/>
+              </a:ln>
+            </p:spPr>
+            <p:style>
+              <a:lnRef idx="1">
+                <a:schemeClr val="accent1"/>
+              </a:lnRef>
+              <a:fillRef idx="0">
+                <a:schemeClr val="accent1"/>
+              </a:fillRef>
+              <a:effectRef idx="0">
+                <a:schemeClr val="accent1"/>
+              </a:effectRef>
+              <a:fontRef idx="minor">
+                <a:schemeClr val="tx1"/>
+              </a:fontRef>
+            </p:style>
+          </p:cxnSp>
+          <p:cxnSp>
+            <p:nvCxnSpPr>
+              <p:cNvPr id="84" name="Straight Arrow Connector 83">
+                <a:extLst>
+                  <a:ext uri="{FF2B5EF4-FFF2-40B4-BE49-F238E27FC236}">
+                    <a16:creationId xmlns:a16="http://schemas.microsoft.com/office/drawing/2014/main" id="{067B53B9-3CD5-4845-8DA9-F850C7BD3DC6}"/>
+                  </a:ext>
+                </a:extLst>
+              </p:cNvPr>
+              <p:cNvCxnSpPr>
+                <a:cxnSpLocks/>
+                <a:stCxn id="114" idx="2"/>
+              </p:cNvCxnSpPr>
+              <p:nvPr/>
+            </p:nvCxnSpPr>
+            <p:spPr>
+              <a:xfrm flipH="1">
+                <a:off x="6152347" y="3913100"/>
+                <a:ext cx="3362948" cy="0"/>
+              </a:xfrm>
+              <a:prstGeom prst="straightConnector1">
+                <a:avLst/>
+              </a:prstGeom>
+              <a:ln>
+                <a:solidFill>
+                  <a:schemeClr val="accent2">
+                    <a:lumMod val="75000"/>
+                  </a:schemeClr>
+                </a:solidFill>
+                <a:prstDash val="sysDash"/>
+                <a:tailEnd type="triangle"/>
+              </a:ln>
+            </p:spPr>
+            <p:style>
+              <a:lnRef idx="1">
+                <a:schemeClr val="accent1"/>
+              </a:lnRef>
+              <a:fillRef idx="0">
+                <a:schemeClr val="accent1"/>
+              </a:fillRef>
+              <a:effectRef idx="0">
+                <a:schemeClr val="accent1"/>
+              </a:effectRef>
+              <a:fontRef idx="minor">
+                <a:schemeClr val="tx1"/>
+              </a:fontRef>
+            </p:style>
+          </p:cxnSp>
+          <p:cxnSp>
+            <p:nvCxnSpPr>
+              <p:cNvPr id="85" name="Curved Connector 84">
+                <a:extLst>
+                  <a:ext uri="{FF2B5EF4-FFF2-40B4-BE49-F238E27FC236}">
+                    <a16:creationId xmlns:a16="http://schemas.microsoft.com/office/drawing/2014/main" id="{2D6A3A59-BA6C-2A41-8172-925C81A77031}"/>
+                  </a:ext>
+                </a:extLst>
+              </p:cNvPr>
+              <p:cNvCxnSpPr>
+                <a:cxnSpLocks/>
+              </p:cNvCxnSpPr>
+              <p:nvPr/>
+            </p:nvCxnSpPr>
+            <p:spPr>
+              <a:xfrm rot="16200000" flipH="1">
+                <a:off x="6047709" y="2805961"/>
+                <a:ext cx="144865" cy="193058"/>
+              </a:xfrm>
+              <a:prstGeom prst="curvedConnector4">
+                <a:avLst>
+                  <a:gd name="adj1" fmla="val 12023"/>
+                  <a:gd name="adj2" fmla="val 152845"/>
+                </a:avLst>
+              </a:prstGeom>
+              <a:ln>
+                <a:solidFill>
+                  <a:schemeClr val="accent2">
+                    <a:lumMod val="75000"/>
+                  </a:schemeClr>
+                </a:solidFill>
+                <a:tailEnd type="triangle"/>
+              </a:ln>
+            </p:spPr>
+            <p:style>
+              <a:lnRef idx="1">
+                <a:schemeClr val="accent1"/>
+              </a:lnRef>
+              <a:fillRef idx="0">
+                <a:schemeClr val="accent1"/>
+              </a:fillRef>
+              <a:effectRef idx="0">
+                <a:schemeClr val="accent1"/>
+              </a:effectRef>
+              <a:fontRef idx="minor">
+                <a:schemeClr val="tx1"/>
+              </a:fontRef>
+            </p:style>
+          </p:cxnSp>
+          <p:cxnSp>
+            <p:nvCxnSpPr>
+              <p:cNvPr id="86" name="Curved Connector 85">
+                <a:extLst>
+                  <a:ext uri="{FF2B5EF4-FFF2-40B4-BE49-F238E27FC236}">
+                    <a16:creationId xmlns:a16="http://schemas.microsoft.com/office/drawing/2014/main" id="{105C68A5-8F8A-4D45-8C6A-9BE8FA4BD733}"/>
+                  </a:ext>
+                </a:extLst>
+              </p:cNvPr>
+              <p:cNvCxnSpPr>
+                <a:cxnSpLocks/>
+              </p:cNvCxnSpPr>
+              <p:nvPr/>
+            </p:nvCxnSpPr>
+            <p:spPr>
+              <a:xfrm rot="16200000" flipH="1">
+                <a:off x="6071533" y="2110206"/>
+                <a:ext cx="144865" cy="193058"/>
+              </a:xfrm>
+              <a:prstGeom prst="curvedConnector4">
+                <a:avLst>
+                  <a:gd name="adj1" fmla="val 12023"/>
+                  <a:gd name="adj2" fmla="val 152845"/>
+                </a:avLst>
+              </a:prstGeom>
+              <a:ln>
+                <a:solidFill>
+                  <a:schemeClr val="accent2">
+                    <a:lumMod val="75000"/>
+                  </a:schemeClr>
+                </a:solidFill>
+                <a:tailEnd type="triangle"/>
+              </a:ln>
+            </p:spPr>
+            <p:style>
+              <a:lnRef idx="1">
+                <a:schemeClr val="accent1"/>
+              </a:lnRef>
+              <a:fillRef idx="0">
+                <a:schemeClr val="accent1"/>
+              </a:fillRef>
+              <a:effectRef idx="0">
+                <a:schemeClr val="accent1"/>
+              </a:effectRef>
+              <a:fontRef idx="minor">
+                <a:schemeClr val="tx1"/>
+              </a:fontRef>
+            </p:style>
+          </p:cxnSp>
+          <p:cxnSp>
+            <p:nvCxnSpPr>
+              <p:cNvPr id="87" name="Curved Connector 86">
+                <a:extLst>
+                  <a:ext uri="{FF2B5EF4-FFF2-40B4-BE49-F238E27FC236}">
+                    <a16:creationId xmlns:a16="http://schemas.microsoft.com/office/drawing/2014/main" id="{246A8092-F827-5F4A-9BE1-DCA59435D7DE}"/>
+                  </a:ext>
+                </a:extLst>
+              </p:cNvPr>
+              <p:cNvCxnSpPr>
+                <a:cxnSpLocks/>
+              </p:cNvCxnSpPr>
+              <p:nvPr/>
+            </p:nvCxnSpPr>
+            <p:spPr>
+              <a:xfrm rot="16200000" flipH="1">
+                <a:off x="6047709" y="1096928"/>
+                <a:ext cx="144865" cy="193058"/>
+              </a:xfrm>
+              <a:prstGeom prst="curvedConnector4">
+                <a:avLst>
+                  <a:gd name="adj1" fmla="val 12023"/>
+                  <a:gd name="adj2" fmla="val 152845"/>
+                </a:avLst>
+              </a:prstGeom>
+              <a:ln>
+                <a:solidFill>
+                  <a:schemeClr val="accent2">
+                    <a:lumMod val="75000"/>
+                  </a:schemeClr>
+                </a:solidFill>
+                <a:tailEnd type="triangle"/>
+              </a:ln>
+            </p:spPr>
+            <p:style>
+              <a:lnRef idx="1">
+                <a:schemeClr val="accent1"/>
+              </a:lnRef>
+              <a:fillRef idx="0">
+                <a:schemeClr val="accent1"/>
+              </a:fillRef>
+              <a:effectRef idx="0">
+                <a:schemeClr val="accent1"/>
+              </a:effectRef>
+              <a:fontRef idx="minor">
+                <a:schemeClr val="tx1"/>
+              </a:fontRef>
+            </p:style>
+          </p:cxnSp>
           <p:sp>
             <p:nvSpPr>
-              <p:cNvPr id="151" name="Rectangle 150">
+              <p:cNvPr id="88" name="Rectangle 87">
                 <a:extLst>
                   <a:ext uri="{FF2B5EF4-FFF2-40B4-BE49-F238E27FC236}">
-                    <a16:creationId xmlns:a16="http://schemas.microsoft.com/office/drawing/2014/main" id="{9E77CF52-2B99-4F4B-862C-6C23024F46A7}"/>
+                    <a16:creationId xmlns:a16="http://schemas.microsoft.com/office/drawing/2014/main" id="{0AB2143C-9608-C942-AC1C-B9EABE8F90E8}"/>
                   </a:ext>
                 </a:extLst>
               </p:cNvPr>
@@ -5494,8 +3832,8 @@
             </p:nvSpPr>
             <p:spPr>
               <a:xfrm>
-                <a:off x="5314409" y="1925989"/>
-                <a:ext cx="6719024" cy="3603508"/>
+                <a:off x="447599" y="754898"/>
+                <a:ext cx="114964" cy="5894799"/>
               </a:xfrm>
               <a:prstGeom prst="rect">
                 <a:avLst/>
@@ -5503,22 +3841,2803 @@
               <a:noFill/>
               <a:ln>
                 <a:solidFill>
-                  <a:srgbClr val="7030A0"/>
+                  <a:schemeClr val="bg1">
+                    <a:lumMod val="50000"/>
+                  </a:schemeClr>
                 </a:solidFill>
               </a:ln>
             </p:spPr>
             <p:style>
               <a:lnRef idx="2">
-                <a:schemeClr val="accent6"/>
+                <a:schemeClr val="accent1">
+                  <a:shade val="50000"/>
+                </a:schemeClr>
               </a:lnRef>
               <a:fillRef idx="1">
-                <a:schemeClr val="lt1"/>
+                <a:schemeClr val="accent1"/>
               </a:fillRef>
               <a:effectRef idx="0">
-                <a:schemeClr val="accent6"/>
+                <a:schemeClr val="accent1"/>
               </a:effectRef>
               <a:fontRef idx="minor">
-                <a:schemeClr val="dk1"/>
+                <a:schemeClr val="lt1"/>
+              </a:fontRef>
+            </p:style>
+            <p:txBody>
+              <a:bodyPr rtlCol="0" anchor="ctr"/>
+              <a:lstStyle/>
+              <a:p>
+                <a:pPr algn="ctr"/>
+                <a:endParaRPr lang="en-US" sz="1100">
+                  <a:latin typeface="Arial" panose="020B0604020202020204" pitchFamily="34" charset="0"/>
+                  <a:cs typeface="Arial" panose="020B0604020202020204" pitchFamily="34" charset="0"/>
+                </a:endParaRPr>
+              </a:p>
+            </p:txBody>
+          </p:sp>
+          <p:sp>
+            <p:nvSpPr>
+              <p:cNvPr id="89" name="TextBox 88">
+                <a:extLst>
+                  <a:ext uri="{FF2B5EF4-FFF2-40B4-BE49-F238E27FC236}">
+                    <a16:creationId xmlns:a16="http://schemas.microsoft.com/office/drawing/2014/main" id="{AEA40378-758B-E746-92AE-B5A5F87D4FA8}"/>
+                  </a:ext>
+                </a:extLst>
+              </p:cNvPr>
+              <p:cNvSpPr txBox="1"/>
+              <p:nvPr/>
+            </p:nvSpPr>
+            <p:spPr>
+              <a:xfrm>
+                <a:off x="143317" y="224956"/>
+                <a:ext cx="723528" cy="261610"/>
+              </a:xfrm>
+              <a:prstGeom prst="rect">
+                <a:avLst/>
+              </a:prstGeom>
+              <a:solidFill>
+                <a:schemeClr val="bg2">
+                  <a:lumMod val="90000"/>
+                </a:schemeClr>
+              </a:solidFill>
+              <a:ln>
+                <a:solidFill>
+                  <a:schemeClr val="bg1">
+                    <a:lumMod val="50000"/>
+                  </a:schemeClr>
+                </a:solidFill>
+              </a:ln>
+            </p:spPr>
+            <p:txBody>
+              <a:bodyPr wrap="square" rtlCol="0" anchor="ctr">
+                <a:spAutoFit/>
+              </a:bodyPr>
+              <a:lstStyle/>
+              <a:p>
+                <a:pPr algn="ctr"/>
+                <a:r>
+                  <a:rPr lang="en-US" sz="1100">
+                    <a:latin typeface="Arial" panose="020B0604020202020204" pitchFamily="34" charset="0"/>
+                    <a:cs typeface="Arial" panose="020B0604020202020204" pitchFamily="34" charset="0"/>
+                  </a:rPr>
+                  <a:t>:Main</a:t>
+                </a:r>
+              </a:p>
+            </p:txBody>
+          </p:sp>
+          <p:sp>
+            <p:nvSpPr>
+              <p:cNvPr id="90" name="TextBox 89">
+                <a:extLst>
+                  <a:ext uri="{FF2B5EF4-FFF2-40B4-BE49-F238E27FC236}">
+                    <a16:creationId xmlns:a16="http://schemas.microsoft.com/office/drawing/2014/main" id="{DA8B67E8-DF2D-CB4D-8630-DE7046719140}"/>
+                  </a:ext>
+                </a:extLst>
+              </p:cNvPr>
+              <p:cNvSpPr txBox="1"/>
+              <p:nvPr/>
+            </p:nvSpPr>
+            <p:spPr>
+              <a:xfrm>
+                <a:off x="1094508" y="212734"/>
+                <a:ext cx="1647316" cy="261610"/>
+              </a:xfrm>
+              <a:prstGeom prst="rect">
+                <a:avLst/>
+              </a:prstGeom>
+              <a:solidFill>
+                <a:srgbClr val="CBA8FD"/>
+              </a:solidFill>
+              <a:ln>
+                <a:solidFill>
+                  <a:srgbClr val="7030A0">
+                    <a:alpha val="70000"/>
+                  </a:srgbClr>
+                </a:solidFill>
+              </a:ln>
+            </p:spPr>
+            <p:txBody>
+              <a:bodyPr wrap="square" rtlCol="0" anchor="ctr">
+                <a:spAutoFit/>
+              </a:bodyPr>
+              <a:lstStyle/>
+              <a:p>
+                <a:pPr algn="ctr"/>
+                <a:r>
+                  <a:rPr lang="en-US" sz="1100" dirty="0">
+                    <a:latin typeface="Arial" panose="020B0604020202020204" pitchFamily="34" charset="0"/>
+                    <a:cs typeface="Arial" panose="020B0604020202020204" pitchFamily="34" charset="0"/>
+                  </a:rPr>
+                  <a:t>:DeleteCardCommand</a:t>
+                </a:r>
+              </a:p>
+            </p:txBody>
+          </p:sp>
+          <p:cxnSp>
+            <p:nvCxnSpPr>
+              <p:cNvPr id="91" name="Straight Connector 90">
+                <a:extLst>
+                  <a:ext uri="{FF2B5EF4-FFF2-40B4-BE49-F238E27FC236}">
+                    <a16:creationId xmlns:a16="http://schemas.microsoft.com/office/drawing/2014/main" id="{26D71420-0187-6644-AACE-D3C113FEBEB3}"/>
+                  </a:ext>
+                </a:extLst>
+              </p:cNvPr>
+              <p:cNvCxnSpPr>
+                <a:cxnSpLocks/>
+                <a:stCxn id="90" idx="2"/>
+                <a:endCxn id="92" idx="0"/>
+              </p:cNvCxnSpPr>
+              <p:nvPr/>
+            </p:nvCxnSpPr>
+            <p:spPr>
+              <a:xfrm flipH="1">
+                <a:off x="1914071" y="474344"/>
+                <a:ext cx="4095" cy="372170"/>
+              </a:xfrm>
+              <a:prstGeom prst="line">
+                <a:avLst/>
+              </a:prstGeom>
+              <a:ln>
+                <a:solidFill>
+                  <a:srgbClr val="7030A0">
+                    <a:alpha val="70000"/>
+                  </a:srgbClr>
+                </a:solidFill>
+                <a:prstDash val="sysDash"/>
+              </a:ln>
+            </p:spPr>
+            <p:style>
+              <a:lnRef idx="1">
+                <a:schemeClr val="accent1"/>
+              </a:lnRef>
+              <a:fillRef idx="0">
+                <a:schemeClr val="accent1"/>
+              </a:fillRef>
+              <a:effectRef idx="0">
+                <a:schemeClr val="accent1"/>
+              </a:effectRef>
+              <a:fontRef idx="minor">
+                <a:schemeClr val="tx1"/>
+              </a:fontRef>
+            </p:style>
+          </p:cxnSp>
+          <p:sp>
+            <p:nvSpPr>
+              <p:cNvPr id="92" name="Rectangle 91">
+                <a:extLst>
+                  <a:ext uri="{FF2B5EF4-FFF2-40B4-BE49-F238E27FC236}">
+                    <a16:creationId xmlns:a16="http://schemas.microsoft.com/office/drawing/2014/main" id="{D6EEB6C0-F6F0-C749-9698-D92CB9CDDA6B}"/>
+                  </a:ext>
+                </a:extLst>
+              </p:cNvPr>
+              <p:cNvSpPr/>
+              <p:nvPr/>
+            </p:nvSpPr>
+            <p:spPr>
+              <a:xfrm>
+                <a:off x="1849727" y="846514"/>
+                <a:ext cx="128687" cy="5220000"/>
+              </a:xfrm>
+              <a:prstGeom prst="rect">
+                <a:avLst/>
+              </a:prstGeom>
+              <a:solidFill>
+                <a:schemeClr val="bg1"/>
+              </a:solidFill>
+              <a:ln>
+                <a:solidFill>
+                  <a:srgbClr val="7030A0">
+                    <a:alpha val="70000"/>
+                  </a:srgbClr>
+                </a:solidFill>
+              </a:ln>
+            </p:spPr>
+            <p:style>
+              <a:lnRef idx="2">
+                <a:schemeClr val="accent1">
+                  <a:shade val="50000"/>
+                </a:schemeClr>
+              </a:lnRef>
+              <a:fillRef idx="1">
+                <a:schemeClr val="accent1"/>
+              </a:fillRef>
+              <a:effectRef idx="0">
+                <a:schemeClr val="accent1"/>
+              </a:effectRef>
+              <a:fontRef idx="minor">
+                <a:schemeClr val="lt1"/>
+              </a:fontRef>
+            </p:style>
+            <p:txBody>
+              <a:bodyPr rtlCol="0" anchor="ctr"/>
+              <a:lstStyle/>
+              <a:p>
+                <a:pPr algn="ctr"/>
+                <a:endParaRPr lang="en-US" sz="1100">
+                  <a:latin typeface="Arial" panose="020B0604020202020204" pitchFamily="34" charset="0"/>
+                  <a:cs typeface="Arial" panose="020B0604020202020204" pitchFamily="34" charset="0"/>
+                </a:endParaRPr>
+              </a:p>
+            </p:txBody>
+          </p:sp>
+          <p:cxnSp>
+            <p:nvCxnSpPr>
+              <p:cNvPr id="93" name="Straight Arrow Connector 92">
+                <a:extLst>
+                  <a:ext uri="{FF2B5EF4-FFF2-40B4-BE49-F238E27FC236}">
+                    <a16:creationId xmlns:a16="http://schemas.microsoft.com/office/drawing/2014/main" id="{6D1C6AD2-625A-C543-9343-98E29F63AC97}"/>
+                  </a:ext>
+                </a:extLst>
+              </p:cNvPr>
+              <p:cNvCxnSpPr>
+                <a:cxnSpLocks/>
+              </p:cNvCxnSpPr>
+              <p:nvPr/>
+            </p:nvCxnSpPr>
+            <p:spPr>
+              <a:xfrm>
+                <a:off x="567251" y="846514"/>
+                <a:ext cx="1286972" cy="0"/>
+              </a:xfrm>
+              <a:prstGeom prst="straightConnector1">
+                <a:avLst/>
+              </a:prstGeom>
+              <a:ln>
+                <a:solidFill>
+                  <a:schemeClr val="bg1">
+                    <a:lumMod val="50000"/>
+                  </a:schemeClr>
+                </a:solidFill>
+                <a:tailEnd type="triangle"/>
+              </a:ln>
+            </p:spPr>
+            <p:style>
+              <a:lnRef idx="1">
+                <a:schemeClr val="accent1"/>
+              </a:lnRef>
+              <a:fillRef idx="0">
+                <a:schemeClr val="accent1"/>
+              </a:fillRef>
+              <a:effectRef idx="0">
+                <a:schemeClr val="accent1"/>
+              </a:effectRef>
+              <a:fontRef idx="minor">
+                <a:schemeClr val="tx1"/>
+              </a:fontRef>
+            </p:style>
+          </p:cxnSp>
+          <p:sp>
+            <p:nvSpPr>
+              <p:cNvPr id="94" name="TextBox 93">
+                <a:extLst>
+                  <a:ext uri="{FF2B5EF4-FFF2-40B4-BE49-F238E27FC236}">
+                    <a16:creationId xmlns:a16="http://schemas.microsoft.com/office/drawing/2014/main" id="{CBBC74A2-0069-BE48-9940-545A00A17EE8}"/>
+                  </a:ext>
+                </a:extLst>
+              </p:cNvPr>
+              <p:cNvSpPr txBox="1"/>
+              <p:nvPr/>
+            </p:nvSpPr>
+            <p:spPr>
+              <a:xfrm>
+                <a:off x="542834" y="624093"/>
+                <a:ext cx="1343638" cy="261610"/>
+              </a:xfrm>
+              <a:prstGeom prst="rect">
+                <a:avLst/>
+              </a:prstGeom>
+              <a:noFill/>
+            </p:spPr>
+            <p:txBody>
+              <a:bodyPr wrap="none" rtlCol="0">
+                <a:spAutoFit/>
+              </a:bodyPr>
+              <a:lstStyle/>
+              <a:p>
+                <a:r>
+                  <a:rPr lang="en-US" sz="1100" dirty="0">
+                    <a:latin typeface="Arial" panose="020B0604020202020204" pitchFamily="34" charset="0"/>
+                    <a:cs typeface="Arial" panose="020B0604020202020204" pitchFamily="34" charset="0"/>
+                  </a:rPr>
+                  <a:t>execute(profile, </a:t>
+                </a:r>
+                <a:r>
+                  <a:rPr lang="en-US" sz="1100" dirty="0" err="1">
+                    <a:latin typeface="Arial" panose="020B0604020202020204" pitchFamily="34" charset="0"/>
+                    <a:cs typeface="Arial" panose="020B0604020202020204" pitchFamily="34" charset="0"/>
+                  </a:rPr>
+                  <a:t>ui</a:t>
+                </a:r>
+                <a:r>
+                  <a:rPr lang="en-US" sz="1100" dirty="0">
+                    <a:latin typeface="Arial" panose="020B0604020202020204" pitchFamily="34" charset="0"/>
+                    <a:cs typeface="Arial" panose="020B0604020202020204" pitchFamily="34" charset="0"/>
+                  </a:rPr>
+                  <a:t>)</a:t>
+                </a:r>
+              </a:p>
+            </p:txBody>
+          </p:sp>
+          <p:cxnSp>
+            <p:nvCxnSpPr>
+              <p:cNvPr id="95" name="Straight Connector 94">
+                <a:extLst>
+                  <a:ext uri="{FF2B5EF4-FFF2-40B4-BE49-F238E27FC236}">
+                    <a16:creationId xmlns:a16="http://schemas.microsoft.com/office/drawing/2014/main" id="{34B35DDC-CAE3-2649-B661-67F3BCFF4675}"/>
+                  </a:ext>
+                </a:extLst>
+              </p:cNvPr>
+              <p:cNvCxnSpPr>
+                <a:cxnSpLocks/>
+                <a:stCxn id="92" idx="2"/>
+              </p:cNvCxnSpPr>
+              <p:nvPr/>
+            </p:nvCxnSpPr>
+            <p:spPr>
+              <a:xfrm flipH="1">
+                <a:off x="1913328" y="6066513"/>
+                <a:ext cx="743" cy="223200"/>
+              </a:xfrm>
+              <a:prstGeom prst="line">
+                <a:avLst/>
+              </a:prstGeom>
+              <a:ln>
+                <a:solidFill>
+                  <a:srgbClr val="7030A0">
+                    <a:alpha val="70000"/>
+                  </a:srgbClr>
+                </a:solidFill>
+                <a:prstDash val="sysDash"/>
+              </a:ln>
+            </p:spPr>
+            <p:style>
+              <a:lnRef idx="1">
+                <a:schemeClr val="accent1"/>
+              </a:lnRef>
+              <a:fillRef idx="0">
+                <a:schemeClr val="accent1"/>
+              </a:fillRef>
+              <a:effectRef idx="0">
+                <a:schemeClr val="accent1"/>
+              </a:effectRef>
+              <a:fontRef idx="minor">
+                <a:schemeClr val="tx1"/>
+              </a:fontRef>
+            </p:style>
+          </p:cxnSp>
+          <p:sp>
+            <p:nvSpPr>
+              <p:cNvPr id="96" name="TextBox 95">
+                <a:extLst>
+                  <a:ext uri="{FF2B5EF4-FFF2-40B4-BE49-F238E27FC236}">
+                    <a16:creationId xmlns:a16="http://schemas.microsoft.com/office/drawing/2014/main" id="{6194DB2A-A1BE-2842-93A2-0DD85C419ED7}"/>
+                  </a:ext>
+                </a:extLst>
+              </p:cNvPr>
+              <p:cNvSpPr txBox="1"/>
+              <p:nvPr/>
+            </p:nvSpPr>
+            <p:spPr>
+              <a:xfrm>
+                <a:off x="3366210" y="208302"/>
+                <a:ext cx="1189902" cy="261610"/>
+              </a:xfrm>
+              <a:prstGeom prst="rect">
+                <a:avLst/>
+              </a:prstGeom>
+              <a:solidFill>
+                <a:schemeClr val="accent2">
+                  <a:lumMod val="40000"/>
+                  <a:lumOff val="60000"/>
+                </a:schemeClr>
+              </a:solidFill>
+              <a:ln>
+                <a:solidFill>
+                  <a:srgbClr val="C00000"/>
+                </a:solidFill>
+              </a:ln>
+            </p:spPr>
+            <p:txBody>
+              <a:bodyPr wrap="square" rtlCol="0" anchor="ctr">
+                <a:spAutoFit/>
+              </a:bodyPr>
+              <a:lstStyle/>
+              <a:p>
+                <a:pPr algn="ctr"/>
+                <a:r>
+                  <a:rPr lang="en-US" sz="1100">
+                    <a:latin typeface="Arial" panose="020B0604020202020204" pitchFamily="34" charset="0"/>
+                    <a:cs typeface="Arial" panose="020B0604020202020204" pitchFamily="34" charset="0"/>
+                  </a:rPr>
+                  <a:t>:Profile</a:t>
+                </a:r>
+              </a:p>
+            </p:txBody>
+          </p:sp>
+          <p:cxnSp>
+            <p:nvCxnSpPr>
+              <p:cNvPr id="97" name="Straight Connector 96">
+                <a:extLst>
+                  <a:ext uri="{FF2B5EF4-FFF2-40B4-BE49-F238E27FC236}">
+                    <a16:creationId xmlns:a16="http://schemas.microsoft.com/office/drawing/2014/main" id="{09DA6CC2-13E3-DB48-91B9-5B18C607B0A6}"/>
+                  </a:ext>
+                </a:extLst>
+              </p:cNvPr>
+              <p:cNvCxnSpPr>
+                <a:cxnSpLocks/>
+                <a:stCxn id="96" idx="2"/>
+                <a:endCxn id="98" idx="0"/>
+              </p:cNvCxnSpPr>
+              <p:nvPr/>
+            </p:nvCxnSpPr>
+            <p:spPr>
+              <a:xfrm flipH="1">
+                <a:off x="3959528" y="469912"/>
+                <a:ext cx="1633" cy="480876"/>
+              </a:xfrm>
+              <a:prstGeom prst="line">
+                <a:avLst/>
+              </a:prstGeom>
+              <a:ln>
+                <a:solidFill>
+                  <a:srgbClr val="C00000"/>
+                </a:solidFill>
+                <a:prstDash val="sysDash"/>
+              </a:ln>
+            </p:spPr>
+            <p:style>
+              <a:lnRef idx="1">
+                <a:schemeClr val="accent1"/>
+              </a:lnRef>
+              <a:fillRef idx="0">
+                <a:schemeClr val="accent1"/>
+              </a:fillRef>
+              <a:effectRef idx="0">
+                <a:schemeClr val="accent1"/>
+              </a:effectRef>
+              <a:fontRef idx="minor">
+                <a:schemeClr val="tx1"/>
+              </a:fontRef>
+            </p:style>
+          </p:cxnSp>
+          <p:sp>
+            <p:nvSpPr>
+              <p:cNvPr id="98" name="Rectangle 97">
+                <a:extLst>
+                  <a:ext uri="{FF2B5EF4-FFF2-40B4-BE49-F238E27FC236}">
+                    <a16:creationId xmlns:a16="http://schemas.microsoft.com/office/drawing/2014/main" id="{85FC69AA-3DA8-A943-8AD4-2BD6786B2769}"/>
+                  </a:ext>
+                </a:extLst>
+              </p:cNvPr>
+              <p:cNvSpPr/>
+              <p:nvPr/>
+            </p:nvSpPr>
+            <p:spPr>
+              <a:xfrm>
+                <a:off x="3895927" y="950788"/>
+                <a:ext cx="127202" cy="4947027"/>
+              </a:xfrm>
+              <a:prstGeom prst="rect">
+                <a:avLst/>
+              </a:prstGeom>
+              <a:noFill/>
+              <a:ln>
+                <a:solidFill>
+                  <a:srgbClr val="C00000"/>
+                </a:solidFill>
+              </a:ln>
+            </p:spPr>
+            <p:style>
+              <a:lnRef idx="2">
+                <a:schemeClr val="accent1">
+                  <a:shade val="50000"/>
+                </a:schemeClr>
+              </a:lnRef>
+              <a:fillRef idx="1">
+                <a:schemeClr val="accent1"/>
+              </a:fillRef>
+              <a:effectRef idx="0">
+                <a:schemeClr val="accent1"/>
+              </a:effectRef>
+              <a:fontRef idx="minor">
+                <a:schemeClr val="lt1"/>
+              </a:fontRef>
+            </p:style>
+            <p:txBody>
+              <a:bodyPr rtlCol="0" anchor="ctr"/>
+              <a:lstStyle/>
+              <a:p>
+                <a:pPr algn="ctr"/>
+                <a:endParaRPr lang="en-US" sz="1100">
+                  <a:latin typeface="Arial" panose="020B0604020202020204" pitchFamily="34" charset="0"/>
+                  <a:cs typeface="Arial" panose="020B0604020202020204" pitchFamily="34" charset="0"/>
+                </a:endParaRPr>
+              </a:p>
+            </p:txBody>
+          </p:sp>
+          <p:cxnSp>
+            <p:nvCxnSpPr>
+              <p:cNvPr id="99" name="Straight Connector 98">
+                <a:extLst>
+                  <a:ext uri="{FF2B5EF4-FFF2-40B4-BE49-F238E27FC236}">
+                    <a16:creationId xmlns:a16="http://schemas.microsoft.com/office/drawing/2014/main" id="{51F13CF0-AAD6-2149-84F2-4A9CEF5851A4}"/>
+                  </a:ext>
+                </a:extLst>
+              </p:cNvPr>
+              <p:cNvCxnSpPr>
+                <a:cxnSpLocks/>
+                <a:stCxn id="98" idx="2"/>
+              </p:cNvCxnSpPr>
+              <p:nvPr/>
+            </p:nvCxnSpPr>
+            <p:spPr>
+              <a:xfrm>
+                <a:off x="3959528" y="5897815"/>
+                <a:ext cx="766" cy="657166"/>
+              </a:xfrm>
+              <a:prstGeom prst="line">
+                <a:avLst/>
+              </a:prstGeom>
+              <a:ln>
+                <a:solidFill>
+                  <a:srgbClr val="C00000"/>
+                </a:solidFill>
+                <a:prstDash val="sysDash"/>
+              </a:ln>
+            </p:spPr>
+            <p:style>
+              <a:lnRef idx="1">
+                <a:schemeClr val="accent1"/>
+              </a:lnRef>
+              <a:fillRef idx="0">
+                <a:schemeClr val="accent1"/>
+              </a:fillRef>
+              <a:effectRef idx="0">
+                <a:schemeClr val="accent1"/>
+              </a:effectRef>
+              <a:fontRef idx="minor">
+                <a:schemeClr val="tx1"/>
+              </a:fontRef>
+            </p:style>
+          </p:cxnSp>
+          <p:sp>
+            <p:nvSpPr>
+              <p:cNvPr id="100" name="TextBox 99">
+                <a:extLst>
+                  <a:ext uri="{FF2B5EF4-FFF2-40B4-BE49-F238E27FC236}">
+                    <a16:creationId xmlns:a16="http://schemas.microsoft.com/office/drawing/2014/main" id="{1F9EFA19-3387-A849-8AE0-19F3F87BC85D}"/>
+                  </a:ext>
+                </a:extLst>
+              </p:cNvPr>
+              <p:cNvSpPr txBox="1"/>
+              <p:nvPr/>
+            </p:nvSpPr>
+            <p:spPr>
+              <a:xfrm>
+                <a:off x="2003619" y="710294"/>
+                <a:ext cx="1917513" cy="261610"/>
+              </a:xfrm>
+              <a:prstGeom prst="rect">
+                <a:avLst/>
+              </a:prstGeom>
+              <a:noFill/>
+            </p:spPr>
+            <p:txBody>
+              <a:bodyPr wrap="none" rtlCol="0">
+                <a:spAutoFit/>
+              </a:bodyPr>
+              <a:lstStyle/>
+              <a:p>
+                <a:r>
+                  <a:rPr lang="en-US" sz="1100" dirty="0" err="1">
+                    <a:latin typeface="Arial" panose="020B0604020202020204" pitchFamily="34" charset="0"/>
+                    <a:cs typeface="Arial" panose="020B0604020202020204" pitchFamily="34" charset="0"/>
+                  </a:rPr>
+                  <a:t>profileDeleteCard</a:t>
+                </a:r>
+                <a:r>
+                  <a:rPr lang="en-US" sz="1100" dirty="0">
+                    <a:latin typeface="Arial" panose="020B0604020202020204" pitchFamily="34" charset="0"/>
+                    <a:cs typeface="Arial" panose="020B0604020202020204" pitchFamily="34" charset="0"/>
+                  </a:rPr>
+                  <a:t>(name, </a:t>
+                </a:r>
+                <a:r>
+                  <a:rPr lang="en-US" sz="1100" dirty="0" err="1">
+                    <a:latin typeface="Arial" panose="020B0604020202020204" pitchFamily="34" charset="0"/>
+                    <a:cs typeface="Arial" panose="020B0604020202020204" pitchFamily="34" charset="0"/>
+                  </a:rPr>
+                  <a:t>ui</a:t>
+                </a:r>
+                <a:r>
+                  <a:rPr lang="en-US" sz="1100" dirty="0">
+                    <a:latin typeface="Arial" panose="020B0604020202020204" pitchFamily="34" charset="0"/>
+                    <a:cs typeface="Arial" panose="020B0604020202020204" pitchFamily="34" charset="0"/>
+                  </a:rPr>
+                  <a:t>)</a:t>
+                </a:r>
+              </a:p>
+            </p:txBody>
+          </p:sp>
+          <p:cxnSp>
+            <p:nvCxnSpPr>
+              <p:cNvPr id="101" name="Straight Arrow Connector 100">
+                <a:extLst>
+                  <a:ext uri="{FF2B5EF4-FFF2-40B4-BE49-F238E27FC236}">
+                    <a16:creationId xmlns:a16="http://schemas.microsoft.com/office/drawing/2014/main" id="{2B2BB100-DC7C-8F49-97D3-6F5FA129A810}"/>
+                  </a:ext>
+                </a:extLst>
+              </p:cNvPr>
+              <p:cNvCxnSpPr/>
+              <p:nvPr/>
+            </p:nvCxnSpPr>
+            <p:spPr>
+              <a:xfrm>
+                <a:off x="1978414" y="943866"/>
+                <a:ext cx="1917513" cy="0"/>
+              </a:xfrm>
+              <a:prstGeom prst="straightConnector1">
+                <a:avLst/>
+              </a:prstGeom>
+              <a:ln>
+                <a:solidFill>
+                  <a:srgbClr val="7030A0">
+                    <a:alpha val="70000"/>
+                  </a:srgbClr>
+                </a:solidFill>
+                <a:tailEnd type="triangle"/>
+              </a:ln>
+            </p:spPr>
+            <p:style>
+              <a:lnRef idx="1">
+                <a:schemeClr val="accent1"/>
+              </a:lnRef>
+              <a:fillRef idx="0">
+                <a:schemeClr val="accent1"/>
+              </a:fillRef>
+              <a:effectRef idx="0">
+                <a:schemeClr val="accent1"/>
+              </a:effectRef>
+              <a:fontRef idx="minor">
+                <a:schemeClr val="tx1"/>
+              </a:fontRef>
+            </p:style>
+          </p:cxnSp>
+          <p:sp>
+            <p:nvSpPr>
+              <p:cNvPr id="102" name="TextBox 101">
+                <a:extLst>
+                  <a:ext uri="{FF2B5EF4-FFF2-40B4-BE49-F238E27FC236}">
+                    <a16:creationId xmlns:a16="http://schemas.microsoft.com/office/drawing/2014/main" id="{D432E999-69A3-3C45-90FA-8F4739A10019}"/>
+                  </a:ext>
+                </a:extLst>
+              </p:cNvPr>
+              <p:cNvSpPr txBox="1"/>
+              <p:nvPr/>
+            </p:nvSpPr>
+            <p:spPr>
+              <a:xfrm>
+                <a:off x="5493896" y="208302"/>
+                <a:ext cx="1189902" cy="261610"/>
+              </a:xfrm>
+              <a:prstGeom prst="rect">
+                <a:avLst/>
+              </a:prstGeom>
+              <a:solidFill>
+                <a:schemeClr val="accent2">
+                  <a:lumMod val="60000"/>
+                  <a:lumOff val="40000"/>
+                </a:schemeClr>
+              </a:solidFill>
+              <a:ln>
+                <a:solidFill>
+                  <a:schemeClr val="accent2">
+                    <a:lumMod val="75000"/>
+                  </a:schemeClr>
+                </a:solidFill>
+              </a:ln>
+            </p:spPr>
+            <p:txBody>
+              <a:bodyPr wrap="square" rtlCol="0" anchor="ctr">
+                <a:spAutoFit/>
+              </a:bodyPr>
+              <a:lstStyle/>
+              <a:p>
+                <a:pPr algn="ctr"/>
+                <a:r>
+                  <a:rPr lang="en-US" sz="1100">
+                    <a:latin typeface="Arial" panose="020B0604020202020204" pitchFamily="34" charset="0"/>
+                    <a:cs typeface="Arial" panose="020B0604020202020204" pitchFamily="34" charset="0"/>
+                  </a:rPr>
+                  <a:t>:CardList</a:t>
+                </a:r>
+              </a:p>
+            </p:txBody>
+          </p:sp>
+          <p:cxnSp>
+            <p:nvCxnSpPr>
+              <p:cNvPr id="103" name="Straight Connector 102">
+                <a:extLst>
+                  <a:ext uri="{FF2B5EF4-FFF2-40B4-BE49-F238E27FC236}">
+                    <a16:creationId xmlns:a16="http://schemas.microsoft.com/office/drawing/2014/main" id="{8194A460-DFD4-EC40-98DC-AD1C53E1658C}"/>
+                  </a:ext>
+                </a:extLst>
+              </p:cNvPr>
+              <p:cNvCxnSpPr>
+                <a:cxnSpLocks/>
+                <a:stCxn id="102" idx="2"/>
+                <a:endCxn id="104" idx="0"/>
+              </p:cNvCxnSpPr>
+              <p:nvPr/>
+            </p:nvCxnSpPr>
+            <p:spPr>
+              <a:xfrm flipH="1">
+                <a:off x="6087980" y="469912"/>
+                <a:ext cx="867" cy="668416"/>
+              </a:xfrm>
+              <a:prstGeom prst="line">
+                <a:avLst/>
+              </a:prstGeom>
+              <a:ln>
+                <a:solidFill>
+                  <a:schemeClr val="accent2">
+                    <a:lumMod val="75000"/>
+                  </a:schemeClr>
+                </a:solidFill>
+                <a:prstDash val="sysDash"/>
+              </a:ln>
+            </p:spPr>
+            <p:style>
+              <a:lnRef idx="1">
+                <a:schemeClr val="accent1"/>
+              </a:lnRef>
+              <a:fillRef idx="0">
+                <a:schemeClr val="accent1"/>
+              </a:fillRef>
+              <a:effectRef idx="0">
+                <a:schemeClr val="accent1"/>
+              </a:effectRef>
+              <a:fontRef idx="minor">
+                <a:schemeClr val="tx1"/>
+              </a:fontRef>
+            </p:style>
+          </p:cxnSp>
+          <p:sp>
+            <p:nvSpPr>
+              <p:cNvPr id="104" name="Rectangle 103">
+                <a:extLst>
+                  <a:ext uri="{FF2B5EF4-FFF2-40B4-BE49-F238E27FC236}">
+                    <a16:creationId xmlns:a16="http://schemas.microsoft.com/office/drawing/2014/main" id="{60CF6C85-60D2-9643-A939-DF17E2EF9F98}"/>
+                  </a:ext>
+                </a:extLst>
+              </p:cNvPr>
+              <p:cNvSpPr/>
+              <p:nvPr/>
+            </p:nvSpPr>
+            <p:spPr>
+              <a:xfrm>
+                <a:off x="6023613" y="1138328"/>
+                <a:ext cx="128734" cy="4537067"/>
+              </a:xfrm>
+              <a:prstGeom prst="rect">
+                <a:avLst/>
+              </a:prstGeom>
+              <a:solidFill>
+                <a:schemeClr val="bg1"/>
+              </a:solidFill>
+              <a:ln>
+                <a:solidFill>
+                  <a:schemeClr val="accent2">
+                    <a:lumMod val="75000"/>
+                  </a:schemeClr>
+                </a:solidFill>
+              </a:ln>
+            </p:spPr>
+            <p:style>
+              <a:lnRef idx="2">
+                <a:schemeClr val="accent1">
+                  <a:shade val="50000"/>
+                </a:schemeClr>
+              </a:lnRef>
+              <a:fillRef idx="1">
+                <a:schemeClr val="accent1"/>
+              </a:fillRef>
+              <a:effectRef idx="0">
+                <a:schemeClr val="accent1"/>
+              </a:effectRef>
+              <a:fontRef idx="minor">
+                <a:schemeClr val="lt1"/>
+              </a:fontRef>
+            </p:style>
+            <p:txBody>
+              <a:bodyPr rtlCol="0" anchor="ctr"/>
+              <a:lstStyle/>
+              <a:p>
+                <a:pPr algn="ctr"/>
+                <a:endParaRPr lang="en-US" sz="1100">
+                  <a:latin typeface="Arial" panose="020B0604020202020204" pitchFamily="34" charset="0"/>
+                  <a:cs typeface="Arial" panose="020B0604020202020204" pitchFamily="34" charset="0"/>
+                </a:endParaRPr>
+              </a:p>
+            </p:txBody>
+          </p:sp>
+          <p:cxnSp>
+            <p:nvCxnSpPr>
+              <p:cNvPr id="105" name="Straight Connector 104">
+                <a:extLst>
+                  <a:ext uri="{FF2B5EF4-FFF2-40B4-BE49-F238E27FC236}">
+                    <a16:creationId xmlns:a16="http://schemas.microsoft.com/office/drawing/2014/main" id="{20739856-014A-F540-A04B-61F0E148C697}"/>
+                  </a:ext>
+                </a:extLst>
+              </p:cNvPr>
+              <p:cNvCxnSpPr>
+                <a:cxnSpLocks/>
+                <a:stCxn id="104" idx="2"/>
+              </p:cNvCxnSpPr>
+              <p:nvPr/>
+            </p:nvCxnSpPr>
+            <p:spPr>
+              <a:xfrm>
+                <a:off x="6087980" y="5675395"/>
+                <a:ext cx="0" cy="879586"/>
+              </a:xfrm>
+              <a:prstGeom prst="line">
+                <a:avLst/>
+              </a:prstGeom>
+              <a:ln>
+                <a:solidFill>
+                  <a:schemeClr val="accent2">
+                    <a:lumMod val="75000"/>
+                  </a:schemeClr>
+                </a:solidFill>
+                <a:prstDash val="sysDash"/>
+              </a:ln>
+            </p:spPr>
+            <p:style>
+              <a:lnRef idx="1">
+                <a:schemeClr val="accent1"/>
+              </a:lnRef>
+              <a:fillRef idx="0">
+                <a:schemeClr val="accent1"/>
+              </a:fillRef>
+              <a:effectRef idx="0">
+                <a:schemeClr val="accent1"/>
+              </a:effectRef>
+              <a:fontRef idx="minor">
+                <a:schemeClr val="tx1"/>
+              </a:fontRef>
+            </p:style>
+          </p:cxnSp>
+          <p:cxnSp>
+            <p:nvCxnSpPr>
+              <p:cNvPr id="106" name="Straight Arrow Connector 105">
+                <a:extLst>
+                  <a:ext uri="{FF2B5EF4-FFF2-40B4-BE49-F238E27FC236}">
+                    <a16:creationId xmlns:a16="http://schemas.microsoft.com/office/drawing/2014/main" id="{028D8D9A-7A2D-2340-9A43-F336C254206A}"/>
+                  </a:ext>
+                </a:extLst>
+              </p:cNvPr>
+              <p:cNvCxnSpPr>
+                <a:cxnSpLocks/>
+              </p:cNvCxnSpPr>
+              <p:nvPr/>
+            </p:nvCxnSpPr>
+            <p:spPr>
+              <a:xfrm>
+                <a:off x="4021409" y="1138328"/>
+                <a:ext cx="2002204" cy="0"/>
+              </a:xfrm>
+              <a:prstGeom prst="straightConnector1">
+                <a:avLst/>
+              </a:prstGeom>
+              <a:ln>
+                <a:solidFill>
+                  <a:srgbClr val="C00000"/>
+                </a:solidFill>
+                <a:tailEnd type="triangle"/>
+              </a:ln>
+            </p:spPr>
+            <p:style>
+              <a:lnRef idx="1">
+                <a:schemeClr val="accent1"/>
+              </a:lnRef>
+              <a:fillRef idx="0">
+                <a:schemeClr val="accent1"/>
+              </a:fillRef>
+              <a:effectRef idx="0">
+                <a:schemeClr val="accent1"/>
+              </a:effectRef>
+              <a:fontRef idx="minor">
+                <a:schemeClr val="tx1"/>
+              </a:fontRef>
+            </p:style>
+          </p:cxnSp>
+          <p:sp>
+            <p:nvSpPr>
+              <p:cNvPr id="107" name="TextBox 106">
+                <a:extLst>
+                  <a:ext uri="{FF2B5EF4-FFF2-40B4-BE49-F238E27FC236}">
+                    <a16:creationId xmlns:a16="http://schemas.microsoft.com/office/drawing/2014/main" id="{37B895CF-DCCE-154D-A80D-B21A63E3A9A0}"/>
+                  </a:ext>
+                </a:extLst>
+              </p:cNvPr>
+              <p:cNvSpPr txBox="1"/>
+              <p:nvPr/>
+            </p:nvSpPr>
+            <p:spPr>
+              <a:xfrm>
+                <a:off x="4063823" y="907168"/>
+                <a:ext cx="2026517" cy="261610"/>
+              </a:xfrm>
+              <a:prstGeom prst="rect">
+                <a:avLst/>
+              </a:prstGeom>
+              <a:noFill/>
+            </p:spPr>
+            <p:txBody>
+              <a:bodyPr wrap="none" rtlCol="0">
+                <a:spAutoFit/>
+              </a:bodyPr>
+              <a:lstStyle/>
+              <a:p>
+                <a:r>
+                  <a:rPr lang="en-US" sz="1100">
+                    <a:latin typeface="Arial" panose="020B0604020202020204" pitchFamily="34" charset="0"/>
+                    <a:cs typeface="Arial" panose="020B0604020202020204" pitchFamily="34" charset="0"/>
+                  </a:rPr>
+                  <a:t>cardListDeleteCard(name, ui)</a:t>
+                </a:r>
+              </a:p>
+            </p:txBody>
+          </p:sp>
+          <p:cxnSp>
+            <p:nvCxnSpPr>
+              <p:cNvPr id="108" name="Straight Connector 107">
+                <a:extLst>
+                  <a:ext uri="{FF2B5EF4-FFF2-40B4-BE49-F238E27FC236}">
+                    <a16:creationId xmlns:a16="http://schemas.microsoft.com/office/drawing/2014/main" id="{A929B8BD-AEB9-DB42-A806-9FC34D1A8179}"/>
+                  </a:ext>
+                </a:extLst>
+              </p:cNvPr>
+              <p:cNvCxnSpPr>
+                <a:cxnSpLocks/>
+                <a:stCxn id="109" idx="2"/>
+              </p:cNvCxnSpPr>
+              <p:nvPr/>
+            </p:nvCxnSpPr>
+            <p:spPr>
+              <a:xfrm>
+                <a:off x="6156926" y="1631606"/>
+                <a:ext cx="158393" cy="0"/>
+              </a:xfrm>
+              <a:prstGeom prst="line">
+                <a:avLst/>
+              </a:prstGeom>
+              <a:ln>
+                <a:solidFill>
+                  <a:schemeClr val="accent2">
+                    <a:lumMod val="75000"/>
+                  </a:schemeClr>
+                </a:solidFill>
+                <a:prstDash val="sysDash"/>
+              </a:ln>
+            </p:spPr>
+            <p:style>
+              <a:lnRef idx="1">
+                <a:schemeClr val="accent1"/>
+              </a:lnRef>
+              <a:fillRef idx="0">
+                <a:schemeClr val="accent1"/>
+              </a:fillRef>
+              <a:effectRef idx="0">
+                <a:schemeClr val="accent1"/>
+              </a:effectRef>
+              <a:fontRef idx="minor">
+                <a:schemeClr val="tx1"/>
+              </a:fontRef>
+            </p:style>
+          </p:cxnSp>
+          <p:sp>
+            <p:nvSpPr>
+              <p:cNvPr id="109" name="Rectangle 108">
+                <a:extLst>
+                  <a:ext uri="{FF2B5EF4-FFF2-40B4-BE49-F238E27FC236}">
+                    <a16:creationId xmlns:a16="http://schemas.microsoft.com/office/drawing/2014/main" id="{7ADEFB02-8A1D-DC4D-B269-3E89186E3AAD}"/>
+                  </a:ext>
+                </a:extLst>
+              </p:cNvPr>
+              <p:cNvSpPr/>
+              <p:nvPr/>
+            </p:nvSpPr>
+            <p:spPr>
+              <a:xfrm>
+                <a:off x="6095513" y="1225860"/>
+                <a:ext cx="122826" cy="405746"/>
+              </a:xfrm>
+              <a:prstGeom prst="rect">
+                <a:avLst/>
+              </a:prstGeom>
+              <a:solidFill>
+                <a:schemeClr val="accent2">
+                  <a:lumMod val="60000"/>
+                  <a:lumOff val="40000"/>
+                </a:schemeClr>
+              </a:solidFill>
+              <a:ln>
+                <a:solidFill>
+                  <a:schemeClr val="accent2">
+                    <a:lumMod val="75000"/>
+                  </a:schemeClr>
+                </a:solidFill>
+              </a:ln>
+            </p:spPr>
+            <p:style>
+              <a:lnRef idx="2">
+                <a:schemeClr val="accent1">
+                  <a:shade val="50000"/>
+                </a:schemeClr>
+              </a:lnRef>
+              <a:fillRef idx="1">
+                <a:schemeClr val="accent1"/>
+              </a:fillRef>
+              <a:effectRef idx="0">
+                <a:schemeClr val="accent1"/>
+              </a:effectRef>
+              <a:fontRef idx="minor">
+                <a:schemeClr val="lt1"/>
+              </a:fontRef>
+            </p:style>
+            <p:txBody>
+              <a:bodyPr rtlCol="0" anchor="ctr"/>
+              <a:lstStyle/>
+              <a:p>
+                <a:pPr algn="ctr"/>
+                <a:endParaRPr lang="en-US" sz="1100">
+                  <a:latin typeface="Arial" panose="020B0604020202020204" pitchFamily="34" charset="0"/>
+                  <a:cs typeface="Arial" panose="020B0604020202020204" pitchFamily="34" charset="0"/>
+                </a:endParaRPr>
+              </a:p>
+            </p:txBody>
+          </p:sp>
+          <p:cxnSp>
+            <p:nvCxnSpPr>
+              <p:cNvPr id="110" name="Curved Connector 109">
+                <a:extLst>
+                  <a:ext uri="{FF2B5EF4-FFF2-40B4-BE49-F238E27FC236}">
+                    <a16:creationId xmlns:a16="http://schemas.microsoft.com/office/drawing/2014/main" id="{09C1E0C0-59FE-DF49-883E-ED958BFAE112}"/>
+                  </a:ext>
+                </a:extLst>
+              </p:cNvPr>
+              <p:cNvCxnSpPr>
+                <a:cxnSpLocks/>
+              </p:cNvCxnSpPr>
+              <p:nvPr/>
+            </p:nvCxnSpPr>
+            <p:spPr>
+              <a:xfrm rot="10800000" flipV="1">
+                <a:off x="6129863" y="1636473"/>
+                <a:ext cx="185456" cy="80131"/>
+              </a:xfrm>
+              <a:prstGeom prst="curvedConnector3">
+                <a:avLst>
+                  <a:gd name="adj1" fmla="val -19336"/>
+                </a:avLst>
+              </a:prstGeom>
+              <a:ln>
+                <a:solidFill>
+                  <a:schemeClr val="accent2">
+                    <a:lumMod val="75000"/>
+                  </a:schemeClr>
+                </a:solidFill>
+                <a:prstDash val="sysDash"/>
+                <a:tailEnd type="triangle"/>
+              </a:ln>
+            </p:spPr>
+            <p:style>
+              <a:lnRef idx="1">
+                <a:schemeClr val="accent1"/>
+              </a:lnRef>
+              <a:fillRef idx="0">
+                <a:schemeClr val="accent1"/>
+              </a:fillRef>
+              <a:effectRef idx="0">
+                <a:schemeClr val="accent1"/>
+              </a:effectRef>
+              <a:fontRef idx="minor">
+                <a:schemeClr val="tx1"/>
+              </a:fontRef>
+            </p:style>
+          </p:cxnSp>
+          <p:sp>
+            <p:nvSpPr>
+              <p:cNvPr id="111" name="TextBox 110">
+                <a:extLst>
+                  <a:ext uri="{FF2B5EF4-FFF2-40B4-BE49-F238E27FC236}">
+                    <a16:creationId xmlns:a16="http://schemas.microsoft.com/office/drawing/2014/main" id="{EA5CE2B3-FD9B-9E4D-9F83-7BC05C40EE84}"/>
+                  </a:ext>
+                </a:extLst>
+              </p:cNvPr>
+              <p:cNvSpPr txBox="1"/>
+              <p:nvPr/>
+            </p:nvSpPr>
+            <p:spPr>
+              <a:xfrm>
+                <a:off x="6169989" y="959227"/>
+                <a:ext cx="1790875" cy="261610"/>
+              </a:xfrm>
+              <a:prstGeom prst="rect">
+                <a:avLst/>
+              </a:prstGeom>
+              <a:noFill/>
+            </p:spPr>
+            <p:txBody>
+              <a:bodyPr wrap="none" rtlCol="0">
+                <a:spAutoFit/>
+              </a:bodyPr>
+              <a:lstStyle/>
+              <a:p>
+                <a:r>
+                  <a:rPr lang="en-US" sz="1100">
+                    <a:latin typeface="Arial" panose="020B0604020202020204" pitchFamily="34" charset="0"/>
+                    <a:cs typeface="Arial" panose="020B0604020202020204" pitchFamily="34" charset="0"/>
+                  </a:rPr>
+                  <a:t>cardListCheckListEmpty()</a:t>
+                </a:r>
+              </a:p>
+            </p:txBody>
+          </p:sp>
+          <p:sp>
+            <p:nvSpPr>
+              <p:cNvPr id="112" name="TextBox 111">
+                <a:extLst>
+                  <a:ext uri="{FF2B5EF4-FFF2-40B4-BE49-F238E27FC236}">
+                    <a16:creationId xmlns:a16="http://schemas.microsoft.com/office/drawing/2014/main" id="{CC79C2E0-4915-8F44-9223-D72ED8377897}"/>
+                  </a:ext>
+                </a:extLst>
+              </p:cNvPr>
+              <p:cNvSpPr txBox="1"/>
+              <p:nvPr/>
+            </p:nvSpPr>
+            <p:spPr>
+              <a:xfrm>
+                <a:off x="8763676" y="208302"/>
+                <a:ext cx="1507926" cy="261610"/>
+              </a:xfrm>
+              <a:prstGeom prst="rect">
+                <a:avLst/>
+              </a:prstGeom>
+              <a:solidFill>
+                <a:schemeClr val="accent6">
+                  <a:lumMod val="60000"/>
+                  <a:lumOff val="40000"/>
+                </a:schemeClr>
+              </a:solidFill>
+              <a:ln>
+                <a:solidFill>
+                  <a:schemeClr val="accent6">
+                    <a:lumMod val="75000"/>
+                  </a:schemeClr>
+                </a:solidFill>
+              </a:ln>
+            </p:spPr>
+            <p:txBody>
+              <a:bodyPr wrap="square" rtlCol="0" anchor="ctr">
+                <a:spAutoFit/>
+              </a:bodyPr>
+              <a:lstStyle/>
+              <a:p>
+                <a:pPr algn="ctr"/>
+                <a:r>
+                  <a:rPr lang="en-US" sz="1100">
+                    <a:latin typeface="Arial" panose="020B0604020202020204" pitchFamily="34" charset="0"/>
+                    <a:cs typeface="Arial" panose="020B0604020202020204" pitchFamily="34" charset="0"/>
+                  </a:rPr>
+                  <a:t>:Ui</a:t>
+                </a:r>
+              </a:p>
+            </p:txBody>
+          </p:sp>
+          <p:cxnSp>
+            <p:nvCxnSpPr>
+              <p:cNvPr id="113" name="Straight Connector 112">
+                <a:extLst>
+                  <a:ext uri="{FF2B5EF4-FFF2-40B4-BE49-F238E27FC236}">
+                    <a16:creationId xmlns:a16="http://schemas.microsoft.com/office/drawing/2014/main" id="{D9B64EC3-FB85-2E4E-9D09-BFBB0CB90D8B}"/>
+                  </a:ext>
+                </a:extLst>
+              </p:cNvPr>
+              <p:cNvCxnSpPr>
+                <a:cxnSpLocks/>
+                <a:stCxn id="112" idx="2"/>
+                <a:endCxn id="114" idx="0"/>
+              </p:cNvCxnSpPr>
+              <p:nvPr/>
+            </p:nvCxnSpPr>
+            <p:spPr>
+              <a:xfrm flipH="1">
+                <a:off x="9515295" y="469912"/>
+                <a:ext cx="2344" cy="3155188"/>
+              </a:xfrm>
+              <a:prstGeom prst="line">
+                <a:avLst/>
+              </a:prstGeom>
+              <a:ln>
+                <a:solidFill>
+                  <a:schemeClr val="accent6">
+                    <a:lumMod val="75000"/>
+                  </a:schemeClr>
+                </a:solidFill>
+                <a:prstDash val="sysDash"/>
+              </a:ln>
+            </p:spPr>
+            <p:style>
+              <a:lnRef idx="1">
+                <a:schemeClr val="accent1"/>
+              </a:lnRef>
+              <a:fillRef idx="0">
+                <a:schemeClr val="accent1"/>
+              </a:fillRef>
+              <a:effectRef idx="0">
+                <a:schemeClr val="accent1"/>
+              </a:effectRef>
+              <a:fontRef idx="minor">
+                <a:schemeClr val="tx1"/>
+              </a:fontRef>
+            </p:style>
+          </p:cxnSp>
+          <p:sp>
+            <p:nvSpPr>
+              <p:cNvPr id="114" name="Rectangle 113">
+                <a:extLst>
+                  <a:ext uri="{FF2B5EF4-FFF2-40B4-BE49-F238E27FC236}">
+                    <a16:creationId xmlns:a16="http://schemas.microsoft.com/office/drawing/2014/main" id="{2AC38DBA-7BA4-3447-A780-5621AE077302}"/>
+                  </a:ext>
+                </a:extLst>
+              </p:cNvPr>
+              <p:cNvSpPr/>
+              <p:nvPr/>
+            </p:nvSpPr>
+            <p:spPr>
+              <a:xfrm>
+                <a:off x="9452405" y="3625100"/>
+                <a:ext cx="125780" cy="288000"/>
+              </a:xfrm>
+              <a:prstGeom prst="rect">
+                <a:avLst/>
+              </a:prstGeom>
+              <a:noFill/>
+              <a:ln>
+                <a:solidFill>
+                  <a:schemeClr val="accent6">
+                    <a:lumMod val="75000"/>
+                  </a:schemeClr>
+                </a:solidFill>
+              </a:ln>
+            </p:spPr>
+            <p:style>
+              <a:lnRef idx="2">
+                <a:schemeClr val="accent1">
+                  <a:shade val="50000"/>
+                </a:schemeClr>
+              </a:lnRef>
+              <a:fillRef idx="1">
+                <a:schemeClr val="accent1"/>
+              </a:fillRef>
+              <a:effectRef idx="0">
+                <a:schemeClr val="accent1"/>
+              </a:effectRef>
+              <a:fontRef idx="minor">
+                <a:schemeClr val="lt1"/>
+              </a:fontRef>
+            </p:style>
+            <p:txBody>
+              <a:bodyPr rtlCol="0" anchor="ctr"/>
+              <a:lstStyle/>
+              <a:p>
+                <a:pPr algn="ctr"/>
+                <a:endParaRPr lang="en-US" sz="1100">
+                  <a:latin typeface="Arial" panose="020B0604020202020204" pitchFamily="34" charset="0"/>
+                  <a:cs typeface="Arial" panose="020B0604020202020204" pitchFamily="34" charset="0"/>
+                </a:endParaRPr>
+              </a:p>
+            </p:txBody>
+          </p:sp>
+          <p:sp>
+            <p:nvSpPr>
+              <p:cNvPr id="115" name="Rectangle 114">
+                <a:extLst>
+                  <a:ext uri="{FF2B5EF4-FFF2-40B4-BE49-F238E27FC236}">
+                    <a16:creationId xmlns:a16="http://schemas.microsoft.com/office/drawing/2014/main" id="{20F2EE83-3CDC-2840-B399-18EAE4050E36}"/>
+                  </a:ext>
+                </a:extLst>
+              </p:cNvPr>
+              <p:cNvSpPr/>
+              <p:nvPr/>
+            </p:nvSpPr>
+            <p:spPr>
+              <a:xfrm>
+                <a:off x="9457093" y="4808453"/>
+                <a:ext cx="102339" cy="191740"/>
+              </a:xfrm>
+              <a:prstGeom prst="rect">
+                <a:avLst/>
+              </a:prstGeom>
+              <a:noFill/>
+              <a:ln>
+                <a:solidFill>
+                  <a:schemeClr val="accent6">
+                    <a:lumMod val="75000"/>
+                  </a:schemeClr>
+                </a:solidFill>
+              </a:ln>
+            </p:spPr>
+            <p:style>
+              <a:lnRef idx="2">
+                <a:schemeClr val="accent1">
+                  <a:shade val="50000"/>
+                </a:schemeClr>
+              </a:lnRef>
+              <a:fillRef idx="1">
+                <a:schemeClr val="accent1"/>
+              </a:fillRef>
+              <a:effectRef idx="0">
+                <a:schemeClr val="accent1"/>
+              </a:effectRef>
+              <a:fontRef idx="minor">
+                <a:schemeClr val="lt1"/>
+              </a:fontRef>
+            </p:style>
+            <p:txBody>
+              <a:bodyPr rtlCol="0" anchor="ctr"/>
+              <a:lstStyle/>
+              <a:p>
+                <a:pPr algn="ctr"/>
+                <a:endParaRPr lang="en-US" sz="1100">
+                  <a:latin typeface="Arial" panose="020B0604020202020204" pitchFamily="34" charset="0"/>
+                  <a:cs typeface="Arial" panose="020B0604020202020204" pitchFamily="34" charset="0"/>
+                </a:endParaRPr>
+              </a:p>
+            </p:txBody>
+          </p:sp>
+          <p:cxnSp>
+            <p:nvCxnSpPr>
+              <p:cNvPr id="116" name="Straight Connector 115">
+                <a:extLst>
+                  <a:ext uri="{FF2B5EF4-FFF2-40B4-BE49-F238E27FC236}">
+                    <a16:creationId xmlns:a16="http://schemas.microsoft.com/office/drawing/2014/main" id="{4323D408-F1FD-684C-A8AC-1CE03A5DEE9D}"/>
+                  </a:ext>
+                </a:extLst>
+              </p:cNvPr>
+              <p:cNvCxnSpPr>
+                <a:cxnSpLocks/>
+                <a:stCxn id="114" idx="2"/>
+                <a:endCxn id="115" idx="0"/>
+              </p:cNvCxnSpPr>
+              <p:nvPr/>
+            </p:nvCxnSpPr>
+            <p:spPr>
+              <a:xfrm flipH="1">
+                <a:off x="9508263" y="3913100"/>
+                <a:ext cx="7032" cy="895353"/>
+              </a:xfrm>
+              <a:prstGeom prst="line">
+                <a:avLst/>
+              </a:prstGeom>
+              <a:ln>
+                <a:solidFill>
+                  <a:schemeClr val="accent6">
+                    <a:lumMod val="75000"/>
+                  </a:schemeClr>
+                </a:solidFill>
+                <a:prstDash val="sysDash"/>
+              </a:ln>
+            </p:spPr>
+            <p:style>
+              <a:lnRef idx="1">
+                <a:schemeClr val="accent1"/>
+              </a:lnRef>
+              <a:fillRef idx="0">
+                <a:schemeClr val="accent1"/>
+              </a:fillRef>
+              <a:effectRef idx="0">
+                <a:schemeClr val="accent1"/>
+              </a:effectRef>
+              <a:fontRef idx="minor">
+                <a:schemeClr val="tx1"/>
+              </a:fontRef>
+            </p:style>
+          </p:cxnSp>
+          <p:cxnSp>
+            <p:nvCxnSpPr>
+              <p:cNvPr id="117" name="Straight Connector 116">
+                <a:extLst>
+                  <a:ext uri="{FF2B5EF4-FFF2-40B4-BE49-F238E27FC236}">
+                    <a16:creationId xmlns:a16="http://schemas.microsoft.com/office/drawing/2014/main" id="{D820F3C8-7FCA-B843-B907-9F383000C99B}"/>
+                  </a:ext>
+                </a:extLst>
+              </p:cNvPr>
+              <p:cNvCxnSpPr>
+                <a:cxnSpLocks/>
+                <a:stCxn id="115" idx="2"/>
+              </p:cNvCxnSpPr>
+              <p:nvPr/>
+            </p:nvCxnSpPr>
+            <p:spPr>
+              <a:xfrm>
+                <a:off x="9508263" y="5000193"/>
+                <a:ext cx="0" cy="1627854"/>
+              </a:xfrm>
+              <a:prstGeom prst="line">
+                <a:avLst/>
+              </a:prstGeom>
+              <a:ln>
+                <a:solidFill>
+                  <a:schemeClr val="accent6">
+                    <a:lumMod val="75000"/>
+                  </a:schemeClr>
+                </a:solidFill>
+                <a:prstDash val="sysDash"/>
+              </a:ln>
+            </p:spPr>
+            <p:style>
+              <a:lnRef idx="1">
+                <a:schemeClr val="accent1"/>
+              </a:lnRef>
+              <a:fillRef idx="0">
+                <a:schemeClr val="accent1"/>
+              </a:fillRef>
+              <a:effectRef idx="0">
+                <a:schemeClr val="accent1"/>
+              </a:effectRef>
+              <a:fontRef idx="minor">
+                <a:schemeClr val="tx1"/>
+              </a:fontRef>
+            </p:style>
+          </p:cxnSp>
+          <p:sp>
+            <p:nvSpPr>
+              <p:cNvPr id="118" name="TextBox 117">
+                <a:extLst>
+                  <a:ext uri="{FF2B5EF4-FFF2-40B4-BE49-F238E27FC236}">
+                    <a16:creationId xmlns:a16="http://schemas.microsoft.com/office/drawing/2014/main" id="{5B297883-D772-804E-9EAF-C797669ED558}"/>
+                  </a:ext>
+                </a:extLst>
+              </p:cNvPr>
+              <p:cNvSpPr txBox="1"/>
+              <p:nvPr/>
+            </p:nvSpPr>
+            <p:spPr>
+              <a:xfrm>
+                <a:off x="10537404" y="208302"/>
+                <a:ext cx="1507926" cy="261610"/>
+              </a:xfrm>
+              <a:prstGeom prst="rect">
+                <a:avLst/>
+              </a:prstGeom>
+              <a:solidFill>
+                <a:schemeClr val="accent2"/>
+              </a:solidFill>
+            </p:spPr>
+            <p:txBody>
+              <a:bodyPr wrap="square" rtlCol="0" anchor="ctr">
+                <a:spAutoFit/>
+              </a:bodyPr>
+              <a:lstStyle/>
+              <a:p>
+                <a:pPr algn="ctr"/>
+                <a:r>
+                  <a:rPr lang="en-US" sz="1100">
+                    <a:latin typeface="Arial" panose="020B0604020202020204" pitchFamily="34" charset="0"/>
+                    <a:cs typeface="Arial" panose="020B0604020202020204" pitchFamily="34" charset="0"/>
+                  </a:rPr>
+                  <a:t>:Card</a:t>
+                </a:r>
+              </a:p>
+            </p:txBody>
+          </p:sp>
+          <p:sp>
+            <p:nvSpPr>
+              <p:cNvPr id="119" name="Rectangle 118">
+                <a:extLst>
+                  <a:ext uri="{FF2B5EF4-FFF2-40B4-BE49-F238E27FC236}">
+                    <a16:creationId xmlns:a16="http://schemas.microsoft.com/office/drawing/2014/main" id="{610DAF81-077F-AB4E-963A-25ECD5347424}"/>
+                  </a:ext>
+                </a:extLst>
+              </p:cNvPr>
+              <p:cNvSpPr/>
+              <p:nvPr/>
+            </p:nvSpPr>
+            <p:spPr>
+              <a:xfrm>
+                <a:off x="11230821" y="4346986"/>
+                <a:ext cx="122400" cy="251999"/>
+              </a:xfrm>
+              <a:prstGeom prst="rect">
+                <a:avLst/>
+              </a:prstGeom>
+              <a:noFill/>
+              <a:ln>
+                <a:solidFill>
+                  <a:schemeClr val="accent2"/>
+                </a:solidFill>
+              </a:ln>
+            </p:spPr>
+            <p:style>
+              <a:lnRef idx="2">
+                <a:schemeClr val="accent1">
+                  <a:shade val="50000"/>
+                </a:schemeClr>
+              </a:lnRef>
+              <a:fillRef idx="1">
+                <a:schemeClr val="accent1"/>
+              </a:fillRef>
+              <a:effectRef idx="0">
+                <a:schemeClr val="accent1"/>
+              </a:effectRef>
+              <a:fontRef idx="minor">
+                <a:schemeClr val="lt1"/>
+              </a:fontRef>
+            </p:style>
+            <p:txBody>
+              <a:bodyPr rtlCol="0" anchor="ctr"/>
+              <a:lstStyle/>
+              <a:p>
+                <a:pPr algn="ctr"/>
+                <a:endParaRPr lang="en-US" sz="1100">
+                  <a:latin typeface="Arial" panose="020B0604020202020204" pitchFamily="34" charset="0"/>
+                  <a:cs typeface="Arial" panose="020B0604020202020204" pitchFamily="34" charset="0"/>
+                </a:endParaRPr>
+              </a:p>
+            </p:txBody>
+          </p:sp>
+          <p:cxnSp>
+            <p:nvCxnSpPr>
+              <p:cNvPr id="120" name="Straight Connector 119">
+                <a:extLst>
+                  <a:ext uri="{FF2B5EF4-FFF2-40B4-BE49-F238E27FC236}">
+                    <a16:creationId xmlns:a16="http://schemas.microsoft.com/office/drawing/2014/main" id="{A0D8537F-DDD5-9D4D-B6ED-18172C628DDA}"/>
+                  </a:ext>
+                </a:extLst>
+              </p:cNvPr>
+              <p:cNvCxnSpPr>
+                <a:cxnSpLocks/>
+                <a:stCxn id="118" idx="2"/>
+                <a:endCxn id="119" idx="0"/>
+              </p:cNvCxnSpPr>
+              <p:nvPr/>
+            </p:nvCxnSpPr>
+            <p:spPr>
+              <a:xfrm>
+                <a:off x="11291367" y="469912"/>
+                <a:ext cx="654" cy="3877074"/>
+              </a:xfrm>
+              <a:prstGeom prst="line">
+                <a:avLst/>
+              </a:prstGeom>
+              <a:ln>
+                <a:solidFill>
+                  <a:schemeClr val="accent2"/>
+                </a:solidFill>
+                <a:prstDash val="sysDash"/>
+              </a:ln>
+            </p:spPr>
+            <p:style>
+              <a:lnRef idx="1">
+                <a:schemeClr val="accent1"/>
+              </a:lnRef>
+              <a:fillRef idx="0">
+                <a:schemeClr val="accent1"/>
+              </a:fillRef>
+              <a:effectRef idx="0">
+                <a:schemeClr val="accent1"/>
+              </a:effectRef>
+              <a:fontRef idx="minor">
+                <a:schemeClr val="tx1"/>
+              </a:fontRef>
+            </p:style>
+          </p:cxnSp>
+          <p:cxnSp>
+            <p:nvCxnSpPr>
+              <p:cNvPr id="121" name="Straight Connector 120">
+                <a:extLst>
+                  <a:ext uri="{FF2B5EF4-FFF2-40B4-BE49-F238E27FC236}">
+                    <a16:creationId xmlns:a16="http://schemas.microsoft.com/office/drawing/2014/main" id="{1CFB0940-1B95-B34C-A5B1-15AE185A98AC}"/>
+                  </a:ext>
+                </a:extLst>
+              </p:cNvPr>
+              <p:cNvCxnSpPr>
+                <a:cxnSpLocks/>
+                <a:stCxn id="119" idx="2"/>
+              </p:cNvCxnSpPr>
+              <p:nvPr/>
+            </p:nvCxnSpPr>
+            <p:spPr>
+              <a:xfrm flipH="1">
+                <a:off x="11291367" y="4598985"/>
+                <a:ext cx="654" cy="1076410"/>
+              </a:xfrm>
+              <a:prstGeom prst="line">
+                <a:avLst/>
+              </a:prstGeom>
+              <a:ln>
+                <a:solidFill>
+                  <a:schemeClr val="accent2"/>
+                </a:solidFill>
+                <a:prstDash val="sysDash"/>
+              </a:ln>
+            </p:spPr>
+            <p:style>
+              <a:lnRef idx="1">
+                <a:schemeClr val="accent1"/>
+              </a:lnRef>
+              <a:fillRef idx="0">
+                <a:schemeClr val="accent1"/>
+              </a:fillRef>
+              <a:effectRef idx="0">
+                <a:schemeClr val="accent1"/>
+              </a:effectRef>
+              <a:fontRef idx="minor">
+                <a:schemeClr val="tx1"/>
+              </a:fontRef>
+            </p:style>
+          </p:cxnSp>
+          <p:grpSp>
+            <p:nvGrpSpPr>
+              <p:cNvPr id="122" name="Group 121">
+                <a:extLst>
+                  <a:ext uri="{FF2B5EF4-FFF2-40B4-BE49-F238E27FC236}">
+                    <a16:creationId xmlns:a16="http://schemas.microsoft.com/office/drawing/2014/main" id="{89972F3F-3795-0F4C-B685-D726B6CB71AF}"/>
+                  </a:ext>
+                </a:extLst>
+              </p:cNvPr>
+              <p:cNvGrpSpPr/>
+              <p:nvPr/>
+            </p:nvGrpSpPr>
+            <p:grpSpPr>
+              <a:xfrm>
+                <a:off x="5306389" y="1823346"/>
+                <a:ext cx="6719024" cy="3603508"/>
+                <a:chOff x="5314409" y="1925989"/>
+                <a:chExt cx="6719024" cy="3603508"/>
+              </a:xfrm>
+            </p:grpSpPr>
+            <p:sp>
+              <p:nvSpPr>
+                <p:cNvPr id="151" name="Rectangle 150">
+                  <a:extLst>
+                    <a:ext uri="{FF2B5EF4-FFF2-40B4-BE49-F238E27FC236}">
+                      <a16:creationId xmlns:a16="http://schemas.microsoft.com/office/drawing/2014/main" id="{9E77CF52-2B99-4F4B-862C-6C23024F46A7}"/>
+                    </a:ext>
+                  </a:extLst>
+                </p:cNvPr>
+                <p:cNvSpPr/>
+                <p:nvPr/>
+              </p:nvSpPr>
+              <p:spPr>
+                <a:xfrm>
+                  <a:off x="5314409" y="1925989"/>
+                  <a:ext cx="6719024" cy="3603508"/>
+                </a:xfrm>
+                <a:prstGeom prst="rect">
+                  <a:avLst/>
+                </a:prstGeom>
+                <a:noFill/>
+                <a:ln>
+                  <a:solidFill>
+                    <a:srgbClr val="7030A0"/>
+                  </a:solidFill>
+                </a:ln>
+              </p:spPr>
+              <p:style>
+                <a:lnRef idx="2">
+                  <a:schemeClr val="accent6"/>
+                </a:lnRef>
+                <a:fillRef idx="1">
+                  <a:schemeClr val="lt1"/>
+                </a:fillRef>
+                <a:effectRef idx="0">
+                  <a:schemeClr val="accent6"/>
+                </a:effectRef>
+                <a:fontRef idx="minor">
+                  <a:schemeClr val="dk1"/>
+                </a:fontRef>
+              </p:style>
+              <p:txBody>
+                <a:bodyPr rtlCol="0" anchor="ctr"/>
+                <a:lstStyle/>
+                <a:p>
+                  <a:pPr algn="ctr"/>
+                  <a:endParaRPr lang="en-US"/>
+                </a:p>
+              </p:txBody>
+            </p:sp>
+            <p:sp>
+              <p:nvSpPr>
+                <p:cNvPr id="152" name="Snip and Round Single Corner of Rectangle 151">
+                  <a:extLst>
+                    <a:ext uri="{FF2B5EF4-FFF2-40B4-BE49-F238E27FC236}">
+                      <a16:creationId xmlns:a16="http://schemas.microsoft.com/office/drawing/2014/main" id="{B45D038C-259D-0449-A1C7-F50EF2C970B2}"/>
+                    </a:ext>
+                  </a:extLst>
+                </p:cNvPr>
+                <p:cNvSpPr/>
+                <p:nvPr/>
+              </p:nvSpPr>
+              <p:spPr>
+                <a:xfrm rot="10800000" flipH="1">
+                  <a:off x="5321374" y="1925992"/>
+                  <a:ext cx="407572" cy="261607"/>
+                </a:xfrm>
+                <a:prstGeom prst="snipRoundRect">
+                  <a:avLst>
+                    <a:gd name="adj1" fmla="val 0"/>
+                    <a:gd name="adj2" fmla="val 16667"/>
+                  </a:avLst>
+                </a:prstGeom>
+                <a:ln>
+                  <a:solidFill>
+                    <a:srgbClr val="7030A0"/>
+                  </a:solidFill>
+                </a:ln>
+              </p:spPr>
+              <p:style>
+                <a:lnRef idx="2">
+                  <a:schemeClr val="accent6"/>
+                </a:lnRef>
+                <a:fillRef idx="1">
+                  <a:schemeClr val="lt1"/>
+                </a:fillRef>
+                <a:effectRef idx="0">
+                  <a:schemeClr val="accent6"/>
+                </a:effectRef>
+                <a:fontRef idx="minor">
+                  <a:schemeClr val="dk1"/>
+                </a:fontRef>
+              </p:style>
+              <p:txBody>
+                <a:bodyPr vert="horz" rtlCol="0" anchor="ctr"/>
+                <a:lstStyle/>
+                <a:p>
+                  <a:pPr algn="ctr"/>
+                  <a:endParaRPr lang="en-US"/>
+                </a:p>
+              </p:txBody>
+            </p:sp>
+          </p:grpSp>
+          <p:sp>
+            <p:nvSpPr>
+              <p:cNvPr id="123" name="TextBox 122">
+                <a:extLst>
+                  <a:ext uri="{FF2B5EF4-FFF2-40B4-BE49-F238E27FC236}">
+                    <a16:creationId xmlns:a16="http://schemas.microsoft.com/office/drawing/2014/main" id="{DD227E4F-F673-744A-BA3D-2C91CC07164C}"/>
+                  </a:ext>
+                </a:extLst>
+              </p:cNvPr>
+              <p:cNvSpPr txBox="1"/>
+              <p:nvPr/>
+            </p:nvSpPr>
+            <p:spPr>
+              <a:xfrm>
+                <a:off x="6126576" y="1823347"/>
+                <a:ext cx="1366080" cy="261610"/>
+              </a:xfrm>
+              <a:prstGeom prst="rect">
+                <a:avLst/>
+              </a:prstGeom>
+              <a:noFill/>
+            </p:spPr>
+            <p:txBody>
+              <a:bodyPr wrap="none" rtlCol="0">
+                <a:spAutoFit/>
+              </a:bodyPr>
+              <a:lstStyle/>
+              <a:p>
+                <a:r>
+                  <a:rPr lang="en-US" sz="1100">
+                    <a:latin typeface="Arial" panose="020B0604020202020204" pitchFamily="34" charset="0"/>
+                    <a:cs typeface="Arial" panose="020B0604020202020204" pitchFamily="34" charset="0"/>
+                  </a:rPr>
+                  <a:t>[until card is found]</a:t>
+                </a:r>
+              </a:p>
+            </p:txBody>
+          </p:sp>
+          <p:cxnSp>
+            <p:nvCxnSpPr>
+              <p:cNvPr id="124" name="Straight Connector 123">
+                <a:extLst>
+                  <a:ext uri="{FF2B5EF4-FFF2-40B4-BE49-F238E27FC236}">
+                    <a16:creationId xmlns:a16="http://schemas.microsoft.com/office/drawing/2014/main" id="{F1AA63E2-0772-6748-BE80-C7CAED0DDAA9}"/>
+                  </a:ext>
+                </a:extLst>
+              </p:cNvPr>
+              <p:cNvCxnSpPr>
+                <a:cxnSpLocks/>
+                <a:stCxn id="125" idx="2"/>
+              </p:cNvCxnSpPr>
+              <p:nvPr/>
+            </p:nvCxnSpPr>
+            <p:spPr>
+              <a:xfrm>
+                <a:off x="6180750" y="2644884"/>
+                <a:ext cx="158393" cy="0"/>
+              </a:xfrm>
+              <a:prstGeom prst="line">
+                <a:avLst/>
+              </a:prstGeom>
+              <a:ln>
+                <a:solidFill>
+                  <a:schemeClr val="accent2">
+                    <a:lumMod val="75000"/>
+                  </a:schemeClr>
+                </a:solidFill>
+                <a:prstDash val="sysDash"/>
+              </a:ln>
+            </p:spPr>
+            <p:style>
+              <a:lnRef idx="1">
+                <a:schemeClr val="accent1"/>
+              </a:lnRef>
+              <a:fillRef idx="0">
+                <a:schemeClr val="accent1"/>
+              </a:fillRef>
+              <a:effectRef idx="0">
+                <a:schemeClr val="accent1"/>
+              </a:effectRef>
+              <a:fontRef idx="minor">
+                <a:schemeClr val="tx1"/>
+              </a:fontRef>
+            </p:style>
+          </p:cxnSp>
+          <p:sp>
+            <p:nvSpPr>
+              <p:cNvPr id="125" name="Rectangle 124">
+                <a:extLst>
+                  <a:ext uri="{FF2B5EF4-FFF2-40B4-BE49-F238E27FC236}">
+                    <a16:creationId xmlns:a16="http://schemas.microsoft.com/office/drawing/2014/main" id="{A79EFDD3-DA64-8C42-B718-6FDD25C6EF77}"/>
+                  </a:ext>
+                </a:extLst>
+              </p:cNvPr>
+              <p:cNvSpPr/>
+              <p:nvPr/>
+            </p:nvSpPr>
+            <p:spPr>
+              <a:xfrm>
+                <a:off x="6119337" y="2239138"/>
+                <a:ext cx="122826" cy="405746"/>
+              </a:xfrm>
+              <a:prstGeom prst="rect">
+                <a:avLst/>
+              </a:prstGeom>
+              <a:solidFill>
+                <a:schemeClr val="accent2">
+                  <a:lumMod val="60000"/>
+                  <a:lumOff val="40000"/>
+                </a:schemeClr>
+              </a:solidFill>
+              <a:ln>
+                <a:solidFill>
+                  <a:schemeClr val="accent2">
+                    <a:lumMod val="60000"/>
+                    <a:lumOff val="40000"/>
+                  </a:schemeClr>
+                </a:solidFill>
+              </a:ln>
+            </p:spPr>
+            <p:style>
+              <a:lnRef idx="2">
+                <a:schemeClr val="accent1">
+                  <a:shade val="50000"/>
+                </a:schemeClr>
+              </a:lnRef>
+              <a:fillRef idx="1">
+                <a:schemeClr val="accent1"/>
+              </a:fillRef>
+              <a:effectRef idx="0">
+                <a:schemeClr val="accent1"/>
+              </a:effectRef>
+              <a:fontRef idx="minor">
+                <a:schemeClr val="lt1"/>
+              </a:fontRef>
+            </p:style>
+            <p:txBody>
+              <a:bodyPr rtlCol="0" anchor="ctr"/>
+              <a:lstStyle/>
+              <a:p>
+                <a:pPr algn="ctr"/>
+                <a:endParaRPr lang="en-US" sz="1100">
+                  <a:latin typeface="Arial" panose="020B0604020202020204" pitchFamily="34" charset="0"/>
+                  <a:cs typeface="Arial" panose="020B0604020202020204" pitchFamily="34" charset="0"/>
+                </a:endParaRPr>
+              </a:p>
+            </p:txBody>
+          </p:sp>
+          <p:cxnSp>
+            <p:nvCxnSpPr>
+              <p:cNvPr id="126" name="Curved Connector 125">
+                <a:extLst>
+                  <a:ext uri="{FF2B5EF4-FFF2-40B4-BE49-F238E27FC236}">
+                    <a16:creationId xmlns:a16="http://schemas.microsoft.com/office/drawing/2014/main" id="{80187D65-D9EB-224E-B4CB-1023A22E23C9}"/>
+                  </a:ext>
+                </a:extLst>
+              </p:cNvPr>
+              <p:cNvCxnSpPr>
+                <a:cxnSpLocks/>
+              </p:cNvCxnSpPr>
+              <p:nvPr/>
+            </p:nvCxnSpPr>
+            <p:spPr>
+              <a:xfrm rot="10800000" flipV="1">
+                <a:off x="6159438" y="2644000"/>
+                <a:ext cx="185456" cy="80131"/>
+              </a:xfrm>
+              <a:prstGeom prst="curvedConnector3">
+                <a:avLst>
+                  <a:gd name="adj1" fmla="val -19336"/>
+                </a:avLst>
+              </a:prstGeom>
+              <a:ln>
+                <a:solidFill>
+                  <a:schemeClr val="accent2">
+                    <a:lumMod val="75000"/>
+                  </a:schemeClr>
+                </a:solidFill>
+                <a:prstDash val="sysDash"/>
+                <a:tailEnd type="triangle"/>
+              </a:ln>
+            </p:spPr>
+            <p:style>
+              <a:lnRef idx="1">
+                <a:schemeClr val="accent1"/>
+              </a:lnRef>
+              <a:fillRef idx="0">
+                <a:schemeClr val="accent1"/>
+              </a:fillRef>
+              <a:effectRef idx="0">
+                <a:schemeClr val="accent1"/>
+              </a:effectRef>
+              <a:fontRef idx="minor">
+                <a:schemeClr val="tx1"/>
+              </a:fontRef>
+            </p:style>
+          </p:cxnSp>
+          <p:sp>
+            <p:nvSpPr>
+              <p:cNvPr id="127" name="TextBox 126">
+                <a:extLst>
+                  <a:ext uri="{FF2B5EF4-FFF2-40B4-BE49-F238E27FC236}">
+                    <a16:creationId xmlns:a16="http://schemas.microsoft.com/office/drawing/2014/main" id="{5EEB95E2-1872-E54C-A2C0-A13E5B5AB7EB}"/>
+                  </a:ext>
+                </a:extLst>
+              </p:cNvPr>
+              <p:cNvSpPr txBox="1"/>
+              <p:nvPr/>
+            </p:nvSpPr>
+            <p:spPr>
+              <a:xfrm>
+                <a:off x="6260357" y="2012450"/>
+                <a:ext cx="1091966" cy="261610"/>
+              </a:xfrm>
+              <a:prstGeom prst="rect">
+                <a:avLst/>
+              </a:prstGeom>
+              <a:noFill/>
+            </p:spPr>
+            <p:txBody>
+              <a:bodyPr wrap="none" rtlCol="0">
+                <a:spAutoFit/>
+              </a:bodyPr>
+              <a:lstStyle/>
+              <a:p>
+                <a:r>
+                  <a:rPr lang="en-US" sz="1100">
+                    <a:latin typeface="Arial" panose="020B0604020202020204" pitchFamily="34" charset="0"/>
+                    <a:cs typeface="Arial" panose="020B0604020202020204" pitchFamily="34" charset="0"/>
+                  </a:rPr>
+                  <a:t>get(cardIndex)</a:t>
+                </a:r>
+              </a:p>
+            </p:txBody>
+          </p:sp>
+          <p:sp>
+            <p:nvSpPr>
+              <p:cNvPr id="128" name="TextBox 127">
+                <a:extLst>
+                  <a:ext uri="{FF2B5EF4-FFF2-40B4-BE49-F238E27FC236}">
+                    <a16:creationId xmlns:a16="http://schemas.microsoft.com/office/drawing/2014/main" id="{8AECC4C4-D5CE-8049-AD1E-E71C5C3ADE25}"/>
+                  </a:ext>
+                </a:extLst>
+              </p:cNvPr>
+              <p:cNvSpPr txBox="1"/>
+              <p:nvPr/>
+            </p:nvSpPr>
+            <p:spPr>
+              <a:xfrm>
+                <a:off x="6318025" y="2554036"/>
+                <a:ext cx="497252" cy="261610"/>
+              </a:xfrm>
+              <a:prstGeom prst="rect">
+                <a:avLst/>
+              </a:prstGeom>
+              <a:noFill/>
+            </p:spPr>
+            <p:txBody>
+              <a:bodyPr wrap="none" rtlCol="0">
+                <a:spAutoFit/>
+              </a:bodyPr>
+              <a:lstStyle/>
+              <a:p>
+                <a:r>
+                  <a:rPr lang="en-US" sz="1100">
+                    <a:latin typeface="Arial" panose="020B0604020202020204" pitchFamily="34" charset="0"/>
+                    <a:cs typeface="Arial" panose="020B0604020202020204" pitchFamily="34" charset="0"/>
+                  </a:rPr>
+                  <a:t>temp</a:t>
+                </a:r>
+              </a:p>
+            </p:txBody>
+          </p:sp>
+          <p:cxnSp>
+            <p:nvCxnSpPr>
+              <p:cNvPr id="129" name="Straight Connector 128">
+                <a:extLst>
+                  <a:ext uri="{FF2B5EF4-FFF2-40B4-BE49-F238E27FC236}">
+                    <a16:creationId xmlns:a16="http://schemas.microsoft.com/office/drawing/2014/main" id="{8AF1EEED-FB68-E748-BEDD-73A3E940AF28}"/>
+                  </a:ext>
+                </a:extLst>
+              </p:cNvPr>
+              <p:cNvCxnSpPr>
+                <a:cxnSpLocks/>
+                <a:stCxn id="130" idx="2"/>
+              </p:cNvCxnSpPr>
+              <p:nvPr/>
+            </p:nvCxnSpPr>
+            <p:spPr>
+              <a:xfrm>
+                <a:off x="6156926" y="3340639"/>
+                <a:ext cx="158393" cy="0"/>
+              </a:xfrm>
+              <a:prstGeom prst="line">
+                <a:avLst/>
+              </a:prstGeom>
+              <a:ln>
+                <a:solidFill>
+                  <a:schemeClr val="accent2">
+                    <a:lumMod val="75000"/>
+                  </a:schemeClr>
+                </a:solidFill>
+                <a:prstDash val="sysDash"/>
+              </a:ln>
+            </p:spPr>
+            <p:style>
+              <a:lnRef idx="1">
+                <a:schemeClr val="accent1"/>
+              </a:lnRef>
+              <a:fillRef idx="0">
+                <a:schemeClr val="accent1"/>
+              </a:fillRef>
+              <a:effectRef idx="0">
+                <a:schemeClr val="accent1"/>
+              </a:effectRef>
+              <a:fontRef idx="minor">
+                <a:schemeClr val="tx1"/>
+              </a:fontRef>
+            </p:style>
+          </p:cxnSp>
+          <p:sp>
+            <p:nvSpPr>
+              <p:cNvPr id="130" name="Rectangle 129">
+                <a:extLst>
+                  <a:ext uri="{FF2B5EF4-FFF2-40B4-BE49-F238E27FC236}">
+                    <a16:creationId xmlns:a16="http://schemas.microsoft.com/office/drawing/2014/main" id="{5704FEB6-8A00-3F46-BD46-94343B1A76E4}"/>
+                  </a:ext>
+                </a:extLst>
+              </p:cNvPr>
+              <p:cNvSpPr/>
+              <p:nvPr/>
+            </p:nvSpPr>
+            <p:spPr>
+              <a:xfrm>
+                <a:off x="6095513" y="2934893"/>
+                <a:ext cx="122826" cy="405746"/>
+              </a:xfrm>
+              <a:prstGeom prst="rect">
+                <a:avLst/>
+              </a:prstGeom>
+              <a:solidFill>
+                <a:schemeClr val="accent2">
+                  <a:lumMod val="60000"/>
+                  <a:lumOff val="40000"/>
+                </a:schemeClr>
+              </a:solidFill>
+              <a:ln>
+                <a:solidFill>
+                  <a:schemeClr val="accent2">
+                    <a:lumMod val="60000"/>
+                    <a:lumOff val="40000"/>
+                  </a:schemeClr>
+                </a:solidFill>
+              </a:ln>
+            </p:spPr>
+            <p:style>
+              <a:lnRef idx="2">
+                <a:schemeClr val="accent1">
+                  <a:shade val="50000"/>
+                </a:schemeClr>
+              </a:lnRef>
+              <a:fillRef idx="1">
+                <a:schemeClr val="accent1"/>
+              </a:fillRef>
+              <a:effectRef idx="0">
+                <a:schemeClr val="accent1"/>
+              </a:effectRef>
+              <a:fontRef idx="minor">
+                <a:schemeClr val="lt1"/>
+              </a:fontRef>
+            </p:style>
+            <p:txBody>
+              <a:bodyPr rtlCol="0" anchor="ctr"/>
+              <a:lstStyle/>
+              <a:p>
+                <a:pPr algn="ctr"/>
+                <a:endParaRPr lang="en-US" sz="1100">
+                  <a:latin typeface="Arial" panose="020B0604020202020204" pitchFamily="34" charset="0"/>
+                  <a:cs typeface="Arial" panose="020B0604020202020204" pitchFamily="34" charset="0"/>
+                </a:endParaRPr>
+              </a:p>
+            </p:txBody>
+          </p:sp>
+          <p:cxnSp>
+            <p:nvCxnSpPr>
+              <p:cNvPr id="131" name="Curved Connector 130">
+                <a:extLst>
+                  <a:ext uri="{FF2B5EF4-FFF2-40B4-BE49-F238E27FC236}">
+                    <a16:creationId xmlns:a16="http://schemas.microsoft.com/office/drawing/2014/main" id="{F87A38B1-65F8-3C49-96F6-C8DB8B2ACE8B}"/>
+                  </a:ext>
+                </a:extLst>
+              </p:cNvPr>
+              <p:cNvCxnSpPr>
+                <a:cxnSpLocks/>
+              </p:cNvCxnSpPr>
+              <p:nvPr/>
+            </p:nvCxnSpPr>
+            <p:spPr>
+              <a:xfrm rot="10800000" flipV="1">
+                <a:off x="6135614" y="3350906"/>
+                <a:ext cx="185456" cy="80131"/>
+              </a:xfrm>
+              <a:prstGeom prst="curvedConnector3">
+                <a:avLst>
+                  <a:gd name="adj1" fmla="val -19336"/>
+                </a:avLst>
+              </a:prstGeom>
+              <a:ln>
+                <a:solidFill>
+                  <a:schemeClr val="accent2">
+                    <a:lumMod val="75000"/>
+                  </a:schemeClr>
+                </a:solidFill>
+                <a:prstDash val="sysDash"/>
+                <a:tailEnd type="triangle"/>
+              </a:ln>
+            </p:spPr>
+            <p:style>
+              <a:lnRef idx="1">
+                <a:schemeClr val="accent1"/>
+              </a:lnRef>
+              <a:fillRef idx="0">
+                <a:schemeClr val="accent1"/>
+              </a:fillRef>
+              <a:effectRef idx="0">
+                <a:schemeClr val="accent1"/>
+              </a:effectRef>
+              <a:fontRef idx="minor">
+                <a:schemeClr val="tx1"/>
+              </a:fontRef>
+            </p:style>
+          </p:cxnSp>
+          <p:sp>
+            <p:nvSpPr>
+              <p:cNvPr id="132" name="TextBox 131">
+                <a:extLst>
+                  <a:ext uri="{FF2B5EF4-FFF2-40B4-BE49-F238E27FC236}">
+                    <a16:creationId xmlns:a16="http://schemas.microsoft.com/office/drawing/2014/main" id="{5BCF5D2A-37E9-B541-85FD-B6645952A061}"/>
+                  </a:ext>
+                </a:extLst>
+              </p:cNvPr>
+              <p:cNvSpPr txBox="1"/>
+              <p:nvPr/>
+            </p:nvSpPr>
+            <p:spPr>
+              <a:xfrm>
+                <a:off x="6259946" y="2720765"/>
+                <a:ext cx="1366080" cy="261610"/>
+              </a:xfrm>
+              <a:prstGeom prst="rect">
+                <a:avLst/>
+              </a:prstGeom>
+              <a:noFill/>
+            </p:spPr>
+            <p:txBody>
+              <a:bodyPr wrap="none" rtlCol="0">
+                <a:spAutoFit/>
+              </a:bodyPr>
+              <a:lstStyle/>
+              <a:p>
+                <a:r>
+                  <a:rPr lang="en-US" sz="1100">
+                    <a:latin typeface="Arial" panose="020B0604020202020204" pitchFamily="34" charset="0"/>
+                    <a:cs typeface="Arial" panose="020B0604020202020204" pitchFamily="34" charset="0"/>
+                  </a:rPr>
+                  <a:t>remove(cardIndex)</a:t>
+                </a:r>
+              </a:p>
+            </p:txBody>
+          </p:sp>
+          <p:cxnSp>
+            <p:nvCxnSpPr>
+              <p:cNvPr id="133" name="Straight Arrow Connector 132">
+                <a:extLst>
+                  <a:ext uri="{FF2B5EF4-FFF2-40B4-BE49-F238E27FC236}">
+                    <a16:creationId xmlns:a16="http://schemas.microsoft.com/office/drawing/2014/main" id="{038E900B-1F66-8F42-B460-8E02AD757D8D}"/>
+                  </a:ext>
+                </a:extLst>
+              </p:cNvPr>
+              <p:cNvCxnSpPr>
+                <a:cxnSpLocks/>
+              </p:cNvCxnSpPr>
+              <p:nvPr/>
+            </p:nvCxnSpPr>
+            <p:spPr>
+              <a:xfrm flipV="1">
+                <a:off x="6152347" y="3622321"/>
+                <a:ext cx="3311999" cy="0"/>
+              </a:xfrm>
+              <a:prstGeom prst="straightConnector1">
+                <a:avLst/>
+              </a:prstGeom>
+              <a:ln>
+                <a:solidFill>
+                  <a:schemeClr val="accent2">
+                    <a:lumMod val="75000"/>
+                  </a:schemeClr>
+                </a:solidFill>
+                <a:tailEnd type="triangle"/>
+              </a:ln>
+            </p:spPr>
+            <p:style>
+              <a:lnRef idx="1">
+                <a:schemeClr val="accent1"/>
+              </a:lnRef>
+              <a:fillRef idx="0">
+                <a:schemeClr val="accent1"/>
+              </a:fillRef>
+              <a:effectRef idx="0">
+                <a:schemeClr val="accent1"/>
+              </a:effectRef>
+              <a:fontRef idx="minor">
+                <a:schemeClr val="tx1"/>
+              </a:fontRef>
+            </p:style>
+          </p:cxnSp>
+          <p:sp>
+            <p:nvSpPr>
+              <p:cNvPr id="134" name="TextBox 133">
+                <a:extLst>
+                  <a:ext uri="{FF2B5EF4-FFF2-40B4-BE49-F238E27FC236}">
+                    <a16:creationId xmlns:a16="http://schemas.microsoft.com/office/drawing/2014/main" id="{CD002677-1A14-414B-9D23-D7E183634A32}"/>
+                  </a:ext>
+                </a:extLst>
+              </p:cNvPr>
+              <p:cNvSpPr txBox="1"/>
+              <p:nvPr/>
+            </p:nvSpPr>
+            <p:spPr>
+              <a:xfrm>
+                <a:off x="6776445" y="3406861"/>
+                <a:ext cx="1696298" cy="261610"/>
+              </a:xfrm>
+              <a:prstGeom prst="rect">
+                <a:avLst/>
+              </a:prstGeom>
+              <a:noFill/>
+            </p:spPr>
+            <p:txBody>
+              <a:bodyPr wrap="none" rtlCol="0">
+                <a:spAutoFit/>
+              </a:bodyPr>
+              <a:lstStyle/>
+              <a:p>
+                <a:r>
+                  <a:rPr lang="en-US" sz="1100">
+                    <a:latin typeface="Arial" panose="020B0604020202020204" pitchFamily="34" charset="0"/>
+                    <a:cs typeface="Arial" panose="020B0604020202020204" pitchFamily="34" charset="0"/>
+                  </a:rPr>
+                  <a:t>printMessage(message)</a:t>
+                </a:r>
+              </a:p>
+            </p:txBody>
+          </p:sp>
+          <p:cxnSp>
+            <p:nvCxnSpPr>
+              <p:cNvPr id="135" name="Straight Connector 134">
+                <a:extLst>
+                  <a:ext uri="{FF2B5EF4-FFF2-40B4-BE49-F238E27FC236}">
+                    <a16:creationId xmlns:a16="http://schemas.microsoft.com/office/drawing/2014/main" id="{BF9D8D87-8280-0546-8022-9AF6DFD397C5}"/>
+                  </a:ext>
+                </a:extLst>
+              </p:cNvPr>
+              <p:cNvCxnSpPr>
+                <a:cxnSpLocks/>
+                <a:stCxn id="136" idx="2"/>
+              </p:cNvCxnSpPr>
+              <p:nvPr/>
+            </p:nvCxnSpPr>
+            <p:spPr>
+              <a:xfrm>
+                <a:off x="6177043" y="5096447"/>
+                <a:ext cx="128734" cy="0"/>
+              </a:xfrm>
+              <a:prstGeom prst="line">
+                <a:avLst/>
+              </a:prstGeom>
+              <a:ln>
+                <a:solidFill>
+                  <a:schemeClr val="accent2">
+                    <a:lumMod val="75000"/>
+                  </a:schemeClr>
+                </a:solidFill>
+                <a:prstDash val="sysDash"/>
+              </a:ln>
+            </p:spPr>
+            <p:style>
+              <a:lnRef idx="1">
+                <a:schemeClr val="accent1"/>
+              </a:lnRef>
+              <a:fillRef idx="0">
+                <a:schemeClr val="accent1"/>
+              </a:fillRef>
+              <a:effectRef idx="0">
+                <a:schemeClr val="accent1"/>
+              </a:effectRef>
+              <a:fontRef idx="minor">
+                <a:schemeClr val="tx1"/>
+              </a:fontRef>
+            </p:style>
+          </p:cxnSp>
+          <p:sp>
+            <p:nvSpPr>
+              <p:cNvPr id="136" name="Rectangle 135">
+                <a:extLst>
+                  <a:ext uri="{FF2B5EF4-FFF2-40B4-BE49-F238E27FC236}">
+                    <a16:creationId xmlns:a16="http://schemas.microsoft.com/office/drawing/2014/main" id="{766CE2FC-2F0D-434A-8E7D-37CE6D09459E}"/>
+                  </a:ext>
+                </a:extLst>
+              </p:cNvPr>
+              <p:cNvSpPr/>
+              <p:nvPr/>
+            </p:nvSpPr>
+            <p:spPr>
+              <a:xfrm>
+                <a:off x="6117669" y="4145971"/>
+                <a:ext cx="118747" cy="950476"/>
+              </a:xfrm>
+              <a:prstGeom prst="rect">
+                <a:avLst/>
+              </a:prstGeom>
+              <a:solidFill>
+                <a:schemeClr val="accent2">
+                  <a:lumMod val="60000"/>
+                  <a:lumOff val="40000"/>
+                </a:schemeClr>
+              </a:solidFill>
+              <a:ln>
+                <a:solidFill>
+                  <a:schemeClr val="accent2">
+                    <a:lumMod val="60000"/>
+                    <a:lumOff val="40000"/>
+                  </a:schemeClr>
+                </a:solidFill>
+              </a:ln>
+            </p:spPr>
+            <p:style>
+              <a:lnRef idx="2">
+                <a:schemeClr val="accent1">
+                  <a:shade val="50000"/>
+                </a:schemeClr>
+              </a:lnRef>
+              <a:fillRef idx="1">
+                <a:schemeClr val="accent1"/>
+              </a:fillRef>
+              <a:effectRef idx="0">
+                <a:schemeClr val="accent1"/>
+              </a:effectRef>
+              <a:fontRef idx="minor">
+                <a:schemeClr val="lt1"/>
+              </a:fontRef>
+            </p:style>
+            <p:txBody>
+              <a:bodyPr rtlCol="0" anchor="ctr"/>
+              <a:lstStyle/>
+              <a:p>
+                <a:pPr algn="ctr"/>
+                <a:endParaRPr lang="en-US" sz="1100">
+                  <a:latin typeface="Arial" panose="020B0604020202020204" pitchFamily="34" charset="0"/>
+                  <a:cs typeface="Arial" panose="020B0604020202020204" pitchFamily="34" charset="0"/>
+                </a:endParaRPr>
+              </a:p>
+            </p:txBody>
+          </p:sp>
+          <p:sp>
+            <p:nvSpPr>
+              <p:cNvPr id="137" name="TextBox 136">
+                <a:extLst>
+                  <a:ext uri="{FF2B5EF4-FFF2-40B4-BE49-F238E27FC236}">
+                    <a16:creationId xmlns:a16="http://schemas.microsoft.com/office/drawing/2014/main" id="{8E1CE88D-E162-E644-965E-C5DFE131FF2F}"/>
+                  </a:ext>
+                </a:extLst>
+              </p:cNvPr>
+              <p:cNvSpPr txBox="1"/>
+              <p:nvPr/>
+            </p:nvSpPr>
+            <p:spPr>
+              <a:xfrm>
+                <a:off x="6282190" y="3930091"/>
+                <a:ext cx="3246402" cy="261610"/>
+              </a:xfrm>
+              <a:prstGeom prst="rect">
+                <a:avLst/>
+              </a:prstGeom>
+              <a:noFill/>
+            </p:spPr>
+            <p:txBody>
+              <a:bodyPr wrap="none" rtlCol="0">
+                <a:spAutoFit/>
+              </a:bodyPr>
+              <a:lstStyle/>
+              <a:p>
+                <a:r>
+                  <a:rPr lang="en-US" sz="1100">
+                    <a:latin typeface="Arial" panose="020B0604020202020204" pitchFamily="34" charset="0"/>
+                    <a:cs typeface="Arial" panose="020B0604020202020204" pitchFamily="34" charset="0"/>
+                  </a:rPr>
+                  <a:t>printOneCard(ONE_INDEX, temp, ISSINGLE, ui)</a:t>
+                </a:r>
+              </a:p>
+            </p:txBody>
+          </p:sp>
+          <p:cxnSp>
+            <p:nvCxnSpPr>
+              <p:cNvPr id="138" name="Straight Arrow Connector 137">
+                <a:extLst>
+                  <a:ext uri="{FF2B5EF4-FFF2-40B4-BE49-F238E27FC236}">
+                    <a16:creationId xmlns:a16="http://schemas.microsoft.com/office/drawing/2014/main" id="{7A7DAEF5-F582-A74E-B461-63CE7C65CC52}"/>
+                  </a:ext>
+                </a:extLst>
+              </p:cNvPr>
+              <p:cNvCxnSpPr>
+                <a:cxnSpLocks/>
+              </p:cNvCxnSpPr>
+              <p:nvPr/>
+            </p:nvCxnSpPr>
+            <p:spPr>
+              <a:xfrm>
+                <a:off x="6259946" y="4346986"/>
+                <a:ext cx="4970875" cy="0"/>
+              </a:xfrm>
+              <a:prstGeom prst="straightConnector1">
+                <a:avLst/>
+              </a:prstGeom>
+              <a:ln>
+                <a:solidFill>
+                  <a:schemeClr val="accent2">
+                    <a:lumMod val="75000"/>
+                  </a:schemeClr>
+                </a:solidFill>
+                <a:tailEnd type="triangle"/>
+              </a:ln>
+            </p:spPr>
+            <p:style>
+              <a:lnRef idx="1">
+                <a:schemeClr val="accent1"/>
+              </a:lnRef>
+              <a:fillRef idx="0">
+                <a:schemeClr val="accent1"/>
+              </a:fillRef>
+              <a:effectRef idx="0">
+                <a:schemeClr val="accent1"/>
+              </a:effectRef>
+              <a:fontRef idx="minor">
+                <a:schemeClr val="tx1"/>
+              </a:fontRef>
+            </p:style>
+          </p:cxnSp>
+          <p:sp>
+            <p:nvSpPr>
+              <p:cNvPr id="139" name="TextBox 138">
+                <a:extLst>
+                  <a:ext uri="{FF2B5EF4-FFF2-40B4-BE49-F238E27FC236}">
+                    <a16:creationId xmlns:a16="http://schemas.microsoft.com/office/drawing/2014/main" id="{0EADB15C-3681-854E-9286-F35BAE4CF60E}"/>
+                  </a:ext>
+                </a:extLst>
+              </p:cNvPr>
+              <p:cNvSpPr txBox="1"/>
+              <p:nvPr/>
+            </p:nvSpPr>
+            <p:spPr>
+              <a:xfrm>
+                <a:off x="9794301" y="4117349"/>
+                <a:ext cx="1119217" cy="261610"/>
+              </a:xfrm>
+              <a:prstGeom prst="rect">
+                <a:avLst/>
+              </a:prstGeom>
+              <a:noFill/>
+            </p:spPr>
+            <p:txBody>
+              <a:bodyPr wrap="none" rtlCol="0">
+                <a:spAutoFit/>
+              </a:bodyPr>
+              <a:lstStyle/>
+              <a:p>
+                <a:r>
+                  <a:rPr lang="en-US" sz="1100">
+                    <a:latin typeface="Arial" panose="020B0604020202020204" pitchFamily="34" charset="0"/>
+                    <a:cs typeface="Arial" panose="020B0604020202020204" pitchFamily="34" charset="0"/>
+                  </a:rPr>
+                  <a:t>getCardDetails</a:t>
+                </a:r>
+              </a:p>
+            </p:txBody>
+          </p:sp>
+          <p:cxnSp>
+            <p:nvCxnSpPr>
+              <p:cNvPr id="140" name="Straight Arrow Connector 139">
+                <a:extLst>
+                  <a:ext uri="{FF2B5EF4-FFF2-40B4-BE49-F238E27FC236}">
+                    <a16:creationId xmlns:a16="http://schemas.microsoft.com/office/drawing/2014/main" id="{CA082168-1A2A-EB41-9196-C8F9332C847C}"/>
+                  </a:ext>
+                </a:extLst>
+              </p:cNvPr>
+              <p:cNvCxnSpPr>
+                <a:cxnSpLocks/>
+              </p:cNvCxnSpPr>
+              <p:nvPr/>
+            </p:nvCxnSpPr>
+            <p:spPr>
+              <a:xfrm flipH="1" flipV="1">
+                <a:off x="6238760" y="4589466"/>
+                <a:ext cx="5052607" cy="0"/>
+              </a:xfrm>
+              <a:prstGeom prst="straightConnector1">
+                <a:avLst/>
+              </a:prstGeom>
+              <a:ln>
+                <a:solidFill>
+                  <a:schemeClr val="accent2">
+                    <a:lumMod val="75000"/>
+                  </a:schemeClr>
+                </a:solidFill>
+                <a:prstDash val="sysDash"/>
+                <a:tailEnd type="triangle"/>
+              </a:ln>
+            </p:spPr>
+            <p:style>
+              <a:lnRef idx="1">
+                <a:schemeClr val="accent1"/>
+              </a:lnRef>
+              <a:fillRef idx="0">
+                <a:schemeClr val="accent1"/>
+              </a:fillRef>
+              <a:effectRef idx="0">
+                <a:schemeClr val="accent1"/>
+              </a:effectRef>
+              <a:fontRef idx="minor">
+                <a:schemeClr val="tx1"/>
+              </a:fontRef>
+            </p:style>
+          </p:cxnSp>
+          <p:cxnSp>
+            <p:nvCxnSpPr>
+              <p:cNvPr id="141" name="Curved Connector 140">
+                <a:extLst>
+                  <a:ext uri="{FF2B5EF4-FFF2-40B4-BE49-F238E27FC236}">
+                    <a16:creationId xmlns:a16="http://schemas.microsoft.com/office/drawing/2014/main" id="{13FD3A00-B99B-0640-A045-8B46149150DF}"/>
+                  </a:ext>
+                </a:extLst>
+              </p:cNvPr>
+              <p:cNvCxnSpPr>
+                <a:cxnSpLocks/>
+              </p:cNvCxnSpPr>
+              <p:nvPr/>
+            </p:nvCxnSpPr>
+            <p:spPr>
+              <a:xfrm rot="10800000" flipV="1">
+                <a:off x="6143966" y="5096446"/>
+                <a:ext cx="150655" cy="72078"/>
+              </a:xfrm>
+              <a:prstGeom prst="curvedConnector3">
+                <a:avLst>
+                  <a:gd name="adj1" fmla="val -13060"/>
+                </a:avLst>
+              </a:prstGeom>
+              <a:ln>
+                <a:solidFill>
+                  <a:schemeClr val="accent2">
+                    <a:lumMod val="75000"/>
+                  </a:schemeClr>
+                </a:solidFill>
+                <a:prstDash val="sysDash"/>
+                <a:tailEnd type="triangle"/>
+              </a:ln>
+            </p:spPr>
+            <p:style>
+              <a:lnRef idx="1">
+                <a:schemeClr val="accent1"/>
+              </a:lnRef>
+              <a:fillRef idx="0">
+                <a:schemeClr val="accent1"/>
+              </a:fillRef>
+              <a:effectRef idx="0">
+                <a:schemeClr val="accent1"/>
+              </a:effectRef>
+              <a:fontRef idx="minor">
+                <a:schemeClr val="tx1"/>
+              </a:fontRef>
+            </p:style>
+          </p:cxnSp>
+          <p:sp>
+            <p:nvSpPr>
+              <p:cNvPr id="142" name="TextBox 141">
+                <a:extLst>
+                  <a:ext uri="{FF2B5EF4-FFF2-40B4-BE49-F238E27FC236}">
+                    <a16:creationId xmlns:a16="http://schemas.microsoft.com/office/drawing/2014/main" id="{75608110-6FD7-AD4C-BDE0-DF233BDD50A9}"/>
+                  </a:ext>
+                </a:extLst>
+              </p:cNvPr>
+              <p:cNvSpPr txBox="1"/>
+              <p:nvPr/>
+            </p:nvSpPr>
+            <p:spPr>
+              <a:xfrm>
+                <a:off x="7867873" y="4374744"/>
+                <a:ext cx="923651" cy="261610"/>
+              </a:xfrm>
+              <a:prstGeom prst="rect">
+                <a:avLst/>
+              </a:prstGeom>
+              <a:noFill/>
+            </p:spPr>
+            <p:txBody>
+              <a:bodyPr wrap="none" rtlCol="0">
+                <a:spAutoFit/>
+              </a:bodyPr>
+              <a:lstStyle/>
+              <a:p>
+                <a:r>
+                  <a:rPr lang="en-US" sz="1100" dirty="0" err="1">
+                    <a:latin typeface="Arial" panose="020B0604020202020204" pitchFamily="34" charset="0"/>
+                    <a:cs typeface="Arial" panose="020B0604020202020204" pitchFamily="34" charset="0"/>
+                  </a:rPr>
+                  <a:t>CardDetails</a:t>
+                </a:r>
+                <a:endParaRPr lang="en-US" sz="1100" dirty="0">
+                  <a:latin typeface="Arial" panose="020B0604020202020204" pitchFamily="34" charset="0"/>
+                  <a:cs typeface="Arial" panose="020B0604020202020204" pitchFamily="34" charset="0"/>
+                </a:endParaRPr>
+              </a:p>
+            </p:txBody>
+          </p:sp>
+          <p:cxnSp>
+            <p:nvCxnSpPr>
+              <p:cNvPr id="143" name="Straight Arrow Connector 142">
+                <a:extLst>
+                  <a:ext uri="{FF2B5EF4-FFF2-40B4-BE49-F238E27FC236}">
+                    <a16:creationId xmlns:a16="http://schemas.microsoft.com/office/drawing/2014/main" id="{A8173AA4-07F6-9242-8712-E1AD87D07A8E}"/>
+                  </a:ext>
+                </a:extLst>
+              </p:cNvPr>
+              <p:cNvCxnSpPr>
+                <a:cxnSpLocks/>
+              </p:cNvCxnSpPr>
+              <p:nvPr/>
+            </p:nvCxnSpPr>
+            <p:spPr>
+              <a:xfrm>
+                <a:off x="6236416" y="4808453"/>
+                <a:ext cx="3215989" cy="0"/>
+              </a:xfrm>
+              <a:prstGeom prst="straightConnector1">
+                <a:avLst/>
+              </a:prstGeom>
+              <a:ln>
+                <a:solidFill>
+                  <a:schemeClr val="accent2">
+                    <a:lumMod val="75000"/>
+                  </a:schemeClr>
+                </a:solidFill>
+                <a:tailEnd type="triangle"/>
+              </a:ln>
+            </p:spPr>
+            <p:style>
+              <a:lnRef idx="1">
+                <a:schemeClr val="accent1"/>
+              </a:lnRef>
+              <a:fillRef idx="0">
+                <a:schemeClr val="accent1"/>
+              </a:fillRef>
+              <a:effectRef idx="0">
+                <a:schemeClr val="accent1"/>
+              </a:effectRef>
+              <a:fontRef idx="minor">
+                <a:schemeClr val="tx1"/>
+              </a:fontRef>
+            </p:style>
+          </p:cxnSp>
+          <p:sp>
+            <p:nvSpPr>
+              <p:cNvPr id="145" name="Rectangle 144">
+                <a:extLst>
+                  <a:ext uri="{FF2B5EF4-FFF2-40B4-BE49-F238E27FC236}">
+                    <a16:creationId xmlns:a16="http://schemas.microsoft.com/office/drawing/2014/main" id="{86D1AFF1-3D32-4D48-BAF9-3DA88D2C744D}"/>
+                  </a:ext>
+                </a:extLst>
+              </p:cNvPr>
+              <p:cNvSpPr/>
+              <p:nvPr/>
+            </p:nvSpPr>
+            <p:spPr>
+              <a:xfrm>
+                <a:off x="89466" y="607764"/>
+                <a:ext cx="12013067" cy="5826019"/>
+              </a:xfrm>
+              <a:prstGeom prst="rect">
+                <a:avLst/>
+              </a:prstGeom>
+              <a:noFill/>
+              <a:ln>
+                <a:solidFill>
+                  <a:schemeClr val="tx1">
+                    <a:lumMod val="50000"/>
+                    <a:lumOff val="50000"/>
+                  </a:schemeClr>
+                </a:solidFill>
+              </a:ln>
+            </p:spPr>
+            <p:style>
+              <a:lnRef idx="2">
+                <a:schemeClr val="accent1">
+                  <a:shade val="50000"/>
+                </a:schemeClr>
+              </a:lnRef>
+              <a:fillRef idx="1">
+                <a:schemeClr val="accent1"/>
+              </a:fillRef>
+              <a:effectRef idx="0">
+                <a:schemeClr val="accent1"/>
+              </a:effectRef>
+              <a:fontRef idx="minor">
+                <a:schemeClr val="lt1"/>
               </a:fontRef>
             </p:style>
             <p:txBody>
@@ -5532,63 +6651,214 @@
           </p:sp>
           <p:sp>
             <p:nvSpPr>
-              <p:cNvPr id="152" name="Snip and Round Single Corner of Rectangle 151">
+              <p:cNvPr id="146" name="TextBox 145">
                 <a:extLst>
                   <a:ext uri="{FF2B5EF4-FFF2-40B4-BE49-F238E27FC236}">
-                    <a16:creationId xmlns:a16="http://schemas.microsoft.com/office/drawing/2014/main" id="{B45D038C-259D-0449-A1C7-F50EF2C970B2}"/>
+                    <a16:creationId xmlns:a16="http://schemas.microsoft.com/office/drawing/2014/main" id="{59CAFC8B-3974-2248-A72C-679603348AEC}"/>
                   </a:ext>
                 </a:extLst>
               </p:cNvPr>
-              <p:cNvSpPr/>
+              <p:cNvSpPr txBox="1"/>
               <p:nvPr/>
             </p:nvSpPr>
             <p:spPr>
-              <a:xfrm rot="10800000" flipH="1">
-                <a:off x="5321374" y="1925992"/>
-                <a:ext cx="407572" cy="261607"/>
+              <a:xfrm>
+                <a:off x="11131205" y="5490729"/>
+                <a:ext cx="311304" cy="369332"/>
               </a:xfrm>
-              <a:prstGeom prst="snipRoundRect">
-                <a:avLst>
-                  <a:gd name="adj1" fmla="val 0"/>
-                  <a:gd name="adj2" fmla="val 16667"/>
-                </a:avLst>
+              <a:prstGeom prst="rect">
+                <a:avLst/>
+              </a:prstGeom>
+              <a:noFill/>
+            </p:spPr>
+            <p:txBody>
+              <a:bodyPr wrap="none" rtlCol="0">
+                <a:spAutoFit/>
+              </a:bodyPr>
+              <a:lstStyle/>
+              <a:p>
+                <a:r>
+                  <a:rPr lang="en-US" b="1" dirty="0">
+                    <a:solidFill>
+                      <a:schemeClr val="accent2"/>
+                    </a:solidFill>
+                  </a:rPr>
+                  <a:t>X</a:t>
+                </a:r>
+              </a:p>
+            </p:txBody>
+          </p:sp>
+          <p:sp>
+            <p:nvSpPr>
+              <p:cNvPr id="147" name="TextBox 146">
+                <a:extLst>
+                  <a:ext uri="{FF2B5EF4-FFF2-40B4-BE49-F238E27FC236}">
+                    <a16:creationId xmlns:a16="http://schemas.microsoft.com/office/drawing/2014/main" id="{AEEAB7F9-529A-AC40-AA96-8D8A357F10BB}"/>
+                  </a:ext>
+                </a:extLst>
+              </p:cNvPr>
+              <p:cNvSpPr txBox="1"/>
+              <p:nvPr/>
+            </p:nvSpPr>
+            <p:spPr>
+              <a:xfrm>
+                <a:off x="909235" y="5814120"/>
+                <a:ext cx="522900" cy="261610"/>
+              </a:xfrm>
+              <a:prstGeom prst="rect">
+                <a:avLst/>
+              </a:prstGeom>
+              <a:noFill/>
+            </p:spPr>
+            <p:txBody>
+              <a:bodyPr wrap="none" rtlCol="0">
+                <a:spAutoFit/>
+              </a:bodyPr>
+              <a:lstStyle/>
+              <a:p>
+                <a:r>
+                  <a:rPr lang="en-US" sz="1100" dirty="0">
+                    <a:latin typeface="Arial" panose="020B0604020202020204" pitchFamily="34" charset="0"/>
+                    <a:cs typeface="Arial" panose="020B0604020202020204" pitchFamily="34" charset="0"/>
+                  </a:rPr>
+                  <a:t>isExit</a:t>
+                </a:r>
+              </a:p>
+            </p:txBody>
+          </p:sp>
+          <p:sp>
+            <p:nvSpPr>
+              <p:cNvPr id="149" name="TextBox 148">
+                <a:extLst>
+                  <a:ext uri="{FF2B5EF4-FFF2-40B4-BE49-F238E27FC236}">
+                    <a16:creationId xmlns:a16="http://schemas.microsoft.com/office/drawing/2014/main" id="{8B8AFA83-2B60-3343-AAE2-E6B1922A981D}"/>
+                  </a:ext>
+                </a:extLst>
+              </p:cNvPr>
+              <p:cNvSpPr txBox="1"/>
+              <p:nvPr/>
+            </p:nvSpPr>
+            <p:spPr>
+              <a:xfrm>
+                <a:off x="1764044" y="6078632"/>
+                <a:ext cx="311304" cy="369332"/>
+              </a:xfrm>
+              <a:prstGeom prst="rect">
+                <a:avLst/>
+              </a:prstGeom>
+              <a:noFill/>
+            </p:spPr>
+            <p:txBody>
+              <a:bodyPr wrap="none" rtlCol="0">
+                <a:spAutoFit/>
+              </a:bodyPr>
+              <a:lstStyle/>
+              <a:p>
+                <a:r>
+                  <a:rPr lang="en-US" b="1" dirty="0">
+                    <a:solidFill>
+                      <a:srgbClr val="7030A0">
+                        <a:alpha val="70000"/>
+                      </a:srgbClr>
+                    </a:solidFill>
+                  </a:rPr>
+                  <a:t>X</a:t>
+                </a:r>
+              </a:p>
+            </p:txBody>
+          </p:sp>
+          <p:cxnSp>
+            <p:nvCxnSpPr>
+              <p:cNvPr id="150" name="Straight Connector 149">
+                <a:extLst>
+                  <a:ext uri="{FF2B5EF4-FFF2-40B4-BE49-F238E27FC236}">
+                    <a16:creationId xmlns:a16="http://schemas.microsoft.com/office/drawing/2014/main" id="{F2FE8619-D48C-214E-95FA-78B45F41466E}"/>
+                  </a:ext>
+                </a:extLst>
+              </p:cNvPr>
+              <p:cNvCxnSpPr>
+                <a:stCxn id="89" idx="2"/>
+                <a:endCxn id="88" idx="0"/>
+              </p:cNvCxnSpPr>
+              <p:nvPr/>
+            </p:nvCxnSpPr>
+            <p:spPr>
+              <a:xfrm>
+                <a:off x="505081" y="486566"/>
+                <a:ext cx="0" cy="268332"/>
+              </a:xfrm>
+              <a:prstGeom prst="line">
+                <a:avLst/>
               </a:prstGeom>
               <a:ln>
                 <a:solidFill>
-                  <a:srgbClr val="7030A0"/>
+                  <a:schemeClr val="bg1">
+                    <a:lumMod val="50000"/>
+                  </a:schemeClr>
                 </a:solidFill>
+                <a:prstDash val="sysDash"/>
               </a:ln>
             </p:spPr>
             <p:style>
-              <a:lnRef idx="2">
-                <a:schemeClr val="accent6"/>
+              <a:lnRef idx="1">
+                <a:schemeClr val="accent1"/>
               </a:lnRef>
-              <a:fillRef idx="1">
-                <a:schemeClr val="lt1"/>
+              <a:fillRef idx="0">
+                <a:schemeClr val="accent1"/>
               </a:fillRef>
               <a:effectRef idx="0">
-                <a:schemeClr val="accent6"/>
+                <a:schemeClr val="accent1"/>
               </a:effectRef>
               <a:fontRef idx="minor">
-                <a:schemeClr val="dk1"/>
+                <a:schemeClr val="tx1"/>
               </a:fontRef>
             </p:style>
+          </p:cxnSp>
+          <p:sp>
+            <p:nvSpPr>
+              <p:cNvPr id="153" name="TextBox 152">
+                <a:extLst>
+                  <a:ext uri="{FF2B5EF4-FFF2-40B4-BE49-F238E27FC236}">
+                    <a16:creationId xmlns:a16="http://schemas.microsoft.com/office/drawing/2014/main" id="{C99AC1F8-E08B-5E47-B1A0-13D0278CE776}"/>
+                  </a:ext>
+                </a:extLst>
+              </p:cNvPr>
+              <p:cNvSpPr txBox="1"/>
+              <p:nvPr/>
+            </p:nvSpPr>
+            <p:spPr>
+              <a:xfrm>
+                <a:off x="5286713" y="1825668"/>
+                <a:ext cx="452368" cy="261610"/>
+              </a:xfrm>
+              <a:prstGeom prst="rect">
+                <a:avLst/>
+              </a:prstGeom>
+              <a:noFill/>
+            </p:spPr>
             <p:txBody>
-              <a:bodyPr vert="horz" rtlCol="0" anchor="ctr"/>
+              <a:bodyPr wrap="none" rtlCol="0">
+                <a:spAutoFit/>
+              </a:bodyPr>
               <a:lstStyle/>
               <a:p>
-                <a:pPr algn="ctr"/>
-                <a:endParaRPr lang="en-US"/>
+                <a:r>
+                  <a:rPr lang="en-US" sz="1100">
+                    <a:latin typeface="Arial" panose="020B0604020202020204" pitchFamily="34" charset="0"/>
+                    <a:cs typeface="Arial" panose="020B0604020202020204" pitchFamily="34" charset="0"/>
+                  </a:rPr>
+                  <a:t>loop</a:t>
+                </a:r>
               </a:p>
             </p:txBody>
           </p:sp>
         </p:grpSp>
         <p:sp>
           <p:nvSpPr>
-            <p:cNvPr id="123" name="TextBox 122">
+            <p:cNvPr id="154" name="TextBox 153">
               <a:extLst>
                 <a:ext uri="{FF2B5EF4-FFF2-40B4-BE49-F238E27FC236}">
-                  <a16:creationId xmlns:a16="http://schemas.microsoft.com/office/drawing/2014/main" id="{DD227E4F-F673-744A-BA3D-2C91CC07164C}"/>
+                  <a16:creationId xmlns:a16="http://schemas.microsoft.com/office/drawing/2014/main" id="{EB12385F-021C-E849-A274-0F6EB05D7D5A}"/>
                 </a:ext>
               </a:extLst>
             </p:cNvPr>
@@ -5597,890 +6867,8 @@
           </p:nvSpPr>
           <p:spPr>
             <a:xfrm>
-              <a:off x="6126576" y="1823347"/>
-              <a:ext cx="1366080" cy="261610"/>
-            </a:xfrm>
-            <a:prstGeom prst="rect">
-              <a:avLst/>
-            </a:prstGeom>
-            <a:noFill/>
-          </p:spPr>
-          <p:txBody>
-            <a:bodyPr wrap="none" rtlCol="0">
-              <a:spAutoFit/>
-            </a:bodyPr>
-            <a:lstStyle/>
-            <a:p>
-              <a:r>
-                <a:rPr lang="en-US" sz="1100">
-                  <a:latin typeface="Arial" panose="020B0604020202020204" pitchFamily="34" charset="0"/>
-                  <a:cs typeface="Arial" panose="020B0604020202020204" pitchFamily="34" charset="0"/>
-                </a:rPr>
-                <a:t>[until card is found]</a:t>
-              </a:r>
-            </a:p>
-          </p:txBody>
-        </p:sp>
-        <p:cxnSp>
-          <p:nvCxnSpPr>
-            <p:cNvPr id="124" name="Straight Connector 123">
-              <a:extLst>
-                <a:ext uri="{FF2B5EF4-FFF2-40B4-BE49-F238E27FC236}">
-                  <a16:creationId xmlns:a16="http://schemas.microsoft.com/office/drawing/2014/main" id="{F1AA63E2-0772-6748-BE80-C7CAED0DDAA9}"/>
-                </a:ext>
-              </a:extLst>
-            </p:cNvPr>
-            <p:cNvCxnSpPr>
-              <a:cxnSpLocks/>
-              <a:stCxn id="125" idx="2"/>
-            </p:cNvCxnSpPr>
-            <p:nvPr/>
-          </p:nvCxnSpPr>
-          <p:spPr>
-            <a:xfrm>
-              <a:off x="6180750" y="2644884"/>
-              <a:ext cx="158393" cy="0"/>
-            </a:xfrm>
-            <a:prstGeom prst="line">
-              <a:avLst/>
-            </a:prstGeom>
-            <a:ln>
-              <a:solidFill>
-                <a:schemeClr val="accent2">
-                  <a:lumMod val="75000"/>
-                </a:schemeClr>
-              </a:solidFill>
-              <a:prstDash val="sysDash"/>
-            </a:ln>
-          </p:spPr>
-          <p:style>
-            <a:lnRef idx="1">
-              <a:schemeClr val="accent1"/>
-            </a:lnRef>
-            <a:fillRef idx="0">
-              <a:schemeClr val="accent1"/>
-            </a:fillRef>
-            <a:effectRef idx="0">
-              <a:schemeClr val="accent1"/>
-            </a:effectRef>
-            <a:fontRef idx="minor">
-              <a:schemeClr val="tx1"/>
-            </a:fontRef>
-          </p:style>
-        </p:cxnSp>
-        <p:sp>
-          <p:nvSpPr>
-            <p:cNvPr id="125" name="Rectangle 124">
-              <a:extLst>
-                <a:ext uri="{FF2B5EF4-FFF2-40B4-BE49-F238E27FC236}">
-                  <a16:creationId xmlns:a16="http://schemas.microsoft.com/office/drawing/2014/main" id="{A79EFDD3-DA64-8C42-B718-6FDD25C6EF77}"/>
-                </a:ext>
-              </a:extLst>
-            </p:cNvPr>
-            <p:cNvSpPr/>
-            <p:nvPr/>
-          </p:nvSpPr>
-          <p:spPr>
-            <a:xfrm>
-              <a:off x="6119337" y="2239138"/>
-              <a:ext cx="122826" cy="405746"/>
-            </a:xfrm>
-            <a:prstGeom prst="rect">
-              <a:avLst/>
-            </a:prstGeom>
-            <a:solidFill>
-              <a:schemeClr val="accent2">
-                <a:lumMod val="60000"/>
-                <a:lumOff val="40000"/>
-              </a:schemeClr>
-            </a:solidFill>
-            <a:ln>
-              <a:solidFill>
-                <a:schemeClr val="accent2">
-                  <a:lumMod val="60000"/>
-                  <a:lumOff val="40000"/>
-                </a:schemeClr>
-              </a:solidFill>
-            </a:ln>
-          </p:spPr>
-          <p:style>
-            <a:lnRef idx="2">
-              <a:schemeClr val="accent1">
-                <a:shade val="50000"/>
-              </a:schemeClr>
-            </a:lnRef>
-            <a:fillRef idx="1">
-              <a:schemeClr val="accent1"/>
-            </a:fillRef>
-            <a:effectRef idx="0">
-              <a:schemeClr val="accent1"/>
-            </a:effectRef>
-            <a:fontRef idx="minor">
-              <a:schemeClr val="lt1"/>
-            </a:fontRef>
-          </p:style>
-          <p:txBody>
-            <a:bodyPr rtlCol="0" anchor="ctr"/>
-            <a:lstStyle/>
-            <a:p>
-              <a:pPr algn="ctr"/>
-              <a:endParaRPr lang="en-US" sz="1100">
-                <a:latin typeface="Arial" panose="020B0604020202020204" pitchFamily="34" charset="0"/>
-                <a:cs typeface="Arial" panose="020B0604020202020204" pitchFamily="34" charset="0"/>
-              </a:endParaRPr>
-            </a:p>
-          </p:txBody>
-        </p:sp>
-        <p:cxnSp>
-          <p:nvCxnSpPr>
-            <p:cNvPr id="126" name="Curved Connector 125">
-              <a:extLst>
-                <a:ext uri="{FF2B5EF4-FFF2-40B4-BE49-F238E27FC236}">
-                  <a16:creationId xmlns:a16="http://schemas.microsoft.com/office/drawing/2014/main" id="{80187D65-D9EB-224E-B4CB-1023A22E23C9}"/>
-                </a:ext>
-              </a:extLst>
-            </p:cNvPr>
-            <p:cNvCxnSpPr>
-              <a:cxnSpLocks/>
-            </p:cNvCxnSpPr>
-            <p:nvPr/>
-          </p:nvCxnSpPr>
-          <p:spPr>
-            <a:xfrm rot="10800000" flipV="1">
-              <a:off x="6159438" y="2644000"/>
-              <a:ext cx="185456" cy="80131"/>
-            </a:xfrm>
-            <a:prstGeom prst="curvedConnector3">
-              <a:avLst>
-                <a:gd name="adj1" fmla="val -19336"/>
-              </a:avLst>
-            </a:prstGeom>
-            <a:ln>
-              <a:solidFill>
-                <a:schemeClr val="accent2">
-                  <a:lumMod val="75000"/>
-                </a:schemeClr>
-              </a:solidFill>
-              <a:prstDash val="sysDash"/>
-              <a:tailEnd type="triangle"/>
-            </a:ln>
-          </p:spPr>
-          <p:style>
-            <a:lnRef idx="1">
-              <a:schemeClr val="accent1"/>
-            </a:lnRef>
-            <a:fillRef idx="0">
-              <a:schemeClr val="accent1"/>
-            </a:fillRef>
-            <a:effectRef idx="0">
-              <a:schemeClr val="accent1"/>
-            </a:effectRef>
-            <a:fontRef idx="minor">
-              <a:schemeClr val="tx1"/>
-            </a:fontRef>
-          </p:style>
-        </p:cxnSp>
-        <p:sp>
-          <p:nvSpPr>
-            <p:cNvPr id="127" name="TextBox 126">
-              <a:extLst>
-                <a:ext uri="{FF2B5EF4-FFF2-40B4-BE49-F238E27FC236}">
-                  <a16:creationId xmlns:a16="http://schemas.microsoft.com/office/drawing/2014/main" id="{5EEB95E2-1872-E54C-A2C0-A13E5B5AB7EB}"/>
-                </a:ext>
-              </a:extLst>
-            </p:cNvPr>
-            <p:cNvSpPr txBox="1"/>
-            <p:nvPr/>
-          </p:nvSpPr>
-          <p:spPr>
-            <a:xfrm>
-              <a:off x="6260357" y="2012450"/>
-              <a:ext cx="1091966" cy="261610"/>
-            </a:xfrm>
-            <a:prstGeom prst="rect">
-              <a:avLst/>
-            </a:prstGeom>
-            <a:noFill/>
-          </p:spPr>
-          <p:txBody>
-            <a:bodyPr wrap="none" rtlCol="0">
-              <a:spAutoFit/>
-            </a:bodyPr>
-            <a:lstStyle/>
-            <a:p>
-              <a:r>
-                <a:rPr lang="en-US" sz="1100">
-                  <a:latin typeface="Arial" panose="020B0604020202020204" pitchFamily="34" charset="0"/>
-                  <a:cs typeface="Arial" panose="020B0604020202020204" pitchFamily="34" charset="0"/>
-                </a:rPr>
-                <a:t>get(cardIndex)</a:t>
-              </a:r>
-            </a:p>
-          </p:txBody>
-        </p:sp>
-        <p:sp>
-          <p:nvSpPr>
-            <p:cNvPr id="128" name="TextBox 127">
-              <a:extLst>
-                <a:ext uri="{FF2B5EF4-FFF2-40B4-BE49-F238E27FC236}">
-                  <a16:creationId xmlns:a16="http://schemas.microsoft.com/office/drawing/2014/main" id="{8AECC4C4-D5CE-8049-AD1E-E71C5C3ADE25}"/>
-                </a:ext>
-              </a:extLst>
-            </p:cNvPr>
-            <p:cNvSpPr txBox="1"/>
-            <p:nvPr/>
-          </p:nvSpPr>
-          <p:spPr>
-            <a:xfrm>
-              <a:off x="6318025" y="2554036"/>
-              <a:ext cx="497252" cy="261610"/>
-            </a:xfrm>
-            <a:prstGeom prst="rect">
-              <a:avLst/>
-            </a:prstGeom>
-            <a:noFill/>
-          </p:spPr>
-          <p:txBody>
-            <a:bodyPr wrap="none" rtlCol="0">
-              <a:spAutoFit/>
-            </a:bodyPr>
-            <a:lstStyle/>
-            <a:p>
-              <a:r>
-                <a:rPr lang="en-US" sz="1100">
-                  <a:latin typeface="Arial" panose="020B0604020202020204" pitchFamily="34" charset="0"/>
-                  <a:cs typeface="Arial" panose="020B0604020202020204" pitchFamily="34" charset="0"/>
-                </a:rPr>
-                <a:t>temp</a:t>
-              </a:r>
-            </a:p>
-          </p:txBody>
-        </p:sp>
-        <p:cxnSp>
-          <p:nvCxnSpPr>
-            <p:cNvPr id="129" name="Straight Connector 128">
-              <a:extLst>
-                <a:ext uri="{FF2B5EF4-FFF2-40B4-BE49-F238E27FC236}">
-                  <a16:creationId xmlns:a16="http://schemas.microsoft.com/office/drawing/2014/main" id="{8AF1EEED-FB68-E748-BEDD-73A3E940AF28}"/>
-                </a:ext>
-              </a:extLst>
-            </p:cNvPr>
-            <p:cNvCxnSpPr>
-              <a:cxnSpLocks/>
-              <a:stCxn id="130" idx="2"/>
-            </p:cNvCxnSpPr>
-            <p:nvPr/>
-          </p:nvCxnSpPr>
-          <p:spPr>
-            <a:xfrm>
-              <a:off x="6156926" y="3340639"/>
-              <a:ext cx="158393" cy="0"/>
-            </a:xfrm>
-            <a:prstGeom prst="line">
-              <a:avLst/>
-            </a:prstGeom>
-            <a:ln>
-              <a:solidFill>
-                <a:schemeClr val="accent2">
-                  <a:lumMod val="75000"/>
-                </a:schemeClr>
-              </a:solidFill>
-              <a:prstDash val="sysDash"/>
-            </a:ln>
-          </p:spPr>
-          <p:style>
-            <a:lnRef idx="1">
-              <a:schemeClr val="accent1"/>
-            </a:lnRef>
-            <a:fillRef idx="0">
-              <a:schemeClr val="accent1"/>
-            </a:fillRef>
-            <a:effectRef idx="0">
-              <a:schemeClr val="accent1"/>
-            </a:effectRef>
-            <a:fontRef idx="minor">
-              <a:schemeClr val="tx1"/>
-            </a:fontRef>
-          </p:style>
-        </p:cxnSp>
-        <p:sp>
-          <p:nvSpPr>
-            <p:cNvPr id="130" name="Rectangle 129">
-              <a:extLst>
-                <a:ext uri="{FF2B5EF4-FFF2-40B4-BE49-F238E27FC236}">
-                  <a16:creationId xmlns:a16="http://schemas.microsoft.com/office/drawing/2014/main" id="{5704FEB6-8A00-3F46-BD46-94343B1A76E4}"/>
-                </a:ext>
-              </a:extLst>
-            </p:cNvPr>
-            <p:cNvSpPr/>
-            <p:nvPr/>
-          </p:nvSpPr>
-          <p:spPr>
-            <a:xfrm>
-              <a:off x="6095513" y="2934893"/>
-              <a:ext cx="122826" cy="405746"/>
-            </a:xfrm>
-            <a:prstGeom prst="rect">
-              <a:avLst/>
-            </a:prstGeom>
-            <a:solidFill>
-              <a:schemeClr val="accent2">
-                <a:lumMod val="60000"/>
-                <a:lumOff val="40000"/>
-              </a:schemeClr>
-            </a:solidFill>
-            <a:ln>
-              <a:solidFill>
-                <a:schemeClr val="accent2">
-                  <a:lumMod val="60000"/>
-                  <a:lumOff val="40000"/>
-                </a:schemeClr>
-              </a:solidFill>
-            </a:ln>
-          </p:spPr>
-          <p:style>
-            <a:lnRef idx="2">
-              <a:schemeClr val="accent1">
-                <a:shade val="50000"/>
-              </a:schemeClr>
-            </a:lnRef>
-            <a:fillRef idx="1">
-              <a:schemeClr val="accent1"/>
-            </a:fillRef>
-            <a:effectRef idx="0">
-              <a:schemeClr val="accent1"/>
-            </a:effectRef>
-            <a:fontRef idx="minor">
-              <a:schemeClr val="lt1"/>
-            </a:fontRef>
-          </p:style>
-          <p:txBody>
-            <a:bodyPr rtlCol="0" anchor="ctr"/>
-            <a:lstStyle/>
-            <a:p>
-              <a:pPr algn="ctr"/>
-              <a:endParaRPr lang="en-US" sz="1100">
-                <a:latin typeface="Arial" panose="020B0604020202020204" pitchFamily="34" charset="0"/>
-                <a:cs typeface="Arial" panose="020B0604020202020204" pitchFamily="34" charset="0"/>
-              </a:endParaRPr>
-            </a:p>
-          </p:txBody>
-        </p:sp>
-        <p:cxnSp>
-          <p:nvCxnSpPr>
-            <p:cNvPr id="131" name="Curved Connector 130">
-              <a:extLst>
-                <a:ext uri="{FF2B5EF4-FFF2-40B4-BE49-F238E27FC236}">
-                  <a16:creationId xmlns:a16="http://schemas.microsoft.com/office/drawing/2014/main" id="{F87A38B1-65F8-3C49-96F6-C8DB8B2ACE8B}"/>
-                </a:ext>
-              </a:extLst>
-            </p:cNvPr>
-            <p:cNvCxnSpPr>
-              <a:cxnSpLocks/>
-            </p:cNvCxnSpPr>
-            <p:nvPr/>
-          </p:nvCxnSpPr>
-          <p:spPr>
-            <a:xfrm rot="10800000" flipV="1">
-              <a:off x="6135614" y="3339755"/>
-              <a:ext cx="185456" cy="80131"/>
-            </a:xfrm>
-            <a:prstGeom prst="curvedConnector3">
-              <a:avLst>
-                <a:gd name="adj1" fmla="val -19336"/>
-              </a:avLst>
-            </a:prstGeom>
-            <a:ln>
-              <a:solidFill>
-                <a:schemeClr val="accent2">
-                  <a:lumMod val="75000"/>
-                </a:schemeClr>
-              </a:solidFill>
-              <a:prstDash val="sysDash"/>
-              <a:tailEnd type="triangle"/>
-            </a:ln>
-          </p:spPr>
-          <p:style>
-            <a:lnRef idx="1">
-              <a:schemeClr val="accent1"/>
-            </a:lnRef>
-            <a:fillRef idx="0">
-              <a:schemeClr val="accent1"/>
-            </a:fillRef>
-            <a:effectRef idx="0">
-              <a:schemeClr val="accent1"/>
-            </a:effectRef>
-            <a:fontRef idx="minor">
-              <a:schemeClr val="tx1"/>
-            </a:fontRef>
-          </p:style>
-        </p:cxnSp>
-        <p:sp>
-          <p:nvSpPr>
-            <p:cNvPr id="132" name="TextBox 131">
-              <a:extLst>
-                <a:ext uri="{FF2B5EF4-FFF2-40B4-BE49-F238E27FC236}">
-                  <a16:creationId xmlns:a16="http://schemas.microsoft.com/office/drawing/2014/main" id="{5BCF5D2A-37E9-B541-85FD-B6645952A061}"/>
-                </a:ext>
-              </a:extLst>
-            </p:cNvPr>
-            <p:cNvSpPr txBox="1"/>
-            <p:nvPr/>
-          </p:nvSpPr>
-          <p:spPr>
-            <a:xfrm>
-              <a:off x="6259946" y="2720765"/>
-              <a:ext cx="1366080" cy="261610"/>
-            </a:xfrm>
-            <a:prstGeom prst="rect">
-              <a:avLst/>
-            </a:prstGeom>
-            <a:noFill/>
-          </p:spPr>
-          <p:txBody>
-            <a:bodyPr wrap="none" rtlCol="0">
-              <a:spAutoFit/>
-            </a:bodyPr>
-            <a:lstStyle/>
-            <a:p>
-              <a:r>
-                <a:rPr lang="en-US" sz="1100">
-                  <a:latin typeface="Arial" panose="020B0604020202020204" pitchFamily="34" charset="0"/>
-                  <a:cs typeface="Arial" panose="020B0604020202020204" pitchFamily="34" charset="0"/>
-                </a:rPr>
-                <a:t>remove(cardIndex)</a:t>
-              </a:r>
-            </a:p>
-          </p:txBody>
-        </p:sp>
-        <p:cxnSp>
-          <p:nvCxnSpPr>
-            <p:cNvPr id="133" name="Straight Arrow Connector 132">
-              <a:extLst>
-                <a:ext uri="{FF2B5EF4-FFF2-40B4-BE49-F238E27FC236}">
-                  <a16:creationId xmlns:a16="http://schemas.microsoft.com/office/drawing/2014/main" id="{038E900B-1F66-8F42-B460-8E02AD757D8D}"/>
-                </a:ext>
-              </a:extLst>
-            </p:cNvPr>
-            <p:cNvCxnSpPr>
-              <a:cxnSpLocks/>
-            </p:cNvCxnSpPr>
-            <p:nvPr/>
-          </p:nvCxnSpPr>
-          <p:spPr>
-            <a:xfrm flipV="1">
-              <a:off x="6152347" y="3622321"/>
-              <a:ext cx="3311999" cy="0"/>
-            </a:xfrm>
-            <a:prstGeom prst="straightConnector1">
-              <a:avLst/>
-            </a:prstGeom>
-            <a:ln>
-              <a:solidFill>
-                <a:schemeClr val="accent2">
-                  <a:lumMod val="75000"/>
-                </a:schemeClr>
-              </a:solidFill>
-              <a:tailEnd type="triangle"/>
-            </a:ln>
-          </p:spPr>
-          <p:style>
-            <a:lnRef idx="1">
-              <a:schemeClr val="accent1"/>
-            </a:lnRef>
-            <a:fillRef idx="0">
-              <a:schemeClr val="accent1"/>
-            </a:fillRef>
-            <a:effectRef idx="0">
-              <a:schemeClr val="accent1"/>
-            </a:effectRef>
-            <a:fontRef idx="minor">
-              <a:schemeClr val="tx1"/>
-            </a:fontRef>
-          </p:style>
-        </p:cxnSp>
-        <p:sp>
-          <p:nvSpPr>
-            <p:cNvPr id="134" name="TextBox 133">
-              <a:extLst>
-                <a:ext uri="{FF2B5EF4-FFF2-40B4-BE49-F238E27FC236}">
-                  <a16:creationId xmlns:a16="http://schemas.microsoft.com/office/drawing/2014/main" id="{CD002677-1A14-414B-9D23-D7E183634A32}"/>
-                </a:ext>
-              </a:extLst>
-            </p:cNvPr>
-            <p:cNvSpPr txBox="1"/>
-            <p:nvPr/>
-          </p:nvSpPr>
-          <p:spPr>
-            <a:xfrm>
-              <a:off x="6776445" y="3406861"/>
-              <a:ext cx="1696298" cy="261610"/>
-            </a:xfrm>
-            <a:prstGeom prst="rect">
-              <a:avLst/>
-            </a:prstGeom>
-            <a:noFill/>
-          </p:spPr>
-          <p:txBody>
-            <a:bodyPr wrap="none" rtlCol="0">
-              <a:spAutoFit/>
-            </a:bodyPr>
-            <a:lstStyle/>
-            <a:p>
-              <a:r>
-                <a:rPr lang="en-US" sz="1100">
-                  <a:latin typeface="Arial" panose="020B0604020202020204" pitchFamily="34" charset="0"/>
-                  <a:cs typeface="Arial" panose="020B0604020202020204" pitchFamily="34" charset="0"/>
-                </a:rPr>
-                <a:t>printMessage(message)</a:t>
-              </a:r>
-            </a:p>
-          </p:txBody>
-        </p:sp>
-        <p:cxnSp>
-          <p:nvCxnSpPr>
-            <p:cNvPr id="135" name="Straight Connector 134">
-              <a:extLst>
-                <a:ext uri="{FF2B5EF4-FFF2-40B4-BE49-F238E27FC236}">
-                  <a16:creationId xmlns:a16="http://schemas.microsoft.com/office/drawing/2014/main" id="{BF9D8D87-8280-0546-8022-9AF6DFD397C5}"/>
-                </a:ext>
-              </a:extLst>
-            </p:cNvPr>
-            <p:cNvCxnSpPr>
-              <a:cxnSpLocks/>
-              <a:stCxn id="136" idx="2"/>
-            </p:cNvCxnSpPr>
-            <p:nvPr/>
-          </p:nvCxnSpPr>
-          <p:spPr>
-            <a:xfrm>
-              <a:off x="6177043" y="5096447"/>
-              <a:ext cx="128734" cy="0"/>
-            </a:xfrm>
-            <a:prstGeom prst="line">
-              <a:avLst/>
-            </a:prstGeom>
-            <a:ln>
-              <a:solidFill>
-                <a:schemeClr val="accent2">
-                  <a:lumMod val="75000"/>
-                </a:schemeClr>
-              </a:solidFill>
-              <a:prstDash val="sysDash"/>
-            </a:ln>
-          </p:spPr>
-          <p:style>
-            <a:lnRef idx="1">
-              <a:schemeClr val="accent1"/>
-            </a:lnRef>
-            <a:fillRef idx="0">
-              <a:schemeClr val="accent1"/>
-            </a:fillRef>
-            <a:effectRef idx="0">
-              <a:schemeClr val="accent1"/>
-            </a:effectRef>
-            <a:fontRef idx="minor">
-              <a:schemeClr val="tx1"/>
-            </a:fontRef>
-          </p:style>
-        </p:cxnSp>
-        <p:sp>
-          <p:nvSpPr>
-            <p:cNvPr id="136" name="Rectangle 135">
-              <a:extLst>
-                <a:ext uri="{FF2B5EF4-FFF2-40B4-BE49-F238E27FC236}">
-                  <a16:creationId xmlns:a16="http://schemas.microsoft.com/office/drawing/2014/main" id="{766CE2FC-2F0D-434A-8E7D-37CE6D09459E}"/>
-                </a:ext>
-              </a:extLst>
-            </p:cNvPr>
-            <p:cNvSpPr/>
-            <p:nvPr/>
-          </p:nvSpPr>
-          <p:spPr>
-            <a:xfrm>
-              <a:off x="6117669" y="4145971"/>
-              <a:ext cx="118747" cy="950476"/>
-            </a:xfrm>
-            <a:prstGeom prst="rect">
-              <a:avLst/>
-            </a:prstGeom>
-            <a:solidFill>
-              <a:schemeClr val="accent2">
-                <a:lumMod val="60000"/>
-                <a:lumOff val="40000"/>
-              </a:schemeClr>
-            </a:solidFill>
-            <a:ln>
-              <a:solidFill>
-                <a:schemeClr val="accent2">
-                  <a:lumMod val="60000"/>
-                  <a:lumOff val="40000"/>
-                </a:schemeClr>
-              </a:solidFill>
-            </a:ln>
-          </p:spPr>
-          <p:style>
-            <a:lnRef idx="2">
-              <a:schemeClr val="accent1">
-                <a:shade val="50000"/>
-              </a:schemeClr>
-            </a:lnRef>
-            <a:fillRef idx="1">
-              <a:schemeClr val="accent1"/>
-            </a:fillRef>
-            <a:effectRef idx="0">
-              <a:schemeClr val="accent1"/>
-            </a:effectRef>
-            <a:fontRef idx="minor">
-              <a:schemeClr val="lt1"/>
-            </a:fontRef>
-          </p:style>
-          <p:txBody>
-            <a:bodyPr rtlCol="0" anchor="ctr"/>
-            <a:lstStyle/>
-            <a:p>
-              <a:pPr algn="ctr"/>
-              <a:endParaRPr lang="en-US" sz="1100">
-                <a:latin typeface="Arial" panose="020B0604020202020204" pitchFamily="34" charset="0"/>
-                <a:cs typeface="Arial" panose="020B0604020202020204" pitchFamily="34" charset="0"/>
-              </a:endParaRPr>
-            </a:p>
-          </p:txBody>
-        </p:sp>
-        <p:sp>
-          <p:nvSpPr>
-            <p:cNvPr id="137" name="TextBox 136">
-              <a:extLst>
-                <a:ext uri="{FF2B5EF4-FFF2-40B4-BE49-F238E27FC236}">
-                  <a16:creationId xmlns:a16="http://schemas.microsoft.com/office/drawing/2014/main" id="{8E1CE88D-E162-E644-965E-C5DFE131FF2F}"/>
-                </a:ext>
-              </a:extLst>
-            </p:cNvPr>
-            <p:cNvSpPr txBox="1"/>
-            <p:nvPr/>
-          </p:nvSpPr>
-          <p:spPr>
-            <a:xfrm>
-              <a:off x="6282190" y="3930091"/>
-              <a:ext cx="3246402" cy="261610"/>
-            </a:xfrm>
-            <a:prstGeom prst="rect">
-              <a:avLst/>
-            </a:prstGeom>
-            <a:noFill/>
-          </p:spPr>
-          <p:txBody>
-            <a:bodyPr wrap="none" rtlCol="0">
-              <a:spAutoFit/>
-            </a:bodyPr>
-            <a:lstStyle/>
-            <a:p>
-              <a:r>
-                <a:rPr lang="en-US" sz="1100">
-                  <a:latin typeface="Arial" panose="020B0604020202020204" pitchFamily="34" charset="0"/>
-                  <a:cs typeface="Arial" panose="020B0604020202020204" pitchFamily="34" charset="0"/>
-                </a:rPr>
-                <a:t>printOneCard(ONE_INDEX, temp, ISSINGLE, ui)</a:t>
-              </a:r>
-            </a:p>
-          </p:txBody>
-        </p:sp>
-        <p:cxnSp>
-          <p:nvCxnSpPr>
-            <p:cNvPr id="138" name="Straight Arrow Connector 137">
-              <a:extLst>
-                <a:ext uri="{FF2B5EF4-FFF2-40B4-BE49-F238E27FC236}">
-                  <a16:creationId xmlns:a16="http://schemas.microsoft.com/office/drawing/2014/main" id="{7A7DAEF5-F582-A74E-B461-63CE7C65CC52}"/>
-                </a:ext>
-              </a:extLst>
-            </p:cNvPr>
-            <p:cNvCxnSpPr>
-              <a:cxnSpLocks/>
-            </p:cNvCxnSpPr>
-            <p:nvPr/>
-          </p:nvCxnSpPr>
-          <p:spPr>
-            <a:xfrm>
-              <a:off x="6259946" y="4346986"/>
-              <a:ext cx="4970875" cy="0"/>
-            </a:xfrm>
-            <a:prstGeom prst="straightConnector1">
-              <a:avLst/>
-            </a:prstGeom>
-            <a:ln>
-              <a:solidFill>
-                <a:schemeClr val="accent2">
-                  <a:lumMod val="75000"/>
-                </a:schemeClr>
-              </a:solidFill>
-              <a:tailEnd type="triangle"/>
-            </a:ln>
-          </p:spPr>
-          <p:style>
-            <a:lnRef idx="1">
-              <a:schemeClr val="accent1"/>
-            </a:lnRef>
-            <a:fillRef idx="0">
-              <a:schemeClr val="accent1"/>
-            </a:fillRef>
-            <a:effectRef idx="0">
-              <a:schemeClr val="accent1"/>
-            </a:effectRef>
-            <a:fontRef idx="minor">
-              <a:schemeClr val="tx1"/>
-            </a:fontRef>
-          </p:style>
-        </p:cxnSp>
-        <p:sp>
-          <p:nvSpPr>
-            <p:cNvPr id="139" name="TextBox 138">
-              <a:extLst>
-                <a:ext uri="{FF2B5EF4-FFF2-40B4-BE49-F238E27FC236}">
-                  <a16:creationId xmlns:a16="http://schemas.microsoft.com/office/drawing/2014/main" id="{0EADB15C-3681-854E-9286-F35BAE4CF60E}"/>
-                </a:ext>
-              </a:extLst>
-            </p:cNvPr>
-            <p:cNvSpPr txBox="1"/>
-            <p:nvPr/>
-          </p:nvSpPr>
-          <p:spPr>
-            <a:xfrm>
-              <a:off x="9794301" y="4117349"/>
-              <a:ext cx="1119217" cy="261610"/>
-            </a:xfrm>
-            <a:prstGeom prst="rect">
-              <a:avLst/>
-            </a:prstGeom>
-            <a:noFill/>
-          </p:spPr>
-          <p:txBody>
-            <a:bodyPr wrap="none" rtlCol="0">
-              <a:spAutoFit/>
-            </a:bodyPr>
-            <a:lstStyle/>
-            <a:p>
-              <a:r>
-                <a:rPr lang="en-US" sz="1100">
-                  <a:latin typeface="Arial" panose="020B0604020202020204" pitchFamily="34" charset="0"/>
-                  <a:cs typeface="Arial" panose="020B0604020202020204" pitchFamily="34" charset="0"/>
-                </a:rPr>
-                <a:t>getCardDetails</a:t>
-              </a:r>
-            </a:p>
-          </p:txBody>
-        </p:sp>
-        <p:cxnSp>
-          <p:nvCxnSpPr>
-            <p:cNvPr id="140" name="Straight Arrow Connector 139">
-              <a:extLst>
-                <a:ext uri="{FF2B5EF4-FFF2-40B4-BE49-F238E27FC236}">
-                  <a16:creationId xmlns:a16="http://schemas.microsoft.com/office/drawing/2014/main" id="{CA082168-1A2A-EB41-9196-C8F9332C847C}"/>
-                </a:ext>
-              </a:extLst>
-            </p:cNvPr>
-            <p:cNvCxnSpPr>
-              <a:cxnSpLocks/>
-            </p:cNvCxnSpPr>
-            <p:nvPr/>
-          </p:nvCxnSpPr>
-          <p:spPr>
-            <a:xfrm flipH="1" flipV="1">
-              <a:off x="6238760" y="4589466"/>
-              <a:ext cx="5052607" cy="0"/>
-            </a:xfrm>
-            <a:prstGeom prst="straightConnector1">
-              <a:avLst/>
-            </a:prstGeom>
-            <a:ln>
-              <a:solidFill>
-                <a:schemeClr val="accent2">
-                  <a:lumMod val="75000"/>
-                </a:schemeClr>
-              </a:solidFill>
-              <a:prstDash val="sysDash"/>
-              <a:tailEnd type="triangle"/>
-            </a:ln>
-          </p:spPr>
-          <p:style>
-            <a:lnRef idx="1">
-              <a:schemeClr val="accent1"/>
-            </a:lnRef>
-            <a:fillRef idx="0">
-              <a:schemeClr val="accent1"/>
-            </a:fillRef>
-            <a:effectRef idx="0">
-              <a:schemeClr val="accent1"/>
-            </a:effectRef>
-            <a:fontRef idx="minor">
-              <a:schemeClr val="tx1"/>
-            </a:fontRef>
-          </p:style>
-        </p:cxnSp>
-        <p:cxnSp>
-          <p:nvCxnSpPr>
-            <p:cNvPr id="141" name="Curved Connector 140">
-              <a:extLst>
-                <a:ext uri="{FF2B5EF4-FFF2-40B4-BE49-F238E27FC236}">
-                  <a16:creationId xmlns:a16="http://schemas.microsoft.com/office/drawing/2014/main" id="{13FD3A00-B99B-0640-A045-8B46149150DF}"/>
-                </a:ext>
-              </a:extLst>
-            </p:cNvPr>
-            <p:cNvCxnSpPr>
-              <a:cxnSpLocks/>
-            </p:cNvCxnSpPr>
-            <p:nvPr/>
-          </p:nvCxnSpPr>
-          <p:spPr>
-            <a:xfrm rot="10800000" flipV="1">
-              <a:off x="6143966" y="5096446"/>
-              <a:ext cx="150655" cy="72078"/>
-            </a:xfrm>
-            <a:prstGeom prst="curvedConnector3">
-              <a:avLst>
-                <a:gd name="adj1" fmla="val -13060"/>
-              </a:avLst>
-            </a:prstGeom>
-            <a:ln>
-              <a:solidFill>
-                <a:schemeClr val="accent2">
-                  <a:lumMod val="75000"/>
-                </a:schemeClr>
-              </a:solidFill>
-              <a:prstDash val="sysDash"/>
-              <a:tailEnd type="triangle"/>
-            </a:ln>
-          </p:spPr>
-          <p:style>
-            <a:lnRef idx="1">
-              <a:schemeClr val="accent1"/>
-            </a:lnRef>
-            <a:fillRef idx="0">
-              <a:schemeClr val="accent1"/>
-            </a:fillRef>
-            <a:effectRef idx="0">
-              <a:schemeClr val="accent1"/>
-            </a:effectRef>
-            <a:fontRef idx="minor">
-              <a:schemeClr val="tx1"/>
-            </a:fontRef>
-          </p:style>
-        </p:cxnSp>
-        <p:sp>
-          <p:nvSpPr>
-            <p:cNvPr id="142" name="TextBox 141">
-              <a:extLst>
-                <a:ext uri="{FF2B5EF4-FFF2-40B4-BE49-F238E27FC236}">
-                  <a16:creationId xmlns:a16="http://schemas.microsoft.com/office/drawing/2014/main" id="{75608110-6FD7-AD4C-BDE0-DF233BDD50A9}"/>
-                </a:ext>
-              </a:extLst>
-            </p:cNvPr>
-            <p:cNvSpPr txBox="1"/>
-            <p:nvPr/>
-          </p:nvSpPr>
-          <p:spPr>
-            <a:xfrm>
-              <a:off x="7867873" y="4374744"/>
-              <a:ext cx="923651" cy="261610"/>
+              <a:off x="6213853" y="4601419"/>
+              <a:ext cx="3336170" cy="261610"/>
             </a:xfrm>
             <a:prstGeom prst="rect">
               <a:avLst/>
@@ -6498,7 +6886,56 @@
                   <a:latin typeface="Arial" panose="020B0604020202020204" pitchFamily="34" charset="0"/>
                   <a:cs typeface="Arial" panose="020B0604020202020204" pitchFamily="34" charset="0"/>
                 </a:rPr>
-                <a:t>CardDetails</a:t>
+                <a:t>printCard</a:t>
+              </a:r>
+              <a:r>
+                <a:rPr lang="en-US" sz="1100" dirty="0">
+                  <a:latin typeface="Arial" panose="020B0604020202020204" pitchFamily="34" charset="0"/>
+                  <a:cs typeface="Arial" panose="020B0604020202020204" pitchFamily="34" charset="0"/>
+                </a:rPr>
+                <a:t>(</a:t>
+              </a:r>
+              <a:r>
+                <a:rPr lang="en-SG" sz="1100" dirty="0" err="1">
+                  <a:latin typeface="Arial" panose="020B0604020202020204" pitchFamily="34" charset="0"/>
+                  <a:cs typeface="Arial" panose="020B0604020202020204" pitchFamily="34" charset="0"/>
+                </a:rPr>
+                <a:t>num</a:t>
+              </a:r>
+              <a:r>
+                <a:rPr lang="en-SG" sz="1100" dirty="0">
+                  <a:latin typeface="Arial" panose="020B0604020202020204" pitchFamily="34" charset="0"/>
+                  <a:cs typeface="Arial" panose="020B0604020202020204" pitchFamily="34" charset="0"/>
+                </a:rPr>
+                <a:t>, name, </a:t>
+              </a:r>
+              <a:r>
+                <a:rPr lang="en-SG" sz="1100" dirty="0" err="1">
+                  <a:latin typeface="Arial" panose="020B0604020202020204" pitchFamily="34" charset="0"/>
+                  <a:cs typeface="Arial" panose="020B0604020202020204" pitchFamily="34" charset="0"/>
+                </a:rPr>
+                <a:t>monLimit</a:t>
+              </a:r>
+              <a:r>
+                <a:rPr lang="en-SG" sz="1100" dirty="0">
+                  <a:latin typeface="Arial" panose="020B0604020202020204" pitchFamily="34" charset="0"/>
+                  <a:cs typeface="Arial" panose="020B0604020202020204" pitchFamily="34" charset="0"/>
+                </a:rPr>
+                <a:t>, </a:t>
+              </a:r>
+              <a:r>
+                <a:rPr lang="en-SG" sz="1100" dirty="0" err="1">
+                  <a:latin typeface="Arial" panose="020B0604020202020204" pitchFamily="34" charset="0"/>
+                  <a:cs typeface="Arial" panose="020B0604020202020204" pitchFamily="34" charset="0"/>
+                </a:rPr>
+                <a:t>remLimit</a:t>
+              </a:r>
+              <a:r>
+                <a:rPr lang="en-SG" sz="1100" dirty="0">
+                  <a:latin typeface="Arial" panose="020B0604020202020204" pitchFamily="34" charset="0"/>
+                  <a:cs typeface="Arial" panose="020B0604020202020204" pitchFamily="34" charset="0"/>
+                </a:rPr>
+                <a:t>, rebate)</a:t>
               </a:r>
               <a:endParaRPr lang="en-US" sz="1100" dirty="0">
                 <a:latin typeface="Arial" panose="020B0604020202020204" pitchFamily="34" charset="0"/>
@@ -6507,402 +6944,7 @@
             </a:p>
           </p:txBody>
         </p:sp>
-        <p:cxnSp>
-          <p:nvCxnSpPr>
-            <p:cNvPr id="143" name="Straight Arrow Connector 142">
-              <a:extLst>
-                <a:ext uri="{FF2B5EF4-FFF2-40B4-BE49-F238E27FC236}">
-                  <a16:creationId xmlns:a16="http://schemas.microsoft.com/office/drawing/2014/main" id="{A8173AA4-07F6-9242-8712-E1AD87D07A8E}"/>
-                </a:ext>
-              </a:extLst>
-            </p:cNvPr>
-            <p:cNvCxnSpPr>
-              <a:cxnSpLocks/>
-            </p:cNvCxnSpPr>
-            <p:nvPr/>
-          </p:nvCxnSpPr>
-          <p:spPr>
-            <a:xfrm>
-              <a:off x="6236416" y="4808453"/>
-              <a:ext cx="3215989" cy="0"/>
-            </a:xfrm>
-            <a:prstGeom prst="straightConnector1">
-              <a:avLst/>
-            </a:prstGeom>
-            <a:ln>
-              <a:solidFill>
-                <a:schemeClr val="accent2">
-                  <a:lumMod val="75000"/>
-                </a:schemeClr>
-              </a:solidFill>
-              <a:tailEnd type="triangle"/>
-            </a:ln>
-          </p:spPr>
-          <p:style>
-            <a:lnRef idx="1">
-              <a:schemeClr val="accent1"/>
-            </a:lnRef>
-            <a:fillRef idx="0">
-              <a:schemeClr val="accent1"/>
-            </a:fillRef>
-            <a:effectRef idx="0">
-              <a:schemeClr val="accent1"/>
-            </a:effectRef>
-            <a:fontRef idx="minor">
-              <a:schemeClr val="tx1"/>
-            </a:fontRef>
-          </p:style>
-        </p:cxnSp>
-        <p:sp>
-          <p:nvSpPr>
-            <p:cNvPr id="145" name="Rectangle 144">
-              <a:extLst>
-                <a:ext uri="{FF2B5EF4-FFF2-40B4-BE49-F238E27FC236}">
-                  <a16:creationId xmlns:a16="http://schemas.microsoft.com/office/drawing/2014/main" id="{86D1AFF1-3D32-4D48-BAF9-3DA88D2C744D}"/>
-                </a:ext>
-              </a:extLst>
-            </p:cNvPr>
-            <p:cNvSpPr/>
-            <p:nvPr/>
-          </p:nvSpPr>
-          <p:spPr>
-            <a:xfrm>
-              <a:off x="89466" y="607764"/>
-              <a:ext cx="12013067" cy="5826019"/>
-            </a:xfrm>
-            <a:prstGeom prst="rect">
-              <a:avLst/>
-            </a:prstGeom>
-            <a:noFill/>
-            <a:ln>
-              <a:solidFill>
-                <a:schemeClr val="tx1">
-                  <a:lumMod val="50000"/>
-                  <a:lumOff val="50000"/>
-                </a:schemeClr>
-              </a:solidFill>
-            </a:ln>
-          </p:spPr>
-          <p:style>
-            <a:lnRef idx="2">
-              <a:schemeClr val="accent1">
-                <a:shade val="50000"/>
-              </a:schemeClr>
-            </a:lnRef>
-            <a:fillRef idx="1">
-              <a:schemeClr val="accent1"/>
-            </a:fillRef>
-            <a:effectRef idx="0">
-              <a:schemeClr val="accent1"/>
-            </a:effectRef>
-            <a:fontRef idx="minor">
-              <a:schemeClr val="lt1"/>
-            </a:fontRef>
-          </p:style>
-          <p:txBody>
-            <a:bodyPr rtlCol="0" anchor="ctr"/>
-            <a:lstStyle/>
-            <a:p>
-              <a:pPr algn="ctr"/>
-              <a:endParaRPr lang="en-US"/>
-            </a:p>
-          </p:txBody>
-        </p:sp>
-        <p:sp>
-          <p:nvSpPr>
-            <p:cNvPr id="146" name="TextBox 145">
-              <a:extLst>
-                <a:ext uri="{FF2B5EF4-FFF2-40B4-BE49-F238E27FC236}">
-                  <a16:creationId xmlns:a16="http://schemas.microsoft.com/office/drawing/2014/main" id="{59CAFC8B-3974-2248-A72C-679603348AEC}"/>
-                </a:ext>
-              </a:extLst>
-            </p:cNvPr>
-            <p:cNvSpPr txBox="1"/>
-            <p:nvPr/>
-          </p:nvSpPr>
-          <p:spPr>
-            <a:xfrm>
-              <a:off x="11131205" y="5490729"/>
-              <a:ext cx="311304" cy="369332"/>
-            </a:xfrm>
-            <a:prstGeom prst="rect">
-              <a:avLst/>
-            </a:prstGeom>
-            <a:noFill/>
-          </p:spPr>
-          <p:txBody>
-            <a:bodyPr wrap="none" rtlCol="0">
-              <a:spAutoFit/>
-            </a:bodyPr>
-            <a:lstStyle/>
-            <a:p>
-              <a:r>
-                <a:rPr lang="en-US" b="1" dirty="0">
-                  <a:solidFill>
-                    <a:schemeClr val="accent2"/>
-                  </a:solidFill>
-                </a:rPr>
-                <a:t>X</a:t>
-              </a:r>
-            </a:p>
-          </p:txBody>
-        </p:sp>
-        <p:sp>
-          <p:nvSpPr>
-            <p:cNvPr id="147" name="TextBox 146">
-              <a:extLst>
-                <a:ext uri="{FF2B5EF4-FFF2-40B4-BE49-F238E27FC236}">
-                  <a16:creationId xmlns:a16="http://schemas.microsoft.com/office/drawing/2014/main" id="{AEEAB7F9-529A-AC40-AA96-8D8A357F10BB}"/>
-                </a:ext>
-              </a:extLst>
-            </p:cNvPr>
-            <p:cNvSpPr txBox="1"/>
-            <p:nvPr/>
-          </p:nvSpPr>
-          <p:spPr>
-            <a:xfrm>
-              <a:off x="909235" y="5814120"/>
-              <a:ext cx="522900" cy="261610"/>
-            </a:xfrm>
-            <a:prstGeom prst="rect">
-              <a:avLst/>
-            </a:prstGeom>
-            <a:noFill/>
-          </p:spPr>
-          <p:txBody>
-            <a:bodyPr wrap="none" rtlCol="0">
-              <a:spAutoFit/>
-            </a:bodyPr>
-            <a:lstStyle/>
-            <a:p>
-              <a:r>
-                <a:rPr lang="en-US" sz="1100" dirty="0">
-                  <a:latin typeface="Arial" panose="020B0604020202020204" pitchFamily="34" charset="0"/>
-                  <a:cs typeface="Arial" panose="020B0604020202020204" pitchFamily="34" charset="0"/>
-                </a:rPr>
-                <a:t>isExit</a:t>
-              </a:r>
-            </a:p>
-          </p:txBody>
-        </p:sp>
-        <p:sp>
-          <p:nvSpPr>
-            <p:cNvPr id="149" name="TextBox 148">
-              <a:extLst>
-                <a:ext uri="{FF2B5EF4-FFF2-40B4-BE49-F238E27FC236}">
-                  <a16:creationId xmlns:a16="http://schemas.microsoft.com/office/drawing/2014/main" id="{8B8AFA83-2B60-3343-AAE2-E6B1922A981D}"/>
-                </a:ext>
-              </a:extLst>
-            </p:cNvPr>
-            <p:cNvSpPr txBox="1"/>
-            <p:nvPr/>
-          </p:nvSpPr>
-          <p:spPr>
-            <a:xfrm>
-              <a:off x="1764044" y="6078632"/>
-              <a:ext cx="311304" cy="369332"/>
-            </a:xfrm>
-            <a:prstGeom prst="rect">
-              <a:avLst/>
-            </a:prstGeom>
-            <a:noFill/>
-          </p:spPr>
-          <p:txBody>
-            <a:bodyPr wrap="none" rtlCol="0">
-              <a:spAutoFit/>
-            </a:bodyPr>
-            <a:lstStyle/>
-            <a:p>
-              <a:r>
-                <a:rPr lang="en-US" b="1" dirty="0">
-                  <a:solidFill>
-                    <a:srgbClr val="7030A0">
-                      <a:alpha val="70000"/>
-                    </a:srgbClr>
-                  </a:solidFill>
-                </a:rPr>
-                <a:t>X</a:t>
-              </a:r>
-            </a:p>
-          </p:txBody>
-        </p:sp>
-        <p:cxnSp>
-          <p:nvCxnSpPr>
-            <p:cNvPr id="150" name="Straight Connector 149">
-              <a:extLst>
-                <a:ext uri="{FF2B5EF4-FFF2-40B4-BE49-F238E27FC236}">
-                  <a16:creationId xmlns:a16="http://schemas.microsoft.com/office/drawing/2014/main" id="{F2FE8619-D48C-214E-95FA-78B45F41466E}"/>
-                </a:ext>
-              </a:extLst>
-            </p:cNvPr>
-            <p:cNvCxnSpPr>
-              <a:stCxn id="89" idx="2"/>
-              <a:endCxn id="88" idx="0"/>
-            </p:cNvCxnSpPr>
-            <p:nvPr/>
-          </p:nvCxnSpPr>
-          <p:spPr>
-            <a:xfrm>
-              <a:off x="505081" y="486566"/>
-              <a:ext cx="0" cy="268332"/>
-            </a:xfrm>
-            <a:prstGeom prst="line">
-              <a:avLst/>
-            </a:prstGeom>
-            <a:ln>
-              <a:solidFill>
-                <a:schemeClr val="bg1">
-                  <a:lumMod val="50000"/>
-                </a:schemeClr>
-              </a:solidFill>
-              <a:prstDash val="sysDash"/>
-            </a:ln>
-          </p:spPr>
-          <p:style>
-            <a:lnRef idx="1">
-              <a:schemeClr val="accent1"/>
-            </a:lnRef>
-            <a:fillRef idx="0">
-              <a:schemeClr val="accent1"/>
-            </a:fillRef>
-            <a:effectRef idx="0">
-              <a:schemeClr val="accent1"/>
-            </a:effectRef>
-            <a:fontRef idx="minor">
-              <a:schemeClr val="tx1"/>
-            </a:fontRef>
-          </p:style>
-        </p:cxnSp>
-        <p:sp>
-          <p:nvSpPr>
-            <p:cNvPr id="153" name="TextBox 152">
-              <a:extLst>
-                <a:ext uri="{FF2B5EF4-FFF2-40B4-BE49-F238E27FC236}">
-                  <a16:creationId xmlns:a16="http://schemas.microsoft.com/office/drawing/2014/main" id="{C99AC1F8-E08B-5E47-B1A0-13D0278CE776}"/>
-                </a:ext>
-              </a:extLst>
-            </p:cNvPr>
-            <p:cNvSpPr txBox="1"/>
-            <p:nvPr/>
-          </p:nvSpPr>
-          <p:spPr>
-            <a:xfrm>
-              <a:off x="5286713" y="1825668"/>
-              <a:ext cx="452368" cy="261610"/>
-            </a:xfrm>
-            <a:prstGeom prst="rect">
-              <a:avLst/>
-            </a:prstGeom>
-            <a:noFill/>
-          </p:spPr>
-          <p:txBody>
-            <a:bodyPr wrap="none" rtlCol="0">
-              <a:spAutoFit/>
-            </a:bodyPr>
-            <a:lstStyle/>
-            <a:p>
-              <a:r>
-                <a:rPr lang="en-US" sz="1100">
-                  <a:latin typeface="Arial" panose="020B0604020202020204" pitchFamily="34" charset="0"/>
-                  <a:cs typeface="Arial" panose="020B0604020202020204" pitchFamily="34" charset="0"/>
-                </a:rPr>
-                <a:t>loop</a:t>
-              </a:r>
-            </a:p>
-          </p:txBody>
-        </p:sp>
       </p:grpSp>
-      <p:sp>
-        <p:nvSpPr>
-          <p:cNvPr id="154" name="TextBox 153">
-            <a:extLst>
-              <a:ext uri="{FF2B5EF4-FFF2-40B4-BE49-F238E27FC236}">
-                <a16:creationId xmlns:a16="http://schemas.microsoft.com/office/drawing/2014/main" id="{EB12385F-021C-E849-A274-0F6EB05D7D5A}"/>
-              </a:ext>
-            </a:extLst>
-          </p:cNvPr>
-          <p:cNvSpPr txBox="1"/>
-          <p:nvPr/>
-        </p:nvSpPr>
-        <p:spPr>
-          <a:xfrm>
-            <a:off x="6213853" y="4601419"/>
-            <a:ext cx="3336170" cy="261610"/>
-          </a:xfrm>
-          <a:prstGeom prst="rect">
-            <a:avLst/>
-          </a:prstGeom>
-          <a:noFill/>
-        </p:spPr>
-        <p:txBody>
-          <a:bodyPr wrap="none" rtlCol="0">
-            <a:spAutoFit/>
-          </a:bodyPr>
-          <a:lstStyle/>
-          <a:p>
-            <a:r>
-              <a:rPr lang="en-US" sz="1100" dirty="0" err="1">
-                <a:latin typeface="Arial" panose="020B0604020202020204" pitchFamily="34" charset="0"/>
-                <a:cs typeface="Arial" panose="020B0604020202020204" pitchFamily="34" charset="0"/>
-              </a:rPr>
-              <a:t>printCard</a:t>
-            </a:r>
-            <a:r>
-              <a:rPr lang="en-US" sz="1100" dirty="0">
-                <a:latin typeface="Arial" panose="020B0604020202020204" pitchFamily="34" charset="0"/>
-                <a:cs typeface="Arial" panose="020B0604020202020204" pitchFamily="34" charset="0"/>
-              </a:rPr>
-              <a:t>(</a:t>
-            </a:r>
-            <a:r>
-              <a:rPr lang="en-SG" sz="1100" dirty="0" err="1">
-                <a:latin typeface="Arial" panose="020B0604020202020204" pitchFamily="34" charset="0"/>
-                <a:cs typeface="Arial" panose="020B0604020202020204" pitchFamily="34" charset="0"/>
-              </a:rPr>
-              <a:t>num</a:t>
-            </a:r>
-            <a:r>
-              <a:rPr lang="en-SG" sz="1100" dirty="0">
-                <a:latin typeface="Arial" panose="020B0604020202020204" pitchFamily="34" charset="0"/>
-                <a:cs typeface="Arial" panose="020B0604020202020204" pitchFamily="34" charset="0"/>
-              </a:rPr>
-              <a:t>, name, </a:t>
-            </a:r>
-            <a:r>
-              <a:rPr lang="en-SG" sz="1100" dirty="0" err="1">
-                <a:latin typeface="Arial" panose="020B0604020202020204" pitchFamily="34" charset="0"/>
-                <a:cs typeface="Arial" panose="020B0604020202020204" pitchFamily="34" charset="0"/>
-              </a:rPr>
-              <a:t>monLimit</a:t>
-            </a:r>
-            <a:r>
-              <a:rPr lang="en-SG" sz="1100" dirty="0">
-                <a:latin typeface="Arial" panose="020B0604020202020204" pitchFamily="34" charset="0"/>
-                <a:cs typeface="Arial" panose="020B0604020202020204" pitchFamily="34" charset="0"/>
-              </a:rPr>
-              <a:t>, </a:t>
-            </a:r>
-            <a:r>
-              <a:rPr lang="en-SG" sz="1100" dirty="0" err="1">
-                <a:latin typeface="Arial" panose="020B0604020202020204" pitchFamily="34" charset="0"/>
-                <a:cs typeface="Arial" panose="020B0604020202020204" pitchFamily="34" charset="0"/>
-              </a:rPr>
-              <a:t>remLimit</a:t>
-            </a:r>
-            <a:r>
-              <a:rPr lang="en-SG" sz="1100" dirty="0">
-                <a:latin typeface="Arial" panose="020B0604020202020204" pitchFamily="34" charset="0"/>
-                <a:cs typeface="Arial" panose="020B0604020202020204" pitchFamily="34" charset="0"/>
-              </a:rPr>
-              <a:t>, rebate)</a:t>
-            </a:r>
-            <a:endParaRPr lang="en-US" sz="1100" dirty="0">
-              <a:latin typeface="Arial" panose="020B0604020202020204" pitchFamily="34" charset="0"/>
-              <a:cs typeface="Arial" panose="020B0604020202020204" pitchFamily="34" charset="0"/>
-            </a:endParaRPr>
-          </a:p>
-        </p:txBody>
-      </p:sp>
     </p:spTree>
     <p:extLst>
       <p:ext uri="{BB962C8B-B14F-4D97-AF65-F5344CB8AC3E}">

--- a/docs/diagrams/DeleteCardCommand.pptx
+++ b/docs/diagrams/DeleteCardCommand.pptx
@@ -261,7 +261,7 @@
           <a:p>
             <a:fld id="{6C902F1A-A9B2-9648-B37E-544B927EBC1F}" type="datetimeFigureOut">
               <a:rPr lang="en-US" smtClean="0"/>
-              <a:t>10/31/19</a:t>
+              <a:t>11/10/19</a:t>
             </a:fld>
             <a:endParaRPr lang="en-US"/>
           </a:p>
@@ -461,7 +461,7 @@
           <a:p>
             <a:fld id="{6C902F1A-A9B2-9648-B37E-544B927EBC1F}" type="datetimeFigureOut">
               <a:rPr lang="en-US" smtClean="0"/>
-              <a:t>10/31/19</a:t>
+              <a:t>11/10/19</a:t>
             </a:fld>
             <a:endParaRPr lang="en-US"/>
           </a:p>
@@ -671,7 +671,7 @@
           <a:p>
             <a:fld id="{6C902F1A-A9B2-9648-B37E-544B927EBC1F}" type="datetimeFigureOut">
               <a:rPr lang="en-US" smtClean="0"/>
-              <a:t>10/31/19</a:t>
+              <a:t>11/10/19</a:t>
             </a:fld>
             <a:endParaRPr lang="en-US"/>
           </a:p>
@@ -871,7 +871,7 @@
           <a:p>
             <a:fld id="{6C902F1A-A9B2-9648-B37E-544B927EBC1F}" type="datetimeFigureOut">
               <a:rPr lang="en-US" smtClean="0"/>
-              <a:t>10/31/19</a:t>
+              <a:t>11/10/19</a:t>
             </a:fld>
             <a:endParaRPr lang="en-US"/>
           </a:p>
@@ -1147,7 +1147,7 @@
           <a:p>
             <a:fld id="{6C902F1A-A9B2-9648-B37E-544B927EBC1F}" type="datetimeFigureOut">
               <a:rPr lang="en-US" smtClean="0"/>
-              <a:t>10/31/19</a:t>
+              <a:t>11/10/19</a:t>
             </a:fld>
             <a:endParaRPr lang="en-US"/>
           </a:p>
@@ -1415,7 +1415,7 @@
           <a:p>
             <a:fld id="{6C902F1A-A9B2-9648-B37E-544B927EBC1F}" type="datetimeFigureOut">
               <a:rPr lang="en-US" smtClean="0"/>
-              <a:t>10/31/19</a:t>
+              <a:t>11/10/19</a:t>
             </a:fld>
             <a:endParaRPr lang="en-US"/>
           </a:p>
@@ -1830,7 +1830,7 @@
           <a:p>
             <a:fld id="{6C902F1A-A9B2-9648-B37E-544B927EBC1F}" type="datetimeFigureOut">
               <a:rPr lang="en-US" smtClean="0"/>
-              <a:t>10/31/19</a:t>
+              <a:t>11/10/19</a:t>
             </a:fld>
             <a:endParaRPr lang="en-US"/>
           </a:p>
@@ -1972,7 +1972,7 @@
           <a:p>
             <a:fld id="{6C902F1A-A9B2-9648-B37E-544B927EBC1F}" type="datetimeFigureOut">
               <a:rPr lang="en-US" smtClean="0"/>
-              <a:t>10/31/19</a:t>
+              <a:t>11/10/19</a:t>
             </a:fld>
             <a:endParaRPr lang="en-US"/>
           </a:p>
@@ -2085,7 +2085,7 @@
           <a:p>
             <a:fld id="{6C902F1A-A9B2-9648-B37E-544B927EBC1F}" type="datetimeFigureOut">
               <a:rPr lang="en-US" smtClean="0"/>
-              <a:t>10/31/19</a:t>
+              <a:t>11/10/19</a:t>
             </a:fld>
             <a:endParaRPr lang="en-US"/>
           </a:p>
@@ -2398,7 +2398,7 @@
           <a:p>
             <a:fld id="{6C902F1A-A9B2-9648-B37E-544B927EBC1F}" type="datetimeFigureOut">
               <a:rPr lang="en-US" smtClean="0"/>
-              <a:t>10/31/19</a:t>
+              <a:t>11/10/19</a:t>
             </a:fld>
             <a:endParaRPr lang="en-US"/>
           </a:p>
@@ -2687,7 +2687,7 @@
           <a:p>
             <a:fld id="{6C902F1A-A9B2-9648-B37E-544B927EBC1F}" type="datetimeFigureOut">
               <a:rPr lang="en-US" smtClean="0"/>
-              <a:t>10/31/19</a:t>
+              <a:t>11/10/19</a:t>
             </a:fld>
             <a:endParaRPr lang="en-US"/>
           </a:p>
@@ -2930,7 +2930,7 @@
           <a:p>
             <a:fld id="{6C902F1A-A9B2-9648-B37E-544B927EBC1F}" type="datetimeFigureOut">
               <a:rPr lang="en-US" smtClean="0"/>
-              <a:t>10/31/19</a:t>
+              <a:t>11/10/19</a:t>
             </a:fld>
             <a:endParaRPr lang="en-US"/>
           </a:p>
@@ -5874,7 +5874,7 @@
             <p:spPr>
               <a:xfrm>
                 <a:off x="6318025" y="2554036"/>
-                <a:ext cx="497252" cy="261610"/>
+                <a:ext cx="458780" cy="261610"/>
               </a:xfrm>
               <a:prstGeom prst="rect">
                 <a:avLst/>
@@ -5888,11 +5888,11 @@
               <a:lstStyle/>
               <a:p>
                 <a:r>
-                  <a:rPr lang="en-US" sz="1100">
+                  <a:rPr lang="en-US" sz="1100" dirty="0">
                     <a:latin typeface="Arial" panose="020B0604020202020204" pitchFamily="34" charset="0"/>
                     <a:cs typeface="Arial" panose="020B0604020202020204" pitchFamily="34" charset="0"/>
                   </a:rPr>
-                  <a:t>temp</a:t>
+                  <a:t>card</a:t>
                 </a:r>
               </a:p>
             </p:txBody>
